--- a/msmp/doc/annalect - mmm 20191206.pptx
+++ b/msmp/doc/annalect - mmm 20191206.pptx
@@ -13,7 +13,7 @@
   <p:sldIdLst>
     <p:sldId id="257" r:id="rId2"/>
     <p:sldId id="288" r:id="rId3"/>
-    <p:sldId id="274" r:id="rId4"/>
+    <p:sldId id="277" r:id="rId4"/>
     <p:sldId id="347" r:id="rId5"/>
     <p:sldId id="321" r:id="rId6"/>
     <p:sldId id="341" r:id="rId7"/>
@@ -163,14 +163,6 @@
     </p:ext>
   </p:extLst>
 </p:presentation>
-</file>
-
-<file path=ppt/revisionInfo.xml><?xml version="1.0" encoding="utf-8"?>
-<p1510:revInfo xmlns:a="http://schemas.openxmlformats.org/drawingml/2006/main" xmlns:r="http://schemas.openxmlformats.org/officeDocument/2006/relationships" xmlns:p1510="http://schemas.microsoft.com/office/powerpoint/2015/10/main">
-  <p1510:revLst>
-    <p1510:client id="{FE8B856B-790C-47F7-A38B-E6E8AD931F2D}" v="512" dt="2019-12-06T15:12:48.599"/>
-  </p1510:revLst>
-</p1510:revInfo>
 </file>
 
 <file path=ppt/changesInfos/changesInfo1.xml><?xml version="1.0" encoding="utf-8"?>
@@ -459,6 +451,197 @@
             <ac:spMk id="5" creationId="{E33A46DE-2BE9-4B89-8563-949CCD5A213F}"/>
           </ac:spMkLst>
         </pc:spChg>
+      </pc:sldChg>
+    </pc:docChg>
+  </pc:docChgLst>
+  <pc:docChgLst>
+    <pc:chgData name="Julia Liu (Annalect)" userId="134ed20b-46a3-49f7-928e-40ed9965e034" providerId="ADAL" clId="{FB54DF68-7434-4D0D-AD97-92A520AA79A9}"/>
+    <pc:docChg chg="custSel addSld delSld modSld">
+      <pc:chgData name="Julia Liu (Annalect)" userId="134ed20b-46a3-49f7-928e-40ed9965e034" providerId="ADAL" clId="{FB54DF68-7434-4D0D-AD97-92A520AA79A9}" dt="2022-05-25T00:40:11.633" v="118" actId="20577"/>
+      <pc:docMkLst>
+        <pc:docMk/>
+      </pc:docMkLst>
+      <pc:sldChg chg="del">
+        <pc:chgData name="Julia Liu (Annalect)" userId="134ed20b-46a3-49f7-928e-40ed9965e034" providerId="ADAL" clId="{FB54DF68-7434-4D0D-AD97-92A520AA79A9}" dt="2022-05-25T00:39:34.163" v="34" actId="47"/>
+        <pc:sldMkLst>
+          <pc:docMk/>
+          <pc:sldMk cId="3655253579" sldId="274"/>
+        </pc:sldMkLst>
+      </pc:sldChg>
+      <pc:sldChg chg="addSp delSp modSp add mod">
+        <pc:chgData name="Julia Liu (Annalect)" userId="134ed20b-46a3-49f7-928e-40ed9965e034" providerId="ADAL" clId="{FB54DF68-7434-4D0D-AD97-92A520AA79A9}" dt="2022-05-25T00:40:11.633" v="118" actId="20577"/>
+        <pc:sldMkLst>
+          <pc:docMk/>
+          <pc:sldMk cId="2507082750" sldId="277"/>
+        </pc:sldMkLst>
+        <pc:spChg chg="del">
+          <ac:chgData name="Julia Liu (Annalect)" userId="134ed20b-46a3-49f7-928e-40ed9965e034" providerId="ADAL" clId="{FB54DF68-7434-4D0D-AD97-92A520AA79A9}" dt="2022-05-25T00:36:58.384" v="10" actId="478"/>
+          <ac:spMkLst>
+            <pc:docMk/>
+            <pc:sldMk cId="2507082750" sldId="277"/>
+            <ac:spMk id="2" creationId="{C8782851-86B1-447A-9D01-30E5F614029A}"/>
+          </ac:spMkLst>
+        </pc:spChg>
+        <pc:spChg chg="mod">
+          <ac:chgData name="Julia Liu (Annalect)" userId="134ed20b-46a3-49f7-928e-40ed9965e034" providerId="ADAL" clId="{FB54DF68-7434-4D0D-AD97-92A520AA79A9}" dt="2022-05-25T00:36:44.760" v="2" actId="6549"/>
+          <ac:spMkLst>
+            <pc:docMk/>
+            <pc:sldMk cId="2507082750" sldId="277"/>
+            <ac:spMk id="3" creationId="{00000000-0000-0000-0000-000000000000}"/>
+          </ac:spMkLst>
+        </pc:spChg>
+        <pc:spChg chg="mod">
+          <ac:chgData name="Julia Liu (Annalect)" userId="134ed20b-46a3-49f7-928e-40ed9965e034" providerId="ADAL" clId="{FB54DF68-7434-4D0D-AD97-92A520AA79A9}" dt="2022-05-25T00:37:03.079" v="12" actId="1076"/>
+          <ac:spMkLst>
+            <pc:docMk/>
+            <pc:sldMk cId="2507082750" sldId="277"/>
+            <ac:spMk id="5" creationId="{00000000-0000-0000-0000-000000000000}"/>
+          </ac:spMkLst>
+        </pc:spChg>
+        <pc:spChg chg="mod">
+          <ac:chgData name="Julia Liu (Annalect)" userId="134ed20b-46a3-49f7-928e-40ed9965e034" providerId="ADAL" clId="{FB54DF68-7434-4D0D-AD97-92A520AA79A9}" dt="2022-05-25T00:38:36.623" v="24" actId="1076"/>
+          <ac:spMkLst>
+            <pc:docMk/>
+            <pc:sldMk cId="2507082750" sldId="277"/>
+            <ac:spMk id="8" creationId="{00000000-0000-0000-0000-000000000000}"/>
+          </ac:spMkLst>
+        </pc:spChg>
+        <pc:spChg chg="del">
+          <ac:chgData name="Julia Liu (Annalect)" userId="134ed20b-46a3-49f7-928e-40ed9965e034" providerId="ADAL" clId="{FB54DF68-7434-4D0D-AD97-92A520AA79A9}" dt="2022-05-25T00:36:56.752" v="9" actId="478"/>
+          <ac:spMkLst>
+            <pc:docMk/>
+            <pc:sldMk cId="2507082750" sldId="277"/>
+            <ac:spMk id="10" creationId="{00000000-0000-0000-0000-000000000000}"/>
+          </ac:spMkLst>
+        </pc:spChg>
+        <pc:spChg chg="mod">
+          <ac:chgData name="Julia Liu (Annalect)" userId="134ed20b-46a3-49f7-928e-40ed9965e034" providerId="ADAL" clId="{FB54DF68-7434-4D0D-AD97-92A520AA79A9}" dt="2022-05-25T00:38:34.464" v="23" actId="1076"/>
+          <ac:spMkLst>
+            <pc:docMk/>
+            <pc:sldMk cId="2507082750" sldId="277"/>
+            <ac:spMk id="12" creationId="{00000000-0000-0000-0000-000000000000}"/>
+          </ac:spMkLst>
+        </pc:spChg>
+        <pc:spChg chg="del">
+          <ac:chgData name="Julia Liu (Annalect)" userId="134ed20b-46a3-49f7-928e-40ed9965e034" providerId="ADAL" clId="{FB54DF68-7434-4D0D-AD97-92A520AA79A9}" dt="2022-05-25T00:36:53.032" v="5" actId="478"/>
+          <ac:spMkLst>
+            <pc:docMk/>
+            <pc:sldMk cId="2507082750" sldId="277"/>
+            <ac:spMk id="16" creationId="{CFEF1BF6-3623-4772-B5E7-AAA28BBA90F2}"/>
+          </ac:spMkLst>
+        </pc:spChg>
+        <pc:spChg chg="del">
+          <ac:chgData name="Julia Liu (Annalect)" userId="134ed20b-46a3-49f7-928e-40ed9965e034" providerId="ADAL" clId="{FB54DF68-7434-4D0D-AD97-92A520AA79A9}" dt="2022-05-25T00:36:52.176" v="4" actId="478"/>
+          <ac:spMkLst>
+            <pc:docMk/>
+            <pc:sldMk cId="2507082750" sldId="277"/>
+            <ac:spMk id="17" creationId="{40DBE37D-D924-463B-919E-FB04157BFBAC}"/>
+          </ac:spMkLst>
+        </pc:spChg>
+        <pc:spChg chg="mod">
+          <ac:chgData name="Julia Liu (Annalect)" userId="134ed20b-46a3-49f7-928e-40ed9965e034" providerId="ADAL" clId="{FB54DF68-7434-4D0D-AD97-92A520AA79A9}" dt="2022-05-25T00:38:53.444" v="26" actId="207"/>
+          <ac:spMkLst>
+            <pc:docMk/>
+            <pc:sldMk cId="2507082750" sldId="277"/>
+            <ac:spMk id="18" creationId="{F22327BE-A3C5-40C2-98CC-61118359AD6E}"/>
+          </ac:spMkLst>
+        </pc:spChg>
+        <pc:spChg chg="mod">
+          <ac:chgData name="Julia Liu (Annalect)" userId="134ed20b-46a3-49f7-928e-40ed9965e034" providerId="ADAL" clId="{FB54DF68-7434-4D0D-AD97-92A520AA79A9}" dt="2022-05-25T00:38:25.264" v="21" actId="14100"/>
+          <ac:spMkLst>
+            <pc:docMk/>
+            <pc:sldMk cId="2507082750" sldId="277"/>
+            <ac:spMk id="22" creationId="{00000000-0000-0000-0000-000000000000}"/>
+          </ac:spMkLst>
+        </pc:spChg>
+        <pc:spChg chg="mod">
+          <ac:chgData name="Julia Liu (Annalect)" userId="134ed20b-46a3-49f7-928e-40ed9965e034" providerId="ADAL" clId="{FB54DF68-7434-4D0D-AD97-92A520AA79A9}" dt="2022-05-25T00:38:21.244" v="20" actId="20577"/>
+          <ac:spMkLst>
+            <pc:docMk/>
+            <pc:sldMk cId="2507082750" sldId="277"/>
+            <ac:spMk id="23" creationId="{00000000-0000-0000-0000-000000000000}"/>
+          </ac:spMkLst>
+        </pc:spChg>
+        <pc:spChg chg="del mod">
+          <ac:chgData name="Julia Liu (Annalect)" userId="134ed20b-46a3-49f7-928e-40ed9965e034" providerId="ADAL" clId="{FB54DF68-7434-4D0D-AD97-92A520AA79A9}" dt="2022-05-25T00:36:54.001" v="7" actId="478"/>
+          <ac:spMkLst>
+            <pc:docMk/>
+            <pc:sldMk cId="2507082750" sldId="277"/>
+            <ac:spMk id="24" creationId="{00000000-0000-0000-0000-000000000000}"/>
+          </ac:spMkLst>
+        </pc:spChg>
+        <pc:spChg chg="mod">
+          <ac:chgData name="Julia Liu (Annalect)" userId="134ed20b-46a3-49f7-928e-40ed9965e034" providerId="ADAL" clId="{FB54DF68-7434-4D0D-AD97-92A520AA79A9}" dt="2022-05-25T00:37:05.448" v="13" actId="1076"/>
+          <ac:spMkLst>
+            <pc:docMk/>
+            <pc:sldMk cId="2507082750" sldId="277"/>
+            <ac:spMk id="27" creationId="{23F158E3-DE6C-4DF9-855D-D709F02AFA41}"/>
+          </ac:spMkLst>
+        </pc:spChg>
+        <pc:spChg chg="add mod">
+          <ac:chgData name="Julia Liu (Annalect)" userId="134ed20b-46a3-49f7-928e-40ed9965e034" providerId="ADAL" clId="{FB54DF68-7434-4D0D-AD97-92A520AA79A9}" dt="2022-05-25T00:40:11.633" v="118" actId="20577"/>
+          <ac:spMkLst>
+            <pc:docMk/>
+            <pc:sldMk cId="2507082750" sldId="277"/>
+            <ac:spMk id="30" creationId="{53898689-A26B-4B25-BEF4-B817186E8894}"/>
+          </ac:spMkLst>
+        </pc:spChg>
+        <pc:spChg chg="mod">
+          <ac:chgData name="Julia Liu (Annalect)" userId="134ed20b-46a3-49f7-928e-40ed9965e034" providerId="ADAL" clId="{FB54DF68-7434-4D0D-AD97-92A520AA79A9}" dt="2022-05-25T00:38:12.393" v="18" actId="14100"/>
+          <ac:spMkLst>
+            <pc:docMk/>
+            <pc:sldMk cId="2507082750" sldId="277"/>
+            <ac:spMk id="31" creationId="{6BD6DFA7-0B90-4F21-B8B2-4328C2054767}"/>
+          </ac:spMkLst>
+        </pc:spChg>
+        <pc:spChg chg="mod">
+          <ac:chgData name="Julia Liu (Annalect)" userId="134ed20b-46a3-49f7-928e-40ed9965e034" providerId="ADAL" clId="{FB54DF68-7434-4D0D-AD97-92A520AA79A9}" dt="2022-05-25T00:38:49.433" v="25" actId="207"/>
+          <ac:spMkLst>
+            <pc:docMk/>
+            <pc:sldMk cId="2507082750" sldId="277"/>
+            <ac:spMk id="37" creationId="{0FDD3D32-89B3-48FF-B026-16224E982405}"/>
+          </ac:spMkLst>
+        </pc:spChg>
+        <pc:spChg chg="mod">
+          <ac:chgData name="Julia Liu (Annalect)" userId="134ed20b-46a3-49f7-928e-40ed9965e034" providerId="ADAL" clId="{FB54DF68-7434-4D0D-AD97-92A520AA79A9}" dt="2022-05-25T00:38:56.899" v="27" actId="207"/>
+          <ac:spMkLst>
+            <pc:docMk/>
+            <pc:sldMk cId="2507082750" sldId="277"/>
+            <ac:spMk id="38" creationId="{6FD09B70-9756-4C5C-97FA-40894216C02F}"/>
+          </ac:spMkLst>
+        </pc:spChg>
+        <pc:spChg chg="del">
+          <ac:chgData name="Julia Liu (Annalect)" userId="134ed20b-46a3-49f7-928e-40ed9965e034" providerId="ADAL" clId="{FB54DF68-7434-4D0D-AD97-92A520AA79A9}" dt="2022-05-25T00:36:50.748" v="3" actId="478"/>
+          <ac:spMkLst>
+            <pc:docMk/>
+            <pc:sldMk cId="2507082750" sldId="277"/>
+            <ac:spMk id="39" creationId="{C6A01CD0-212F-44FD-BCF3-B31A071C3490}"/>
+          </ac:spMkLst>
+        </pc:spChg>
+        <pc:spChg chg="mod">
+          <ac:chgData name="Julia Liu (Annalect)" userId="134ed20b-46a3-49f7-928e-40ed9965e034" providerId="ADAL" clId="{FB54DF68-7434-4D0D-AD97-92A520AA79A9}" dt="2022-05-25T00:38:29.776" v="22" actId="1076"/>
+          <ac:spMkLst>
+            <pc:docMk/>
+            <pc:sldMk cId="2507082750" sldId="277"/>
+            <ac:spMk id="40" creationId="{E7CCC869-14D0-4F24-BE07-1FF5FC3B0A30}"/>
+          </ac:spMkLst>
+        </pc:spChg>
+        <pc:cxnChg chg="del">
+          <ac:chgData name="Julia Liu (Annalect)" userId="134ed20b-46a3-49f7-928e-40ed9965e034" providerId="ADAL" clId="{FB54DF68-7434-4D0D-AD97-92A520AA79A9}" dt="2022-05-25T00:36:55.735" v="8" actId="478"/>
+          <ac:cxnSpMkLst>
+            <pc:docMk/>
+            <pc:sldMk cId="2507082750" sldId="277"/>
+            <ac:cxnSpMk id="11" creationId="{BA7D094D-5927-478B-A1A6-33C0F5B48270}"/>
+          </ac:cxnSpMkLst>
+        </pc:cxnChg>
+        <pc:cxnChg chg="del">
+          <ac:chgData name="Julia Liu (Annalect)" userId="134ed20b-46a3-49f7-928e-40ed9965e034" providerId="ADAL" clId="{FB54DF68-7434-4D0D-AD97-92A520AA79A9}" dt="2022-05-25T00:37:00.047" v="11" actId="478"/>
+          <ac:cxnSpMkLst>
+            <pc:docMk/>
+            <pc:sldMk cId="2507082750" sldId="277"/>
+            <ac:cxnSpMk id="20" creationId="{B34416DA-035C-43FC-BFDF-62F9977557F1}"/>
+          </ac:cxnSpMkLst>
+        </pc:cxnChg>
       </pc:sldChg>
     </pc:docChg>
   </pc:docChgLst>
@@ -3850,7 +4033,7 @@
           <a:p>
             <a:fld id="{5345F222-A972-1E4F-85C1-973C66857702}" type="datetimeFigureOut">
               <a:rPr lang="en-US" smtClean="0"/>
-              <a:t>12/5/2019</a:t>
+              <a:t>5/24/2022</a:t>
             </a:fld>
             <a:endParaRPr lang="en-US"/>
           </a:p>
@@ -4016,7 +4199,7 @@
           <a:p>
             <a:fld id="{A8268DCD-ED9C-8C48-954C-583A501F531E}" type="datetimeFigureOut">
               <a:rPr lang="en-US" smtClean="0"/>
-              <a:t>12/5/2019</a:t>
+              <a:t>5/24/2022</a:t>
             </a:fld>
             <a:endParaRPr lang="en-US"/>
           </a:p>
@@ -25414,9 +25597,7 @@
           <p:cNvGraphicFramePr>
             <a:graphicFrameLocks noChangeAspect="1"/>
           </p:cNvGraphicFramePr>
-          <p:nvPr>
-            <p:extLst/>
-          </p:nvPr>
+          <p:nvPr/>
         </p:nvGraphicFramePr>
         <p:xfrm>
           <a:off x="2606107" y="1675885"/>
@@ -25426,7 +25607,7 @@
           <a:graphicData uri="http://schemas.openxmlformats.org/presentationml/2006/ole">
             <mc:AlternateContent xmlns:mc="http://schemas.openxmlformats.org/markup-compatibility/2006">
               <mc:Choice xmlns:v="urn:schemas-microsoft-com:vml" Requires="v">
-                <p:oleObj spid="_x0000_s6146" name="Equation" r:id="rId4" imgW="2095200" imgH="253800" progId="Equation.3">
+                <p:oleObj name="Equation" r:id="rId4" imgW="2095200" imgH="253800" progId="Equation.3">
                   <p:embed/>
                 </p:oleObj>
               </mc:Choice>
@@ -25738,9 +25919,7 @@
           <p:cNvGraphicFramePr>
             <a:graphicFrameLocks noChangeAspect="1"/>
           </p:cNvGraphicFramePr>
-          <p:nvPr>
-            <p:extLst/>
-          </p:nvPr>
+          <p:nvPr/>
         </p:nvGraphicFramePr>
         <p:xfrm>
           <a:off x="2606107" y="2434098"/>
@@ -25750,7 +25929,7 @@
           <a:graphicData uri="http://schemas.openxmlformats.org/presentationml/2006/ole">
             <mc:AlternateContent xmlns:mc="http://schemas.openxmlformats.org/markup-compatibility/2006">
               <mc:Choice xmlns:v="urn:schemas-microsoft-com:vml" Requires="v">
-                <p:oleObj spid="_x0000_s6147" name="Equation" r:id="rId6" imgW="965160" imgH="228600" progId="Equation.3">
+                <p:oleObj name="Equation" r:id="rId6" imgW="965160" imgH="228600" progId="Equation.3">
                   <p:embed/>
                 </p:oleObj>
               </mc:Choice>
@@ -25787,7 +25966,6 @@
                         <a:noFill/>
                       </a:ln>
                       <a:effectLst/>
-                      <a:extLst/>
                     </p:spPr>
                   </p:pic>
                 </p:oleObj>
@@ -32192,7 +32370,12 @@
             <p:ph type="title"/>
           </p:nvPr>
         </p:nvSpPr>
-        <p:spPr/>
+        <p:spPr>
+          <a:xfrm>
+            <a:off x="409659" y="342056"/>
+            <a:ext cx="10969943" cy="725298"/>
+          </a:xfrm>
+        </p:spPr>
         <p:txBody>
           <a:bodyPr>
             <a:normAutofit/>
@@ -32200,15 +32383,56 @@
           <a:lstStyle/>
           <a:p>
             <a:r>
-              <a:rPr lang="en-US" sz="2399" dirty="0">
+              <a:rPr lang="en-US" sz="2398" dirty="0">
                 <a:solidFill>
                   <a:schemeClr val="accent1">
                     <a:lumMod val="75000"/>
                   </a:schemeClr>
                 </a:solidFill>
+                <a:latin typeface="+mn-lt"/>
               </a:rPr>
-              <a:t>Platform high level structure</a:t>
-            </a:r>
+              <a:t>Marketing Science MMM Platform (</a:t>
+            </a:r>
+            <a:r>
+              <a:rPr lang="en-US" sz="2398" dirty="0" err="1">
+                <a:solidFill>
+                  <a:schemeClr val="accent1">
+                    <a:lumMod val="75000"/>
+                  </a:schemeClr>
+                </a:solidFill>
+                <a:latin typeface="+mn-lt"/>
+              </a:rPr>
+              <a:t>msmp</a:t>
+            </a:r>
+            <a:r>
+              <a:rPr lang="en-US" sz="2398" dirty="0">
+                <a:solidFill>
+                  <a:schemeClr val="accent1">
+                    <a:lumMod val="75000"/>
+                  </a:schemeClr>
+                </a:solidFill>
+                <a:latin typeface="+mn-lt"/>
+              </a:rPr>
+              <a:t>) high level structure</a:t>
+            </a:r>
+            <a:br>
+              <a:rPr lang="en-US" sz="2398" dirty="0">
+                <a:solidFill>
+                  <a:schemeClr val="accent1">
+                    <a:lumMod val="75000"/>
+                  </a:schemeClr>
+                </a:solidFill>
+                <a:latin typeface="+mn-lt"/>
+              </a:rPr>
+            </a:br>
+            <a:endParaRPr lang="en-US" sz="2398" dirty="0">
+              <a:solidFill>
+                <a:schemeClr val="accent1">
+                  <a:lumMod val="75000"/>
+                </a:schemeClr>
+              </a:solidFill>
+              <a:latin typeface="+mn-lt"/>
+            </a:endParaRPr>
           </a:p>
         </p:txBody>
       </p:sp>
@@ -32220,14 +32444,14 @@
         </p:nvSpPr>
         <p:spPr>
           <a:xfrm>
-            <a:off x="692546" y="1696284"/>
-            <a:ext cx="1723716" cy="1010308"/>
+            <a:off x="992441" y="2718499"/>
+            <a:ext cx="1388145" cy="530721"/>
           </a:xfrm>
           <a:prstGeom prst="rect">
             <a:avLst/>
           </a:prstGeom>
           <a:solidFill>
-            <a:schemeClr val="accent6"/>
+            <a:srgbClr val="2FC5C5"/>
           </a:solidFill>
           <a:ln>
             <a:noFill/>
@@ -32253,7 +32477,7 @@
           <a:p>
             <a:pPr algn="ctr"/>
             <a:r>
-              <a:rPr lang="en-US" sz="1600" b="1" dirty="0">
+              <a:rPr lang="en-US" sz="1200" b="1" dirty="0">
                 <a:solidFill>
                   <a:srgbClr val="FF0000"/>
                 </a:solidFill>
@@ -32261,7 +32485,7 @@
               <a:t> </a:t>
             </a:r>
             <a:r>
-              <a:rPr lang="en-US" sz="1600" b="1" dirty="0">
+              <a:rPr lang="en-US" sz="1200" b="1" dirty="0">
                 <a:solidFill>
                   <a:schemeClr val="tx1"/>
                 </a:solidFill>
@@ -32269,7 +32493,7 @@
               <a:t>Import</a:t>
             </a:r>
             <a:r>
-              <a:rPr lang="en-US" sz="1600" b="1" dirty="0">
+              <a:rPr lang="en-US" sz="1200" b="1" dirty="0">
                 <a:solidFill>
                   <a:srgbClr val="FF0000"/>
                 </a:solidFill>
@@ -32277,12 +32501,12 @@
               <a:t> </a:t>
             </a:r>
             <a:r>
-              <a:rPr lang="en-US" sz="1600" b="1" dirty="0">
+              <a:rPr lang="en-US" sz="1200" b="1" dirty="0">
                 <a:solidFill>
                   <a:schemeClr val="tx1"/>
                 </a:solidFill>
               </a:rPr>
-              <a:t>data</a:t>
+              <a:t>data and taxonomy </a:t>
             </a:r>
           </a:p>
         </p:txBody>
@@ -32295,14 +32519,14 @@
         </p:nvSpPr>
         <p:spPr>
           <a:xfrm>
-            <a:off x="2631808" y="2160466"/>
-            <a:ext cx="379911" cy="249317"/>
+            <a:off x="2923063" y="3329258"/>
+            <a:ext cx="920239" cy="607349"/>
           </a:xfrm>
           <a:prstGeom prst="rightArrow">
             <a:avLst/>
           </a:prstGeom>
           <a:solidFill>
-            <a:schemeClr val="accent6"/>
+            <a:srgbClr val="2FC5C5"/>
           </a:solidFill>
           <a:ln>
             <a:noFill/>
@@ -32325,7 +32549,7 @@
           </a:fontRef>
         </p:style>
         <p:txBody>
-          <a:bodyPr rot="0" spcFirstLastPara="0" vertOverflow="overflow" horzOverflow="overflow" vert="horz" wrap="square" lIns="91416" tIns="45708" rIns="91416" bIns="91416" numCol="1" spcCol="0" rtlCol="0" fromWordArt="0" anchor="ctr" anchorCtr="0" forceAA="0" compatLnSpc="1">
+          <a:bodyPr rot="0" spcFirstLastPara="0" vertOverflow="overflow" horzOverflow="overflow" vert="horz" wrap="square" lIns="91392" tIns="45696" rIns="91392" bIns="91392" numCol="1" spcCol="0" rtlCol="0" fromWordArt="0" anchor="ctr" anchorCtr="0" forceAA="0" compatLnSpc="1">
             <a:prstTxWarp prst="textNoShape">
               <a:avLst/>
             </a:prstTxWarp>
@@ -32341,9 +32565,19 @@
                 <a:spcPts val="1500"/>
               </a:spcBef>
             </a:pPr>
-            <a:endParaRPr lang="en-US" sz="1600" dirty="0">
+            <a:r>
+              <a:rPr lang="en-US" sz="1000" b="1" dirty="0" err="1">
+                <a:solidFill>
+                  <a:schemeClr val="tx1"/>
+                </a:solidFill>
+                <a:latin typeface="Arial"/>
+                <a:cs typeface="Arial"/>
+              </a:rPr>
+              <a:t>mod_obj</a:t>
+            </a:r>
+            <a:endParaRPr lang="en-US" sz="1000" b="1" dirty="0">
               <a:solidFill>
-                <a:schemeClr val="bg1"/>
+                <a:schemeClr val="tx1"/>
               </a:solidFill>
               <a:latin typeface="Arial"/>
               <a:cs typeface="Arial"/>
@@ -32359,14 +32593,14 @@
         </p:nvSpPr>
         <p:spPr>
           <a:xfrm>
-            <a:off x="6438963" y="1705891"/>
-            <a:ext cx="1723716" cy="1010308"/>
+            <a:off x="5564309" y="2710125"/>
+            <a:ext cx="1218499" cy="547470"/>
           </a:xfrm>
           <a:prstGeom prst="rect">
             <a:avLst/>
           </a:prstGeom>
           <a:solidFill>
-            <a:schemeClr val="accent6"/>
+            <a:srgbClr val="2FC5C5"/>
           </a:solidFill>
           <a:ln>
             <a:noFill/>
@@ -32400,7 +32634,7 @@
               <a:t> </a:t>
             </a:r>
             <a:r>
-              <a:rPr lang="en-US" sz="1600" b="1" dirty="0">
+              <a:rPr lang="en-US" sz="1200" b="1" dirty="0">
                 <a:solidFill>
                   <a:schemeClr val="tx1"/>
                 </a:solidFill>
@@ -32418,14 +32652,14 @@
         </p:nvSpPr>
         <p:spPr>
           <a:xfrm>
-            <a:off x="7880920" y="3322694"/>
-            <a:ext cx="1723716" cy="1010308"/>
+            <a:off x="6222552" y="3642438"/>
+            <a:ext cx="1172420" cy="736337"/>
           </a:xfrm>
           <a:prstGeom prst="rect">
             <a:avLst/>
           </a:prstGeom>
           <a:solidFill>
-            <a:schemeClr val="accent6"/>
+            <a:srgbClr val="2FC5C5"/>
           </a:solidFill>
           <a:ln>
             <a:noFill/>
@@ -32459,12 +32693,12 @@
               <a:t> </a:t>
             </a:r>
             <a:r>
-              <a:rPr lang="en-US" sz="1600" b="1" dirty="0">
+              <a:rPr lang="en-US" sz="1200" b="1" dirty="0">
                 <a:solidFill>
                   <a:schemeClr val="tx1"/>
                 </a:solidFill>
               </a:rPr>
-              <a:t>EDA</a:t>
+              <a:t>explore data analysis</a:t>
             </a:r>
           </a:p>
         </p:txBody>
@@ -32477,14 +32711,14 @@
         </p:nvSpPr>
         <p:spPr>
           <a:xfrm>
-            <a:off x="3366432" y="1694344"/>
-            <a:ext cx="1723716" cy="1010308"/>
+            <a:off x="1053346" y="3900266"/>
+            <a:ext cx="1266337" cy="367943"/>
           </a:xfrm>
           <a:prstGeom prst="rect">
             <a:avLst/>
           </a:prstGeom>
           <a:solidFill>
-            <a:schemeClr val="accent6"/>
+            <a:srgbClr val="2FC5C5"/>
           </a:solidFill>
           <a:ln>
             <a:noFill/>
@@ -32518,48 +32752,107 @@
               <a:t> </a:t>
             </a:r>
             <a:r>
+              <a:rPr lang="en-US" sz="1200" b="1" dirty="0">
+                <a:solidFill>
+                  <a:schemeClr val="tx1"/>
+                </a:solidFill>
+              </a:rPr>
+              <a:t>tidy</a:t>
+            </a:r>
+            <a:r>
+              <a:rPr lang="en-US" sz="1200" b="1" dirty="0">
+                <a:solidFill>
+                  <a:srgbClr val="FF0000"/>
+                </a:solidFill>
+              </a:rPr>
+              <a:t> </a:t>
+            </a:r>
+            <a:r>
+              <a:rPr lang="en-US" sz="1200" b="1" dirty="0">
+                <a:solidFill>
+                  <a:schemeClr val="tx1"/>
+                </a:solidFill>
+              </a:rPr>
+              <a:t>data</a:t>
+            </a:r>
+          </a:p>
+        </p:txBody>
+      </p:sp>
+      <p:sp>
+        <p:nvSpPr>
+          <p:cNvPr id="12" name="Rectangle 11"/>
+          <p:cNvSpPr/>
+          <p:nvPr/>
+        </p:nvSpPr>
+        <p:spPr>
+          <a:xfrm>
+            <a:off x="4244016" y="3600503"/>
+            <a:ext cx="1365812" cy="725298"/>
+          </a:xfrm>
+          <a:prstGeom prst="rect">
+            <a:avLst/>
+          </a:prstGeom>
+          <a:solidFill>
+            <a:srgbClr val="2FC5C5"/>
+          </a:solidFill>
+          <a:ln>
+            <a:noFill/>
+          </a:ln>
+        </p:spPr>
+        <p:style>
+          <a:lnRef idx="1">
+            <a:schemeClr val="accent1"/>
+          </a:lnRef>
+          <a:fillRef idx="3">
+            <a:schemeClr val="accent1"/>
+          </a:fillRef>
+          <a:effectRef idx="2">
+            <a:schemeClr val="accent1"/>
+          </a:effectRef>
+          <a:fontRef idx="minor">
+            <a:schemeClr val="lt1"/>
+          </a:fontRef>
+        </p:style>
+        <p:txBody>
+          <a:bodyPr rtlCol="0" anchor="ctr"/>
+          <a:lstStyle/>
+          <a:p>
+            <a:pPr algn="ctr"/>
+            <a:r>
               <a:rPr lang="en-US" sz="1600" b="1" dirty="0">
                 <a:solidFill>
                   <a:schemeClr val="tx1"/>
                 </a:solidFill>
               </a:rPr>
-              <a:t>tidy</a:t>
-            </a:r>
-            <a:r>
-              <a:rPr lang="en-US" sz="1600" b="1" dirty="0">
-                <a:solidFill>
-                  <a:srgbClr val="FF0000"/>
-                </a:solidFill>
-              </a:rPr>
-              <a:t> </a:t>
-            </a:r>
-            <a:r>
-              <a:rPr lang="en-US" sz="1600" b="1" dirty="0">
+              <a:t> (</a:t>
+            </a:r>
+            <a:r>
+              <a:rPr lang="en-US" sz="1200" b="1" dirty="0">
                 <a:solidFill>
                   <a:schemeClr val="tx1"/>
                 </a:solidFill>
               </a:rPr>
-              <a:t>data</a:t>
+              <a:t>channel level) Bayesian Model (national or panel)</a:t>
             </a:r>
           </a:p>
         </p:txBody>
       </p:sp>
       <p:sp>
         <p:nvSpPr>
-          <p:cNvPr id="10" name="Right Arrow 9"/>
+          <p:cNvPr id="13" name="Curved Left Arrow 12"/>
           <p:cNvSpPr/>
           <p:nvPr/>
         </p:nvSpPr>
         <p:spPr>
           <a:xfrm>
-            <a:off x="5338608" y="2074840"/>
-            <a:ext cx="379911" cy="249317"/>
+            <a:off x="7458843" y="3035171"/>
+            <a:ext cx="974729" cy="927981"/>
           </a:xfrm>
-          <a:prstGeom prst="rightArrow">
+          <a:prstGeom prst="curvedLeftArrow">
             <a:avLst/>
           </a:prstGeom>
           <a:solidFill>
-            <a:schemeClr val="accent6"/>
+            <a:srgbClr val="2FC5C5"/>
           </a:solidFill>
           <a:ln>
             <a:noFill/>
@@ -32582,7 +32875,7 @@
           </a:fontRef>
         </p:style>
         <p:txBody>
-          <a:bodyPr rot="0" spcFirstLastPara="0" vertOverflow="overflow" horzOverflow="overflow" vert="horz" wrap="square" lIns="91416" tIns="45708" rIns="91416" bIns="91416" numCol="1" spcCol="0" rtlCol="0" fromWordArt="0" anchor="ctr" anchorCtr="0" forceAA="0" compatLnSpc="1">
+          <a:bodyPr rot="0" spcFirstLastPara="0" vertOverflow="overflow" horzOverflow="overflow" vert="horz" wrap="square" lIns="91392" tIns="45696" rIns="91392" bIns="91392" numCol="1" spcCol="0" rtlCol="0" fromWordArt="0" anchor="ctr" anchorCtr="0" forceAA="0" compatLnSpc="1">
             <a:prstTxWarp prst="textNoShape">
               <a:avLst/>
             </a:prstTxWarp>
@@ -32610,20 +32903,148 @@
       </p:sp>
       <p:sp>
         <p:nvSpPr>
-          <p:cNvPr id="12" name="Rectangle 11"/>
+          <p:cNvPr id="14" name="Left Arrow 13"/>
           <p:cNvSpPr/>
           <p:nvPr/>
         </p:nvSpPr>
         <p:spPr>
           <a:xfrm>
-            <a:off x="5348569" y="3322694"/>
-            <a:ext cx="1723716" cy="1010308"/>
+            <a:off x="5751617" y="3849530"/>
+            <a:ext cx="379812" cy="242891"/>
+          </a:xfrm>
+          <a:prstGeom prst="leftArrow">
+            <a:avLst/>
+          </a:prstGeom>
+          <a:solidFill>
+            <a:srgbClr val="2FC5C5"/>
+          </a:solidFill>
+          <a:ln>
+            <a:noFill/>
+          </a:ln>
+        </p:spPr>
+        <p:style>
+          <a:lnRef idx="2">
+            <a:schemeClr val="accent1">
+              <a:shade val="50000"/>
+            </a:schemeClr>
+          </a:lnRef>
+          <a:fillRef idx="1">
+            <a:schemeClr val="accent1"/>
+          </a:fillRef>
+          <a:effectRef idx="0">
+            <a:schemeClr val="accent1"/>
+          </a:effectRef>
+          <a:fontRef idx="minor">
+            <a:schemeClr val="lt1"/>
+          </a:fontRef>
+        </p:style>
+        <p:txBody>
+          <a:bodyPr rot="0" spcFirstLastPara="0" vertOverflow="overflow" horzOverflow="overflow" vert="horz" wrap="square" lIns="91392" tIns="45696" rIns="91392" bIns="91392" numCol="1" spcCol="0" rtlCol="0" fromWordArt="0" anchor="ctr" anchorCtr="0" forceAA="0" compatLnSpc="1">
+            <a:prstTxWarp prst="textNoShape">
+              <a:avLst/>
+            </a:prstTxWarp>
+            <a:noAutofit/>
+          </a:bodyPr>
+          <a:lstStyle/>
+          <a:p>
+            <a:pPr algn="ctr">
+              <a:lnSpc>
+                <a:spcPct val="112000"/>
+              </a:lnSpc>
+              <a:spcBef>
+                <a:spcPts val="1500"/>
+              </a:spcBef>
+            </a:pPr>
+            <a:endParaRPr lang="en-US" sz="1600" dirty="0">
+              <a:solidFill>
+                <a:schemeClr val="bg1"/>
+              </a:solidFill>
+              <a:latin typeface="Arial"/>
+              <a:cs typeface="Arial"/>
+            </a:endParaRPr>
+          </a:p>
+        </p:txBody>
+      </p:sp>
+      <p:sp>
+        <p:nvSpPr>
+          <p:cNvPr id="19" name="Bent Arrow 18"/>
+          <p:cNvSpPr/>
+          <p:nvPr/>
+        </p:nvSpPr>
+        <p:spPr>
+          <a:xfrm>
+            <a:off x="4683920" y="2685100"/>
+            <a:ext cx="585799" cy="803356"/>
+          </a:xfrm>
+          <a:prstGeom prst="bentArrow">
+            <a:avLst/>
+          </a:prstGeom>
+          <a:solidFill>
+            <a:srgbClr val="2FC5C5"/>
+          </a:solidFill>
+          <a:ln>
+            <a:noFill/>
+          </a:ln>
+        </p:spPr>
+        <p:style>
+          <a:lnRef idx="2">
+            <a:schemeClr val="accent1">
+              <a:shade val="50000"/>
+            </a:schemeClr>
+          </a:lnRef>
+          <a:fillRef idx="1">
+            <a:schemeClr val="accent1"/>
+          </a:fillRef>
+          <a:effectRef idx="0">
+            <a:schemeClr val="accent1"/>
+          </a:effectRef>
+          <a:fontRef idx="minor">
+            <a:schemeClr val="lt1"/>
+          </a:fontRef>
+        </p:style>
+        <p:txBody>
+          <a:bodyPr rot="0" spcFirstLastPara="0" vertOverflow="overflow" horzOverflow="overflow" vert="horz" wrap="square" lIns="91392" tIns="45696" rIns="91392" bIns="91392" numCol="1" spcCol="0" rtlCol="0" fromWordArt="0" anchor="ctr" anchorCtr="0" forceAA="0" compatLnSpc="1">
+            <a:prstTxWarp prst="textNoShape">
+              <a:avLst/>
+            </a:prstTxWarp>
+            <a:noAutofit/>
+          </a:bodyPr>
+          <a:lstStyle/>
+          <a:p>
+            <a:pPr algn="ctr">
+              <a:lnSpc>
+                <a:spcPct val="112000"/>
+              </a:lnSpc>
+              <a:spcBef>
+                <a:spcPts val="1500"/>
+              </a:spcBef>
+            </a:pPr>
+            <a:endParaRPr lang="en-US" sz="1600" dirty="0">
+              <a:solidFill>
+                <a:schemeClr val="bg1"/>
+              </a:solidFill>
+              <a:latin typeface="Arial"/>
+              <a:cs typeface="Arial"/>
+            </a:endParaRPr>
+          </a:p>
+        </p:txBody>
+      </p:sp>
+      <p:sp>
+        <p:nvSpPr>
+          <p:cNvPr id="21" name="Rectangle 20"/>
+          <p:cNvSpPr/>
+          <p:nvPr/>
+        </p:nvSpPr>
+        <p:spPr>
+          <a:xfrm>
+            <a:off x="9419657" y="2345531"/>
+            <a:ext cx="1281924" cy="725298"/>
           </a:xfrm>
           <a:prstGeom prst="rect">
             <a:avLst/>
           </a:prstGeom>
           <a:solidFill>
-            <a:schemeClr val="accent6"/>
+            <a:srgbClr val="2FC5C5"/>
           </a:solidFill>
           <a:ln>
             <a:noFill/>
@@ -32657,276 +33078,45 @@
               <a:t> </a:t>
             </a:r>
             <a:r>
-              <a:rPr lang="en-US" sz="1600" b="1" dirty="0">
+              <a:rPr lang="en-US" sz="1200" b="1" dirty="0">
                 <a:solidFill>
                   <a:schemeClr val="tx1"/>
                 </a:solidFill>
               </a:rPr>
-              <a:t>(Bayesian) Model</a:t>
-            </a:r>
+              <a:t>decomposition &amp; </a:t>
+            </a:r>
+            <a:r>
+              <a:rPr lang="en-US" sz="1200" b="1" dirty="0" err="1">
+                <a:solidFill>
+                  <a:schemeClr val="tx1"/>
+                </a:solidFill>
+              </a:rPr>
+              <a:t>unnest</a:t>
+            </a:r>
+            <a:endParaRPr lang="en-US" sz="1200" b="1" dirty="0">
+              <a:solidFill>
+                <a:schemeClr val="tx1"/>
+              </a:solidFill>
+            </a:endParaRPr>
           </a:p>
         </p:txBody>
       </p:sp>
       <p:sp>
         <p:nvSpPr>
-          <p:cNvPr id="13" name="Curved Left Arrow 12"/>
+          <p:cNvPr id="22" name="Rectangle 21"/>
           <p:cNvSpPr/>
           <p:nvPr/>
         </p:nvSpPr>
         <p:spPr>
           <a:xfrm>
-            <a:off x="8629653" y="2147422"/>
-            <a:ext cx="974983" cy="928223"/>
-          </a:xfrm>
-          <a:prstGeom prst="curvedLeftArrow">
-            <a:avLst/>
-          </a:prstGeom>
-          <a:ln>
-            <a:noFill/>
-          </a:ln>
-        </p:spPr>
-        <p:style>
-          <a:lnRef idx="2">
-            <a:schemeClr val="accent1">
-              <a:shade val="50000"/>
-            </a:schemeClr>
-          </a:lnRef>
-          <a:fillRef idx="1">
-            <a:schemeClr val="accent1"/>
-          </a:fillRef>
-          <a:effectRef idx="0">
-            <a:schemeClr val="accent1"/>
-          </a:effectRef>
-          <a:fontRef idx="minor">
-            <a:schemeClr val="lt1"/>
-          </a:fontRef>
-        </p:style>
-        <p:txBody>
-          <a:bodyPr rot="0" spcFirstLastPara="0" vertOverflow="overflow" horzOverflow="overflow" vert="horz" wrap="square" lIns="91416" tIns="45708" rIns="91416" bIns="91416" numCol="1" spcCol="0" rtlCol="0" fromWordArt="0" anchor="ctr" anchorCtr="0" forceAA="0" compatLnSpc="1">
-            <a:prstTxWarp prst="textNoShape">
-              <a:avLst/>
-            </a:prstTxWarp>
-            <a:noAutofit/>
-          </a:bodyPr>
-          <a:lstStyle/>
-          <a:p>
-            <a:pPr algn="ctr">
-              <a:lnSpc>
-                <a:spcPct val="112000"/>
-              </a:lnSpc>
-              <a:spcBef>
-                <a:spcPts val="1500"/>
-              </a:spcBef>
-            </a:pPr>
-            <a:endParaRPr lang="en-US" sz="1600" dirty="0">
-              <a:solidFill>
-                <a:schemeClr val="bg1"/>
-              </a:solidFill>
-              <a:latin typeface="Arial"/>
-              <a:cs typeface="Arial"/>
-            </a:endParaRPr>
-          </a:p>
-        </p:txBody>
-      </p:sp>
-      <p:sp>
-        <p:nvSpPr>
-          <p:cNvPr id="14" name="Left Arrow 13"/>
-          <p:cNvSpPr/>
-          <p:nvPr/>
-        </p:nvSpPr>
-        <p:spPr>
-          <a:xfrm>
-            <a:off x="7274760" y="3515929"/>
-            <a:ext cx="379911" cy="242954"/>
-          </a:xfrm>
-          <a:prstGeom prst="leftArrow">
-            <a:avLst/>
-          </a:prstGeom>
-          <a:ln>
-            <a:noFill/>
-          </a:ln>
-        </p:spPr>
-        <p:style>
-          <a:lnRef idx="2">
-            <a:schemeClr val="accent1">
-              <a:shade val="50000"/>
-            </a:schemeClr>
-          </a:lnRef>
-          <a:fillRef idx="1">
-            <a:schemeClr val="accent1"/>
-          </a:fillRef>
-          <a:effectRef idx="0">
-            <a:schemeClr val="accent1"/>
-          </a:effectRef>
-          <a:fontRef idx="minor">
-            <a:schemeClr val="lt1"/>
-          </a:fontRef>
-        </p:style>
-        <p:txBody>
-          <a:bodyPr rot="0" spcFirstLastPara="0" vertOverflow="overflow" horzOverflow="overflow" vert="horz" wrap="square" lIns="91416" tIns="45708" rIns="91416" bIns="91416" numCol="1" spcCol="0" rtlCol="0" fromWordArt="0" anchor="ctr" anchorCtr="0" forceAA="0" compatLnSpc="1">
-            <a:prstTxWarp prst="textNoShape">
-              <a:avLst/>
-            </a:prstTxWarp>
-            <a:noAutofit/>
-          </a:bodyPr>
-          <a:lstStyle/>
-          <a:p>
-            <a:pPr algn="ctr">
-              <a:lnSpc>
-                <a:spcPct val="112000"/>
-              </a:lnSpc>
-              <a:spcBef>
-                <a:spcPts val="1500"/>
-              </a:spcBef>
-            </a:pPr>
-            <a:endParaRPr lang="en-US" sz="1600" dirty="0">
-              <a:solidFill>
-                <a:schemeClr val="bg1"/>
-              </a:solidFill>
-              <a:latin typeface="Arial"/>
-              <a:cs typeface="Arial"/>
-            </a:endParaRPr>
-          </a:p>
-        </p:txBody>
-      </p:sp>
-      <p:sp>
-        <p:nvSpPr>
-          <p:cNvPr id="19" name="Bent Arrow 18"/>
-          <p:cNvSpPr/>
-          <p:nvPr/>
-        </p:nvSpPr>
-        <p:spPr>
-          <a:xfrm>
-            <a:off x="5853011" y="2272080"/>
-            <a:ext cx="585952" cy="803565"/>
-          </a:xfrm>
-          <a:prstGeom prst="bentArrow">
-            <a:avLst/>
-          </a:prstGeom>
-          <a:ln>
-            <a:noFill/>
-          </a:ln>
-        </p:spPr>
-        <p:style>
-          <a:lnRef idx="2">
-            <a:schemeClr val="accent1">
-              <a:shade val="50000"/>
-            </a:schemeClr>
-          </a:lnRef>
-          <a:fillRef idx="1">
-            <a:schemeClr val="accent1"/>
-          </a:fillRef>
-          <a:effectRef idx="0">
-            <a:schemeClr val="accent1"/>
-          </a:effectRef>
-          <a:fontRef idx="minor">
-            <a:schemeClr val="lt1"/>
-          </a:fontRef>
-        </p:style>
-        <p:txBody>
-          <a:bodyPr rot="0" spcFirstLastPara="0" vertOverflow="overflow" horzOverflow="overflow" vert="horz" wrap="square" lIns="91416" tIns="45708" rIns="91416" bIns="91416" numCol="1" spcCol="0" rtlCol="0" fromWordArt="0" anchor="ctr" anchorCtr="0" forceAA="0" compatLnSpc="1">
-            <a:prstTxWarp prst="textNoShape">
-              <a:avLst/>
-            </a:prstTxWarp>
-            <a:noAutofit/>
-          </a:bodyPr>
-          <a:lstStyle/>
-          <a:p>
-            <a:pPr algn="ctr">
-              <a:lnSpc>
-                <a:spcPct val="112000"/>
-              </a:lnSpc>
-              <a:spcBef>
-                <a:spcPts val="1500"/>
-              </a:spcBef>
-            </a:pPr>
-            <a:endParaRPr lang="en-US" sz="1600" dirty="0">
-              <a:solidFill>
-                <a:schemeClr val="bg1"/>
-              </a:solidFill>
-              <a:latin typeface="Arial"/>
-              <a:cs typeface="Arial"/>
-            </a:endParaRPr>
-          </a:p>
-        </p:txBody>
-      </p:sp>
-      <p:sp>
-        <p:nvSpPr>
-          <p:cNvPr id="20" name="Down Arrow 19"/>
-          <p:cNvSpPr/>
-          <p:nvPr/>
-        </p:nvSpPr>
-        <p:spPr>
-          <a:xfrm>
-            <a:off x="6008598" y="4438360"/>
-            <a:ext cx="403656" cy="368039"/>
-          </a:xfrm>
-          <a:prstGeom prst="downArrow">
-            <a:avLst/>
-          </a:prstGeom>
-          <a:ln>
-            <a:noFill/>
-          </a:ln>
-        </p:spPr>
-        <p:style>
-          <a:lnRef idx="2">
-            <a:schemeClr val="accent1">
-              <a:shade val="50000"/>
-            </a:schemeClr>
-          </a:lnRef>
-          <a:fillRef idx="1">
-            <a:schemeClr val="accent1"/>
-          </a:fillRef>
-          <a:effectRef idx="0">
-            <a:schemeClr val="accent1"/>
-          </a:effectRef>
-          <a:fontRef idx="minor">
-            <a:schemeClr val="lt1"/>
-          </a:fontRef>
-        </p:style>
-        <p:txBody>
-          <a:bodyPr rot="0" spcFirstLastPara="0" vertOverflow="overflow" horzOverflow="overflow" vert="horz" wrap="square" lIns="91416" tIns="45708" rIns="91416" bIns="91416" numCol="1" spcCol="0" rtlCol="0" fromWordArt="0" anchor="ctr" anchorCtr="0" forceAA="0" compatLnSpc="1">
-            <a:prstTxWarp prst="textNoShape">
-              <a:avLst/>
-            </a:prstTxWarp>
-            <a:noAutofit/>
-          </a:bodyPr>
-          <a:lstStyle/>
-          <a:p>
-            <a:pPr algn="ctr">
-              <a:lnSpc>
-                <a:spcPct val="112000"/>
-              </a:lnSpc>
-              <a:spcBef>
-                <a:spcPts val="1500"/>
-              </a:spcBef>
-            </a:pPr>
-            <a:endParaRPr lang="en-US" sz="1600" dirty="0">
-              <a:solidFill>
-                <a:schemeClr val="bg1"/>
-              </a:solidFill>
-              <a:latin typeface="Arial"/>
-              <a:cs typeface="Arial"/>
-            </a:endParaRPr>
-          </a:p>
-        </p:txBody>
-      </p:sp>
-      <p:sp>
-        <p:nvSpPr>
-          <p:cNvPr id="21" name="Rectangle 20"/>
-          <p:cNvSpPr/>
-          <p:nvPr/>
-        </p:nvSpPr>
-        <p:spPr>
-          <a:xfrm>
-            <a:off x="5338608" y="4857412"/>
-            <a:ext cx="1723716" cy="1010308"/>
+            <a:off x="9414541" y="3303642"/>
+            <a:ext cx="1342759" cy="596624"/>
           </a:xfrm>
           <a:prstGeom prst="rect">
             <a:avLst/>
           </a:prstGeom>
           <a:solidFill>
-            <a:schemeClr val="accent6"/>
+            <a:srgbClr val="2FC5C5"/>
           </a:solidFill>
           <a:ln>
             <a:noFill/>
@@ -32960,45 +33150,32 @@
               <a:t> </a:t>
             </a:r>
             <a:r>
-              <a:rPr lang="en-US" sz="1600" b="1" dirty="0">
+              <a:rPr lang="en-US" sz="1200" b="1" dirty="0">
                 <a:solidFill>
                   <a:schemeClr val="tx1"/>
                 </a:solidFill>
               </a:rPr>
-              <a:t>decomp &amp; </a:t>
-            </a:r>
-            <a:r>
-              <a:rPr lang="en-US" sz="1600" b="1" dirty="0" err="1">
-                <a:solidFill>
-                  <a:schemeClr val="tx1"/>
-                </a:solidFill>
-              </a:rPr>
-              <a:t>unnest</a:t>
-            </a:r>
-            <a:endParaRPr lang="en-US" sz="1600" b="1" dirty="0">
-              <a:solidFill>
-                <a:schemeClr val="tx1"/>
-              </a:solidFill>
-            </a:endParaRPr>
+              <a:t>simulation (response curve)</a:t>
+            </a:r>
           </a:p>
         </p:txBody>
       </p:sp>
       <p:sp>
         <p:nvSpPr>
-          <p:cNvPr id="22" name="Rectangle 21"/>
+          <p:cNvPr id="23" name="Rectangle 22"/>
           <p:cNvSpPr/>
           <p:nvPr/>
         </p:nvSpPr>
         <p:spPr>
           <a:xfrm>
-            <a:off x="7487467" y="4857411"/>
-            <a:ext cx="1723716" cy="1010308"/>
+            <a:off x="11040879" y="3233263"/>
+            <a:ext cx="1093937" cy="859158"/>
           </a:xfrm>
           <a:prstGeom prst="rect">
             <a:avLst/>
           </a:prstGeom>
           <a:solidFill>
-            <a:schemeClr val="accent6"/>
+            <a:srgbClr val="2FC5C5"/>
           </a:solidFill>
           <a:ln>
             <a:noFill/>
@@ -33024,40 +33201,102 @@
           <a:p>
             <a:pPr algn="ctr"/>
             <a:r>
-              <a:rPr lang="en-US" sz="1600" b="1" dirty="0">
-                <a:solidFill>
-                  <a:srgbClr val="FF0000"/>
-                </a:solidFill>
-              </a:rPr>
-              <a:t> </a:t>
-            </a:r>
-            <a:r>
-              <a:rPr lang="en-US" sz="1600" b="1" dirty="0">
+              <a:rPr lang="en-US" sz="1200" b="1" dirty="0">
                 <a:solidFill>
                   <a:schemeClr val="tx1"/>
                 </a:solidFill>
               </a:rPr>
-              <a:t>simulation (response curve)</a:t>
+              <a:t>optimization (channel planner)</a:t>
             </a:r>
           </a:p>
         </p:txBody>
       </p:sp>
       <p:sp>
         <p:nvSpPr>
-          <p:cNvPr id="23" name="Rectangle 22"/>
+          <p:cNvPr id="25" name="Right Arrow 24"/>
           <p:cNvSpPr/>
           <p:nvPr/>
         </p:nvSpPr>
         <p:spPr>
           <a:xfrm>
-            <a:off x="9569304" y="4840031"/>
-            <a:ext cx="1723716" cy="1010308"/>
+            <a:off x="10791903" y="3421018"/>
+            <a:ext cx="220417" cy="246107"/>
+          </a:xfrm>
+          <a:prstGeom prst="rightArrow">
+            <a:avLst/>
+          </a:prstGeom>
+          <a:solidFill>
+            <a:srgbClr val="2FC5C5"/>
+          </a:solidFill>
+          <a:ln>
+            <a:noFill/>
+          </a:ln>
+        </p:spPr>
+        <p:style>
+          <a:lnRef idx="2">
+            <a:schemeClr val="accent1">
+              <a:shade val="50000"/>
+            </a:schemeClr>
+          </a:lnRef>
+          <a:fillRef idx="1">
+            <a:schemeClr val="accent1"/>
+          </a:fillRef>
+          <a:effectRef idx="0">
+            <a:schemeClr val="accent1"/>
+          </a:effectRef>
+          <a:fontRef idx="minor">
+            <a:schemeClr val="lt1"/>
+          </a:fontRef>
+        </p:style>
+        <p:txBody>
+          <a:bodyPr rot="0" spcFirstLastPara="0" vertOverflow="overflow" horzOverflow="overflow" vert="horz" wrap="square" lIns="91392" tIns="45696" rIns="91392" bIns="91392" numCol="1" spcCol="0" rtlCol="0" fromWordArt="0" anchor="ctr" anchorCtr="0" forceAA="0" compatLnSpc="1">
+            <a:prstTxWarp prst="textNoShape">
+              <a:avLst/>
+            </a:prstTxWarp>
+            <a:noAutofit/>
+          </a:bodyPr>
+          <a:lstStyle/>
+          <a:p>
+            <a:pPr algn="ctr">
+              <a:lnSpc>
+                <a:spcPct val="112000"/>
+              </a:lnSpc>
+              <a:spcBef>
+                <a:spcPts val="1500"/>
+              </a:spcBef>
+            </a:pPr>
+            <a:endParaRPr lang="en-US" sz="1600" dirty="0">
+              <a:solidFill>
+                <a:schemeClr val="bg1"/>
+              </a:solidFill>
+              <a:latin typeface="Arial"/>
+              <a:cs typeface="Arial"/>
+            </a:endParaRPr>
+          </a:p>
+        </p:txBody>
+      </p:sp>
+      <p:sp>
+        <p:nvSpPr>
+          <p:cNvPr id="31" name="Rectangle 30">
+            <a:extLst>
+              <a:ext uri="{FF2B5EF4-FFF2-40B4-BE49-F238E27FC236}">
+                <a16:creationId xmlns:a16="http://schemas.microsoft.com/office/drawing/2014/main" id="{6BD6DFA7-0B90-4F21-B8B2-4328C2054767}"/>
+              </a:ext>
+            </a:extLst>
+          </p:cNvPr>
+          <p:cNvSpPr/>
+          <p:nvPr/>
+        </p:nvSpPr>
+        <p:spPr>
+          <a:xfrm>
+            <a:off x="9414540" y="4162395"/>
+            <a:ext cx="1597780" cy="467401"/>
           </a:xfrm>
           <a:prstGeom prst="rect">
             <a:avLst/>
           </a:prstGeom>
           <a:solidFill>
-            <a:schemeClr val="accent6"/>
+            <a:srgbClr val="2FC5C5"/>
           </a:solidFill>
           <a:ln>
             <a:noFill/>
@@ -33083,40 +33322,38 @@
           <a:p>
             <a:pPr algn="ctr"/>
             <a:r>
-              <a:rPr lang="en-US" sz="1600" b="1" dirty="0">
-                <a:solidFill>
-                  <a:srgbClr val="FF0000"/>
-                </a:solidFill>
-              </a:rPr>
-              <a:t> </a:t>
-            </a:r>
-            <a:r>
-              <a:rPr lang="en-US" sz="1600" b="1" dirty="0">
+              <a:rPr lang="en-US" sz="1200" b="1" dirty="0">
                 <a:solidFill>
                   <a:schemeClr val="tx1"/>
                 </a:solidFill>
               </a:rPr>
-              <a:t>optimization</a:t>
+              <a:t>Forecast/predict</a:t>
             </a:r>
           </a:p>
         </p:txBody>
       </p:sp>
       <p:sp>
         <p:nvSpPr>
-          <p:cNvPr id="24" name="Right Arrow 23"/>
+          <p:cNvPr id="27" name="Down Arrow 19">
+            <a:extLst>
+              <a:ext uri="{FF2B5EF4-FFF2-40B4-BE49-F238E27FC236}">
+                <a16:creationId xmlns:a16="http://schemas.microsoft.com/office/drawing/2014/main" id="{23F158E3-DE6C-4DF9-855D-D709F02AFA41}"/>
+              </a:ext>
+            </a:extLst>
+          </p:cNvPr>
           <p:cNvSpPr/>
           <p:nvPr/>
         </p:nvSpPr>
         <p:spPr>
           <a:xfrm>
-            <a:off x="7110864" y="5237906"/>
-            <a:ext cx="379911" cy="249317"/>
+            <a:off x="1534664" y="3448211"/>
+            <a:ext cx="397549" cy="253063"/>
           </a:xfrm>
-          <a:prstGeom prst="rightArrow">
+          <a:prstGeom prst="downArrow">
             <a:avLst/>
           </a:prstGeom>
           <a:solidFill>
-            <a:schemeClr val="accent6"/>
+            <a:srgbClr val="2FC5C5"/>
           </a:solidFill>
           <a:ln>
             <a:noFill/>
@@ -33139,7 +33376,7 @@
           </a:fontRef>
         </p:style>
         <p:txBody>
-          <a:bodyPr rot="0" spcFirstLastPara="0" vertOverflow="overflow" horzOverflow="overflow" vert="horz" wrap="square" lIns="91416" tIns="45708" rIns="91416" bIns="91416" numCol="1" spcCol="0" rtlCol="0" fromWordArt="0" anchor="ctr" anchorCtr="0" forceAA="0" compatLnSpc="1">
+          <a:bodyPr rot="0" spcFirstLastPara="0" vertOverflow="overflow" horzOverflow="overflow" vert="horz" wrap="square" lIns="91392" tIns="45696" rIns="91392" bIns="91392" numCol="1" spcCol="0" rtlCol="0" fromWordArt="0" anchor="ctr" anchorCtr="0" forceAA="0" compatLnSpc="1">
             <a:prstTxWarp prst="textNoShape">
               <a:avLst/>
             </a:prstTxWarp>
@@ -33167,20 +33404,156 @@
       </p:sp>
       <p:sp>
         <p:nvSpPr>
-          <p:cNvPr id="25" name="Right Arrow 24"/>
+          <p:cNvPr id="18" name="TextBox 17">
+            <a:extLst>
+              <a:ext uri="{FF2B5EF4-FFF2-40B4-BE49-F238E27FC236}">
+                <a16:creationId xmlns:a16="http://schemas.microsoft.com/office/drawing/2014/main" id="{F22327BE-A3C5-40C2-98CC-61118359AD6E}"/>
+              </a:ext>
+            </a:extLst>
+          </p:cNvPr>
+          <p:cNvSpPr txBox="1"/>
+          <p:nvPr/>
+        </p:nvSpPr>
+        <p:spPr>
+          <a:xfrm>
+            <a:off x="811243" y="1496243"/>
+            <a:ext cx="1806478" cy="369236"/>
+          </a:xfrm>
+          <a:prstGeom prst="rect">
+            <a:avLst/>
+          </a:prstGeom>
+          <a:solidFill>
+            <a:srgbClr val="0070C0"/>
+          </a:solidFill>
+        </p:spPr>
+        <p:txBody>
+          <a:bodyPr wrap="square" rtlCol="0">
+            <a:spAutoFit/>
+          </a:bodyPr>
+          <a:lstStyle/>
+          <a:p>
+            <a:pPr algn="ctr"/>
+            <a:r>
+              <a:rPr lang="en-US" sz="1799" dirty="0">
+                <a:solidFill>
+                  <a:schemeClr val="bg1"/>
+                </a:solidFill>
+              </a:rPr>
+              <a:t>Data</a:t>
+            </a:r>
+            <a:r>
+              <a:rPr lang="en-US" sz="1799" dirty="0"/>
+              <a:t> </a:t>
+            </a:r>
+          </a:p>
+        </p:txBody>
+      </p:sp>
+      <p:sp>
+        <p:nvSpPr>
+          <p:cNvPr id="37" name="TextBox 36">
+            <a:extLst>
+              <a:ext uri="{FF2B5EF4-FFF2-40B4-BE49-F238E27FC236}">
+                <a16:creationId xmlns:a16="http://schemas.microsoft.com/office/drawing/2014/main" id="{0FDD3D32-89B3-48FF-B026-16224E982405}"/>
+              </a:ext>
+            </a:extLst>
+          </p:cNvPr>
+          <p:cNvSpPr txBox="1"/>
+          <p:nvPr/>
+        </p:nvSpPr>
+        <p:spPr>
+          <a:xfrm>
+            <a:off x="4475338" y="1533546"/>
+            <a:ext cx="3328335" cy="369236"/>
+          </a:xfrm>
+          <a:prstGeom prst="rect">
+            <a:avLst/>
+          </a:prstGeom>
+          <a:solidFill>
+            <a:srgbClr val="0070C0"/>
+          </a:solidFill>
+        </p:spPr>
+        <p:txBody>
+          <a:bodyPr wrap="square" rtlCol="0">
+            <a:spAutoFit/>
+          </a:bodyPr>
+          <a:lstStyle/>
+          <a:p>
+            <a:pPr algn="ctr"/>
+            <a:r>
+              <a:rPr lang="en-US" sz="1799" dirty="0">
+                <a:solidFill>
+                  <a:schemeClr val="bg1"/>
+                </a:solidFill>
+              </a:rPr>
+              <a:t>Model </a:t>
+            </a:r>
+          </a:p>
+        </p:txBody>
+      </p:sp>
+      <p:sp>
+        <p:nvSpPr>
+          <p:cNvPr id="38" name="TextBox 37">
+            <a:extLst>
+              <a:ext uri="{FF2B5EF4-FFF2-40B4-BE49-F238E27FC236}">
+                <a16:creationId xmlns:a16="http://schemas.microsoft.com/office/drawing/2014/main" id="{6FD09B70-9756-4C5C-97FA-40894216C02F}"/>
+              </a:ext>
+            </a:extLst>
+          </p:cNvPr>
+          <p:cNvSpPr txBox="1"/>
+          <p:nvPr/>
+        </p:nvSpPr>
+        <p:spPr>
+          <a:xfrm>
+            <a:off x="9397195" y="1515218"/>
+            <a:ext cx="2205492" cy="369236"/>
+          </a:xfrm>
+          <a:prstGeom prst="rect">
+            <a:avLst/>
+          </a:prstGeom>
+          <a:solidFill>
+            <a:srgbClr val="0070C0"/>
+          </a:solidFill>
+        </p:spPr>
+        <p:txBody>
+          <a:bodyPr wrap="square" rtlCol="0">
+            <a:spAutoFit/>
+          </a:bodyPr>
+          <a:lstStyle/>
+          <a:p>
+            <a:pPr algn="ctr"/>
+            <a:r>
+              <a:rPr lang="en-US" sz="1799" dirty="0">
+                <a:solidFill>
+                  <a:schemeClr val="bg1"/>
+                </a:solidFill>
+              </a:rPr>
+              <a:t>Post Model </a:t>
+            </a:r>
+          </a:p>
+        </p:txBody>
+      </p:sp>
+      <p:sp>
+        <p:nvSpPr>
+          <p:cNvPr id="40" name="Right Arrow 5">
+            <a:extLst>
+              <a:ext uri="{FF2B5EF4-FFF2-40B4-BE49-F238E27FC236}">
+                <a16:creationId xmlns:a16="http://schemas.microsoft.com/office/drawing/2014/main" id="{E7CCC869-14D0-4F24-BE07-1FF5FC3B0A30}"/>
+              </a:ext>
+            </a:extLst>
+          </p:cNvPr>
           <p:cNvSpPr/>
           <p:nvPr/>
         </p:nvSpPr>
         <p:spPr>
           <a:xfrm>
-            <a:off x="9224725" y="5237906"/>
-            <a:ext cx="379911" cy="249317"/>
+            <a:off x="8389657" y="3712396"/>
+            <a:ext cx="920239" cy="607349"/>
           </a:xfrm>
           <a:prstGeom prst="rightArrow">
             <a:avLst/>
           </a:prstGeom>
           <a:solidFill>
-            <a:schemeClr val="accent6"/>
+            <a:srgbClr val="2FC5C5"/>
           </a:solidFill>
           <a:ln>
             <a:noFill/>
@@ -33203,7 +33576,7 @@
           </a:fontRef>
         </p:style>
         <p:txBody>
-          <a:bodyPr rot="0" spcFirstLastPara="0" vertOverflow="overflow" horzOverflow="overflow" vert="horz" wrap="square" lIns="91416" tIns="45708" rIns="91416" bIns="91416" numCol="1" spcCol="0" rtlCol="0" fromWordArt="0" anchor="ctr" anchorCtr="0" forceAA="0" compatLnSpc="1">
+          <a:bodyPr rot="0" spcFirstLastPara="0" vertOverflow="overflow" horzOverflow="overflow" vert="horz" wrap="square" lIns="91392" tIns="45696" rIns="91392" bIns="91392" numCol="1" spcCol="0" rtlCol="0" fromWordArt="0" anchor="ctr" anchorCtr="0" forceAA="0" compatLnSpc="1">
             <a:prstTxWarp prst="textNoShape">
               <a:avLst/>
             </a:prstTxWarp>
@@ -33219,9 +33592,19 @@
                 <a:spcPts val="1500"/>
               </a:spcBef>
             </a:pPr>
-            <a:endParaRPr lang="en-US" sz="1600" dirty="0">
+            <a:r>
+              <a:rPr lang="en-US" sz="1000" b="1" dirty="0" err="1">
+                <a:solidFill>
+                  <a:schemeClr val="tx1"/>
+                </a:solidFill>
+                <a:latin typeface="Arial"/>
+                <a:cs typeface="Arial"/>
+              </a:rPr>
+              <a:t>mod_obj</a:t>
+            </a:r>
+            <a:endParaRPr lang="en-US" sz="1000" b="1" dirty="0">
               <a:solidFill>
-                <a:schemeClr val="bg1"/>
+                <a:schemeClr val="tx1"/>
               </a:solidFill>
               <a:latin typeface="Arial"/>
               <a:cs typeface="Arial"/>
@@ -33231,14 +33614,20 @@
       </p:sp>
       <p:sp>
         <p:nvSpPr>
-          <p:cNvPr id="26" name="TextBox 25"/>
+          <p:cNvPr id="30" name="TextBox 29">
+            <a:extLst>
+              <a:ext uri="{FF2B5EF4-FFF2-40B4-BE49-F238E27FC236}">
+                <a16:creationId xmlns:a16="http://schemas.microsoft.com/office/drawing/2014/main" id="{53898689-A26B-4B25-BEF4-B817186E8894}"/>
+              </a:ext>
+            </a:extLst>
+          </p:cNvPr>
           <p:cNvSpPr txBox="1"/>
           <p:nvPr/>
         </p:nvSpPr>
         <p:spPr>
           <a:xfrm>
-            <a:off x="692545" y="4013708"/>
-            <a:ext cx="3700180" cy="1854011"/>
+            <a:off x="992441" y="4874193"/>
+            <a:ext cx="7592467" cy="1472124"/>
           </a:xfrm>
           <a:prstGeom prst="rect">
             <a:avLst/>
@@ -33246,46 +33635,7 @@
         </p:spPr>
         <p:txBody>
           <a:bodyPr vert="horz" wrap="square" lIns="0" tIns="0" rIns="0" bIns="0" numCol="1" rtlCol="0">
-            <a:normAutofit/>
-          </a:bodyPr>
-          <a:lstStyle/>
-          <a:p>
-            <a:pPr>
-              <a:lnSpc>
-                <a:spcPts val="2199"/>
-              </a:lnSpc>
-              <a:spcBef>
-                <a:spcPts val="1100"/>
-              </a:spcBef>
-              <a:buClr>
-                <a:schemeClr val="tx2"/>
-              </a:buClr>
-            </a:pPr>
-            <a:endParaRPr lang="en-US" sz="1600" dirty="0">
-              <a:latin typeface="Arial"/>
-              <a:cs typeface="Arial"/>
-            </a:endParaRPr>
-          </a:p>
-        </p:txBody>
-      </p:sp>
-      <p:sp>
-        <p:nvSpPr>
-          <p:cNvPr id="27" name="TextBox 26"/>
-          <p:cNvSpPr txBox="1"/>
-          <p:nvPr/>
-        </p:nvSpPr>
-        <p:spPr>
-          <a:xfrm>
-            <a:off x="692545" y="3570123"/>
-            <a:ext cx="4039253" cy="2377916"/>
-          </a:xfrm>
-          <a:prstGeom prst="rect">
-            <a:avLst/>
-          </a:prstGeom>
-        </p:spPr>
-        <p:txBody>
-          <a:bodyPr vert="horz" wrap="square" lIns="0" tIns="0" rIns="0" bIns="0" numCol="1" rtlCol="0">
-            <a:normAutofit/>
+            <a:normAutofit fontScale="92500"/>
           </a:bodyPr>
           <a:lstStyle/>
           <a:p>
@@ -33351,7 +33701,21 @@
                 <a:latin typeface="Arial"/>
                 <a:cs typeface="Arial"/>
               </a:rPr>
-              <a:t>At the end of the model, we should have a model object that has data, model specification, and coefficients etc. </a:t>
+              <a:t>At the end of the model, we should have a model object that has data, model specification, and coefficients, model fit, decomp, and response </a:t>
+            </a:r>
+            <a:r>
+              <a:rPr lang="en-US" sz="1600" b="1" dirty="0" err="1">
+                <a:latin typeface="Arial"/>
+                <a:cs typeface="Arial"/>
+              </a:rPr>
+              <a:t>curvesetc</a:t>
+            </a:r>
+            <a:r>
+              <a:rPr lang="en-US" sz="1600" b="1" dirty="0">
+                <a:latin typeface="Arial"/>
+                <a:cs typeface="Arial"/>
+              </a:rPr>
+              <a:t>. </a:t>
             </a:r>
           </a:p>
         </p:txBody>
@@ -33359,7 +33723,7 @@
     </p:spTree>
     <p:extLst>
       <p:ext uri="{BB962C8B-B14F-4D97-AF65-F5344CB8AC3E}">
-        <p14:creationId xmlns:p14="http://schemas.microsoft.com/office/powerpoint/2010/main" val="3655253579"/>
+        <p14:creationId xmlns:p14="http://schemas.microsoft.com/office/powerpoint/2010/main" val="2507082750"/>
       </p:ext>
     </p:extLst>
   </p:cSld>
@@ -33621,9 +33985,7 @@
           <p:cNvGraphicFramePr>
             <a:graphicFrameLocks noChangeAspect="1"/>
           </p:cNvGraphicFramePr>
-          <p:nvPr>
-            <p:extLst/>
-          </p:nvPr>
+          <p:nvPr/>
         </p:nvGraphicFramePr>
         <p:xfrm>
           <a:off x="3979411" y="1436688"/>
@@ -33633,12 +33995,12 @@
           <a:graphicData uri="http://schemas.openxmlformats.org/presentationml/2006/ole">
             <mc:AlternateContent xmlns:mc="http://schemas.openxmlformats.org/markup-compatibility/2006">
               <mc:Choice xmlns:v="urn:schemas-microsoft-com:vml" Requires="v">
-                <p:oleObj spid="_x0000_s1026" name="Equation" r:id="rId4" imgW="863280" imgH="228600" progId="Equation.3">
+                <p:oleObj name="Equation" r:id="rId3" imgW="863280" imgH="228600" progId="Equation.3">
                   <p:embed/>
                 </p:oleObj>
               </mc:Choice>
               <mc:Fallback>
-                <p:oleObj name="Equation" r:id="rId4" imgW="863280" imgH="228600" progId="Equation.3">
+                <p:oleObj name="Equation" r:id="rId3" imgW="863280" imgH="228600" progId="Equation.3">
                   <p:embed/>
                   <p:pic>
                     <p:nvPicPr>
@@ -33649,7 +34011,7 @@
                       <p:nvPr/>
                     </p:nvPicPr>
                     <p:blipFill>
-                      <a:blip r:embed="rId5"/>
+                      <a:blip r:embed="rId4"/>
                       <a:srcRect/>
                       <a:stretch>
                         <a:fillRect/>
@@ -33734,9 +34096,7 @@
           <p:cNvGraphicFramePr>
             <a:graphicFrameLocks noChangeAspect="1"/>
           </p:cNvGraphicFramePr>
-          <p:nvPr>
-            <p:extLst/>
-          </p:nvPr>
+          <p:nvPr/>
         </p:nvGraphicFramePr>
         <p:xfrm>
           <a:off x="3979411" y="2245499"/>
@@ -33746,12 +34106,12 @@
           <a:graphicData uri="http://schemas.openxmlformats.org/presentationml/2006/ole">
             <mc:AlternateContent xmlns:mc="http://schemas.openxmlformats.org/markup-compatibility/2006">
               <mc:Choice xmlns:v="urn:schemas-microsoft-com:vml" Requires="v">
-                <p:oleObj spid="_x0000_s1027" name="Equation" r:id="rId6" imgW="850680" imgH="241200" progId="Equation.3">
+                <p:oleObj name="Equation" r:id="rId5" imgW="850680" imgH="241200" progId="Equation.3">
                   <p:embed/>
                 </p:oleObj>
               </mc:Choice>
               <mc:Fallback>
-                <p:oleObj name="Equation" r:id="rId6" imgW="850680" imgH="241200" progId="Equation.3">
+                <p:oleObj name="Equation" r:id="rId5" imgW="850680" imgH="241200" progId="Equation.3">
                   <p:embed/>
                   <p:pic>
                     <p:nvPicPr>
@@ -33762,7 +34122,7 @@
                       <p:nvPr/>
                     </p:nvPicPr>
                     <p:blipFill>
-                      <a:blip r:embed="rId7"/>
+                      <a:blip r:embed="rId6"/>
                       <a:srcRect/>
                       <a:stretch>
                         <a:fillRect/>
@@ -33795,9 +34155,7 @@
           <p:cNvGraphicFramePr>
             <a:graphicFrameLocks noChangeAspect="1"/>
           </p:cNvGraphicFramePr>
-          <p:nvPr>
-            <p:extLst/>
-          </p:nvPr>
+          <p:nvPr/>
         </p:nvGraphicFramePr>
         <p:xfrm>
           <a:off x="3763101" y="4072731"/>
@@ -33807,12 +34165,12 @@
           <a:graphicData uri="http://schemas.openxmlformats.org/presentationml/2006/ole">
             <mc:AlternateContent xmlns:mc="http://schemas.openxmlformats.org/markup-compatibility/2006">
               <mc:Choice xmlns:v="urn:schemas-microsoft-com:vml" Requires="v">
-                <p:oleObj spid="_x0000_s1028" name="Equation" r:id="rId8" imgW="1028520" imgH="228600" progId="Equation.3">
+                <p:oleObj name="Equation" r:id="rId7" imgW="1028520" imgH="228600" progId="Equation.3">
                   <p:embed/>
                 </p:oleObj>
               </mc:Choice>
               <mc:Fallback>
-                <p:oleObj name="Equation" r:id="rId8" imgW="1028520" imgH="228600" progId="Equation.3">
+                <p:oleObj name="Equation" r:id="rId7" imgW="1028520" imgH="228600" progId="Equation.3">
                   <p:embed/>
                   <p:pic>
                     <p:nvPicPr>
@@ -33823,7 +34181,7 @@
                       <p:nvPr/>
                     </p:nvPicPr>
                     <p:blipFill>
-                      <a:blip r:embed="rId9"/>
+                      <a:blip r:embed="rId8"/>
                       <a:srcRect/>
                       <a:stretch>
                         <a:fillRect/>
@@ -34017,9 +34375,7 @@
           <p:cNvGraphicFramePr>
             <a:graphicFrameLocks noChangeAspect="1"/>
           </p:cNvGraphicFramePr>
-          <p:nvPr>
-            <p:extLst/>
-          </p:nvPr>
+          <p:nvPr/>
         </p:nvGraphicFramePr>
         <p:xfrm>
           <a:off x="3202097" y="3685561"/>
@@ -34029,12 +34385,12 @@
           <a:graphicData uri="http://schemas.openxmlformats.org/presentationml/2006/ole">
             <mc:AlternateContent xmlns:mc="http://schemas.openxmlformats.org/markup-compatibility/2006">
               <mc:Choice xmlns:v="urn:schemas-microsoft-com:vml" Requires="v">
-                <p:oleObj spid="_x0000_s2050" name="Equation" r:id="rId4" imgW="2844720" imgH="431640" progId="Equation.DSMT4">
+                <p:oleObj name="Equation" r:id="rId3" imgW="2844720" imgH="431640" progId="Equation.DSMT4">
                   <p:embed/>
                 </p:oleObj>
               </mc:Choice>
               <mc:Fallback>
-                <p:oleObj name="Equation" r:id="rId4" imgW="2844720" imgH="431640" progId="Equation.DSMT4">
+                <p:oleObj name="Equation" r:id="rId3" imgW="2844720" imgH="431640" progId="Equation.DSMT4">
                   <p:embed/>
                   <p:pic>
                     <p:nvPicPr>
@@ -34045,7 +34401,7 @@
                       <p:nvPr/>
                     </p:nvPicPr>
                     <p:blipFill>
-                      <a:blip r:embed="rId5">
+                      <a:blip r:embed="rId4">
                         <a:extLst>
                           <a:ext uri="{28A0092B-C50C-407E-A947-70E740481C1C}">
                             <a14:useLocalDpi xmlns:a14="http://schemas.microsoft.com/office/drawing/2010/main" val="0"/>
@@ -34070,7 +34426,6 @@
                         <a:noFill/>
                       </a:ln>
                       <a:effectLst/>
-                      <a:extLst/>
                     </p:spPr>
                   </p:pic>
                 </p:oleObj>
@@ -34165,9 +34520,7 @@
           <p:cNvGraphicFramePr>
             <a:graphicFrameLocks noChangeAspect="1"/>
           </p:cNvGraphicFramePr>
-          <p:nvPr>
-            <p:extLst/>
-          </p:nvPr>
+          <p:nvPr/>
         </p:nvGraphicFramePr>
         <p:xfrm>
           <a:off x="3210733" y="1885235"/>
@@ -34177,12 +34530,12 @@
           <a:graphicData uri="http://schemas.openxmlformats.org/presentationml/2006/ole">
             <mc:AlternateContent xmlns:mc="http://schemas.openxmlformats.org/markup-compatibility/2006">
               <mc:Choice xmlns:v="urn:schemas-microsoft-com:vml" Requires="v">
-                <p:oleObj spid="_x0000_s2051" name="Equation" r:id="rId6" imgW="2171520" imgH="660240" progId="Equation.3">
+                <p:oleObj name="Equation" r:id="rId5" imgW="2171520" imgH="660240" progId="Equation.3">
                   <p:embed/>
                 </p:oleObj>
               </mc:Choice>
               <mc:Fallback>
-                <p:oleObj name="Equation" r:id="rId6" imgW="2171520" imgH="660240" progId="Equation.3">
+                <p:oleObj name="Equation" r:id="rId5" imgW="2171520" imgH="660240" progId="Equation.3">
                   <p:embed/>
                   <p:pic>
                     <p:nvPicPr>
@@ -34193,7 +34546,7 @@
                       <p:nvPr/>
                     </p:nvPicPr>
                     <p:blipFill>
-                      <a:blip r:embed="rId7"/>
+                      <a:blip r:embed="rId6"/>
                       <a:srcRect/>
                       <a:stretch>
                         <a:fillRect/>
@@ -34212,7 +34565,6 @@
                         <a:noFill/>
                       </a:ln>
                       <a:effectLst/>
-                      <a:extLst/>
                     </p:spPr>
                   </p:pic>
                 </p:oleObj>
@@ -34346,9 +34698,7 @@
           <p:cNvGraphicFramePr>
             <a:graphicFrameLocks noChangeAspect="1"/>
           </p:cNvGraphicFramePr>
-          <p:nvPr>
-            <p:extLst/>
-          </p:nvPr>
+          <p:nvPr/>
         </p:nvGraphicFramePr>
         <p:xfrm>
           <a:off x="1320121" y="3762490"/>
@@ -34358,12 +34708,12 @@
           <a:graphicData uri="http://schemas.openxmlformats.org/presentationml/2006/ole">
             <mc:AlternateContent xmlns:mc="http://schemas.openxmlformats.org/markup-compatibility/2006">
               <mc:Choice xmlns:v="urn:schemas-microsoft-com:vml" Requires="v">
-                <p:oleObj spid="_x0000_s3074" name="Equation" r:id="rId4" imgW="3098520" imgH="444240" progId="Equation.3">
+                <p:oleObj name="Equation" r:id="rId3" imgW="3098520" imgH="444240" progId="Equation.3">
                   <p:embed/>
                 </p:oleObj>
               </mc:Choice>
               <mc:Fallback>
-                <p:oleObj name="Equation" r:id="rId4" imgW="3098520" imgH="444240" progId="Equation.3">
+                <p:oleObj name="Equation" r:id="rId3" imgW="3098520" imgH="444240" progId="Equation.3">
                   <p:embed/>
                   <p:pic>
                     <p:nvPicPr>
@@ -34374,7 +34724,7 @@
                       <p:nvPr/>
                     </p:nvPicPr>
                     <p:blipFill>
-                      <a:blip r:embed="rId5">
+                      <a:blip r:embed="rId4">
                         <a:extLst>
                           <a:ext uri="{28A0092B-C50C-407E-A947-70E740481C1C}">
                             <a14:useLocalDpi xmlns:a14="http://schemas.microsoft.com/office/drawing/2010/main" val="0"/>
@@ -34399,7 +34749,6 @@
                         <a:noFill/>
                       </a:ln>
                       <a:effectLst/>
-                      <a:extLst/>
                     </p:spPr>
                   </p:pic>
                 </p:oleObj>
@@ -34585,9 +34934,7 @@
           <p:cNvGraphicFramePr>
             <a:graphicFrameLocks noChangeAspect="1"/>
           </p:cNvGraphicFramePr>
-          <p:nvPr>
-            <p:extLst/>
-          </p:nvPr>
+          <p:nvPr/>
         </p:nvGraphicFramePr>
         <p:xfrm>
           <a:off x="1292225" y="1771650"/>
@@ -34597,12 +34944,12 @@
           <a:graphicData uri="http://schemas.openxmlformats.org/presentationml/2006/ole">
             <mc:AlternateContent xmlns:mc="http://schemas.openxmlformats.org/markup-compatibility/2006">
               <mc:Choice xmlns:v="urn:schemas-microsoft-com:vml" Requires="v">
-                <p:oleObj spid="_x0000_s4098" name="Equation" r:id="rId3" imgW="3835080" imgH="228600" progId="Equation.3">
+                <p:oleObj name="Equation" r:id="rId2" imgW="3835080" imgH="228600" progId="Equation.3">
                   <p:embed/>
                 </p:oleObj>
               </mc:Choice>
               <mc:Fallback>
-                <p:oleObj name="Equation" r:id="rId3" imgW="3835080" imgH="228600" progId="Equation.3">
+                <p:oleObj name="Equation" r:id="rId2" imgW="3835080" imgH="228600" progId="Equation.3">
                   <p:embed/>
                   <p:pic>
                     <p:nvPicPr>
@@ -34613,7 +34960,7 @@
                       <p:nvPr/>
                     </p:nvPicPr>
                     <p:blipFill>
-                      <a:blip r:embed="rId4"/>
+                      <a:blip r:embed="rId3"/>
                       <a:srcRect/>
                       <a:stretch>
                         <a:fillRect/>
@@ -34674,9 +35021,7 @@
           <p:cNvGraphicFramePr>
             <a:graphicFrameLocks noChangeAspect="1"/>
           </p:cNvGraphicFramePr>
-          <p:nvPr>
-            <p:extLst/>
-          </p:nvPr>
+          <p:nvPr/>
         </p:nvGraphicFramePr>
         <p:xfrm>
           <a:off x="2519713" y="2552498"/>
@@ -34686,12 +35031,12 @@
           <a:graphicData uri="http://schemas.openxmlformats.org/presentationml/2006/ole">
             <mc:AlternateContent xmlns:mc="http://schemas.openxmlformats.org/markup-compatibility/2006">
               <mc:Choice xmlns:v="urn:schemas-microsoft-com:vml" Requires="v">
-                <p:oleObj spid="_x0000_s4099" name="Equation" r:id="rId5" imgW="2933640" imgH="393480" progId="Equation.3">
+                <p:oleObj name="Equation" r:id="rId4" imgW="2933640" imgH="393480" progId="Equation.3">
                   <p:embed/>
                 </p:oleObj>
               </mc:Choice>
               <mc:Fallback>
-                <p:oleObj name="Equation" r:id="rId5" imgW="2933640" imgH="393480" progId="Equation.3">
+                <p:oleObj name="Equation" r:id="rId4" imgW="2933640" imgH="393480" progId="Equation.3">
                   <p:embed/>
                   <p:pic>
                     <p:nvPicPr>
@@ -34702,7 +35047,7 @@
                       <p:nvPr/>
                     </p:nvPicPr>
                     <p:blipFill>
-                      <a:blip r:embed="rId6"/>
+                      <a:blip r:embed="rId5"/>
                       <a:srcRect/>
                       <a:stretch>
                         <a:fillRect/>
@@ -34723,7 +35068,6 @@
                         <a:noFill/>
                       </a:ln>
                       <a:effectLst/>
-                      <a:extLst/>
                     </p:spPr>
                   </p:pic>
                 </p:oleObj>
@@ -34738,9 +35082,7 @@
           <p:cNvGraphicFramePr>
             <a:graphicFrameLocks noChangeAspect="1"/>
           </p:cNvGraphicFramePr>
-          <p:nvPr>
-            <p:extLst/>
-          </p:nvPr>
+          <p:nvPr/>
         </p:nvGraphicFramePr>
         <p:xfrm>
           <a:off x="3620747" y="3372031"/>
@@ -34750,12 +35092,12 @@
           <a:graphicData uri="http://schemas.openxmlformats.org/presentationml/2006/ole">
             <mc:AlternateContent xmlns:mc="http://schemas.openxmlformats.org/markup-compatibility/2006">
               <mc:Choice xmlns:v="urn:schemas-microsoft-com:vml" Requires="v">
-                <p:oleObj spid="_x0000_s4100" name="Equation" r:id="rId7" imgW="2197080" imgH="419040" progId="Equation.3">
+                <p:oleObj name="Equation" r:id="rId6" imgW="2197080" imgH="419040" progId="Equation.3">
                   <p:embed/>
                 </p:oleObj>
               </mc:Choice>
               <mc:Fallback>
-                <p:oleObj name="Equation" r:id="rId7" imgW="2197080" imgH="419040" progId="Equation.3">
+                <p:oleObj name="Equation" r:id="rId6" imgW="2197080" imgH="419040" progId="Equation.3">
                   <p:embed/>
                   <p:pic>
                     <p:nvPicPr>
@@ -34766,7 +35108,7 @@
                       <p:nvPr/>
                     </p:nvPicPr>
                     <p:blipFill>
-                      <a:blip r:embed="rId8"/>
+                      <a:blip r:embed="rId7"/>
                       <a:srcRect/>
                       <a:stretch>
                         <a:fillRect/>
@@ -34787,7 +35129,6 @@
                         <a:noFill/>
                       </a:ln>
                       <a:effectLst/>
-                      <a:extLst/>
                     </p:spPr>
                   </p:pic>
                 </p:oleObj>
@@ -34818,12 +35159,12 @@
           <a:graphicData uri="http://schemas.openxmlformats.org/presentationml/2006/ole">
             <mc:AlternateContent xmlns:mc="http://schemas.openxmlformats.org/markup-compatibility/2006">
               <mc:Choice xmlns:v="urn:schemas-microsoft-com:vml" Requires="v">
-                <p:oleObj spid="_x0000_s4101" name="Equation" r:id="rId9" imgW="2108160" imgH="241200" progId="Equation.3">
+                <p:oleObj name="Equation" r:id="rId8" imgW="2108160" imgH="241200" progId="Equation.3">
                   <p:embed/>
                 </p:oleObj>
               </mc:Choice>
               <mc:Fallback>
-                <p:oleObj name="Equation" r:id="rId9" imgW="2108160" imgH="241200" progId="Equation.3">
+                <p:oleObj name="Equation" r:id="rId8" imgW="2108160" imgH="241200" progId="Equation.3">
                   <p:embed/>
                   <p:pic>
                     <p:nvPicPr>
@@ -34834,7 +35175,7 @@
                       <p:nvPr/>
                     </p:nvPicPr>
                     <p:blipFill>
-                      <a:blip r:embed="rId10"/>
+                      <a:blip r:embed="rId9"/>
                       <a:srcRect/>
                       <a:stretch>
                         <a:fillRect/>
@@ -34855,7 +35196,6 @@
                         <a:noFill/>
                       </a:ln>
                       <a:effectLst/>
-                      <a:extLst/>
                     </p:spPr>
                   </p:pic>
                 </p:oleObj>
@@ -34987,9 +35327,7 @@
           <p:cNvGraphicFramePr>
             <a:graphicFrameLocks noChangeAspect="1"/>
           </p:cNvGraphicFramePr>
-          <p:nvPr>
-            <p:extLst/>
-          </p:nvPr>
+          <p:nvPr/>
         </p:nvGraphicFramePr>
         <p:xfrm>
           <a:off x="1129456" y="3999766"/>
@@ -34999,12 +35337,12 @@
           <a:graphicData uri="http://schemas.openxmlformats.org/presentationml/2006/ole">
             <mc:AlternateContent xmlns:mc="http://schemas.openxmlformats.org/markup-compatibility/2006">
               <mc:Choice xmlns:v="urn:schemas-microsoft-com:vml" Requires="v">
-                <p:oleObj spid="_x0000_s5122" name="Equation" r:id="rId4" imgW="1473120" imgH="215640" progId="Equation.3">
+                <p:oleObj name="Equation" r:id="rId3" imgW="1473120" imgH="215640" progId="Equation.3">
                   <p:embed/>
                 </p:oleObj>
               </mc:Choice>
               <mc:Fallback>
-                <p:oleObj name="Equation" r:id="rId4" imgW="1473120" imgH="215640" progId="Equation.3">
+                <p:oleObj name="Equation" r:id="rId3" imgW="1473120" imgH="215640" progId="Equation.3">
                   <p:embed/>
                   <p:pic>
                     <p:nvPicPr>
@@ -35015,7 +35353,7 @@
                       <p:nvPr/>
                     </p:nvPicPr>
                     <p:blipFill>
-                      <a:blip r:embed="rId5"/>
+                      <a:blip r:embed="rId4"/>
                       <a:srcRect/>
                       <a:stretch>
                         <a:fillRect/>
@@ -35044,9 +35382,7 @@
           <p:cNvGraphicFramePr>
             <a:graphicFrameLocks noChangeAspect="1"/>
           </p:cNvGraphicFramePr>
-          <p:nvPr>
-            <p:extLst/>
-          </p:nvPr>
+          <p:nvPr/>
         </p:nvGraphicFramePr>
         <p:xfrm>
           <a:off x="966788" y="4929188"/>
@@ -35056,12 +35392,12 @@
           <a:graphicData uri="http://schemas.openxmlformats.org/presentationml/2006/ole">
             <mc:AlternateContent xmlns:mc="http://schemas.openxmlformats.org/markup-compatibility/2006">
               <mc:Choice xmlns:v="urn:schemas-microsoft-com:vml" Requires="v">
-                <p:oleObj spid="_x0000_s5123" name="Equation" r:id="rId6" imgW="2755800" imgH="457200" progId="Equation.3">
+                <p:oleObj name="Equation" r:id="rId5" imgW="2755800" imgH="457200" progId="Equation.3">
                   <p:embed/>
                 </p:oleObj>
               </mc:Choice>
               <mc:Fallback>
-                <p:oleObj name="Equation" r:id="rId6" imgW="2755800" imgH="457200" progId="Equation.3">
+                <p:oleObj name="Equation" r:id="rId5" imgW="2755800" imgH="457200" progId="Equation.3">
                   <p:embed/>
                   <p:pic>
                     <p:nvPicPr>
@@ -35072,7 +35408,7 @@
                       <p:nvPr/>
                     </p:nvPicPr>
                     <p:blipFill>
-                      <a:blip r:embed="rId7"/>
+                      <a:blip r:embed="rId6"/>
                       <a:srcRect/>
                       <a:stretch>
                         <a:fillRect/>
@@ -35297,7 +35633,7 @@
           <p:nvPr/>
         </p:nvPicPr>
         <p:blipFill>
-          <a:blip r:embed="rId8"/>
+          <a:blip r:embed="rId7"/>
           <a:stretch>
             <a:fillRect/>
           </a:stretch>

--- a/msmp/doc/annalect - mmm 20191206.pptx
+++ b/msmp/doc/annalect - mmm 20191206.pptx
@@ -14,23 +14,23 @@
     <p:sldId id="257" r:id="rId2"/>
     <p:sldId id="288" r:id="rId3"/>
     <p:sldId id="277" r:id="rId4"/>
-    <p:sldId id="347" r:id="rId5"/>
-    <p:sldId id="321" r:id="rId6"/>
-    <p:sldId id="341" r:id="rId7"/>
-    <p:sldId id="340" r:id="rId8"/>
-    <p:sldId id="325" r:id="rId9"/>
-    <p:sldId id="338" r:id="rId10"/>
-    <p:sldId id="334" r:id="rId11"/>
-    <p:sldId id="348" r:id="rId12"/>
-    <p:sldId id="352" r:id="rId13"/>
-    <p:sldId id="361" r:id="rId14"/>
-    <p:sldId id="350" r:id="rId15"/>
-    <p:sldId id="346" r:id="rId16"/>
-    <p:sldId id="320" r:id="rId17"/>
-    <p:sldId id="345" r:id="rId18"/>
-    <p:sldId id="344" r:id="rId19"/>
-    <p:sldId id="335" r:id="rId20"/>
-    <p:sldId id="362" r:id="rId21"/>
+    <p:sldId id="363" r:id="rId5"/>
+    <p:sldId id="364" r:id="rId6"/>
+    <p:sldId id="365" r:id="rId7"/>
+    <p:sldId id="366" r:id="rId8"/>
+    <p:sldId id="367" r:id="rId9"/>
+    <p:sldId id="368" r:id="rId10"/>
+    <p:sldId id="369" r:id="rId11"/>
+    <p:sldId id="370" r:id="rId12"/>
+    <p:sldId id="347" r:id="rId13"/>
+    <p:sldId id="321" r:id="rId14"/>
+    <p:sldId id="341" r:id="rId15"/>
+    <p:sldId id="340" r:id="rId16"/>
+    <p:sldId id="325" r:id="rId17"/>
+    <p:sldId id="338" r:id="rId18"/>
+    <p:sldId id="334" r:id="rId19"/>
+    <p:sldId id="346" r:id="rId20"/>
+    <p:sldId id="320" r:id="rId21"/>
     <p:sldId id="337" r:id="rId22"/>
     <p:sldId id="314" r:id="rId23"/>
   </p:sldIdLst>
@@ -1081,6 +1081,228 @@
       </pc:sldMasterChg>
     </pc:docChg>
   </pc:docChgLst>
+  <pc:docChgLst>
+    <pc:chgData name="Julia Liu (Annalect)" userId="134ed20b-46a3-49f7-928e-40ed9965e034" providerId="ADAL" clId="{F5F8F740-7BC1-4AA4-B690-0123923151B8}"/>
+    <pc:docChg chg="undo custSel addSld delSld modSld sldOrd">
+      <pc:chgData name="Julia Liu (Annalect)" userId="134ed20b-46a3-49f7-928e-40ed9965e034" providerId="ADAL" clId="{F5F8F740-7BC1-4AA4-B690-0123923151B8}" dt="2022-09-09T20:46:43.351" v="623" actId="20577"/>
+      <pc:docMkLst>
+        <pc:docMk/>
+      </pc:docMkLst>
+      <pc:sldChg chg="modSp mod">
+        <pc:chgData name="Julia Liu (Annalect)" userId="134ed20b-46a3-49f7-928e-40ed9965e034" providerId="ADAL" clId="{F5F8F740-7BC1-4AA4-B690-0123923151B8}" dt="2022-09-09T20:44:30.096" v="551" actId="20577"/>
+        <pc:sldMkLst>
+          <pc:docMk/>
+          <pc:sldMk cId="51436936" sldId="257"/>
+        </pc:sldMkLst>
+        <pc:spChg chg="mod">
+          <ac:chgData name="Julia Liu (Annalect)" userId="134ed20b-46a3-49f7-928e-40ed9965e034" providerId="ADAL" clId="{F5F8F740-7BC1-4AA4-B690-0123923151B8}" dt="2022-09-09T20:44:30.096" v="551" actId="20577"/>
+          <ac:spMkLst>
+            <pc:docMk/>
+            <pc:sldMk cId="51436936" sldId="257"/>
+            <ac:spMk id="3" creationId="{00000000-0000-0000-0000-000000000000}"/>
+          </ac:spMkLst>
+        </pc:spChg>
+      </pc:sldChg>
+      <pc:sldChg chg="addSp modSp mod">
+        <pc:chgData name="Julia Liu (Annalect)" userId="134ed20b-46a3-49f7-928e-40ed9965e034" providerId="ADAL" clId="{F5F8F740-7BC1-4AA4-B690-0123923151B8}" dt="2022-09-07T16:13:24.272" v="169" actId="20577"/>
+        <pc:sldMkLst>
+          <pc:docMk/>
+          <pc:sldMk cId="2507082750" sldId="277"/>
+        </pc:sldMkLst>
+        <pc:spChg chg="add mod">
+          <ac:chgData name="Julia Liu (Annalect)" userId="134ed20b-46a3-49f7-928e-40ed9965e034" providerId="ADAL" clId="{F5F8F740-7BC1-4AA4-B690-0123923151B8}" dt="2022-09-07T16:12:55.192" v="148" actId="14100"/>
+          <ac:spMkLst>
+            <pc:docMk/>
+            <pc:sldMk cId="2507082750" sldId="277"/>
+            <ac:spMk id="2" creationId="{34AC661A-4438-462E-9A34-AC8F6A51EBEA}"/>
+          </ac:spMkLst>
+        </pc:spChg>
+        <pc:spChg chg="mod">
+          <ac:chgData name="Julia Liu (Annalect)" userId="134ed20b-46a3-49f7-928e-40ed9965e034" providerId="ADAL" clId="{F5F8F740-7BC1-4AA4-B690-0123923151B8}" dt="2022-09-07T16:13:16.616" v="152" actId="1076"/>
+          <ac:spMkLst>
+            <pc:docMk/>
+            <pc:sldMk cId="2507082750" sldId="277"/>
+            <ac:spMk id="9" creationId="{00000000-0000-0000-0000-000000000000}"/>
+          </ac:spMkLst>
+        </pc:spChg>
+        <pc:spChg chg="add mod">
+          <ac:chgData name="Julia Liu (Annalect)" userId="134ed20b-46a3-49f7-928e-40ed9965e034" providerId="ADAL" clId="{F5F8F740-7BC1-4AA4-B690-0123923151B8}" dt="2022-09-07T16:13:24.272" v="169" actId="20577"/>
+          <ac:spMkLst>
+            <pc:docMk/>
+            <pc:sldMk cId="2507082750" sldId="277"/>
+            <ac:spMk id="24" creationId="{4A2FB73B-9EE7-4543-8259-027127B20399}"/>
+          </ac:spMkLst>
+        </pc:spChg>
+        <pc:spChg chg="mod">
+          <ac:chgData name="Julia Liu (Annalect)" userId="134ed20b-46a3-49f7-928e-40ed9965e034" providerId="ADAL" clId="{F5F8F740-7BC1-4AA4-B690-0123923151B8}" dt="2022-09-07T16:11:08.659" v="137" actId="1076"/>
+          <ac:spMkLst>
+            <pc:docMk/>
+            <pc:sldMk cId="2507082750" sldId="277"/>
+            <ac:spMk id="30" creationId="{53898689-A26B-4B25-BEF4-B817186E8894}"/>
+          </ac:spMkLst>
+        </pc:spChg>
+        <pc:spChg chg="mod">
+          <ac:chgData name="Julia Liu (Annalect)" userId="134ed20b-46a3-49f7-928e-40ed9965e034" providerId="ADAL" clId="{F5F8F740-7BC1-4AA4-B690-0123923151B8}" dt="2022-09-07T16:12:01.551" v="139" actId="1076"/>
+          <ac:spMkLst>
+            <pc:docMk/>
+            <pc:sldMk cId="2507082750" sldId="277"/>
+            <ac:spMk id="31" creationId="{6BD6DFA7-0B90-4F21-B8B2-4328C2054767}"/>
+          </ac:spMkLst>
+        </pc:spChg>
+      </pc:sldChg>
+      <pc:sldChg chg="modSp mod">
+        <pc:chgData name="Julia Liu (Annalect)" userId="134ed20b-46a3-49f7-928e-40ed9965e034" providerId="ADAL" clId="{F5F8F740-7BC1-4AA4-B690-0123923151B8}" dt="2022-09-09T20:44:01.196" v="505" actId="27636"/>
+        <pc:sldMkLst>
+          <pc:docMk/>
+          <pc:sldMk cId="3610829459" sldId="288"/>
+        </pc:sldMkLst>
+        <pc:spChg chg="mod">
+          <ac:chgData name="Julia Liu (Annalect)" userId="134ed20b-46a3-49f7-928e-40ed9965e034" providerId="ADAL" clId="{F5F8F740-7BC1-4AA4-B690-0123923151B8}" dt="2022-09-09T20:44:01.196" v="505" actId="27636"/>
+          <ac:spMkLst>
+            <pc:docMk/>
+            <pc:sldMk cId="3610829459" sldId="288"/>
+            <ac:spMk id="8" creationId="{580CAEA2-04A4-4A3A-A040-BC8F2F435A64}"/>
+          </ac:spMkLst>
+        </pc:spChg>
+      </pc:sldChg>
+      <pc:sldChg chg="del">
+        <pc:chgData name="Julia Liu (Annalect)" userId="134ed20b-46a3-49f7-928e-40ed9965e034" providerId="ADAL" clId="{F5F8F740-7BC1-4AA4-B690-0123923151B8}" dt="2022-09-09T20:45:32.739" v="555" actId="47"/>
+        <pc:sldMkLst>
+          <pc:docMk/>
+          <pc:sldMk cId="1835332936" sldId="335"/>
+        </pc:sldMkLst>
+      </pc:sldChg>
+      <pc:sldChg chg="del">
+        <pc:chgData name="Julia Liu (Annalect)" userId="134ed20b-46a3-49f7-928e-40ed9965e034" providerId="ADAL" clId="{F5F8F740-7BC1-4AA4-B690-0123923151B8}" dt="2022-09-09T20:45:32.064" v="554" actId="47"/>
+        <pc:sldMkLst>
+          <pc:docMk/>
+          <pc:sldMk cId="762852636" sldId="344"/>
+        </pc:sldMkLst>
+      </pc:sldChg>
+      <pc:sldChg chg="del">
+        <pc:chgData name="Julia Liu (Annalect)" userId="134ed20b-46a3-49f7-928e-40ed9965e034" providerId="ADAL" clId="{F5F8F740-7BC1-4AA4-B690-0123923151B8}" dt="2022-09-09T20:45:31.036" v="553" actId="47"/>
+        <pc:sldMkLst>
+          <pc:docMk/>
+          <pc:sldMk cId="3403237460" sldId="345"/>
+        </pc:sldMkLst>
+      </pc:sldChg>
+      <pc:sldChg chg="del">
+        <pc:chgData name="Julia Liu (Annalect)" userId="134ed20b-46a3-49f7-928e-40ed9965e034" providerId="ADAL" clId="{F5F8F740-7BC1-4AA4-B690-0123923151B8}" dt="2022-09-09T20:46:00.541" v="558" actId="47"/>
+        <pc:sldMkLst>
+          <pc:docMk/>
+          <pc:sldMk cId="2055967265" sldId="348"/>
+        </pc:sldMkLst>
+      </pc:sldChg>
+      <pc:sldChg chg="del ord">
+        <pc:chgData name="Julia Liu (Annalect)" userId="134ed20b-46a3-49f7-928e-40ed9965e034" providerId="ADAL" clId="{F5F8F740-7BC1-4AA4-B690-0123923151B8}" dt="2022-09-09T20:46:13.530" v="563" actId="47"/>
+        <pc:sldMkLst>
+          <pc:docMk/>
+          <pc:sldMk cId="3103477445" sldId="350"/>
+        </pc:sldMkLst>
+      </pc:sldChg>
+      <pc:sldChg chg="modSp del mod">
+        <pc:chgData name="Julia Liu (Annalect)" userId="134ed20b-46a3-49f7-928e-40ed9965e034" providerId="ADAL" clId="{F5F8F740-7BC1-4AA4-B690-0123923151B8}" dt="2022-09-09T20:46:01.906" v="559" actId="47"/>
+        <pc:sldMkLst>
+          <pc:docMk/>
+          <pc:sldMk cId="2126890699" sldId="352"/>
+        </pc:sldMkLst>
+        <pc:spChg chg="mod">
+          <ac:chgData name="Julia Liu (Annalect)" userId="134ed20b-46a3-49f7-928e-40ed9965e034" providerId="ADAL" clId="{F5F8F740-7BC1-4AA4-B690-0123923151B8}" dt="2022-09-07T16:13:45.706" v="173" actId="20577"/>
+          <ac:spMkLst>
+            <pc:docMk/>
+            <pc:sldMk cId="2126890699" sldId="352"/>
+            <ac:spMk id="8" creationId="{607142B7-4997-4985-B17A-46E71058E288}"/>
+          </ac:spMkLst>
+        </pc:spChg>
+      </pc:sldChg>
+      <pc:sldChg chg="modSp del mod">
+        <pc:chgData name="Julia Liu (Annalect)" userId="134ed20b-46a3-49f7-928e-40ed9965e034" providerId="ADAL" clId="{F5F8F740-7BC1-4AA4-B690-0123923151B8}" dt="2022-09-09T20:46:02.828" v="560" actId="47"/>
+        <pc:sldMkLst>
+          <pc:docMk/>
+          <pc:sldMk cId="4269503472" sldId="361"/>
+        </pc:sldMkLst>
+        <pc:spChg chg="mod">
+          <ac:chgData name="Julia Liu (Annalect)" userId="134ed20b-46a3-49f7-928e-40ed9965e034" providerId="ADAL" clId="{F5F8F740-7BC1-4AA4-B690-0123923151B8}" dt="2022-09-07T16:32:59.600" v="299" actId="20577"/>
+          <ac:spMkLst>
+            <pc:docMk/>
+            <pc:sldMk cId="4269503472" sldId="361"/>
+            <ac:spMk id="8" creationId="{607142B7-4997-4985-B17A-46E71058E288}"/>
+          </ac:spMkLst>
+        </pc:spChg>
+      </pc:sldChg>
+      <pc:sldChg chg="del">
+        <pc:chgData name="Julia Liu (Annalect)" userId="134ed20b-46a3-49f7-928e-40ed9965e034" providerId="ADAL" clId="{F5F8F740-7BC1-4AA4-B690-0123923151B8}" dt="2022-09-09T20:45:33.942" v="556" actId="47"/>
+        <pc:sldMkLst>
+          <pc:docMk/>
+          <pc:sldMk cId="3193580960" sldId="362"/>
+        </pc:sldMkLst>
+      </pc:sldChg>
+      <pc:sldChg chg="add">
+        <pc:chgData name="Julia Liu (Annalect)" userId="134ed20b-46a3-49f7-928e-40ed9965e034" providerId="ADAL" clId="{F5F8F740-7BC1-4AA4-B690-0123923151B8}" dt="2022-09-09T20:45:23.741" v="552"/>
+        <pc:sldMkLst>
+          <pc:docMk/>
+          <pc:sldMk cId="24012493" sldId="363"/>
+        </pc:sldMkLst>
+      </pc:sldChg>
+      <pc:sldChg chg="add">
+        <pc:chgData name="Julia Liu (Annalect)" userId="134ed20b-46a3-49f7-928e-40ed9965e034" providerId="ADAL" clId="{F5F8F740-7BC1-4AA4-B690-0123923151B8}" dt="2022-09-09T20:45:23.741" v="552"/>
+        <pc:sldMkLst>
+          <pc:docMk/>
+          <pc:sldMk cId="3000367780" sldId="364"/>
+        </pc:sldMkLst>
+      </pc:sldChg>
+      <pc:sldChg chg="add">
+        <pc:chgData name="Julia Liu (Annalect)" userId="134ed20b-46a3-49f7-928e-40ed9965e034" providerId="ADAL" clId="{F5F8F740-7BC1-4AA4-B690-0123923151B8}" dt="2022-09-09T20:45:23.741" v="552"/>
+        <pc:sldMkLst>
+          <pc:docMk/>
+          <pc:sldMk cId="852015859" sldId="365"/>
+        </pc:sldMkLst>
+      </pc:sldChg>
+      <pc:sldChg chg="add">
+        <pc:chgData name="Julia Liu (Annalect)" userId="134ed20b-46a3-49f7-928e-40ed9965e034" providerId="ADAL" clId="{F5F8F740-7BC1-4AA4-B690-0123923151B8}" dt="2022-09-09T20:45:23.741" v="552"/>
+        <pc:sldMkLst>
+          <pc:docMk/>
+          <pc:sldMk cId="2333416825" sldId="366"/>
+        </pc:sldMkLst>
+      </pc:sldChg>
+      <pc:sldChg chg="add">
+        <pc:chgData name="Julia Liu (Annalect)" userId="134ed20b-46a3-49f7-928e-40ed9965e034" providerId="ADAL" clId="{F5F8F740-7BC1-4AA4-B690-0123923151B8}" dt="2022-09-09T20:45:55.025" v="557"/>
+        <pc:sldMkLst>
+          <pc:docMk/>
+          <pc:sldMk cId="3731947504" sldId="367"/>
+        </pc:sldMkLst>
+      </pc:sldChg>
+      <pc:sldChg chg="modSp add mod">
+        <pc:chgData name="Julia Liu (Annalect)" userId="134ed20b-46a3-49f7-928e-40ed9965e034" providerId="ADAL" clId="{F5F8F740-7BC1-4AA4-B690-0123923151B8}" dt="2022-09-09T20:46:43.351" v="623" actId="20577"/>
+        <pc:sldMkLst>
+          <pc:docMk/>
+          <pc:sldMk cId="1708713060" sldId="368"/>
+        </pc:sldMkLst>
+        <pc:spChg chg="mod">
+          <ac:chgData name="Julia Liu (Annalect)" userId="134ed20b-46a3-49f7-928e-40ed9965e034" providerId="ADAL" clId="{F5F8F740-7BC1-4AA4-B690-0123923151B8}" dt="2022-09-09T20:46:43.351" v="623" actId="20577"/>
+          <ac:spMkLst>
+            <pc:docMk/>
+            <pc:sldMk cId="1708713060" sldId="368"/>
+            <ac:spMk id="8" creationId="{607142B7-4997-4985-B17A-46E71058E288}"/>
+          </ac:spMkLst>
+        </pc:spChg>
+      </pc:sldChg>
+      <pc:sldChg chg="add">
+        <pc:chgData name="Julia Liu (Annalect)" userId="134ed20b-46a3-49f7-928e-40ed9965e034" providerId="ADAL" clId="{F5F8F740-7BC1-4AA4-B690-0123923151B8}" dt="2022-09-09T20:45:55.025" v="557"/>
+        <pc:sldMkLst>
+          <pc:docMk/>
+          <pc:sldMk cId="1927981694" sldId="369"/>
+        </pc:sldMkLst>
+      </pc:sldChg>
+      <pc:sldChg chg="add">
+        <pc:chgData name="Julia Liu (Annalect)" userId="134ed20b-46a3-49f7-928e-40ed9965e034" providerId="ADAL" clId="{F5F8F740-7BC1-4AA4-B690-0123923151B8}" dt="2022-09-09T20:45:55.025" v="557"/>
+        <pc:sldMkLst>
+          <pc:docMk/>
+          <pc:sldMk cId="1062651810" sldId="370"/>
+        </pc:sldMkLst>
+      </pc:sldChg>
+    </pc:docChg>
+  </pc:docChgLst>
 </pc:chgInfo>
 </file>
 
@@ -4033,7 +4255,7 @@
           <a:p>
             <a:fld id="{5345F222-A972-1E4F-85C1-973C66857702}" type="datetimeFigureOut">
               <a:rPr lang="en-US" smtClean="0"/>
-              <a:t>5/24/2022</a:t>
+              <a:t>9/7/2022</a:t>
             </a:fld>
             <a:endParaRPr lang="en-US"/>
           </a:p>
@@ -4199,7 +4421,7 @@
           <a:p>
             <a:fld id="{A8268DCD-ED9C-8C48-954C-583A501F531E}" type="datetimeFigureOut">
               <a:rPr lang="en-US" smtClean="0"/>
-              <a:t>5/24/2022</a:t>
+              <a:t>9/7/2022</a:t>
             </a:fld>
             <a:endParaRPr lang="en-US"/>
           </a:p>
@@ -4597,69 +4819,11 @@
           <a:p>
             <a:r>
               <a:rPr lang="en-US" dirty="0"/>
-              <a:t>Time</a:t>
+              <a:t>The common step</a:t>
             </a:r>
             <a:r>
               <a:rPr lang="en-US" baseline="0" dirty="0"/>
-              <a:t>line : </a:t>
-            </a:r>
-          </a:p>
-          <a:p>
-            <a:r>
-              <a:rPr lang="en-US" baseline="0" dirty="0"/>
-              <a:t>Thomas Bayes (1701 – 1761).</a:t>
-            </a:r>
-          </a:p>
-          <a:p>
-            <a:r>
-              <a:rPr lang="en-US" baseline="0" dirty="0"/>
-              <a:t>The famous paper was brought to royal society’s attention 2 years after his death by Richard Price. The argument made by them is a statement, expressed both mathematically and philosophically – about how we learn about the </a:t>
-            </a:r>
-            <a:r>
-              <a:rPr lang="en-US" baseline="0" dirty="0" err="1"/>
-              <a:t>univers</a:t>
-            </a:r>
-            <a:r>
-              <a:rPr lang="en-US" baseline="0" dirty="0"/>
-              <a:t> : </a:t>
-            </a:r>
-            <a:r>
-              <a:rPr lang="en-US" baseline="0" dirty="0" err="1"/>
-              <a:t>htat</a:t>
-            </a:r>
-            <a:r>
-              <a:rPr lang="en-US" baseline="0" dirty="0"/>
-              <a:t> we learn about it through approximation, getting close and closer to the truth as we gather more evidence.</a:t>
-            </a:r>
-          </a:p>
-          <a:p>
-            <a:r>
-              <a:rPr lang="en-US" baseline="0" dirty="0"/>
-              <a:t>It was really put to use in the late 18</a:t>
-            </a:r>
-            <a:r>
-              <a:rPr lang="en-US" baseline="30000" dirty="0"/>
-              <a:t>th</a:t>
-            </a:r>
-            <a:r>
-              <a:rPr lang="en-US" baseline="0" dirty="0"/>
-              <a:t>-century with the work of French mathematician and </a:t>
-            </a:r>
-            <a:r>
-              <a:rPr lang="en-US" baseline="0" dirty="0" err="1"/>
-              <a:t>physicst</a:t>
-            </a:r>
-            <a:r>
-              <a:rPr lang="en-US" baseline="0" dirty="0"/>
-              <a:t> Pierre-</a:t>
-            </a:r>
-            <a:r>
-              <a:rPr lang="en-US" baseline="0" dirty="0" err="1"/>
-              <a:t>simon</a:t>
-            </a:r>
-            <a:r>
-              <a:rPr lang="en-US" baseline="0" dirty="0"/>
-              <a:t> Laplace. </a:t>
+              <a:t> with the frequentist</a:t>
             </a:r>
             <a:endParaRPr lang="en-US" dirty="0"/>
           </a:p>
@@ -4682,7 +4846,7 @@
           <a:p>
             <a:fld id="{6E6E0873-CC5A-184F-9292-44FDA6E72081}" type="slidenum">
               <a:rPr lang="en-US" smtClean="0"/>
-              <a:t>16</a:t>
+              <a:t>15</a:t>
             </a:fld>
             <a:endParaRPr lang="en-US"/>
           </a:p>
@@ -4691,7 +4855,7 @@
     </p:spTree>
     <p:extLst>
       <p:ext uri="{BB962C8B-B14F-4D97-AF65-F5344CB8AC3E}">
-        <p14:creationId xmlns:p14="http://schemas.microsoft.com/office/powerpoint/2010/main" val="4263532262"/>
+        <p14:creationId xmlns:p14="http://schemas.microsoft.com/office/powerpoint/2010/main" val="2986665359"/>
       </p:ext>
     </p:extLst>
   </p:cSld>
@@ -4745,7 +4909,10 @@
           <a:bodyPr/>
           <a:lstStyle/>
           <a:p>
-            <a:endParaRPr lang="en-US" dirty="0"/>
+            <a:r>
+              <a:rPr lang="en-US" dirty="0"/>
+              <a:t>This is math behind our implementation in Annalect R code.</a:t>
+            </a:r>
           </a:p>
         </p:txBody>
       </p:sp>
@@ -4756,7 +4923,7 @@
             <a:spLocks noGrp="1"/>
           </p:cNvSpPr>
           <p:nvPr>
-            <p:ph type="sldNum" sz="quarter" idx="10"/>
+            <p:ph type="sldNum" sz="quarter" idx="5"/>
           </p:nvPr>
         </p:nvSpPr>
         <p:spPr/>
@@ -4775,7 +4942,7 @@
     </p:spTree>
     <p:extLst>
       <p:ext uri="{BB962C8B-B14F-4D97-AF65-F5344CB8AC3E}">
-        <p14:creationId xmlns:p14="http://schemas.microsoft.com/office/powerpoint/2010/main" val="3106399425"/>
+        <p14:creationId xmlns:p14="http://schemas.microsoft.com/office/powerpoint/2010/main" val="3958874529"/>
       </p:ext>
     </p:extLst>
   </p:cSld>
@@ -4829,14 +4996,6 @@
           <a:bodyPr/>
           <a:lstStyle/>
           <a:p>
-            <a:r>
-              <a:rPr lang="en-US" dirty="0"/>
-              <a:t>Data is messy : dis-aggregated, missing data,</a:t>
-            </a:r>
-            <a:r>
-              <a:rPr lang="en-US" baseline="0" dirty="0"/>
-              <a:t> almost never come from a controlled randomized experiments. </a:t>
-            </a:r>
             <a:endParaRPr lang="en-US" dirty="0"/>
           </a:p>
         </p:txBody>
@@ -4858,7 +5017,7 @@
           <a:p>
             <a:fld id="{6E6E0873-CC5A-184F-9292-44FDA6E72081}" type="slidenum">
               <a:rPr lang="en-US" smtClean="0"/>
-              <a:t>18</a:t>
+              <a:t>19</a:t>
             </a:fld>
             <a:endParaRPr lang="en-US"/>
           </a:p>
@@ -4867,7 +5026,7 @@
     </p:spTree>
     <p:extLst>
       <p:ext uri="{BB962C8B-B14F-4D97-AF65-F5344CB8AC3E}">
-        <p14:creationId xmlns:p14="http://schemas.microsoft.com/office/powerpoint/2010/main" val="109364528"/>
+        <p14:creationId xmlns:p14="http://schemas.microsoft.com/office/powerpoint/2010/main" val="3106399425"/>
       </p:ext>
     </p:extLst>
   </p:cSld>
@@ -4923,11 +5082,69 @@
           <a:p>
             <a:r>
               <a:rPr lang="en-US" dirty="0"/>
-              <a:t>Data is messy : dis-aggregated, missing data,</a:t>
+              <a:t>Time</a:t>
             </a:r>
             <a:r>
               <a:rPr lang="en-US" baseline="0" dirty="0"/>
-              <a:t> almost never come from a controlled randomized experiments. </a:t>
+              <a:t>line : </a:t>
+            </a:r>
+          </a:p>
+          <a:p>
+            <a:r>
+              <a:rPr lang="en-US" baseline="0" dirty="0"/>
+              <a:t>Thomas Bayes (1701 – 1761).</a:t>
+            </a:r>
+          </a:p>
+          <a:p>
+            <a:r>
+              <a:rPr lang="en-US" baseline="0" dirty="0"/>
+              <a:t>The famous paper was brought to royal society’s attention 2 years after his death by Richard Price. The argument made by them is a statement, expressed both mathematically and philosophically – about how we learn about the </a:t>
+            </a:r>
+            <a:r>
+              <a:rPr lang="en-US" baseline="0" dirty="0" err="1"/>
+              <a:t>univers</a:t>
+            </a:r>
+            <a:r>
+              <a:rPr lang="en-US" baseline="0" dirty="0"/>
+              <a:t> : </a:t>
+            </a:r>
+            <a:r>
+              <a:rPr lang="en-US" baseline="0" dirty="0" err="1"/>
+              <a:t>htat</a:t>
+            </a:r>
+            <a:r>
+              <a:rPr lang="en-US" baseline="0" dirty="0"/>
+              <a:t> we learn about it through approximation, getting close and closer to the truth as we gather more evidence.</a:t>
+            </a:r>
+          </a:p>
+          <a:p>
+            <a:r>
+              <a:rPr lang="en-US" baseline="0" dirty="0"/>
+              <a:t>It was really put to use in the late 18</a:t>
+            </a:r>
+            <a:r>
+              <a:rPr lang="en-US" baseline="30000" dirty="0"/>
+              <a:t>th</a:t>
+            </a:r>
+            <a:r>
+              <a:rPr lang="en-US" baseline="0" dirty="0"/>
+              <a:t>-century with the work of French mathematician and </a:t>
+            </a:r>
+            <a:r>
+              <a:rPr lang="en-US" baseline="0" dirty="0" err="1"/>
+              <a:t>physicst</a:t>
+            </a:r>
+            <a:r>
+              <a:rPr lang="en-US" baseline="0" dirty="0"/>
+              <a:t> Pierre-</a:t>
+            </a:r>
+            <a:r>
+              <a:rPr lang="en-US" baseline="0" dirty="0" err="1"/>
+              <a:t>simon</a:t>
+            </a:r>
+            <a:r>
+              <a:rPr lang="en-US" baseline="0" dirty="0"/>
+              <a:t> Laplace. </a:t>
             </a:r>
             <a:endParaRPr lang="en-US" dirty="0"/>
           </a:p>
@@ -4950,7 +5167,7 @@
           <a:p>
             <a:fld id="{6E6E0873-CC5A-184F-9292-44FDA6E72081}" type="slidenum">
               <a:rPr lang="en-US" smtClean="0"/>
-              <a:t>19</a:t>
+              <a:t>20</a:t>
             </a:fld>
             <a:endParaRPr lang="en-US"/>
           </a:p>
@@ -4959,7 +5176,7 @@
     </p:spTree>
     <p:extLst>
       <p:ext uri="{BB962C8B-B14F-4D97-AF65-F5344CB8AC3E}">
-        <p14:creationId xmlns:p14="http://schemas.microsoft.com/office/powerpoint/2010/main" val="967417802"/>
+        <p14:creationId xmlns:p14="http://schemas.microsoft.com/office/powerpoint/2010/main" val="4263532262"/>
       </p:ext>
     </p:extLst>
   </p:cSld>
@@ -5211,7 +5428,7 @@
     </p:spTree>
     <p:extLst>
       <p:ext uri="{BB962C8B-B14F-4D97-AF65-F5344CB8AC3E}">
-        <p14:creationId xmlns:p14="http://schemas.microsoft.com/office/powerpoint/2010/main" val="3106399425"/>
+        <p14:creationId xmlns:p14="http://schemas.microsoft.com/office/powerpoint/2010/main" val="417427493"/>
       </p:ext>
     </p:extLst>
   </p:cSld>
@@ -5265,6 +5482,14 @@
           <a:bodyPr/>
           <a:lstStyle/>
           <a:p>
+            <a:r>
+              <a:rPr lang="en-US" dirty="0"/>
+              <a:t>Data is messy : dis-aggregated, missing data,</a:t>
+            </a:r>
+            <a:r>
+              <a:rPr lang="en-US" baseline="0" dirty="0"/>
+              <a:t> almost never come from a controlled randomized experiments. </a:t>
+            </a:r>
             <a:endParaRPr lang="en-US" dirty="0"/>
           </a:p>
         </p:txBody>
@@ -5295,7 +5520,7 @@
     </p:spTree>
     <p:extLst>
       <p:ext uri="{BB962C8B-B14F-4D97-AF65-F5344CB8AC3E}">
-        <p14:creationId xmlns:p14="http://schemas.microsoft.com/office/powerpoint/2010/main" val="4189066358"/>
+        <p14:creationId xmlns:p14="http://schemas.microsoft.com/office/powerpoint/2010/main" val="2864842126"/>
       </p:ext>
     </p:extLst>
   </p:cSld>
@@ -5351,11 +5576,11 @@
           <a:p>
             <a:r>
               <a:rPr lang="en-US" dirty="0"/>
-              <a:t>A Bayesian will</a:t>
+              <a:t>Data is messy : dis-aggregated, missing data,</a:t>
             </a:r>
             <a:r>
               <a:rPr lang="en-US" baseline="0" dirty="0"/>
-              <a:t> first write out his/her priors</a:t>
+              <a:t> almost never come from a controlled randomized experiments. </a:t>
             </a:r>
             <a:endParaRPr lang="en-US" dirty="0"/>
           </a:p>
@@ -5387,7 +5612,7 @@
     </p:spTree>
     <p:extLst>
       <p:ext uri="{BB962C8B-B14F-4D97-AF65-F5344CB8AC3E}">
-        <p14:creationId xmlns:p14="http://schemas.microsoft.com/office/powerpoint/2010/main" val="83895680"/>
+        <p14:creationId xmlns:p14="http://schemas.microsoft.com/office/powerpoint/2010/main" val="3374429485"/>
       </p:ext>
     </p:extLst>
   </p:cSld>
@@ -5443,13 +5668,8 @@
           <a:p>
             <a:r>
               <a:rPr lang="en-US" dirty="0"/>
-              <a:t>The common step</a:t>
-            </a:r>
-            <a:r>
-              <a:rPr lang="en-US" baseline="0" dirty="0"/>
-              <a:t> with the frequentist</a:t>
-            </a:r>
-            <a:endParaRPr lang="en-US" dirty="0"/>
+              <a:t>Not a creative and exciting name. I am open for suggestions. </a:t>
+            </a:r>
           </a:p>
         </p:txBody>
       </p:sp>
@@ -5470,7 +5690,7 @@
           <a:p>
             <a:fld id="{6E6E0873-CC5A-184F-9292-44FDA6E72081}" type="slidenum">
               <a:rPr lang="en-US" smtClean="0"/>
-              <a:t>7</a:t>
+              <a:t>8</a:t>
             </a:fld>
             <a:endParaRPr lang="en-US"/>
           </a:p>
@@ -5479,7 +5699,7 @@
     </p:spTree>
     <p:extLst>
       <p:ext uri="{BB962C8B-B14F-4D97-AF65-F5344CB8AC3E}">
-        <p14:creationId xmlns:p14="http://schemas.microsoft.com/office/powerpoint/2010/main" val="2986665359"/>
+        <p14:creationId xmlns:p14="http://schemas.microsoft.com/office/powerpoint/2010/main" val="3042159196"/>
       </p:ext>
     </p:extLst>
   </p:cSld>
@@ -5533,10 +5753,7 @@
           <a:bodyPr/>
           <a:lstStyle/>
           <a:p>
-            <a:r>
-              <a:rPr lang="en-US" dirty="0"/>
-              <a:t>This is math behind our implementation in Annalect R code.</a:t>
-            </a:r>
+            <a:endParaRPr lang="en-US" dirty="0"/>
           </a:p>
         </p:txBody>
       </p:sp>
@@ -5547,7 +5764,7 @@
             <a:spLocks noGrp="1"/>
           </p:cNvSpPr>
           <p:nvPr>
-            <p:ph type="sldNum" sz="quarter" idx="5"/>
+            <p:ph type="sldNum" sz="quarter" idx="10"/>
           </p:nvPr>
         </p:nvSpPr>
         <p:spPr/>
@@ -5557,7 +5774,7 @@
           <a:p>
             <a:fld id="{6E6E0873-CC5A-184F-9292-44FDA6E72081}" type="slidenum">
               <a:rPr lang="en-US" smtClean="0"/>
-              <a:t>9</a:t>
+              <a:t>11</a:t>
             </a:fld>
             <a:endParaRPr lang="en-US"/>
           </a:p>
@@ -5566,7 +5783,7 @@
     </p:spTree>
     <p:extLst>
       <p:ext uri="{BB962C8B-B14F-4D97-AF65-F5344CB8AC3E}">
-        <p14:creationId xmlns:p14="http://schemas.microsoft.com/office/powerpoint/2010/main" val="3958874529"/>
+        <p14:creationId xmlns:p14="http://schemas.microsoft.com/office/powerpoint/2010/main" val="3239286301"/>
       </p:ext>
     </p:extLst>
   </p:cSld>
@@ -5620,10 +5837,7 @@
           <a:bodyPr/>
           <a:lstStyle/>
           <a:p>
-            <a:r>
-              <a:rPr lang="en-US" dirty="0"/>
-              <a:t>Not a creative and exciting name. I am open for suggestions. </a:t>
-            </a:r>
+            <a:endParaRPr lang="en-US" dirty="0"/>
           </a:p>
         </p:txBody>
       </p:sp>
@@ -5644,7 +5858,7 @@
           <a:p>
             <a:fld id="{6E6E0873-CC5A-184F-9292-44FDA6E72081}" type="slidenum">
               <a:rPr lang="en-US" smtClean="0"/>
-              <a:t>11</a:t>
+              <a:t>12</a:t>
             </a:fld>
             <a:endParaRPr lang="en-US"/>
           </a:p>
@@ -5653,7 +5867,7 @@
     </p:spTree>
     <p:extLst>
       <p:ext uri="{BB962C8B-B14F-4D97-AF65-F5344CB8AC3E}">
-        <p14:creationId xmlns:p14="http://schemas.microsoft.com/office/powerpoint/2010/main" val="597258575"/>
+        <p14:creationId xmlns:p14="http://schemas.microsoft.com/office/powerpoint/2010/main" val="3106399425"/>
       </p:ext>
     </p:extLst>
   </p:cSld>
@@ -5728,7 +5942,7 @@
           <a:p>
             <a:fld id="{6E6E0873-CC5A-184F-9292-44FDA6E72081}" type="slidenum">
               <a:rPr lang="en-US" smtClean="0"/>
-              <a:t>14</a:t>
+              <a:t>13</a:t>
             </a:fld>
             <a:endParaRPr lang="en-US"/>
           </a:p>
@@ -5737,7 +5951,7 @@
     </p:spTree>
     <p:extLst>
       <p:ext uri="{BB962C8B-B14F-4D97-AF65-F5344CB8AC3E}">
-        <p14:creationId xmlns:p14="http://schemas.microsoft.com/office/powerpoint/2010/main" val="409567693"/>
+        <p14:creationId xmlns:p14="http://schemas.microsoft.com/office/powerpoint/2010/main" val="4189066358"/>
       </p:ext>
     </p:extLst>
   </p:cSld>
@@ -5791,6 +6005,14 @@
           <a:bodyPr/>
           <a:lstStyle/>
           <a:p>
+            <a:r>
+              <a:rPr lang="en-US" dirty="0"/>
+              <a:t>A Bayesian will</a:t>
+            </a:r>
+            <a:r>
+              <a:rPr lang="en-US" baseline="0" dirty="0"/>
+              <a:t> first write out his/her priors</a:t>
+            </a:r>
             <a:endParaRPr lang="en-US" dirty="0"/>
           </a:p>
         </p:txBody>
@@ -5812,7 +6034,7 @@
           <a:p>
             <a:fld id="{6E6E0873-CC5A-184F-9292-44FDA6E72081}" type="slidenum">
               <a:rPr lang="en-US" smtClean="0"/>
-              <a:t>15</a:t>
+              <a:t>14</a:t>
             </a:fld>
             <a:endParaRPr lang="en-US"/>
           </a:p>
@@ -5821,7 +6043,7 @@
     </p:spTree>
     <p:extLst>
       <p:ext uri="{BB962C8B-B14F-4D97-AF65-F5344CB8AC3E}">
-        <p14:creationId xmlns:p14="http://schemas.microsoft.com/office/powerpoint/2010/main" val="3106399425"/>
+        <p14:creationId xmlns:p14="http://schemas.microsoft.com/office/powerpoint/2010/main" val="83895680"/>
       </p:ext>
     </p:extLst>
   </p:cSld>
@@ -25094,13 +25316,7 @@
           <a:p>
             <a:r>
               <a:rPr lang="en-US" dirty="0"/>
-              <a:t>Julia Liu</a:t>
-            </a:r>
-          </a:p>
-          <a:p>
-            <a:r>
-              <a:rPr lang="en-US" dirty="0"/>
-              <a:t>Dec 2019</a:t>
+              <a:t>US Marketing Science Team</a:t>
             </a:r>
           </a:p>
         </p:txBody>
@@ -25149,6 +25365,1777 @@
       </p:grpSpPr>
       <p:sp>
         <p:nvSpPr>
+          <p:cNvPr id="2" name="Footer Placeholder 1">
+            <a:extLst>
+              <a:ext uri="{FF2B5EF4-FFF2-40B4-BE49-F238E27FC236}">
+                <a16:creationId xmlns:a16="http://schemas.microsoft.com/office/drawing/2014/main" id="{E51AE601-7D9A-4641-9257-1B349CF73D1E}"/>
+              </a:ext>
+            </a:extLst>
+          </p:cNvPr>
+          <p:cNvSpPr>
+            <a:spLocks noGrp="1"/>
+          </p:cNvSpPr>
+          <p:nvPr>
+            <p:ph type="ftr" sz="quarter" idx="11"/>
+          </p:nvPr>
+        </p:nvSpPr>
+        <p:spPr/>
+        <p:txBody>
+          <a:bodyPr/>
+          <a:lstStyle/>
+          <a:p>
+            <a:r>
+              <a:rPr lang="en-US"/>
+              <a:t>annalect.com</a:t>
+            </a:r>
+            <a:endParaRPr lang="en-US" dirty="0"/>
+          </a:p>
+        </p:txBody>
+      </p:sp>
+      <p:sp>
+        <p:nvSpPr>
+          <p:cNvPr id="3" name="Title 2">
+            <a:extLst>
+              <a:ext uri="{FF2B5EF4-FFF2-40B4-BE49-F238E27FC236}">
+                <a16:creationId xmlns:a16="http://schemas.microsoft.com/office/drawing/2014/main" id="{F5E2D3C1-FFF9-44D5-8597-E7C7AA7B4CA8}"/>
+              </a:ext>
+            </a:extLst>
+          </p:cNvPr>
+          <p:cNvSpPr>
+            <a:spLocks noGrp="1"/>
+          </p:cNvSpPr>
+          <p:nvPr>
+            <p:ph type="title"/>
+          </p:nvPr>
+        </p:nvSpPr>
+        <p:spPr>
+          <a:xfrm>
+            <a:off x="1342571" y="274638"/>
+            <a:ext cx="10164242" cy="1143000"/>
+          </a:xfrm>
+        </p:spPr>
+        <p:txBody>
+          <a:bodyPr/>
+          <a:lstStyle/>
+          <a:p>
+            <a:r>
+              <a:rPr lang="en-US" dirty="0"/>
+              <a:t>MMM project (data and code) organization and workflow</a:t>
+            </a:r>
+          </a:p>
+        </p:txBody>
+      </p:sp>
+      <p:sp>
+        <p:nvSpPr>
+          <p:cNvPr id="4" name="Slide Number Placeholder 3">
+            <a:extLst>
+              <a:ext uri="{FF2B5EF4-FFF2-40B4-BE49-F238E27FC236}">
+                <a16:creationId xmlns:a16="http://schemas.microsoft.com/office/drawing/2014/main" id="{146746EF-A016-4768-ABEB-2221C0F6D1FC}"/>
+              </a:ext>
+            </a:extLst>
+          </p:cNvPr>
+          <p:cNvSpPr>
+            <a:spLocks noGrp="1"/>
+          </p:cNvSpPr>
+          <p:nvPr>
+            <p:ph type="sldNum" sz="quarter" idx="4"/>
+          </p:nvPr>
+        </p:nvSpPr>
+        <p:spPr/>
+        <p:txBody>
+          <a:bodyPr/>
+          <a:lstStyle/>
+          <a:p>
+            <a:fld id="{A732B65F-C469-8E45-BF68-68AA1785A236}" type="slidenum">
+              <a:rPr lang="en-US" smtClean="0"/>
+              <a:pPr/>
+              <a:t>10</a:t>
+            </a:fld>
+            <a:endParaRPr lang="en-US" dirty="0"/>
+          </a:p>
+        </p:txBody>
+      </p:sp>
+      <p:sp>
+        <p:nvSpPr>
+          <p:cNvPr id="5" name="TextBox 4">
+            <a:extLst>
+              <a:ext uri="{FF2B5EF4-FFF2-40B4-BE49-F238E27FC236}">
+                <a16:creationId xmlns:a16="http://schemas.microsoft.com/office/drawing/2014/main" id="{D4D01A3B-92D7-4AA6-8655-30B4EAD69FC0}"/>
+              </a:ext>
+            </a:extLst>
+          </p:cNvPr>
+          <p:cNvSpPr txBox="1"/>
+          <p:nvPr/>
+        </p:nvSpPr>
+        <p:spPr>
+          <a:xfrm>
+            <a:off x="5638800" y="2971800"/>
+            <a:ext cx="914400" cy="914400"/>
+          </a:xfrm>
+          <a:prstGeom prst="rect">
+            <a:avLst/>
+          </a:prstGeom>
+        </p:spPr>
+        <p:txBody>
+          <a:bodyPr vert="horz" wrap="square" lIns="0" tIns="0" rIns="0" bIns="0" numCol="1" rtlCol="0">
+            <a:normAutofit/>
+          </a:bodyPr>
+          <a:lstStyle/>
+          <a:p>
+            <a:pPr marL="0">
+              <a:lnSpc>
+                <a:spcPts val="2200"/>
+              </a:lnSpc>
+              <a:spcBef>
+                <a:spcPts val="1100"/>
+              </a:spcBef>
+              <a:buClr>
+                <a:schemeClr val="tx2"/>
+              </a:buClr>
+            </a:pPr>
+            <a:endParaRPr lang="en-US" sz="1600" dirty="0">
+              <a:latin typeface="Arial"/>
+              <a:cs typeface="Arial"/>
+            </a:endParaRPr>
+          </a:p>
+        </p:txBody>
+      </p:sp>
+      <p:sp>
+        <p:nvSpPr>
+          <p:cNvPr id="6" name="TextBox 5">
+            <a:extLst>
+              <a:ext uri="{FF2B5EF4-FFF2-40B4-BE49-F238E27FC236}">
+                <a16:creationId xmlns:a16="http://schemas.microsoft.com/office/drawing/2014/main" id="{0DFC729A-8506-4E18-A808-1C9D0B6E63F7}"/>
+              </a:ext>
+            </a:extLst>
+          </p:cNvPr>
+          <p:cNvSpPr txBox="1"/>
+          <p:nvPr/>
+        </p:nvSpPr>
+        <p:spPr>
+          <a:xfrm>
+            <a:off x="878113" y="1625601"/>
+            <a:ext cx="7852229" cy="3171371"/>
+          </a:xfrm>
+          <a:prstGeom prst="rect">
+            <a:avLst/>
+          </a:prstGeom>
+        </p:spPr>
+        <p:txBody>
+          <a:bodyPr vert="horz" wrap="square" lIns="0" tIns="0" rIns="0" bIns="0" numCol="1" rtlCol="0">
+            <a:normAutofit/>
+          </a:bodyPr>
+          <a:lstStyle/>
+          <a:p>
+            <a:pPr marL="0">
+              <a:lnSpc>
+                <a:spcPts val="2200"/>
+              </a:lnSpc>
+              <a:spcBef>
+                <a:spcPts val="1100"/>
+              </a:spcBef>
+              <a:buClr>
+                <a:schemeClr val="tx2"/>
+              </a:buClr>
+            </a:pPr>
+            <a:endParaRPr lang="en-US" sz="1600" dirty="0">
+              <a:latin typeface="Arial"/>
+              <a:cs typeface="Arial"/>
+            </a:endParaRPr>
+          </a:p>
+        </p:txBody>
+      </p:sp>
+      <p:sp>
+        <p:nvSpPr>
+          <p:cNvPr id="7" name="TextBox 6">
+            <a:extLst>
+              <a:ext uri="{FF2B5EF4-FFF2-40B4-BE49-F238E27FC236}">
+                <a16:creationId xmlns:a16="http://schemas.microsoft.com/office/drawing/2014/main" id="{03C07F30-2843-4324-A787-55ACA29F30F0}"/>
+              </a:ext>
+            </a:extLst>
+          </p:cNvPr>
+          <p:cNvSpPr txBox="1"/>
+          <p:nvPr/>
+        </p:nvSpPr>
+        <p:spPr>
+          <a:xfrm>
+            <a:off x="1342571" y="1417638"/>
+            <a:ext cx="9354458" cy="3568019"/>
+          </a:xfrm>
+          <a:prstGeom prst="rect">
+            <a:avLst/>
+          </a:prstGeom>
+        </p:spPr>
+        <p:txBody>
+          <a:bodyPr vert="horz" wrap="square" lIns="0" tIns="0" rIns="0" bIns="0" numCol="1" rtlCol="0">
+            <a:normAutofit/>
+          </a:bodyPr>
+          <a:lstStyle/>
+          <a:p>
+            <a:pPr marL="285750" indent="-285750">
+              <a:lnSpc>
+                <a:spcPts val="2200"/>
+              </a:lnSpc>
+              <a:spcBef>
+                <a:spcPts val="1100"/>
+              </a:spcBef>
+              <a:buClr>
+                <a:schemeClr val="tx2"/>
+              </a:buClr>
+              <a:buFont typeface="Arial" panose="020B0604020202020204" pitchFamily="34" charset="0"/>
+              <a:buChar char="•"/>
+            </a:pPr>
+            <a:endParaRPr lang="en-US" sz="1600" dirty="0">
+              <a:latin typeface="Arial"/>
+              <a:cs typeface="Arial"/>
+            </a:endParaRPr>
+          </a:p>
+        </p:txBody>
+      </p:sp>
+      <p:sp>
+        <p:nvSpPr>
+          <p:cNvPr id="8" name="TextBox 7">
+            <a:extLst>
+              <a:ext uri="{FF2B5EF4-FFF2-40B4-BE49-F238E27FC236}">
+                <a16:creationId xmlns:a16="http://schemas.microsoft.com/office/drawing/2014/main" id="{607142B7-4997-4985-B17A-46E71058E288}"/>
+              </a:ext>
+            </a:extLst>
+          </p:cNvPr>
+          <p:cNvSpPr txBox="1"/>
+          <p:nvPr/>
+        </p:nvSpPr>
+        <p:spPr>
+          <a:xfrm>
+            <a:off x="913528" y="1663295"/>
+            <a:ext cx="8664605" cy="4672444"/>
+          </a:xfrm>
+          <a:prstGeom prst="rect">
+            <a:avLst/>
+          </a:prstGeom>
+        </p:spPr>
+        <p:txBody>
+          <a:bodyPr vert="horz" wrap="square" lIns="0" tIns="0" rIns="0" bIns="0" numCol="1" rtlCol="0">
+            <a:normAutofit/>
+          </a:bodyPr>
+          <a:lstStyle/>
+          <a:p>
+            <a:pPr marL="285750" indent="-285750">
+              <a:lnSpc>
+                <a:spcPts val="2200"/>
+              </a:lnSpc>
+              <a:spcBef>
+                <a:spcPts val="1100"/>
+              </a:spcBef>
+              <a:buClr>
+                <a:schemeClr val="tx2"/>
+              </a:buClr>
+              <a:buFont typeface="Arial" panose="020B0604020202020204" pitchFamily="34" charset="0"/>
+              <a:buChar char="•"/>
+            </a:pPr>
+            <a:r>
+              <a:rPr lang="en-US" sz="2000" dirty="0">
+                <a:latin typeface="Arial"/>
+                <a:cs typeface="Arial"/>
+              </a:rPr>
+              <a:t>Each model resides in a model folder. It contains</a:t>
+            </a:r>
+          </a:p>
+          <a:p>
+            <a:pPr marL="742950" lvl="1" indent="-285750">
+              <a:lnSpc>
+                <a:spcPts val="2200"/>
+              </a:lnSpc>
+              <a:spcBef>
+                <a:spcPts val="1100"/>
+              </a:spcBef>
+              <a:buClr>
+                <a:schemeClr val="tx2"/>
+              </a:buClr>
+              <a:buFont typeface="Arial" panose="020B0604020202020204" pitchFamily="34" charset="0"/>
+              <a:buChar char="•"/>
+            </a:pPr>
+            <a:r>
+              <a:rPr lang="en-US" sz="1600" dirty="0">
+                <a:latin typeface="Arial"/>
+                <a:cs typeface="Arial"/>
+              </a:rPr>
+              <a:t>_ModelData.csv : model ready data file. The file should contain all the raw variables (</a:t>
+            </a:r>
+            <a:r>
+              <a:rPr lang="en-US" sz="1600" dirty="0" err="1">
+                <a:latin typeface="Arial"/>
+                <a:cs typeface="Arial"/>
+              </a:rPr>
+              <a:t>depvar</a:t>
+            </a:r>
+            <a:r>
+              <a:rPr lang="en-US" sz="1600" dirty="0">
+                <a:latin typeface="Arial"/>
+                <a:cs typeface="Arial"/>
+              </a:rPr>
+              <a:t>, potential independent variables, and time variables).  </a:t>
+            </a:r>
+          </a:p>
+          <a:p>
+            <a:pPr marL="742950" lvl="1" indent="-285750">
+              <a:lnSpc>
+                <a:spcPts val="2200"/>
+              </a:lnSpc>
+              <a:spcBef>
+                <a:spcPts val="1100"/>
+              </a:spcBef>
+              <a:buClr>
+                <a:schemeClr val="tx2"/>
+              </a:buClr>
+              <a:buFont typeface="Arial" panose="020B0604020202020204" pitchFamily="34" charset="0"/>
+              <a:buChar char="•"/>
+            </a:pPr>
+            <a:r>
+              <a:rPr lang="en-US" sz="1600" dirty="0">
+                <a:latin typeface="Arial"/>
+                <a:cs typeface="Arial"/>
+              </a:rPr>
+              <a:t>_ModelSetup.csv : model-level parameters. For example, log-log model, </a:t>
+            </a:r>
+            <a:r>
+              <a:rPr lang="en-US" sz="1600" dirty="0" err="1">
+                <a:latin typeface="Arial"/>
+                <a:cs typeface="Arial"/>
+              </a:rPr>
+              <a:t>BeginDate</a:t>
+            </a:r>
+            <a:r>
+              <a:rPr lang="en-US" sz="1600" dirty="0">
+                <a:latin typeface="Arial"/>
+                <a:cs typeface="Arial"/>
+              </a:rPr>
+              <a:t>, </a:t>
+            </a:r>
+            <a:r>
+              <a:rPr lang="en-US" sz="1600" dirty="0" err="1">
+                <a:latin typeface="Arial"/>
+                <a:cs typeface="Arial"/>
+              </a:rPr>
+              <a:t>EndDate</a:t>
+            </a:r>
+            <a:r>
+              <a:rPr lang="en-US" sz="1600" dirty="0">
+                <a:latin typeface="Arial"/>
+                <a:cs typeface="Arial"/>
+              </a:rPr>
+              <a:t>, etc.</a:t>
+            </a:r>
+          </a:p>
+          <a:p>
+            <a:pPr marL="742950" lvl="1" indent="-285750">
+              <a:lnSpc>
+                <a:spcPts val="2200"/>
+              </a:lnSpc>
+              <a:spcBef>
+                <a:spcPts val="1100"/>
+              </a:spcBef>
+              <a:buClr>
+                <a:schemeClr val="tx2"/>
+              </a:buClr>
+              <a:buFont typeface="Arial" panose="020B0604020202020204" pitchFamily="34" charset="0"/>
+              <a:buChar char="•"/>
+            </a:pPr>
+            <a:r>
+              <a:rPr lang="en-US" sz="1600" dirty="0">
+                <a:latin typeface="Arial"/>
+                <a:cs typeface="Arial"/>
+              </a:rPr>
+              <a:t>_Variable.csv : model specification at variable level. List of variables in the model, how to transform them, etc.</a:t>
+            </a:r>
+          </a:p>
+          <a:p>
+            <a:pPr marL="742950" lvl="1" indent="-285750">
+              <a:lnSpc>
+                <a:spcPts val="2200"/>
+              </a:lnSpc>
+              <a:spcBef>
+                <a:spcPts val="1100"/>
+              </a:spcBef>
+              <a:buClr>
+                <a:schemeClr val="tx2"/>
+              </a:buClr>
+              <a:buFont typeface="Arial" panose="020B0604020202020204" pitchFamily="34" charset="0"/>
+              <a:buChar char="•"/>
+            </a:pPr>
+            <a:r>
+              <a:rPr lang="en-US" sz="1600" dirty="0">
+                <a:latin typeface="Arial"/>
+                <a:cs typeface="Arial"/>
+              </a:rPr>
+              <a:t>_FitCurves.csv (optional) : reach curve data</a:t>
+            </a:r>
+          </a:p>
+          <a:p>
+            <a:pPr marL="285750" indent="-285750">
+              <a:lnSpc>
+                <a:spcPts val="2200"/>
+              </a:lnSpc>
+              <a:spcBef>
+                <a:spcPts val="1100"/>
+              </a:spcBef>
+              <a:buClr>
+                <a:schemeClr val="tx2"/>
+              </a:buClr>
+              <a:buFont typeface="Arial" panose="020B0604020202020204" pitchFamily="34" charset="0"/>
+              <a:buChar char="•"/>
+            </a:pPr>
+            <a:r>
+              <a:rPr lang="en-US" sz="1600" dirty="0">
+                <a:latin typeface="Arial"/>
+                <a:cs typeface="Arial"/>
+              </a:rPr>
+              <a:t>A R code that sources all the common functions, reads in the input files, run the MMM model process and write out the results (</a:t>
+            </a:r>
+            <a:r>
+              <a:rPr lang="en-US" sz="1600" dirty="0" err="1">
+                <a:latin typeface="Arial"/>
+                <a:cs typeface="Arial"/>
+              </a:rPr>
+              <a:t>coef</a:t>
+            </a:r>
+            <a:r>
+              <a:rPr lang="en-US" sz="1600" dirty="0">
+                <a:latin typeface="Arial"/>
+                <a:cs typeface="Arial"/>
+              </a:rPr>
+              <a:t>, decomp, model object etc.)</a:t>
+            </a:r>
+          </a:p>
+          <a:p>
+            <a:pPr marL="285750" indent="-285750">
+              <a:lnSpc>
+                <a:spcPts val="2200"/>
+              </a:lnSpc>
+              <a:spcBef>
+                <a:spcPts val="1100"/>
+              </a:spcBef>
+              <a:buClr>
+                <a:schemeClr val="tx2"/>
+              </a:buClr>
+              <a:buFont typeface="Arial" panose="020B0604020202020204" pitchFamily="34" charset="0"/>
+              <a:buChar char="•"/>
+            </a:pPr>
+            <a:r>
+              <a:rPr lang="en-US" dirty="0">
+                <a:solidFill>
+                  <a:srgbClr val="FF0000"/>
+                </a:solidFill>
+                <a:latin typeface="Arial"/>
+                <a:cs typeface="Arial"/>
+              </a:rPr>
+              <a:t>This framework ensures model result reproducibility and documentation. </a:t>
+            </a:r>
+          </a:p>
+          <a:p>
+            <a:pPr marL="285750" indent="-285750">
+              <a:lnSpc>
+                <a:spcPts val="2200"/>
+              </a:lnSpc>
+              <a:spcBef>
+                <a:spcPts val="1100"/>
+              </a:spcBef>
+              <a:buClr>
+                <a:schemeClr val="tx2"/>
+              </a:buClr>
+              <a:buFont typeface="Arial" panose="020B0604020202020204" pitchFamily="34" charset="0"/>
+              <a:buChar char="•"/>
+            </a:pPr>
+            <a:r>
+              <a:rPr lang="en-US" dirty="0">
+                <a:solidFill>
+                  <a:srgbClr val="FF0000"/>
+                </a:solidFill>
+                <a:latin typeface="Arial"/>
+                <a:cs typeface="Arial"/>
+              </a:rPr>
+              <a:t>A frontend UI can be easily added to this framework. </a:t>
+            </a:r>
+          </a:p>
+        </p:txBody>
+      </p:sp>
+    </p:spTree>
+    <p:extLst>
+      <p:ext uri="{BB962C8B-B14F-4D97-AF65-F5344CB8AC3E}">
+        <p14:creationId xmlns:p14="http://schemas.microsoft.com/office/powerpoint/2010/main" val="1927981694"/>
+      </p:ext>
+    </p:extLst>
+  </p:cSld>
+  <p:clrMapOvr>
+    <a:masterClrMapping/>
+  </p:clrMapOvr>
+  <mc:AlternateContent xmlns:mc="http://schemas.openxmlformats.org/markup-compatibility/2006" xmlns:p14="http://schemas.microsoft.com/office/powerpoint/2010/main">
+    <mc:Choice Requires="p14">
+      <p:transition spd="med" p14:dur="700">
+        <p:fade/>
+      </p:transition>
+    </mc:Choice>
+    <mc:Fallback xmlns="">
+      <p:transition xmlns:p14="http://schemas.microsoft.com/office/powerpoint/2010/main" spd="med">
+        <p:fade/>
+      </p:transition>
+    </mc:Fallback>
+  </mc:AlternateContent>
+</p:sld>
+</file>
+
+<file path=ppt/slides/slide11.xml><?xml version="1.0" encoding="utf-8"?>
+<p:sld xmlns:a="http://schemas.openxmlformats.org/drawingml/2006/main" xmlns:r="http://schemas.openxmlformats.org/officeDocument/2006/relationships" xmlns:p="http://schemas.openxmlformats.org/presentationml/2006/main">
+  <p:cSld>
+    <p:spTree>
+      <p:nvGrpSpPr>
+        <p:cNvPr id="1" name=""/>
+        <p:cNvGrpSpPr/>
+        <p:nvPr/>
+      </p:nvGrpSpPr>
+      <p:grpSpPr>
+        <a:xfrm>
+          <a:off x="0" y="0"/>
+          <a:ext cx="0" cy="0"/>
+          <a:chOff x="0" y="0"/>
+          <a:chExt cx="0" cy="0"/>
+        </a:xfrm>
+      </p:grpSpPr>
+      <p:sp>
+        <p:nvSpPr>
+          <p:cNvPr id="2" name="Footer Placeholder 1"/>
+          <p:cNvSpPr>
+            <a:spLocks noGrp="1"/>
+          </p:cNvSpPr>
+          <p:nvPr>
+            <p:ph type="ftr" sz="quarter" idx="11"/>
+          </p:nvPr>
+        </p:nvSpPr>
+        <p:spPr/>
+        <p:txBody>
+          <a:bodyPr/>
+          <a:lstStyle/>
+          <a:p>
+            <a:r>
+              <a:rPr lang="en-US"/>
+              <a:t>annalect.com</a:t>
+            </a:r>
+            <a:endParaRPr lang="en-US" dirty="0"/>
+          </a:p>
+        </p:txBody>
+      </p:sp>
+      <p:sp>
+        <p:nvSpPr>
+          <p:cNvPr id="4" name="Slide Number Placeholder 3"/>
+          <p:cNvSpPr>
+            <a:spLocks noGrp="1"/>
+          </p:cNvSpPr>
+          <p:nvPr>
+            <p:ph type="sldNum" sz="quarter" idx="4"/>
+          </p:nvPr>
+        </p:nvSpPr>
+        <p:spPr/>
+        <p:txBody>
+          <a:bodyPr/>
+          <a:lstStyle/>
+          <a:p>
+            <a:fld id="{A732B65F-C469-8E45-BF68-68AA1785A236}" type="slidenum">
+              <a:rPr lang="en-US" smtClean="0"/>
+              <a:pPr/>
+              <a:t>11</a:t>
+            </a:fld>
+            <a:endParaRPr lang="en-US" dirty="0"/>
+          </a:p>
+        </p:txBody>
+      </p:sp>
+      <p:sp>
+        <p:nvSpPr>
+          <p:cNvPr id="5" name="Rectangle 4"/>
+          <p:cNvSpPr/>
+          <p:nvPr/>
+        </p:nvSpPr>
+        <p:spPr>
+          <a:xfrm>
+            <a:off x="0" y="2619807"/>
+            <a:ext cx="9078686" cy="1589235"/>
+          </a:xfrm>
+          <a:prstGeom prst="rect">
+            <a:avLst/>
+          </a:prstGeom>
+          <a:solidFill>
+            <a:schemeClr val="accent1"/>
+          </a:solidFill>
+          <a:ln w="6350" cmpd="sng">
+            <a:solidFill>
+              <a:schemeClr val="bg1">
+                <a:lumMod val="85000"/>
+              </a:schemeClr>
+            </a:solidFill>
+            <a:miter lim="800000"/>
+          </a:ln>
+        </p:spPr>
+        <p:style>
+          <a:lnRef idx="2">
+            <a:schemeClr val="accent1">
+              <a:shade val="50000"/>
+            </a:schemeClr>
+          </a:lnRef>
+          <a:fillRef idx="1">
+            <a:schemeClr val="accent1"/>
+          </a:fillRef>
+          <a:effectRef idx="0">
+            <a:schemeClr val="accent1"/>
+          </a:effectRef>
+          <a:fontRef idx="minor">
+            <a:schemeClr val="lt1"/>
+          </a:fontRef>
+        </p:style>
+        <p:txBody>
+          <a:bodyPr rot="0" spcFirstLastPara="0" vertOverflow="overflow" horzOverflow="overflow" vert="horz" wrap="square" lIns="91416" tIns="45708" rIns="91416" bIns="45708" numCol="1" spcCol="0" rtlCol="0" fromWordArt="0" anchor="ctr" anchorCtr="0" forceAA="0" compatLnSpc="1">
+            <a:prstTxWarp prst="textNoShape">
+              <a:avLst/>
+            </a:prstTxWarp>
+            <a:noAutofit/>
+          </a:bodyPr>
+          <a:lstStyle/>
+          <a:p>
+            <a:pPr algn="ctr"/>
+            <a:r>
+              <a:rPr lang="en-US" sz="5398" dirty="0"/>
+              <a:t>An example</a:t>
+            </a:r>
+          </a:p>
+        </p:txBody>
+      </p:sp>
+    </p:spTree>
+    <p:extLst>
+      <p:ext uri="{BB962C8B-B14F-4D97-AF65-F5344CB8AC3E}">
+        <p14:creationId xmlns:p14="http://schemas.microsoft.com/office/powerpoint/2010/main" val="1062651810"/>
+      </p:ext>
+    </p:extLst>
+  </p:cSld>
+  <p:clrMapOvr>
+    <a:masterClrMapping/>
+  </p:clrMapOvr>
+  <mc:AlternateContent xmlns:mc="http://schemas.openxmlformats.org/markup-compatibility/2006" xmlns:p14="http://schemas.microsoft.com/office/powerpoint/2010/main">
+    <mc:Choice Requires="p14">
+      <p:transition spd="med" p14:dur="700">
+        <p:fade/>
+      </p:transition>
+    </mc:Choice>
+    <mc:Fallback xmlns="">
+      <p:transition xmlns:p14="http://schemas.microsoft.com/office/powerpoint/2010/main" spd="med">
+        <p:fade/>
+      </p:transition>
+    </mc:Fallback>
+  </mc:AlternateContent>
+</p:sld>
+</file>
+
+<file path=ppt/slides/slide12.xml><?xml version="1.0" encoding="utf-8"?>
+<p:sld xmlns:a="http://schemas.openxmlformats.org/drawingml/2006/main" xmlns:r="http://schemas.openxmlformats.org/officeDocument/2006/relationships" xmlns:p="http://schemas.openxmlformats.org/presentationml/2006/main">
+  <p:cSld>
+    <p:spTree>
+      <p:nvGrpSpPr>
+        <p:cNvPr id="1" name=""/>
+        <p:cNvGrpSpPr/>
+        <p:nvPr/>
+      </p:nvGrpSpPr>
+      <p:grpSpPr>
+        <a:xfrm>
+          <a:off x="0" y="0"/>
+          <a:ext cx="0" cy="0"/>
+          <a:chOff x="0" y="0"/>
+          <a:chExt cx="0" cy="0"/>
+        </a:xfrm>
+      </p:grpSpPr>
+      <p:sp>
+        <p:nvSpPr>
+          <p:cNvPr id="2" name="Footer Placeholder 1"/>
+          <p:cNvSpPr>
+            <a:spLocks noGrp="1"/>
+          </p:cNvSpPr>
+          <p:nvPr>
+            <p:ph type="ftr" sz="quarter" idx="11"/>
+          </p:nvPr>
+        </p:nvSpPr>
+        <p:spPr/>
+        <p:txBody>
+          <a:bodyPr/>
+          <a:lstStyle/>
+          <a:p>
+            <a:r>
+              <a:rPr lang="en-US"/>
+              <a:t>annalect.com</a:t>
+            </a:r>
+            <a:endParaRPr lang="en-US" dirty="0"/>
+          </a:p>
+        </p:txBody>
+      </p:sp>
+      <p:sp>
+        <p:nvSpPr>
+          <p:cNvPr id="4" name="Slide Number Placeholder 3"/>
+          <p:cNvSpPr>
+            <a:spLocks noGrp="1"/>
+          </p:cNvSpPr>
+          <p:nvPr>
+            <p:ph type="sldNum" sz="quarter" idx="4"/>
+          </p:nvPr>
+        </p:nvSpPr>
+        <p:spPr/>
+        <p:txBody>
+          <a:bodyPr/>
+          <a:lstStyle/>
+          <a:p>
+            <a:fld id="{A732B65F-C469-8E45-BF68-68AA1785A236}" type="slidenum">
+              <a:rPr lang="en-US" smtClean="0"/>
+              <a:pPr/>
+              <a:t>12</a:t>
+            </a:fld>
+            <a:endParaRPr lang="en-US" dirty="0"/>
+          </a:p>
+        </p:txBody>
+      </p:sp>
+      <p:sp>
+        <p:nvSpPr>
+          <p:cNvPr id="5" name="Rectangle 4"/>
+          <p:cNvSpPr/>
+          <p:nvPr/>
+        </p:nvSpPr>
+        <p:spPr>
+          <a:xfrm>
+            <a:off x="0" y="2619807"/>
+            <a:ext cx="9078686" cy="1589235"/>
+          </a:xfrm>
+          <a:prstGeom prst="rect">
+            <a:avLst/>
+          </a:prstGeom>
+          <a:solidFill>
+            <a:schemeClr val="accent1"/>
+          </a:solidFill>
+          <a:ln w="6350" cmpd="sng">
+            <a:solidFill>
+              <a:schemeClr val="bg1">
+                <a:lumMod val="85000"/>
+              </a:schemeClr>
+            </a:solidFill>
+            <a:miter lim="800000"/>
+          </a:ln>
+        </p:spPr>
+        <p:style>
+          <a:lnRef idx="2">
+            <a:schemeClr val="accent1">
+              <a:shade val="50000"/>
+            </a:schemeClr>
+          </a:lnRef>
+          <a:fillRef idx="1">
+            <a:schemeClr val="accent1"/>
+          </a:fillRef>
+          <a:effectRef idx="0">
+            <a:schemeClr val="accent1"/>
+          </a:effectRef>
+          <a:fontRef idx="minor">
+            <a:schemeClr val="lt1"/>
+          </a:fontRef>
+        </p:style>
+        <p:txBody>
+          <a:bodyPr rot="0" spcFirstLastPara="0" vertOverflow="overflow" horzOverflow="overflow" vert="horz" wrap="square" lIns="91416" tIns="45708" rIns="91416" bIns="45708" numCol="1" spcCol="0" rtlCol="0" fromWordArt="0" anchor="ctr" anchorCtr="0" forceAA="0" compatLnSpc="1">
+            <a:prstTxWarp prst="textNoShape">
+              <a:avLst/>
+            </a:prstTxWarp>
+            <a:noAutofit/>
+          </a:bodyPr>
+          <a:lstStyle/>
+          <a:p>
+            <a:pPr algn="ctr"/>
+            <a:r>
+              <a:rPr lang="en-US" sz="5398" dirty="0"/>
+              <a:t>Bayesian Regression Model</a:t>
+            </a:r>
+          </a:p>
+        </p:txBody>
+      </p:sp>
+    </p:spTree>
+    <p:extLst>
+      <p:ext uri="{BB962C8B-B14F-4D97-AF65-F5344CB8AC3E}">
+        <p14:creationId xmlns:p14="http://schemas.microsoft.com/office/powerpoint/2010/main" val="3001379411"/>
+      </p:ext>
+    </p:extLst>
+  </p:cSld>
+  <p:clrMapOvr>
+    <a:masterClrMapping/>
+  </p:clrMapOvr>
+  <mc:AlternateContent xmlns:mc="http://schemas.openxmlformats.org/markup-compatibility/2006" xmlns:p14="http://schemas.microsoft.com/office/powerpoint/2010/main">
+    <mc:Choice Requires="p14">
+      <p:transition spd="med" p14:dur="700">
+        <p:fade/>
+      </p:transition>
+    </mc:Choice>
+    <mc:Fallback xmlns="">
+      <p:transition xmlns:p14="http://schemas.microsoft.com/office/powerpoint/2010/main" spd="med">
+        <p:fade/>
+      </p:transition>
+    </mc:Fallback>
+  </mc:AlternateContent>
+</p:sld>
+</file>
+
+<file path=ppt/slides/slide13.xml><?xml version="1.0" encoding="utf-8"?>
+<p:sld xmlns:a="http://schemas.openxmlformats.org/drawingml/2006/main" xmlns:r="http://schemas.openxmlformats.org/officeDocument/2006/relationships" xmlns:p="http://schemas.openxmlformats.org/presentationml/2006/main">
+  <p:cSld>
+    <p:spTree>
+      <p:nvGrpSpPr>
+        <p:cNvPr id="1" name=""/>
+        <p:cNvGrpSpPr/>
+        <p:nvPr/>
+      </p:nvGrpSpPr>
+      <p:grpSpPr>
+        <a:xfrm>
+          <a:off x="0" y="0"/>
+          <a:ext cx="0" cy="0"/>
+          <a:chOff x="0" y="0"/>
+          <a:chExt cx="0" cy="0"/>
+        </a:xfrm>
+      </p:grpSpPr>
+      <p:sp>
+        <p:nvSpPr>
+          <p:cNvPr id="3" name="Footer Placeholder 2"/>
+          <p:cNvSpPr>
+            <a:spLocks noGrp="1"/>
+          </p:cNvSpPr>
+          <p:nvPr>
+            <p:ph type="ftr" sz="quarter" idx="11"/>
+          </p:nvPr>
+        </p:nvSpPr>
+        <p:spPr/>
+        <p:txBody>
+          <a:bodyPr/>
+          <a:lstStyle/>
+          <a:p>
+            <a:r>
+              <a:rPr lang="en-US" dirty="0"/>
+              <a:t>annalect.com</a:t>
+            </a:r>
+          </a:p>
+        </p:txBody>
+      </p:sp>
+      <p:sp>
+        <p:nvSpPr>
+          <p:cNvPr id="4" name="Title 3"/>
+          <p:cNvSpPr>
+            <a:spLocks noGrp="1"/>
+          </p:cNvSpPr>
+          <p:nvPr>
+            <p:ph type="title"/>
+          </p:nvPr>
+        </p:nvSpPr>
+        <p:spPr/>
+        <p:txBody>
+          <a:bodyPr/>
+          <a:lstStyle/>
+          <a:p>
+            <a:pPr algn="ctr"/>
+            <a:r>
+              <a:rPr lang="en-US" dirty="0"/>
+              <a:t>Bayesian regression</a:t>
+            </a:r>
+          </a:p>
+        </p:txBody>
+      </p:sp>
+      <p:sp>
+        <p:nvSpPr>
+          <p:cNvPr id="5" name="Slide Number Placeholder 4"/>
+          <p:cNvSpPr>
+            <a:spLocks noGrp="1"/>
+          </p:cNvSpPr>
+          <p:nvPr>
+            <p:ph type="sldNum" sz="quarter" idx="4"/>
+          </p:nvPr>
+        </p:nvSpPr>
+        <p:spPr/>
+        <p:txBody>
+          <a:bodyPr/>
+          <a:lstStyle/>
+          <a:p>
+            <a:fld id="{A732B65F-C469-8E45-BF68-68AA1785A236}" type="slidenum">
+              <a:rPr lang="en-US" smtClean="0"/>
+              <a:pPr/>
+              <a:t>13</a:t>
+            </a:fld>
+            <a:endParaRPr lang="en-US" dirty="0"/>
+          </a:p>
+        </p:txBody>
+      </p:sp>
+      <p:graphicFrame>
+        <p:nvGraphicFramePr>
+          <p:cNvPr id="15" name="Object 14"/>
+          <p:cNvGraphicFramePr>
+            <a:graphicFrameLocks noChangeAspect="1"/>
+          </p:cNvGraphicFramePr>
+          <p:nvPr/>
+        </p:nvGraphicFramePr>
+        <p:xfrm>
+          <a:off x="3979411" y="1436688"/>
+          <a:ext cx="3111500" cy="758825"/>
+        </p:xfrm>
+        <a:graphic>
+          <a:graphicData uri="http://schemas.openxmlformats.org/presentationml/2006/ole">
+            <mc:AlternateContent xmlns:mc="http://schemas.openxmlformats.org/markup-compatibility/2006">
+              <mc:Choice xmlns:v="urn:schemas-microsoft-com:vml" Requires="v">
+                <p:oleObj name="Equation" r:id="rId3" imgW="863280" imgH="228600" progId="Equation.3">
+                  <p:embed/>
+                </p:oleObj>
+              </mc:Choice>
+              <mc:Fallback>
+                <p:oleObj name="Equation" r:id="rId3" imgW="863280" imgH="228600" progId="Equation.3">
+                  <p:embed/>
+                  <p:pic>
+                    <p:nvPicPr>
+                      <p:cNvPr id="15" name="Object 14"/>
+                      <p:cNvPicPr>
+                        <a:picLocks noChangeAspect="1" noChangeArrowheads="1"/>
+                      </p:cNvPicPr>
+                      <p:nvPr/>
+                    </p:nvPicPr>
+                    <p:blipFill>
+                      <a:blip r:embed="rId4"/>
+                      <a:srcRect/>
+                      <a:stretch>
+                        <a:fillRect/>
+                      </a:stretch>
+                    </p:blipFill>
+                    <p:spPr bwMode="auto">
+                      <a:xfrm>
+                        <a:off x="3979411" y="1436688"/>
+                        <a:ext cx="3111500" cy="758825"/>
+                      </a:xfrm>
+                      <a:prstGeom prst="rect">
+                        <a:avLst/>
+                      </a:prstGeom>
+                      <a:noFill/>
+                      <a:ln>
+                        <a:noFill/>
+                      </a:ln>
+                      <a:effectLst/>
+                    </p:spPr>
+                  </p:pic>
+                </p:oleObj>
+              </mc:Fallback>
+            </mc:AlternateContent>
+          </a:graphicData>
+        </a:graphic>
+      </p:graphicFrame>
+      <p:sp>
+        <p:nvSpPr>
+          <p:cNvPr id="20" name="TextBox 19"/>
+          <p:cNvSpPr txBox="1"/>
+          <p:nvPr/>
+        </p:nvSpPr>
+        <p:spPr>
+          <a:xfrm>
+            <a:off x="1121729" y="1697932"/>
+            <a:ext cx="1639660" cy="399663"/>
+          </a:xfrm>
+          <a:prstGeom prst="rect">
+            <a:avLst/>
+          </a:prstGeom>
+          <a:solidFill>
+            <a:schemeClr val="bg1"/>
+          </a:solidFill>
+        </p:spPr>
+        <p:txBody>
+          <a:bodyPr vert="horz" wrap="square" lIns="0" tIns="0" rIns="0" bIns="0" numCol="1" rtlCol="0">
+            <a:normAutofit/>
+          </a:bodyPr>
+          <a:lstStyle/>
+          <a:p>
+            <a:pPr marL="0">
+              <a:lnSpc>
+                <a:spcPts val="2200"/>
+              </a:lnSpc>
+              <a:spcBef>
+                <a:spcPts val="1100"/>
+              </a:spcBef>
+              <a:buClr>
+                <a:schemeClr val="tx2"/>
+              </a:buClr>
+            </a:pPr>
+            <a:r>
+              <a:rPr lang="en-US" sz="2000" dirty="0">
+                <a:latin typeface="Arial"/>
+                <a:cs typeface="Arial"/>
+              </a:rPr>
+              <a:t> </a:t>
+            </a:r>
+            <a:r>
+              <a:rPr lang="en-US" sz="2400" b="1" u="sng" dirty="0">
+                <a:latin typeface="Arial"/>
+                <a:cs typeface="Arial"/>
+              </a:rPr>
+              <a:t>The Model </a:t>
+            </a:r>
+          </a:p>
+        </p:txBody>
+      </p:sp>
+      <p:graphicFrame>
+        <p:nvGraphicFramePr>
+          <p:cNvPr id="25" name="Object 24"/>
+          <p:cNvGraphicFramePr>
+            <a:graphicFrameLocks noChangeAspect="1"/>
+          </p:cNvGraphicFramePr>
+          <p:nvPr/>
+        </p:nvGraphicFramePr>
+        <p:xfrm>
+          <a:off x="3979411" y="2245499"/>
+          <a:ext cx="3065463" cy="800100"/>
+        </p:xfrm>
+        <a:graphic>
+          <a:graphicData uri="http://schemas.openxmlformats.org/presentationml/2006/ole">
+            <mc:AlternateContent xmlns:mc="http://schemas.openxmlformats.org/markup-compatibility/2006">
+              <mc:Choice xmlns:v="urn:schemas-microsoft-com:vml" Requires="v">
+                <p:oleObj name="Equation" r:id="rId5" imgW="850680" imgH="241200" progId="Equation.3">
+                  <p:embed/>
+                </p:oleObj>
+              </mc:Choice>
+              <mc:Fallback>
+                <p:oleObj name="Equation" r:id="rId5" imgW="850680" imgH="241200" progId="Equation.3">
+                  <p:embed/>
+                  <p:pic>
+                    <p:nvPicPr>
+                      <p:cNvPr id="25" name="Object 24"/>
+                      <p:cNvPicPr>
+                        <a:picLocks noChangeAspect="1" noChangeArrowheads="1"/>
+                      </p:cNvPicPr>
+                      <p:nvPr/>
+                    </p:nvPicPr>
+                    <p:blipFill>
+                      <a:blip r:embed="rId6"/>
+                      <a:srcRect/>
+                      <a:stretch>
+                        <a:fillRect/>
+                      </a:stretch>
+                    </p:blipFill>
+                    <p:spPr bwMode="auto">
+                      <a:xfrm>
+                        <a:off x="3979411" y="2245499"/>
+                        <a:ext cx="3065463" cy="800100"/>
+                      </a:xfrm>
+                      <a:prstGeom prst="rect">
+                        <a:avLst/>
+                      </a:prstGeom>
+                      <a:noFill/>
+                      <a:ln>
+                        <a:noFill/>
+                      </a:ln>
+                      <a:effectLst/>
+                    </p:spPr>
+                  </p:pic>
+                </p:oleObj>
+              </mc:Fallback>
+            </mc:AlternateContent>
+          </a:graphicData>
+        </a:graphic>
+      </p:graphicFrame>
+      <p:graphicFrame>
+        <p:nvGraphicFramePr>
+          <p:cNvPr id="26" name="Object 25"/>
+          <p:cNvGraphicFramePr>
+            <a:graphicFrameLocks noChangeAspect="1"/>
+          </p:cNvGraphicFramePr>
+          <p:nvPr/>
+        </p:nvGraphicFramePr>
+        <p:xfrm>
+          <a:off x="3763101" y="4072731"/>
+          <a:ext cx="3708400" cy="758825"/>
+        </p:xfrm>
+        <a:graphic>
+          <a:graphicData uri="http://schemas.openxmlformats.org/presentationml/2006/ole">
+            <mc:AlternateContent xmlns:mc="http://schemas.openxmlformats.org/markup-compatibility/2006">
+              <mc:Choice xmlns:v="urn:schemas-microsoft-com:vml" Requires="v">
+                <p:oleObj name="Equation" r:id="rId7" imgW="1028520" imgH="228600" progId="Equation.3">
+                  <p:embed/>
+                </p:oleObj>
+              </mc:Choice>
+              <mc:Fallback>
+                <p:oleObj name="Equation" r:id="rId7" imgW="1028520" imgH="228600" progId="Equation.3">
+                  <p:embed/>
+                  <p:pic>
+                    <p:nvPicPr>
+                      <p:cNvPr id="26" name="Object 25"/>
+                      <p:cNvPicPr>
+                        <a:picLocks noChangeAspect="1" noChangeArrowheads="1"/>
+                      </p:cNvPicPr>
+                      <p:nvPr/>
+                    </p:nvPicPr>
+                    <p:blipFill>
+                      <a:blip r:embed="rId8"/>
+                      <a:srcRect/>
+                      <a:stretch>
+                        <a:fillRect/>
+                      </a:stretch>
+                    </p:blipFill>
+                    <p:spPr bwMode="auto">
+                      <a:xfrm>
+                        <a:off x="3763101" y="4072731"/>
+                        <a:ext cx="3708400" cy="758825"/>
+                      </a:xfrm>
+                      <a:prstGeom prst="rect">
+                        <a:avLst/>
+                      </a:prstGeom>
+                      <a:noFill/>
+                      <a:ln>
+                        <a:noFill/>
+                      </a:ln>
+                      <a:effectLst/>
+                    </p:spPr>
+                  </p:pic>
+                </p:oleObj>
+              </mc:Fallback>
+            </mc:AlternateContent>
+          </a:graphicData>
+        </a:graphic>
+      </p:graphicFrame>
+      <p:sp>
+        <p:nvSpPr>
+          <p:cNvPr id="27" name="TextBox 26"/>
+          <p:cNvSpPr txBox="1"/>
+          <p:nvPr/>
+        </p:nvSpPr>
+        <p:spPr>
+          <a:xfrm>
+            <a:off x="5027064" y="3437792"/>
+            <a:ext cx="970156" cy="423747"/>
+          </a:xfrm>
+          <a:prstGeom prst="rect">
+            <a:avLst/>
+          </a:prstGeom>
+        </p:spPr>
+        <p:txBody>
+          <a:bodyPr vert="horz" wrap="square" lIns="0" tIns="0" rIns="0" bIns="0" numCol="1" rtlCol="0">
+            <a:normAutofit/>
+          </a:bodyPr>
+          <a:lstStyle/>
+          <a:p>
+            <a:pPr marL="0">
+              <a:lnSpc>
+                <a:spcPts val="2200"/>
+              </a:lnSpc>
+              <a:spcBef>
+                <a:spcPts val="1100"/>
+              </a:spcBef>
+              <a:buClr>
+                <a:schemeClr val="tx2"/>
+              </a:buClr>
+            </a:pPr>
+            <a:r>
+              <a:rPr lang="en-US" sz="2000" dirty="0">
+                <a:latin typeface="Arial"/>
+                <a:cs typeface="Arial"/>
+              </a:rPr>
+              <a:t>or</a:t>
+            </a:r>
+          </a:p>
+        </p:txBody>
+      </p:sp>
+    </p:spTree>
+    <p:extLst>
+      <p:ext uri="{BB962C8B-B14F-4D97-AF65-F5344CB8AC3E}">
+        <p14:creationId xmlns:p14="http://schemas.microsoft.com/office/powerpoint/2010/main" val="3120283105"/>
+      </p:ext>
+    </p:extLst>
+  </p:cSld>
+  <p:clrMapOvr>
+    <a:masterClrMapping/>
+  </p:clrMapOvr>
+  <mc:AlternateContent xmlns:mc="http://schemas.openxmlformats.org/markup-compatibility/2006" xmlns:p14="http://schemas.microsoft.com/office/powerpoint/2010/main">
+    <mc:Choice Requires="p14">
+      <p:transition spd="med" p14:dur="700">
+        <p:fade/>
+      </p:transition>
+    </mc:Choice>
+    <mc:Fallback xmlns="">
+      <p:transition spd="med">
+        <p:fade/>
+      </p:transition>
+    </mc:Fallback>
+  </mc:AlternateContent>
+</p:sld>
+</file>
+
+<file path=ppt/slides/slide14.xml><?xml version="1.0" encoding="utf-8"?>
+<p:sld xmlns:a="http://schemas.openxmlformats.org/drawingml/2006/main" xmlns:r="http://schemas.openxmlformats.org/officeDocument/2006/relationships" xmlns:p="http://schemas.openxmlformats.org/presentationml/2006/main">
+  <p:cSld>
+    <p:spTree>
+      <p:nvGrpSpPr>
+        <p:cNvPr id="1" name=""/>
+        <p:cNvGrpSpPr/>
+        <p:nvPr/>
+      </p:nvGrpSpPr>
+      <p:grpSpPr>
+        <a:xfrm>
+          <a:off x="0" y="0"/>
+          <a:ext cx="0" cy="0"/>
+          <a:chOff x="0" y="0"/>
+          <a:chExt cx="0" cy="0"/>
+        </a:xfrm>
+      </p:grpSpPr>
+      <p:sp>
+        <p:nvSpPr>
+          <p:cNvPr id="3" name="Footer Placeholder 2"/>
+          <p:cNvSpPr>
+            <a:spLocks noGrp="1"/>
+          </p:cNvSpPr>
+          <p:nvPr>
+            <p:ph type="ftr" sz="quarter" idx="11"/>
+          </p:nvPr>
+        </p:nvSpPr>
+        <p:spPr/>
+        <p:txBody>
+          <a:bodyPr/>
+          <a:lstStyle/>
+          <a:p>
+            <a:r>
+              <a:rPr lang="en-US" dirty="0"/>
+              <a:t>annalect.com</a:t>
+            </a:r>
+          </a:p>
+        </p:txBody>
+      </p:sp>
+      <p:sp>
+        <p:nvSpPr>
+          <p:cNvPr id="4" name="Title 3"/>
+          <p:cNvSpPr>
+            <a:spLocks noGrp="1"/>
+          </p:cNvSpPr>
+          <p:nvPr>
+            <p:ph type="title"/>
+          </p:nvPr>
+        </p:nvSpPr>
+        <p:spPr/>
+        <p:txBody>
+          <a:bodyPr/>
+          <a:lstStyle/>
+          <a:p>
+            <a:pPr algn="ctr"/>
+            <a:r>
+              <a:rPr lang="en-US" dirty="0"/>
+              <a:t>Bayesian inference (1</a:t>
+            </a:r>
+            <a:r>
+              <a:rPr lang="en-US" baseline="30000" dirty="0"/>
+              <a:t>st</a:t>
+            </a:r>
+            <a:r>
+              <a:rPr lang="en-US" dirty="0"/>
+              <a:t> step)</a:t>
+            </a:r>
+          </a:p>
+        </p:txBody>
+      </p:sp>
+      <p:sp>
+        <p:nvSpPr>
+          <p:cNvPr id="5" name="Slide Number Placeholder 4"/>
+          <p:cNvSpPr>
+            <a:spLocks noGrp="1"/>
+          </p:cNvSpPr>
+          <p:nvPr>
+            <p:ph type="sldNum" sz="quarter" idx="4"/>
+          </p:nvPr>
+        </p:nvSpPr>
+        <p:spPr/>
+        <p:txBody>
+          <a:bodyPr/>
+          <a:lstStyle/>
+          <a:p>
+            <a:fld id="{A732B65F-C469-8E45-BF68-68AA1785A236}" type="slidenum">
+              <a:rPr lang="en-US" smtClean="0"/>
+              <a:pPr/>
+              <a:t>14</a:t>
+            </a:fld>
+            <a:endParaRPr lang="en-US" dirty="0"/>
+          </a:p>
+        </p:txBody>
+      </p:sp>
+      <p:graphicFrame>
+        <p:nvGraphicFramePr>
+          <p:cNvPr id="17" name="Object 3"/>
+          <p:cNvGraphicFramePr>
+            <a:graphicFrameLocks noChangeAspect="1"/>
+          </p:cNvGraphicFramePr>
+          <p:nvPr/>
+        </p:nvGraphicFramePr>
+        <p:xfrm>
+          <a:off x="3202097" y="3685561"/>
+          <a:ext cx="5784629" cy="878200"/>
+        </p:xfrm>
+        <a:graphic>
+          <a:graphicData uri="http://schemas.openxmlformats.org/presentationml/2006/ole">
+            <mc:AlternateContent xmlns:mc="http://schemas.openxmlformats.org/markup-compatibility/2006">
+              <mc:Choice xmlns:v="urn:schemas-microsoft-com:vml" Requires="v">
+                <p:oleObj name="Equation" r:id="rId3" imgW="2844720" imgH="431640" progId="Equation.DSMT4">
+                  <p:embed/>
+                </p:oleObj>
+              </mc:Choice>
+              <mc:Fallback>
+                <p:oleObj name="Equation" r:id="rId3" imgW="2844720" imgH="431640" progId="Equation.DSMT4">
+                  <p:embed/>
+                  <p:pic>
+                    <p:nvPicPr>
+                      <p:cNvPr id="17" name="Object 3"/>
+                      <p:cNvPicPr>
+                        <a:picLocks noChangeAspect="1" noChangeArrowheads="1"/>
+                      </p:cNvPicPr>
+                      <p:nvPr/>
+                    </p:nvPicPr>
+                    <p:blipFill>
+                      <a:blip r:embed="rId4">
+                        <a:extLst>
+                          <a:ext uri="{28A0092B-C50C-407E-A947-70E740481C1C}">
+                            <a14:useLocalDpi xmlns:a14="http://schemas.microsoft.com/office/drawing/2010/main" val="0"/>
+                          </a:ext>
+                        </a:extLst>
+                      </a:blip>
+                      <a:srcRect/>
+                      <a:stretch>
+                        <a:fillRect/>
+                      </a:stretch>
+                    </p:blipFill>
+                    <p:spPr bwMode="auto">
+                      <a:xfrm>
+                        <a:off x="3202097" y="3685561"/>
+                        <a:ext cx="5784629" cy="878200"/>
+                      </a:xfrm>
+                      <a:prstGeom prst="rect">
+                        <a:avLst/>
+                      </a:prstGeom>
+                      <a:noFill/>
+                      <a:ln>
+                        <a:noFill/>
+                      </a:ln>
+                      <a:effectLst/>
+                    </p:spPr>
+                  </p:pic>
+                </p:oleObj>
+              </mc:Fallback>
+            </mc:AlternateContent>
+          </a:graphicData>
+        </a:graphic>
+      </p:graphicFrame>
+      <p:sp>
+        <p:nvSpPr>
+          <p:cNvPr id="23" name="TextBox 22"/>
+          <p:cNvSpPr txBox="1"/>
+          <p:nvPr/>
+        </p:nvSpPr>
+        <p:spPr>
+          <a:xfrm>
+            <a:off x="840617" y="1794966"/>
+            <a:ext cx="1947187" cy="976202"/>
+          </a:xfrm>
+          <a:prstGeom prst="rect">
+            <a:avLst/>
+          </a:prstGeom>
+        </p:spPr>
+        <p:txBody>
+          <a:bodyPr vert="horz" wrap="square" lIns="0" tIns="0" rIns="0" bIns="0" numCol="1" rtlCol="0">
+            <a:normAutofit/>
+          </a:bodyPr>
+          <a:lstStyle/>
+          <a:p>
+            <a:pPr marL="0">
+              <a:lnSpc>
+                <a:spcPts val="2200"/>
+              </a:lnSpc>
+              <a:spcBef>
+                <a:spcPts val="1100"/>
+              </a:spcBef>
+              <a:buClr>
+                <a:schemeClr val="tx2"/>
+              </a:buClr>
+            </a:pPr>
+            <a:r>
+              <a:rPr lang="en-US" sz="2400" b="1" u="sng" dirty="0">
+                <a:latin typeface="Arial"/>
+                <a:cs typeface="Arial"/>
+              </a:rPr>
+              <a:t>Priors</a:t>
+            </a:r>
+            <a:endParaRPr lang="en-US" sz="2400" b="1" dirty="0">
+              <a:latin typeface="Arial"/>
+              <a:cs typeface="Arial"/>
+            </a:endParaRPr>
+          </a:p>
+          <a:p>
+            <a:pPr marL="0">
+              <a:lnSpc>
+                <a:spcPts val="2200"/>
+              </a:lnSpc>
+              <a:spcBef>
+                <a:spcPts val="1100"/>
+              </a:spcBef>
+              <a:buClr>
+                <a:schemeClr val="tx2"/>
+              </a:buClr>
+            </a:pPr>
+            <a:r>
+              <a:rPr lang="en-US" sz="2400" b="1" u="sng" dirty="0">
+                <a:latin typeface="Arial"/>
+                <a:cs typeface="Arial"/>
+              </a:rPr>
+              <a:t>(</a:t>
+            </a:r>
+            <a:r>
+              <a:rPr lang="en-US" sz="2400" b="1" dirty="0">
+                <a:latin typeface="Arial"/>
+                <a:cs typeface="Arial"/>
+              </a:rPr>
+              <a:t>assumption)</a:t>
+            </a:r>
+            <a:r>
+              <a:rPr lang="en-US" sz="2400" b="1" u="sng" dirty="0">
+                <a:latin typeface="Arial"/>
+                <a:cs typeface="Arial"/>
+              </a:rPr>
+              <a:t> </a:t>
+            </a:r>
+          </a:p>
+        </p:txBody>
+      </p:sp>
+      <p:graphicFrame>
+        <p:nvGraphicFramePr>
+          <p:cNvPr id="13" name="Object 6"/>
+          <p:cNvGraphicFramePr>
+            <a:graphicFrameLocks noChangeAspect="1"/>
+          </p:cNvGraphicFramePr>
+          <p:nvPr/>
+        </p:nvGraphicFramePr>
+        <p:xfrm>
+          <a:off x="3210733" y="1885235"/>
+          <a:ext cx="4716462" cy="1436688"/>
+        </p:xfrm>
+        <a:graphic>
+          <a:graphicData uri="http://schemas.openxmlformats.org/presentationml/2006/ole">
+            <mc:AlternateContent xmlns:mc="http://schemas.openxmlformats.org/markup-compatibility/2006">
+              <mc:Choice xmlns:v="urn:schemas-microsoft-com:vml" Requires="v">
+                <p:oleObj name="Equation" r:id="rId5" imgW="2171520" imgH="660240" progId="Equation.3">
+                  <p:embed/>
+                </p:oleObj>
+              </mc:Choice>
+              <mc:Fallback>
+                <p:oleObj name="Equation" r:id="rId5" imgW="2171520" imgH="660240" progId="Equation.3">
+                  <p:embed/>
+                  <p:pic>
+                    <p:nvPicPr>
+                      <p:cNvPr id="13" name="Object 6"/>
+                      <p:cNvPicPr>
+                        <a:picLocks noChangeAspect="1" noChangeArrowheads="1"/>
+                      </p:cNvPicPr>
+                      <p:nvPr/>
+                    </p:nvPicPr>
+                    <p:blipFill>
+                      <a:blip r:embed="rId6"/>
+                      <a:srcRect/>
+                      <a:stretch>
+                        <a:fillRect/>
+                      </a:stretch>
+                    </p:blipFill>
+                    <p:spPr bwMode="auto">
+                      <a:xfrm>
+                        <a:off x="3210733" y="1885235"/>
+                        <a:ext cx="4716462" cy="1436688"/>
+                      </a:xfrm>
+                      <a:prstGeom prst="rect">
+                        <a:avLst/>
+                      </a:prstGeom>
+                      <a:noFill/>
+                      <a:ln>
+                        <a:noFill/>
+                      </a:ln>
+                      <a:effectLst/>
+                    </p:spPr>
+                  </p:pic>
+                </p:oleObj>
+              </mc:Fallback>
+            </mc:AlternateContent>
+          </a:graphicData>
+        </a:graphic>
+      </p:graphicFrame>
+    </p:spTree>
+    <p:extLst>
+      <p:ext uri="{BB962C8B-B14F-4D97-AF65-F5344CB8AC3E}">
+        <p14:creationId xmlns:p14="http://schemas.microsoft.com/office/powerpoint/2010/main" val="1837067860"/>
+      </p:ext>
+    </p:extLst>
+  </p:cSld>
+  <p:clrMapOvr>
+    <a:masterClrMapping/>
+  </p:clrMapOvr>
+  <mc:AlternateContent xmlns:mc="http://schemas.openxmlformats.org/markup-compatibility/2006" xmlns:p14="http://schemas.microsoft.com/office/powerpoint/2010/main">
+    <mc:Choice Requires="p14">
+      <p:transition spd="med" p14:dur="700">
+        <p:fade/>
+      </p:transition>
+    </mc:Choice>
+    <mc:Fallback xmlns="">
+      <p:transition spd="med">
+        <p:fade/>
+      </p:transition>
+    </mc:Fallback>
+  </mc:AlternateContent>
+</p:sld>
+</file>
+
+<file path=ppt/slides/slide15.xml><?xml version="1.0" encoding="utf-8"?>
+<p:sld xmlns:a="http://schemas.openxmlformats.org/drawingml/2006/main" xmlns:r="http://schemas.openxmlformats.org/officeDocument/2006/relationships" xmlns:p="http://schemas.openxmlformats.org/presentationml/2006/main">
+  <p:cSld>
+    <p:spTree>
+      <p:nvGrpSpPr>
+        <p:cNvPr id="1" name=""/>
+        <p:cNvGrpSpPr/>
+        <p:nvPr/>
+      </p:nvGrpSpPr>
+      <p:grpSpPr>
+        <a:xfrm>
+          <a:off x="0" y="0"/>
+          <a:ext cx="0" cy="0"/>
+          <a:chOff x="0" y="0"/>
+          <a:chExt cx="0" cy="0"/>
+        </a:xfrm>
+      </p:grpSpPr>
+      <p:sp>
+        <p:nvSpPr>
+          <p:cNvPr id="3" name="Footer Placeholder 2"/>
+          <p:cNvSpPr>
+            <a:spLocks noGrp="1"/>
+          </p:cNvSpPr>
+          <p:nvPr>
+            <p:ph type="ftr" sz="quarter" idx="11"/>
+          </p:nvPr>
+        </p:nvSpPr>
+        <p:spPr/>
+        <p:txBody>
+          <a:bodyPr/>
+          <a:lstStyle/>
+          <a:p>
+            <a:r>
+              <a:rPr lang="en-US" dirty="0"/>
+              <a:t>annalect.com</a:t>
+            </a:r>
+          </a:p>
+        </p:txBody>
+      </p:sp>
+      <p:sp>
+        <p:nvSpPr>
+          <p:cNvPr id="4" name="Title 3"/>
+          <p:cNvSpPr>
+            <a:spLocks noGrp="1"/>
+          </p:cNvSpPr>
+          <p:nvPr>
+            <p:ph type="title"/>
+          </p:nvPr>
+        </p:nvSpPr>
+        <p:spPr/>
+        <p:txBody>
+          <a:bodyPr/>
+          <a:lstStyle/>
+          <a:p>
+            <a:pPr algn="ctr"/>
+            <a:r>
+              <a:rPr lang="en-US" dirty="0"/>
+              <a:t>Bayesian inference (2</a:t>
+            </a:r>
+            <a:r>
+              <a:rPr lang="en-US" baseline="30000" dirty="0"/>
+              <a:t>nd</a:t>
+            </a:r>
+            <a:r>
+              <a:rPr lang="en-US" dirty="0"/>
+              <a:t> step)</a:t>
+            </a:r>
+          </a:p>
+        </p:txBody>
+      </p:sp>
+      <p:sp>
+        <p:nvSpPr>
+          <p:cNvPr id="5" name="Slide Number Placeholder 4"/>
+          <p:cNvSpPr>
+            <a:spLocks noGrp="1"/>
+          </p:cNvSpPr>
+          <p:nvPr>
+            <p:ph type="sldNum" sz="quarter" idx="4"/>
+          </p:nvPr>
+        </p:nvSpPr>
+        <p:spPr/>
+        <p:txBody>
+          <a:bodyPr/>
+          <a:lstStyle/>
+          <a:p>
+            <a:fld id="{A732B65F-C469-8E45-BF68-68AA1785A236}" type="slidenum">
+              <a:rPr lang="en-US" smtClean="0"/>
+              <a:pPr/>
+              <a:t>15</a:t>
+            </a:fld>
+            <a:endParaRPr lang="en-US" dirty="0"/>
+          </a:p>
+        </p:txBody>
+      </p:sp>
+      <p:graphicFrame>
+        <p:nvGraphicFramePr>
+          <p:cNvPr id="16" name="Object 6"/>
+          <p:cNvGraphicFramePr>
+            <a:graphicFrameLocks noChangeAspect="1"/>
+          </p:cNvGraphicFramePr>
+          <p:nvPr/>
+        </p:nvGraphicFramePr>
+        <p:xfrm>
+          <a:off x="1320121" y="3762490"/>
+          <a:ext cx="6732285" cy="967407"/>
+        </p:xfrm>
+        <a:graphic>
+          <a:graphicData uri="http://schemas.openxmlformats.org/presentationml/2006/ole">
+            <mc:AlternateContent xmlns:mc="http://schemas.openxmlformats.org/markup-compatibility/2006">
+              <mc:Choice xmlns:v="urn:schemas-microsoft-com:vml" Requires="v">
+                <p:oleObj name="Equation" r:id="rId3" imgW="3098520" imgH="444240" progId="Equation.3">
+                  <p:embed/>
+                </p:oleObj>
+              </mc:Choice>
+              <mc:Fallback>
+                <p:oleObj name="Equation" r:id="rId3" imgW="3098520" imgH="444240" progId="Equation.3">
+                  <p:embed/>
+                  <p:pic>
+                    <p:nvPicPr>
+                      <p:cNvPr id="16" name="Object 6"/>
+                      <p:cNvPicPr>
+                        <a:picLocks noChangeAspect="1" noChangeArrowheads="1"/>
+                      </p:cNvPicPr>
+                      <p:nvPr/>
+                    </p:nvPicPr>
+                    <p:blipFill>
+                      <a:blip r:embed="rId4">
+                        <a:extLst>
+                          <a:ext uri="{28A0092B-C50C-407E-A947-70E740481C1C}">
+                            <a14:useLocalDpi xmlns:a14="http://schemas.microsoft.com/office/drawing/2010/main" val="0"/>
+                          </a:ext>
+                        </a:extLst>
+                      </a:blip>
+                      <a:srcRect/>
+                      <a:stretch>
+                        <a:fillRect/>
+                      </a:stretch>
+                    </p:blipFill>
+                    <p:spPr bwMode="auto">
+                      <a:xfrm>
+                        <a:off x="1320121" y="3762490"/>
+                        <a:ext cx="6732285" cy="967407"/>
+                      </a:xfrm>
+                      <a:prstGeom prst="rect">
+                        <a:avLst/>
+                      </a:prstGeom>
+                      <a:noFill/>
+                      <a:ln>
+                        <a:noFill/>
+                      </a:ln>
+                      <a:effectLst/>
+                    </p:spPr>
+                  </p:pic>
+                </p:oleObj>
+              </mc:Fallback>
+            </mc:AlternateContent>
+          </a:graphicData>
+        </a:graphic>
+      </p:graphicFrame>
+      <p:sp>
+        <p:nvSpPr>
+          <p:cNvPr id="22" name="TextBox 21"/>
+          <p:cNvSpPr txBox="1"/>
+          <p:nvPr/>
+        </p:nvSpPr>
+        <p:spPr>
+          <a:xfrm>
+            <a:off x="1230911" y="2525479"/>
+            <a:ext cx="8704826" cy="518615"/>
+          </a:xfrm>
+          <a:prstGeom prst="rect">
+            <a:avLst/>
+          </a:prstGeom>
+        </p:spPr>
+        <p:txBody>
+          <a:bodyPr vert="horz" wrap="square" lIns="0" tIns="0" rIns="0" bIns="0" numCol="1" rtlCol="0">
+            <a:normAutofit/>
+          </a:bodyPr>
+          <a:lstStyle/>
+          <a:p>
+            <a:pPr marL="0">
+              <a:lnSpc>
+                <a:spcPts val="2200"/>
+              </a:lnSpc>
+              <a:spcBef>
+                <a:spcPts val="1100"/>
+              </a:spcBef>
+              <a:buClr>
+                <a:schemeClr val="tx2"/>
+              </a:buClr>
+            </a:pPr>
+            <a:r>
+              <a:rPr lang="en-US" sz="2400" b="1" u="sng" dirty="0">
+                <a:latin typeface="Arial"/>
+                <a:cs typeface="Arial"/>
+              </a:rPr>
+              <a:t>Likelihood : </a:t>
+            </a:r>
+            <a:r>
+              <a:rPr lang="en-US" sz="2400" dirty="0">
+                <a:latin typeface="Arial"/>
+                <a:cs typeface="Arial"/>
+              </a:rPr>
+              <a:t>a frequentist takes this step only </a:t>
+            </a:r>
+          </a:p>
+        </p:txBody>
+      </p:sp>
+    </p:spTree>
+    <p:extLst>
+      <p:ext uri="{BB962C8B-B14F-4D97-AF65-F5344CB8AC3E}">
+        <p14:creationId xmlns:p14="http://schemas.microsoft.com/office/powerpoint/2010/main" val="2606938740"/>
+      </p:ext>
+    </p:extLst>
+  </p:cSld>
+  <p:clrMapOvr>
+    <a:masterClrMapping/>
+  </p:clrMapOvr>
+  <mc:AlternateContent xmlns:mc="http://schemas.openxmlformats.org/markup-compatibility/2006" xmlns:p14="http://schemas.microsoft.com/office/powerpoint/2010/main">
+    <mc:Choice Requires="p14">
+      <p:transition spd="med" p14:dur="700">
+        <p:fade/>
+      </p:transition>
+    </mc:Choice>
+    <mc:Fallback xmlns="">
+      <p:transition spd="med">
+        <p:fade/>
+      </p:transition>
+    </mc:Fallback>
+  </mc:AlternateContent>
+</p:sld>
+</file>
+
+<file path=ppt/slides/slide16.xml><?xml version="1.0" encoding="utf-8"?>
+<p:sld xmlns:a="http://schemas.openxmlformats.org/drawingml/2006/main" xmlns:r="http://schemas.openxmlformats.org/officeDocument/2006/relationships" xmlns:p="http://schemas.openxmlformats.org/presentationml/2006/main">
+  <p:cSld>
+    <p:spTree>
+      <p:nvGrpSpPr>
+        <p:cNvPr id="1" name=""/>
+        <p:cNvGrpSpPr/>
+        <p:nvPr/>
+      </p:nvGrpSpPr>
+      <p:grpSpPr>
+        <a:xfrm>
+          <a:off x="0" y="0"/>
+          <a:ext cx="0" cy="0"/>
+          <a:chOff x="0" y="0"/>
+          <a:chExt cx="0" cy="0"/>
+        </a:xfrm>
+      </p:grpSpPr>
+      <p:sp>
+        <p:nvSpPr>
           <p:cNvPr id="2" name="Footer Placeholder 1"/>
           <p:cNvSpPr>
             <a:spLocks noGrp="1"/>
@@ -25187,9 +27174,18 @@
           </a:bodyPr>
           <a:lstStyle/>
           <a:p>
-            <a:r>
-              <a:rPr lang="en-US" sz="3200" dirty="0"/>
-              <a:t>Bayesian regression estimator with conjugate priors</a:t>
+            <a:pPr algn="ctr"/>
+            <a:r>
+              <a:rPr lang="en-US" sz="3600" dirty="0"/>
+              <a:t>Bayesian inference (the 3</a:t>
+            </a:r>
+            <a:r>
+              <a:rPr lang="en-US" sz="3600" baseline="30000" dirty="0"/>
+              <a:t>rd</a:t>
+            </a:r>
+            <a:r>
+              <a:rPr lang="en-US" sz="3600" dirty="0"/>
+              <a:t> step)</a:t>
             </a:r>
           </a:p>
         </p:txBody>
@@ -25212,7 +27208,840 @@
             <a:fld id="{A732B65F-C469-8E45-BF68-68AA1785A236}" type="slidenum">
               <a:rPr lang="en-US" smtClean="0"/>
               <a:pPr/>
-              <a:t>10</a:t>
+              <a:t>16</a:t>
+            </a:fld>
+            <a:endParaRPr lang="en-US" dirty="0"/>
+          </a:p>
+        </p:txBody>
+      </p:sp>
+      <p:graphicFrame>
+        <p:nvGraphicFramePr>
+          <p:cNvPr id="7" name="Object 8"/>
+          <p:cNvGraphicFramePr>
+            <a:graphicFrameLocks noChangeAspect="1"/>
+          </p:cNvGraphicFramePr>
+          <p:nvPr/>
+        </p:nvGraphicFramePr>
+        <p:xfrm>
+          <a:off x="1292225" y="1771650"/>
+          <a:ext cx="7796213" cy="463550"/>
+        </p:xfrm>
+        <a:graphic>
+          <a:graphicData uri="http://schemas.openxmlformats.org/presentationml/2006/ole">
+            <mc:AlternateContent xmlns:mc="http://schemas.openxmlformats.org/markup-compatibility/2006">
+              <mc:Choice xmlns:v="urn:schemas-microsoft-com:vml" Requires="v">
+                <p:oleObj name="Equation" r:id="rId2" imgW="3835080" imgH="228600" progId="Equation.3">
+                  <p:embed/>
+                </p:oleObj>
+              </mc:Choice>
+              <mc:Fallback>
+                <p:oleObj name="Equation" r:id="rId2" imgW="3835080" imgH="228600" progId="Equation.3">
+                  <p:embed/>
+                  <p:pic>
+                    <p:nvPicPr>
+                      <p:cNvPr id="7" name="Object 8"/>
+                      <p:cNvPicPr>
+                        <a:picLocks noChangeAspect="1" noChangeArrowheads="1"/>
+                      </p:cNvPicPr>
+                      <p:nvPr/>
+                    </p:nvPicPr>
+                    <p:blipFill>
+                      <a:blip r:embed="rId3"/>
+                      <a:srcRect/>
+                      <a:stretch>
+                        <a:fillRect/>
+                      </a:stretch>
+                    </p:blipFill>
+                    <p:spPr bwMode="auto">
+                      <a:xfrm>
+                        <a:off x="1292225" y="1771650"/>
+                        <a:ext cx="7796213" cy="463550"/>
+                      </a:xfrm>
+                      <a:prstGeom prst="rect">
+                        <a:avLst/>
+                      </a:prstGeom>
+                      <a:noFill/>
+                      <a:ln>
+                        <a:noFill/>
+                      </a:ln>
+                      <a:effectLst/>
+                      <a:extLst>
+                        <a:ext uri="{909E8E84-426E-40DD-AFC4-6F175D3DCCD1}">
+                          <a14:hiddenFill xmlns:a14="http://schemas.microsoft.com/office/drawing/2010/main">
+                            <a:solidFill>
+                              <a:srgbClr val="FFFFFF"/>
+                            </a:solidFill>
+                          </a14:hiddenFill>
+                        </a:ext>
+                        <a:ext uri="{91240B29-F687-4F45-9708-019B960494DF}">
+                          <a14:hiddenLine xmlns:a14="http://schemas.microsoft.com/office/drawing/2010/main" w="9525">
+                            <a:solidFill>
+                              <a:srgbClr val="000000"/>
+                            </a:solidFill>
+                            <a:miter lim="800000"/>
+                            <a:headEnd/>
+                            <a:tailEnd/>
+                          </a14:hiddenLine>
+                        </a:ext>
+                        <a:ext uri="{AF507438-7753-43E0-B8FC-AC1667EBCBE1}">
+                          <a14:hiddenEffects xmlns:a14="http://schemas.microsoft.com/office/drawing/2010/main">
+                            <a:effectLst>
+                              <a:outerShdw dist="35921" dir="2700000" algn="ctr" rotWithShape="0">
+                                <a:srgbClr val="808080"/>
+                              </a:outerShdw>
+                            </a:effectLst>
+                          </a14:hiddenEffects>
+                        </a:ext>
+                      </a:extLst>
+                    </p:spPr>
+                  </p:pic>
+                </p:oleObj>
+              </mc:Fallback>
+            </mc:AlternateContent>
+          </a:graphicData>
+        </a:graphic>
+      </p:graphicFrame>
+      <p:graphicFrame>
+        <p:nvGraphicFramePr>
+          <p:cNvPr id="9" name="Object 8"/>
+          <p:cNvGraphicFramePr>
+            <a:graphicFrameLocks noChangeAspect="1"/>
+          </p:cNvGraphicFramePr>
+          <p:nvPr/>
+        </p:nvGraphicFramePr>
+        <p:xfrm>
+          <a:off x="2519713" y="2552498"/>
+          <a:ext cx="5964237" cy="798513"/>
+        </p:xfrm>
+        <a:graphic>
+          <a:graphicData uri="http://schemas.openxmlformats.org/presentationml/2006/ole">
+            <mc:AlternateContent xmlns:mc="http://schemas.openxmlformats.org/markup-compatibility/2006">
+              <mc:Choice xmlns:v="urn:schemas-microsoft-com:vml" Requires="v">
+                <p:oleObj name="Equation" r:id="rId4" imgW="2933640" imgH="393480" progId="Equation.3">
+                  <p:embed/>
+                </p:oleObj>
+              </mc:Choice>
+              <mc:Fallback>
+                <p:oleObj name="Equation" r:id="rId4" imgW="2933640" imgH="393480" progId="Equation.3">
+                  <p:embed/>
+                  <p:pic>
+                    <p:nvPicPr>
+                      <p:cNvPr id="9" name="Object 8"/>
+                      <p:cNvPicPr>
+                        <a:picLocks noChangeAspect="1" noChangeArrowheads="1"/>
+                      </p:cNvPicPr>
+                      <p:nvPr/>
+                    </p:nvPicPr>
+                    <p:blipFill>
+                      <a:blip r:embed="rId5"/>
+                      <a:srcRect/>
+                      <a:stretch>
+                        <a:fillRect/>
+                      </a:stretch>
+                    </p:blipFill>
+                    <p:spPr bwMode="auto">
+                      <a:xfrm>
+                        <a:off x="2519713" y="2552498"/>
+                        <a:ext cx="5964237" cy="798513"/>
+                      </a:xfrm>
+                      <a:prstGeom prst="rect">
+                        <a:avLst/>
+                      </a:prstGeom>
+                      <a:solidFill>
+                        <a:schemeClr val="accent6"/>
+                      </a:solidFill>
+                      <a:ln>
+                        <a:noFill/>
+                      </a:ln>
+                      <a:effectLst/>
+                    </p:spPr>
+                  </p:pic>
+                </p:oleObj>
+              </mc:Fallback>
+            </mc:AlternateContent>
+          </a:graphicData>
+        </a:graphic>
+      </p:graphicFrame>
+      <p:graphicFrame>
+        <p:nvGraphicFramePr>
+          <p:cNvPr id="10" name="Object 6"/>
+          <p:cNvGraphicFramePr>
+            <a:graphicFrameLocks noChangeAspect="1"/>
+          </p:cNvGraphicFramePr>
+          <p:nvPr/>
+        </p:nvGraphicFramePr>
+        <p:xfrm>
+          <a:off x="3620747" y="3372031"/>
+          <a:ext cx="4772025" cy="911225"/>
+        </p:xfrm>
+        <a:graphic>
+          <a:graphicData uri="http://schemas.openxmlformats.org/presentationml/2006/ole">
+            <mc:AlternateContent xmlns:mc="http://schemas.openxmlformats.org/markup-compatibility/2006">
+              <mc:Choice xmlns:v="urn:schemas-microsoft-com:vml" Requires="v">
+                <p:oleObj name="Equation" r:id="rId6" imgW="2197080" imgH="419040" progId="Equation.3">
+                  <p:embed/>
+                </p:oleObj>
+              </mc:Choice>
+              <mc:Fallback>
+                <p:oleObj name="Equation" r:id="rId6" imgW="2197080" imgH="419040" progId="Equation.3">
+                  <p:embed/>
+                  <p:pic>
+                    <p:nvPicPr>
+                      <p:cNvPr id="10" name="Object 6"/>
+                      <p:cNvPicPr>
+                        <a:picLocks noChangeAspect="1" noChangeArrowheads="1"/>
+                      </p:cNvPicPr>
+                      <p:nvPr/>
+                    </p:nvPicPr>
+                    <p:blipFill>
+                      <a:blip r:embed="rId7"/>
+                      <a:srcRect/>
+                      <a:stretch>
+                        <a:fillRect/>
+                      </a:stretch>
+                    </p:blipFill>
+                    <p:spPr bwMode="auto">
+                      <a:xfrm>
+                        <a:off x="3620747" y="3372031"/>
+                        <a:ext cx="4772025" cy="911225"/>
+                      </a:xfrm>
+                      <a:prstGeom prst="rect">
+                        <a:avLst/>
+                      </a:prstGeom>
+                      <a:solidFill>
+                        <a:schemeClr val="tx2"/>
+                      </a:solidFill>
+                      <a:ln>
+                        <a:noFill/>
+                      </a:ln>
+                      <a:effectLst/>
+                    </p:spPr>
+                  </p:pic>
+                </p:oleObj>
+              </mc:Fallback>
+            </mc:AlternateContent>
+          </a:graphicData>
+        </a:graphic>
+      </p:graphicFrame>
+      <p:graphicFrame>
+        <p:nvGraphicFramePr>
+          <p:cNvPr id="14" name="Object 13"/>
+          <p:cNvGraphicFramePr>
+            <a:graphicFrameLocks noChangeAspect="1"/>
+          </p:cNvGraphicFramePr>
+          <p:nvPr>
+            <p:extLst>
+              <p:ext uri="{D42A27DB-BD31-4B8C-83A1-F6EECF244321}">
+                <p14:modId xmlns:p14="http://schemas.microsoft.com/office/powerpoint/2010/main" val="190538130"/>
+              </p:ext>
+            </p:extLst>
+          </p:nvPr>
+        </p:nvGraphicFramePr>
+        <p:xfrm>
+          <a:off x="3455325" y="5123145"/>
+          <a:ext cx="4284662" cy="488950"/>
+        </p:xfrm>
+        <a:graphic>
+          <a:graphicData uri="http://schemas.openxmlformats.org/presentationml/2006/ole">
+            <mc:AlternateContent xmlns:mc="http://schemas.openxmlformats.org/markup-compatibility/2006">
+              <mc:Choice xmlns:v="urn:schemas-microsoft-com:vml" Requires="v">
+                <p:oleObj name="Equation" r:id="rId8" imgW="2108160" imgH="241200" progId="Equation.3">
+                  <p:embed/>
+                </p:oleObj>
+              </mc:Choice>
+              <mc:Fallback>
+                <p:oleObj name="Equation" r:id="rId8" imgW="2108160" imgH="241200" progId="Equation.3">
+                  <p:embed/>
+                  <p:pic>
+                    <p:nvPicPr>
+                      <p:cNvPr id="14" name="Object 13"/>
+                      <p:cNvPicPr>
+                        <a:picLocks noChangeAspect="1" noChangeArrowheads="1"/>
+                      </p:cNvPicPr>
+                      <p:nvPr/>
+                    </p:nvPicPr>
+                    <p:blipFill>
+                      <a:blip r:embed="rId9"/>
+                      <a:srcRect/>
+                      <a:stretch>
+                        <a:fillRect/>
+                      </a:stretch>
+                    </p:blipFill>
+                    <p:spPr bwMode="auto">
+                      <a:xfrm>
+                        <a:off x="3455325" y="5123145"/>
+                        <a:ext cx="4284662" cy="488950"/>
+                      </a:xfrm>
+                      <a:prstGeom prst="rect">
+                        <a:avLst/>
+                      </a:prstGeom>
+                      <a:solidFill>
+                        <a:schemeClr val="accent6"/>
+                      </a:solidFill>
+                      <a:ln>
+                        <a:noFill/>
+                      </a:ln>
+                      <a:effectLst/>
+                    </p:spPr>
+                  </p:pic>
+                </p:oleObj>
+              </mc:Fallback>
+            </mc:AlternateContent>
+          </a:graphicData>
+        </a:graphic>
+      </p:graphicFrame>
+    </p:spTree>
+    <p:extLst>
+      <p:ext uri="{BB962C8B-B14F-4D97-AF65-F5344CB8AC3E}">
+        <p14:creationId xmlns:p14="http://schemas.microsoft.com/office/powerpoint/2010/main" val="2090314473"/>
+      </p:ext>
+    </p:extLst>
+  </p:cSld>
+  <p:clrMapOvr>
+    <a:masterClrMapping/>
+  </p:clrMapOvr>
+  <mc:AlternateContent xmlns:mc="http://schemas.openxmlformats.org/markup-compatibility/2006" xmlns:p14="http://schemas.microsoft.com/office/powerpoint/2010/main">
+    <mc:Choice Requires="p14">
+      <p:transition spd="med" p14:dur="700">
+        <p:fade/>
+      </p:transition>
+    </mc:Choice>
+    <mc:Fallback xmlns="">
+      <p:transition xmlns:p14="http://schemas.microsoft.com/office/powerpoint/2010/main" spd="med">
+        <p:fade/>
+      </p:transition>
+    </mc:Fallback>
+  </mc:AlternateContent>
+</p:sld>
+</file>
+
+<file path=ppt/slides/slide17.xml><?xml version="1.0" encoding="utf-8"?>
+<p:sld xmlns:a="http://schemas.openxmlformats.org/drawingml/2006/main" xmlns:r="http://schemas.openxmlformats.org/officeDocument/2006/relationships" xmlns:p="http://schemas.openxmlformats.org/presentationml/2006/main">
+  <p:cSld>
+    <p:spTree>
+      <p:nvGrpSpPr>
+        <p:cNvPr id="1" name=""/>
+        <p:cNvGrpSpPr/>
+        <p:nvPr/>
+      </p:nvGrpSpPr>
+      <p:grpSpPr>
+        <a:xfrm>
+          <a:off x="0" y="0"/>
+          <a:ext cx="0" cy="0"/>
+          <a:chOff x="0" y="0"/>
+          <a:chExt cx="0" cy="0"/>
+        </a:xfrm>
+      </p:grpSpPr>
+      <p:sp>
+        <p:nvSpPr>
+          <p:cNvPr id="3" name="Footer Placeholder 2"/>
+          <p:cNvSpPr>
+            <a:spLocks noGrp="1"/>
+          </p:cNvSpPr>
+          <p:nvPr>
+            <p:ph type="ftr" sz="quarter" idx="11"/>
+          </p:nvPr>
+        </p:nvSpPr>
+        <p:spPr/>
+        <p:txBody>
+          <a:bodyPr/>
+          <a:lstStyle/>
+          <a:p>
+            <a:r>
+              <a:rPr lang="en-US" dirty="0"/>
+              <a:t>annalect.com</a:t>
+            </a:r>
+          </a:p>
+        </p:txBody>
+      </p:sp>
+      <p:sp>
+        <p:nvSpPr>
+          <p:cNvPr id="4" name="Title 3"/>
+          <p:cNvSpPr>
+            <a:spLocks noGrp="1"/>
+          </p:cNvSpPr>
+          <p:nvPr>
+            <p:ph type="title"/>
+          </p:nvPr>
+        </p:nvSpPr>
+        <p:spPr>
+          <a:xfrm>
+            <a:off x="609441" y="274638"/>
+            <a:ext cx="10969943" cy="963147"/>
+          </a:xfrm>
+        </p:spPr>
+        <p:txBody>
+          <a:bodyPr>
+            <a:normAutofit/>
+          </a:bodyPr>
+          <a:lstStyle/>
+          <a:p>
+            <a:r>
+              <a:rPr lang="en-US" dirty="0"/>
+              <a:t>Calculate posterior without using MCMC </a:t>
+            </a:r>
+          </a:p>
+        </p:txBody>
+      </p:sp>
+      <p:sp>
+        <p:nvSpPr>
+          <p:cNvPr id="5" name="Slide Number Placeholder 4"/>
+          <p:cNvSpPr>
+            <a:spLocks noGrp="1"/>
+          </p:cNvSpPr>
+          <p:nvPr>
+            <p:ph type="sldNum" sz="quarter" idx="4"/>
+          </p:nvPr>
+        </p:nvSpPr>
+        <p:spPr/>
+        <p:txBody>
+          <a:bodyPr/>
+          <a:lstStyle/>
+          <a:p>
+            <a:fld id="{A732B65F-C469-8E45-BF68-68AA1785A236}" type="slidenum">
+              <a:rPr lang="en-US" smtClean="0"/>
+              <a:pPr/>
+              <a:t>17</a:t>
+            </a:fld>
+            <a:endParaRPr lang="en-US" dirty="0"/>
+          </a:p>
+        </p:txBody>
+      </p:sp>
+      <p:graphicFrame>
+        <p:nvGraphicFramePr>
+          <p:cNvPr id="8" name="Object 5"/>
+          <p:cNvGraphicFramePr>
+            <a:graphicFrameLocks noChangeAspect="1"/>
+          </p:cNvGraphicFramePr>
+          <p:nvPr/>
+        </p:nvGraphicFramePr>
+        <p:xfrm>
+          <a:off x="1129456" y="3999766"/>
+          <a:ext cx="4513262" cy="631825"/>
+        </p:xfrm>
+        <a:graphic>
+          <a:graphicData uri="http://schemas.openxmlformats.org/presentationml/2006/ole">
+            <mc:AlternateContent xmlns:mc="http://schemas.openxmlformats.org/markup-compatibility/2006">
+              <mc:Choice xmlns:v="urn:schemas-microsoft-com:vml" Requires="v">
+                <p:oleObj name="Equation" r:id="rId3" imgW="1473120" imgH="215640" progId="Equation.3">
+                  <p:embed/>
+                </p:oleObj>
+              </mc:Choice>
+              <mc:Fallback>
+                <p:oleObj name="Equation" r:id="rId3" imgW="1473120" imgH="215640" progId="Equation.3">
+                  <p:embed/>
+                  <p:pic>
+                    <p:nvPicPr>
+                      <p:cNvPr id="8" name="Object 5"/>
+                      <p:cNvPicPr>
+                        <a:picLocks noChangeAspect="1" noChangeArrowheads="1"/>
+                      </p:cNvPicPr>
+                      <p:nvPr/>
+                    </p:nvPicPr>
+                    <p:blipFill>
+                      <a:blip r:embed="rId4"/>
+                      <a:srcRect/>
+                      <a:stretch>
+                        <a:fillRect/>
+                      </a:stretch>
+                    </p:blipFill>
+                    <p:spPr bwMode="auto">
+                      <a:xfrm>
+                        <a:off x="1129456" y="3999766"/>
+                        <a:ext cx="4513262" cy="631825"/>
+                      </a:xfrm>
+                      <a:prstGeom prst="rect">
+                        <a:avLst/>
+                      </a:prstGeom>
+                      <a:noFill/>
+                    </p:spPr>
+                  </p:pic>
+                </p:oleObj>
+              </mc:Fallback>
+            </mc:AlternateContent>
+          </a:graphicData>
+        </a:graphic>
+      </p:graphicFrame>
+      <p:graphicFrame>
+        <p:nvGraphicFramePr>
+          <p:cNvPr id="9" name="Object 7"/>
+          <p:cNvGraphicFramePr>
+            <a:graphicFrameLocks noChangeAspect="1"/>
+          </p:cNvGraphicFramePr>
+          <p:nvPr/>
+        </p:nvGraphicFramePr>
+        <p:xfrm>
+          <a:off x="966788" y="4929188"/>
+          <a:ext cx="5175250" cy="941387"/>
+        </p:xfrm>
+        <a:graphic>
+          <a:graphicData uri="http://schemas.openxmlformats.org/presentationml/2006/ole">
+            <mc:AlternateContent xmlns:mc="http://schemas.openxmlformats.org/markup-compatibility/2006">
+              <mc:Choice xmlns:v="urn:schemas-microsoft-com:vml" Requires="v">
+                <p:oleObj name="Equation" r:id="rId5" imgW="2755800" imgH="457200" progId="Equation.3">
+                  <p:embed/>
+                </p:oleObj>
+              </mc:Choice>
+              <mc:Fallback>
+                <p:oleObj name="Equation" r:id="rId5" imgW="2755800" imgH="457200" progId="Equation.3">
+                  <p:embed/>
+                  <p:pic>
+                    <p:nvPicPr>
+                      <p:cNvPr id="9" name="Object 7"/>
+                      <p:cNvPicPr>
+                        <a:picLocks noChangeAspect="1" noChangeArrowheads="1"/>
+                      </p:cNvPicPr>
+                      <p:nvPr/>
+                    </p:nvPicPr>
+                    <p:blipFill>
+                      <a:blip r:embed="rId6"/>
+                      <a:srcRect/>
+                      <a:stretch>
+                        <a:fillRect/>
+                      </a:stretch>
+                    </p:blipFill>
+                    <p:spPr bwMode="auto">
+                      <a:xfrm>
+                        <a:off x="966788" y="4929188"/>
+                        <a:ext cx="5175250" cy="941387"/>
+                      </a:xfrm>
+                      <a:prstGeom prst="rect">
+                        <a:avLst/>
+                      </a:prstGeom>
+                      <a:noFill/>
+                    </p:spPr>
+                  </p:pic>
+                </p:oleObj>
+              </mc:Fallback>
+            </mc:AlternateContent>
+          </a:graphicData>
+        </a:graphic>
+      </p:graphicFrame>
+      <p:sp>
+        <p:nvSpPr>
+          <p:cNvPr id="2" name="TextBox 1"/>
+          <p:cNvSpPr txBox="1"/>
+          <p:nvPr/>
+        </p:nvSpPr>
+        <p:spPr>
+          <a:xfrm>
+            <a:off x="892098" y="1121513"/>
+            <a:ext cx="10350525" cy="2391988"/>
+          </a:xfrm>
+          <a:prstGeom prst="rect">
+            <a:avLst/>
+          </a:prstGeom>
+        </p:spPr>
+        <p:txBody>
+          <a:bodyPr vert="horz" wrap="square" lIns="0" tIns="0" rIns="0" bIns="0" numCol="1" rtlCol="0">
+            <a:normAutofit fontScale="85000" lnSpcReduction="10000"/>
+          </a:bodyPr>
+          <a:lstStyle/>
+          <a:p>
+            <a:pPr marL="285750" indent="-285750">
+              <a:lnSpc>
+                <a:spcPts val="2200"/>
+              </a:lnSpc>
+              <a:spcBef>
+                <a:spcPts val="1100"/>
+              </a:spcBef>
+              <a:buClr>
+                <a:schemeClr val="tx2"/>
+              </a:buClr>
+              <a:buFont typeface="Arial" panose="020B0604020202020204" pitchFamily="34" charset="0"/>
+              <a:buChar char="•"/>
+            </a:pPr>
+            <a:r>
+              <a:rPr lang="en-US" sz="2000" dirty="0">
+                <a:latin typeface="Arial"/>
+                <a:cs typeface="Arial"/>
+              </a:rPr>
+              <a:t>First estimate model error </a:t>
+            </a:r>
+            <a:r>
+              <a:rPr lang="el-GR" sz="2000" dirty="0">
+                <a:latin typeface="Arial"/>
+                <a:cs typeface="Arial"/>
+              </a:rPr>
+              <a:t>σ</a:t>
+            </a:r>
+            <a:r>
+              <a:rPr lang="en-US" sz="2000" dirty="0">
+                <a:latin typeface="Arial"/>
+                <a:cs typeface="Arial"/>
+              </a:rPr>
+              <a:t> from data.</a:t>
+            </a:r>
+          </a:p>
+          <a:p>
+            <a:pPr marL="285750" indent="-285750">
+              <a:lnSpc>
+                <a:spcPts val="2200"/>
+              </a:lnSpc>
+              <a:spcBef>
+                <a:spcPts val="1100"/>
+              </a:spcBef>
+              <a:buClr>
+                <a:schemeClr val="tx2"/>
+              </a:buClr>
+              <a:buFont typeface="Arial" panose="020B0604020202020204" pitchFamily="34" charset="0"/>
+              <a:buChar char="•"/>
+            </a:pPr>
+            <a:r>
+              <a:rPr lang="en-US" sz="2000" dirty="0">
+                <a:latin typeface="Arial"/>
+                <a:cs typeface="Arial"/>
+              </a:rPr>
+              <a:t>Then given the estimated </a:t>
+            </a:r>
+            <a:r>
+              <a:rPr lang="el-GR" sz="2000" dirty="0">
+                <a:cs typeface="Arial"/>
+              </a:rPr>
+              <a:t>σ</a:t>
+            </a:r>
+            <a:r>
+              <a:rPr lang="en-US" sz="2000" dirty="0">
+                <a:latin typeface="Arial"/>
+                <a:cs typeface="Arial"/>
+              </a:rPr>
+              <a:t>, β can be calculated by augmenting data with prior, then estimating just like OLS.</a:t>
+            </a:r>
+          </a:p>
+          <a:p>
+            <a:pPr marL="285750" indent="-285750">
+              <a:lnSpc>
+                <a:spcPts val="2200"/>
+              </a:lnSpc>
+              <a:spcBef>
+                <a:spcPts val="1100"/>
+              </a:spcBef>
+              <a:buClr>
+                <a:schemeClr val="tx2"/>
+              </a:buClr>
+              <a:buFont typeface="Arial" panose="020B0604020202020204" pitchFamily="34" charset="0"/>
+              <a:buChar char="•"/>
+            </a:pPr>
+            <a:r>
+              <a:rPr lang="en-US" sz="2000" dirty="0">
+                <a:latin typeface="Arial"/>
+                <a:cs typeface="Arial"/>
+              </a:rPr>
+              <a:t>It is much more robust, scalable, and fast. </a:t>
+            </a:r>
+          </a:p>
+          <a:p>
+            <a:pPr marL="285750" indent="-285750">
+              <a:lnSpc>
+                <a:spcPts val="2200"/>
+              </a:lnSpc>
+              <a:spcBef>
+                <a:spcPts val="1100"/>
+              </a:spcBef>
+              <a:buClr>
+                <a:schemeClr val="tx2"/>
+              </a:buClr>
+              <a:buFont typeface="Arial" panose="020B0604020202020204" pitchFamily="34" charset="0"/>
+              <a:buChar char="•"/>
+            </a:pPr>
+            <a:r>
+              <a:rPr lang="en-US" sz="2000" dirty="0">
+                <a:latin typeface="Arial"/>
+                <a:cs typeface="Arial"/>
+              </a:rPr>
+              <a:t>Suitable for model with aggregated data, where model error can be assumed normally distributed. </a:t>
+            </a:r>
+          </a:p>
+          <a:p>
+            <a:pPr marL="285750" indent="-285750">
+              <a:lnSpc>
+                <a:spcPts val="2200"/>
+              </a:lnSpc>
+              <a:spcBef>
+                <a:spcPts val="1100"/>
+              </a:spcBef>
+              <a:buClr>
+                <a:schemeClr val="tx2"/>
+              </a:buClr>
+              <a:buFont typeface="Arial" panose="020B0604020202020204" pitchFamily="34" charset="0"/>
+              <a:buChar char="•"/>
+            </a:pPr>
+            <a:r>
+              <a:rPr lang="en-US" sz="2000" dirty="0">
+                <a:latin typeface="Arial"/>
+                <a:cs typeface="Arial"/>
+              </a:rPr>
+              <a:t>Not suitable for individual-level data.</a:t>
+            </a:r>
+          </a:p>
+          <a:p>
+            <a:pPr>
+              <a:lnSpc>
+                <a:spcPts val="2200"/>
+              </a:lnSpc>
+              <a:spcBef>
+                <a:spcPts val="1100"/>
+              </a:spcBef>
+              <a:buClr>
+                <a:schemeClr val="tx2"/>
+              </a:buClr>
+            </a:pPr>
+            <a:endParaRPr lang="en-US" sz="1600" dirty="0">
+              <a:latin typeface="Arial"/>
+              <a:cs typeface="Arial"/>
+            </a:endParaRPr>
+          </a:p>
+          <a:p>
+            <a:pPr>
+              <a:lnSpc>
+                <a:spcPts val="2200"/>
+              </a:lnSpc>
+              <a:spcBef>
+                <a:spcPts val="1100"/>
+              </a:spcBef>
+              <a:buClr>
+                <a:schemeClr val="tx2"/>
+              </a:buClr>
+            </a:pPr>
+            <a:endParaRPr lang="en-US" sz="1600" dirty="0">
+              <a:latin typeface="Arial"/>
+              <a:cs typeface="Arial"/>
+            </a:endParaRPr>
+          </a:p>
+        </p:txBody>
+      </p:sp>
+      <p:pic>
+        <p:nvPicPr>
+          <p:cNvPr id="10" name="Picture 9"/>
+          <p:cNvPicPr>
+            <a:picLocks noChangeAspect="1"/>
+          </p:cNvPicPr>
+          <p:nvPr/>
+        </p:nvPicPr>
+        <p:blipFill>
+          <a:blip r:embed="rId7"/>
+          <a:stretch>
+            <a:fillRect/>
+          </a:stretch>
+        </p:blipFill>
+        <p:spPr>
+          <a:xfrm>
+            <a:off x="6162732" y="3248025"/>
+            <a:ext cx="5514975" cy="3609975"/>
+          </a:xfrm>
+          <a:prstGeom prst="rect">
+            <a:avLst/>
+          </a:prstGeom>
+        </p:spPr>
+      </p:pic>
+    </p:spTree>
+    <p:extLst>
+      <p:ext uri="{BB962C8B-B14F-4D97-AF65-F5344CB8AC3E}">
+        <p14:creationId xmlns:p14="http://schemas.microsoft.com/office/powerpoint/2010/main" val="3377241249"/>
+      </p:ext>
+    </p:extLst>
+  </p:cSld>
+  <p:clrMapOvr>
+    <a:masterClrMapping/>
+  </p:clrMapOvr>
+  <mc:AlternateContent xmlns:mc="http://schemas.openxmlformats.org/markup-compatibility/2006" xmlns:p14="http://schemas.microsoft.com/office/powerpoint/2010/main">
+    <mc:Choice Requires="p14">
+      <p:transition spd="med" p14:dur="700">
+        <p:fade/>
+      </p:transition>
+    </mc:Choice>
+    <mc:Fallback xmlns="">
+      <p:transition xmlns:p14="http://schemas.microsoft.com/office/powerpoint/2010/main" spd="med">
+        <p:fade/>
+      </p:transition>
+    </mc:Fallback>
+  </mc:AlternateContent>
+</p:sld>
+</file>
+
+<file path=ppt/slides/slide18.xml><?xml version="1.0" encoding="utf-8"?>
+<p:sld xmlns:a="http://schemas.openxmlformats.org/drawingml/2006/main" xmlns:r="http://schemas.openxmlformats.org/officeDocument/2006/relationships" xmlns:p="http://schemas.openxmlformats.org/presentationml/2006/main">
+  <p:cSld>
+    <p:spTree>
+      <p:nvGrpSpPr>
+        <p:cNvPr id="1" name=""/>
+        <p:cNvGrpSpPr/>
+        <p:nvPr/>
+      </p:nvGrpSpPr>
+      <p:grpSpPr>
+        <a:xfrm>
+          <a:off x="0" y="0"/>
+          <a:ext cx="0" cy="0"/>
+          <a:chOff x="0" y="0"/>
+          <a:chExt cx="0" cy="0"/>
+        </a:xfrm>
+      </p:grpSpPr>
+      <p:sp>
+        <p:nvSpPr>
+          <p:cNvPr id="2" name="Footer Placeholder 1"/>
+          <p:cNvSpPr>
+            <a:spLocks noGrp="1"/>
+          </p:cNvSpPr>
+          <p:nvPr>
+            <p:ph type="ftr" sz="quarter" idx="11"/>
+          </p:nvPr>
+        </p:nvSpPr>
+        <p:spPr/>
+        <p:txBody>
+          <a:bodyPr/>
+          <a:lstStyle/>
+          <a:p>
+            <a:r>
+              <a:rPr lang="en-US"/>
+              <a:t>annalect.com</a:t>
+            </a:r>
+            <a:endParaRPr lang="en-US" dirty="0"/>
+          </a:p>
+        </p:txBody>
+      </p:sp>
+      <p:sp>
+        <p:nvSpPr>
+          <p:cNvPr id="3" name="Title 2"/>
+          <p:cNvSpPr>
+            <a:spLocks noGrp="1"/>
+          </p:cNvSpPr>
+          <p:nvPr>
+            <p:ph type="title"/>
+          </p:nvPr>
+        </p:nvSpPr>
+        <p:spPr/>
+        <p:txBody>
+          <a:bodyPr>
+            <a:normAutofit/>
+          </a:bodyPr>
+          <a:lstStyle/>
+          <a:p>
+            <a:r>
+              <a:rPr lang="en-US" sz="3200" dirty="0"/>
+              <a:t>Bayesian regression estimator with conjugate priors</a:t>
+            </a:r>
+          </a:p>
+        </p:txBody>
+      </p:sp>
+      <p:sp>
+        <p:nvSpPr>
+          <p:cNvPr id="4" name="Slide Number Placeholder 3"/>
+          <p:cNvSpPr>
+            <a:spLocks noGrp="1"/>
+          </p:cNvSpPr>
+          <p:nvPr>
+            <p:ph type="sldNum" sz="quarter" idx="4"/>
+          </p:nvPr>
+        </p:nvSpPr>
+        <p:spPr/>
+        <p:txBody>
+          <a:bodyPr/>
+          <a:lstStyle/>
+          <a:p>
+            <a:fld id="{A732B65F-C469-8E45-BF68-68AA1785A236}" type="slidenum">
+              <a:rPr lang="en-US" smtClean="0"/>
+              <a:pPr/>
+              <a:t>18</a:t>
             </a:fld>
             <a:endParaRPr lang="en-US" dirty="0"/>
           </a:p>
@@ -26693,7 +29522,7 @@
 </p:sld>
 </file>
 
-<file path=ppt/slides/slide11.xml><?xml version="1.0" encoding="utf-8"?>
+<file path=ppt/slides/slide19.xml><?xml version="1.0" encoding="utf-8"?>
 <p:sld xmlns:a="http://schemas.openxmlformats.org/drawingml/2006/main" xmlns:r="http://schemas.openxmlformats.org/officeDocument/2006/relationships" xmlns:p="http://schemas.openxmlformats.org/presentationml/2006/main">
   <p:cSld>
     <p:spTree>
@@ -26751,7 +29580,7 @@
             <a:fld id="{A732B65F-C469-8E45-BF68-68AA1785A236}" type="slidenum">
               <a:rPr lang="en-US" smtClean="0"/>
               <a:pPr/>
-              <a:t>11</a:t>
+              <a:t>19</a:t>
             </a:fld>
             <a:endParaRPr lang="en-US" dirty="0"/>
           </a:p>
@@ -26811,1341 +29640,6 @@
             <a:pPr algn="ctr"/>
             <a:r>
               <a:rPr lang="en-US" sz="5398" dirty="0"/>
-              <a:t>The MMM R code framework</a:t>
-            </a:r>
-          </a:p>
-          <a:p>
-            <a:pPr algn="ctr"/>
-            <a:r>
-              <a:rPr lang="en-US" sz="2800" dirty="0"/>
-              <a:t>(</a:t>
-            </a:r>
-            <a:r>
-              <a:rPr lang="en-US" sz="2800" dirty="0" err="1"/>
-              <a:t>msmp</a:t>
-            </a:r>
-            <a:r>
-              <a:rPr lang="en-US" sz="2800" dirty="0"/>
-              <a:t> – marketing science model platform)</a:t>
-            </a:r>
-          </a:p>
-        </p:txBody>
-      </p:sp>
-    </p:spTree>
-    <p:extLst>
-      <p:ext uri="{BB962C8B-B14F-4D97-AF65-F5344CB8AC3E}">
-        <p14:creationId xmlns:p14="http://schemas.microsoft.com/office/powerpoint/2010/main" val="2055967265"/>
-      </p:ext>
-    </p:extLst>
-  </p:cSld>
-  <p:clrMapOvr>
-    <a:masterClrMapping/>
-  </p:clrMapOvr>
-  <mc:AlternateContent xmlns:mc="http://schemas.openxmlformats.org/markup-compatibility/2006" xmlns:p14="http://schemas.microsoft.com/office/powerpoint/2010/main">
-    <mc:Choice Requires="p14">
-      <p:transition spd="med" p14:dur="700">
-        <p:fade/>
-      </p:transition>
-    </mc:Choice>
-    <mc:Fallback xmlns="">
-      <p:transition xmlns:p14="http://schemas.microsoft.com/office/powerpoint/2010/main" spd="med">
-        <p:fade/>
-      </p:transition>
-    </mc:Fallback>
-  </mc:AlternateContent>
-</p:sld>
-</file>
-
-<file path=ppt/slides/slide12.xml><?xml version="1.0" encoding="utf-8"?>
-<p:sld xmlns:a="http://schemas.openxmlformats.org/drawingml/2006/main" xmlns:r="http://schemas.openxmlformats.org/officeDocument/2006/relationships" xmlns:p="http://schemas.openxmlformats.org/presentationml/2006/main">
-  <p:cSld>
-    <p:spTree>
-      <p:nvGrpSpPr>
-        <p:cNvPr id="1" name=""/>
-        <p:cNvGrpSpPr/>
-        <p:nvPr/>
-      </p:nvGrpSpPr>
-      <p:grpSpPr>
-        <a:xfrm>
-          <a:off x="0" y="0"/>
-          <a:ext cx="0" cy="0"/>
-          <a:chOff x="0" y="0"/>
-          <a:chExt cx="0" cy="0"/>
-        </a:xfrm>
-      </p:grpSpPr>
-      <p:sp>
-        <p:nvSpPr>
-          <p:cNvPr id="2" name="Footer Placeholder 1">
-            <a:extLst>
-              <a:ext uri="{FF2B5EF4-FFF2-40B4-BE49-F238E27FC236}">
-                <a16:creationId xmlns:a16="http://schemas.microsoft.com/office/drawing/2014/main" id="{E51AE601-7D9A-4641-9257-1B349CF73D1E}"/>
-              </a:ext>
-            </a:extLst>
-          </p:cNvPr>
-          <p:cNvSpPr>
-            <a:spLocks noGrp="1"/>
-          </p:cNvSpPr>
-          <p:nvPr>
-            <p:ph type="ftr" sz="quarter" idx="11"/>
-          </p:nvPr>
-        </p:nvSpPr>
-        <p:spPr/>
-        <p:txBody>
-          <a:bodyPr/>
-          <a:lstStyle/>
-          <a:p>
-            <a:r>
-              <a:rPr lang="en-US"/>
-              <a:t>annalect.com</a:t>
-            </a:r>
-            <a:endParaRPr lang="en-US" dirty="0"/>
-          </a:p>
-        </p:txBody>
-      </p:sp>
-      <p:sp>
-        <p:nvSpPr>
-          <p:cNvPr id="3" name="Title 2">
-            <a:extLst>
-              <a:ext uri="{FF2B5EF4-FFF2-40B4-BE49-F238E27FC236}">
-                <a16:creationId xmlns:a16="http://schemas.microsoft.com/office/drawing/2014/main" id="{F5E2D3C1-FFF9-44D5-8597-E7C7AA7B4CA8}"/>
-              </a:ext>
-            </a:extLst>
-          </p:cNvPr>
-          <p:cNvSpPr>
-            <a:spLocks noGrp="1"/>
-          </p:cNvSpPr>
-          <p:nvPr>
-            <p:ph type="title"/>
-          </p:nvPr>
-        </p:nvSpPr>
-        <p:spPr>
-          <a:xfrm>
-            <a:off x="1342571" y="274638"/>
-            <a:ext cx="10164242" cy="1143000"/>
-          </a:xfrm>
-        </p:spPr>
-        <p:txBody>
-          <a:bodyPr/>
-          <a:lstStyle/>
-          <a:p>
-            <a:r>
-              <a:rPr lang="en-US" dirty="0" err="1"/>
-              <a:t>msmp</a:t>
-            </a:r>
-            <a:r>
-              <a:rPr lang="en-US" dirty="0"/>
-              <a:t> R functions</a:t>
-            </a:r>
-          </a:p>
-        </p:txBody>
-      </p:sp>
-      <p:sp>
-        <p:nvSpPr>
-          <p:cNvPr id="4" name="Slide Number Placeholder 3">
-            <a:extLst>
-              <a:ext uri="{FF2B5EF4-FFF2-40B4-BE49-F238E27FC236}">
-                <a16:creationId xmlns:a16="http://schemas.microsoft.com/office/drawing/2014/main" id="{146746EF-A016-4768-ABEB-2221C0F6D1FC}"/>
-              </a:ext>
-            </a:extLst>
-          </p:cNvPr>
-          <p:cNvSpPr>
-            <a:spLocks noGrp="1"/>
-          </p:cNvSpPr>
-          <p:nvPr>
-            <p:ph type="sldNum" sz="quarter" idx="4"/>
-          </p:nvPr>
-        </p:nvSpPr>
-        <p:spPr/>
-        <p:txBody>
-          <a:bodyPr/>
-          <a:lstStyle/>
-          <a:p>
-            <a:fld id="{A732B65F-C469-8E45-BF68-68AA1785A236}" type="slidenum">
-              <a:rPr lang="en-US" smtClean="0"/>
-              <a:pPr/>
-              <a:t>12</a:t>
-            </a:fld>
-            <a:endParaRPr lang="en-US" dirty="0"/>
-          </a:p>
-        </p:txBody>
-      </p:sp>
-      <p:sp>
-        <p:nvSpPr>
-          <p:cNvPr id="5" name="TextBox 4">
-            <a:extLst>
-              <a:ext uri="{FF2B5EF4-FFF2-40B4-BE49-F238E27FC236}">
-                <a16:creationId xmlns:a16="http://schemas.microsoft.com/office/drawing/2014/main" id="{D4D01A3B-92D7-4AA6-8655-30B4EAD69FC0}"/>
-              </a:ext>
-            </a:extLst>
-          </p:cNvPr>
-          <p:cNvSpPr txBox="1"/>
-          <p:nvPr/>
-        </p:nvSpPr>
-        <p:spPr>
-          <a:xfrm>
-            <a:off x="5638800" y="2971800"/>
-            <a:ext cx="914400" cy="914400"/>
-          </a:xfrm>
-          <a:prstGeom prst="rect">
-            <a:avLst/>
-          </a:prstGeom>
-        </p:spPr>
-        <p:txBody>
-          <a:bodyPr vert="horz" wrap="square" lIns="0" tIns="0" rIns="0" bIns="0" numCol="1" rtlCol="0">
-            <a:normAutofit/>
-          </a:bodyPr>
-          <a:lstStyle/>
-          <a:p>
-            <a:pPr marL="0">
-              <a:lnSpc>
-                <a:spcPts val="2200"/>
-              </a:lnSpc>
-              <a:spcBef>
-                <a:spcPts val="1100"/>
-              </a:spcBef>
-              <a:buClr>
-                <a:schemeClr val="tx2"/>
-              </a:buClr>
-            </a:pPr>
-            <a:endParaRPr lang="en-US" sz="1600" dirty="0">
-              <a:latin typeface="Arial"/>
-              <a:cs typeface="Arial"/>
-            </a:endParaRPr>
-          </a:p>
-        </p:txBody>
-      </p:sp>
-      <p:sp>
-        <p:nvSpPr>
-          <p:cNvPr id="6" name="TextBox 5">
-            <a:extLst>
-              <a:ext uri="{FF2B5EF4-FFF2-40B4-BE49-F238E27FC236}">
-                <a16:creationId xmlns:a16="http://schemas.microsoft.com/office/drawing/2014/main" id="{0DFC729A-8506-4E18-A808-1C9D0B6E63F7}"/>
-              </a:ext>
-            </a:extLst>
-          </p:cNvPr>
-          <p:cNvSpPr txBox="1"/>
-          <p:nvPr/>
-        </p:nvSpPr>
-        <p:spPr>
-          <a:xfrm>
-            <a:off x="878113" y="1625601"/>
-            <a:ext cx="7852229" cy="3171371"/>
-          </a:xfrm>
-          <a:prstGeom prst="rect">
-            <a:avLst/>
-          </a:prstGeom>
-        </p:spPr>
-        <p:txBody>
-          <a:bodyPr vert="horz" wrap="square" lIns="0" tIns="0" rIns="0" bIns="0" numCol="1" rtlCol="0">
-            <a:normAutofit/>
-          </a:bodyPr>
-          <a:lstStyle/>
-          <a:p>
-            <a:pPr marL="0">
-              <a:lnSpc>
-                <a:spcPts val="2200"/>
-              </a:lnSpc>
-              <a:spcBef>
-                <a:spcPts val="1100"/>
-              </a:spcBef>
-              <a:buClr>
-                <a:schemeClr val="tx2"/>
-              </a:buClr>
-            </a:pPr>
-            <a:endParaRPr lang="en-US" sz="1600" dirty="0">
-              <a:latin typeface="Arial"/>
-              <a:cs typeface="Arial"/>
-            </a:endParaRPr>
-          </a:p>
-        </p:txBody>
-      </p:sp>
-      <p:sp>
-        <p:nvSpPr>
-          <p:cNvPr id="7" name="TextBox 6">
-            <a:extLst>
-              <a:ext uri="{FF2B5EF4-FFF2-40B4-BE49-F238E27FC236}">
-                <a16:creationId xmlns:a16="http://schemas.microsoft.com/office/drawing/2014/main" id="{03C07F30-2843-4324-A787-55ACA29F30F0}"/>
-              </a:ext>
-            </a:extLst>
-          </p:cNvPr>
-          <p:cNvSpPr txBox="1"/>
-          <p:nvPr/>
-        </p:nvSpPr>
-        <p:spPr>
-          <a:xfrm>
-            <a:off x="1342571" y="1417638"/>
-            <a:ext cx="9354458" cy="3568019"/>
-          </a:xfrm>
-          <a:prstGeom prst="rect">
-            <a:avLst/>
-          </a:prstGeom>
-        </p:spPr>
-        <p:txBody>
-          <a:bodyPr vert="horz" wrap="square" lIns="0" tIns="0" rIns="0" bIns="0" numCol="1" rtlCol="0">
-            <a:normAutofit/>
-          </a:bodyPr>
-          <a:lstStyle/>
-          <a:p>
-            <a:pPr marL="285750" indent="-285750">
-              <a:lnSpc>
-                <a:spcPts val="2200"/>
-              </a:lnSpc>
-              <a:spcBef>
-                <a:spcPts val="1100"/>
-              </a:spcBef>
-              <a:buClr>
-                <a:schemeClr val="tx2"/>
-              </a:buClr>
-              <a:buFont typeface="Arial" panose="020B0604020202020204" pitchFamily="34" charset="0"/>
-              <a:buChar char="•"/>
-            </a:pPr>
-            <a:endParaRPr lang="en-US" sz="1600" dirty="0">
-              <a:latin typeface="Arial"/>
-              <a:cs typeface="Arial"/>
-            </a:endParaRPr>
-          </a:p>
-        </p:txBody>
-      </p:sp>
-      <p:sp>
-        <p:nvSpPr>
-          <p:cNvPr id="8" name="TextBox 7">
-            <a:extLst>
-              <a:ext uri="{FF2B5EF4-FFF2-40B4-BE49-F238E27FC236}">
-                <a16:creationId xmlns:a16="http://schemas.microsoft.com/office/drawing/2014/main" id="{607142B7-4997-4985-B17A-46E71058E288}"/>
-              </a:ext>
-            </a:extLst>
-          </p:cNvPr>
-          <p:cNvSpPr txBox="1"/>
-          <p:nvPr/>
-        </p:nvSpPr>
-        <p:spPr>
-          <a:xfrm>
-            <a:off x="1284514" y="1625601"/>
-            <a:ext cx="9412515" cy="3911600"/>
-          </a:xfrm>
-          <a:prstGeom prst="rect">
-            <a:avLst/>
-          </a:prstGeom>
-        </p:spPr>
-        <p:txBody>
-          <a:bodyPr vert="horz" wrap="square" lIns="0" tIns="0" rIns="0" bIns="0" numCol="1" rtlCol="0">
-            <a:normAutofit/>
-          </a:bodyPr>
-          <a:lstStyle/>
-          <a:p>
-            <a:pPr marL="285750" indent="-285750">
-              <a:lnSpc>
-                <a:spcPts val="2200"/>
-              </a:lnSpc>
-              <a:spcBef>
-                <a:spcPts val="1100"/>
-              </a:spcBef>
-              <a:buClr>
-                <a:schemeClr val="tx2"/>
-              </a:buClr>
-              <a:buFont typeface="Arial" panose="020B0604020202020204" pitchFamily="34" charset="0"/>
-              <a:buChar char="•"/>
-            </a:pPr>
-            <a:r>
-              <a:rPr lang="en-US" sz="2000" dirty="0">
-                <a:latin typeface="Arial"/>
-                <a:cs typeface="Arial"/>
-              </a:rPr>
-              <a:t>The common R functions that can be used across clients/projects</a:t>
-            </a:r>
-          </a:p>
-          <a:p>
-            <a:pPr marL="742950" lvl="1" indent="-285750">
-              <a:lnSpc>
-                <a:spcPts val="2200"/>
-              </a:lnSpc>
-              <a:spcBef>
-                <a:spcPts val="1100"/>
-              </a:spcBef>
-              <a:buClr>
-                <a:schemeClr val="tx2"/>
-              </a:buClr>
-              <a:buFont typeface="Arial" panose="020B0604020202020204" pitchFamily="34" charset="0"/>
-              <a:buChar char="•"/>
-            </a:pPr>
-            <a:r>
-              <a:rPr lang="en-US" sz="1600" dirty="0" err="1">
-                <a:latin typeface="Arial"/>
-                <a:cs typeface="Arial"/>
-              </a:rPr>
-              <a:t>Transform.R</a:t>
-            </a:r>
-            <a:endParaRPr lang="en-US" sz="1600" dirty="0">
-              <a:latin typeface="Arial"/>
-              <a:cs typeface="Arial"/>
-            </a:endParaRPr>
-          </a:p>
-          <a:p>
-            <a:pPr marL="742950" lvl="1" indent="-285750">
-              <a:lnSpc>
-                <a:spcPts val="2200"/>
-              </a:lnSpc>
-              <a:spcBef>
-                <a:spcPts val="1100"/>
-              </a:spcBef>
-              <a:buClr>
-                <a:schemeClr val="tx2"/>
-              </a:buClr>
-              <a:buFont typeface="Arial" panose="020B0604020202020204" pitchFamily="34" charset="0"/>
-              <a:buChar char="•"/>
-            </a:pPr>
-            <a:r>
-              <a:rPr lang="en-US" sz="1600" dirty="0" err="1">
-                <a:latin typeface="Arial"/>
-                <a:cs typeface="Arial"/>
-              </a:rPr>
-              <a:t>Run_Model.R</a:t>
-            </a:r>
-            <a:r>
-              <a:rPr lang="en-US" sz="1600" dirty="0">
-                <a:latin typeface="Arial"/>
-                <a:cs typeface="Arial"/>
-              </a:rPr>
-              <a:t> (runs </a:t>
-            </a:r>
-            <a:r>
-              <a:rPr lang="en-US" sz="1600" dirty="0" err="1">
-                <a:latin typeface="Arial"/>
-                <a:cs typeface="Arial"/>
-              </a:rPr>
-              <a:t>myBayes.R</a:t>
-            </a:r>
-            <a:r>
-              <a:rPr lang="en-US" sz="1600" dirty="0">
-                <a:latin typeface="Arial"/>
-                <a:cs typeface="Arial"/>
-              </a:rPr>
-              <a:t> – the Bayesian regression function)</a:t>
-            </a:r>
-          </a:p>
-          <a:p>
-            <a:pPr marL="742950" lvl="1" indent="-285750">
-              <a:lnSpc>
-                <a:spcPts val="2200"/>
-              </a:lnSpc>
-              <a:spcBef>
-                <a:spcPts val="1100"/>
-              </a:spcBef>
-              <a:buClr>
-                <a:schemeClr val="tx2"/>
-              </a:buClr>
-              <a:buFont typeface="Arial" panose="020B0604020202020204" pitchFamily="34" charset="0"/>
-              <a:buChar char="•"/>
-            </a:pPr>
-            <a:r>
-              <a:rPr lang="en-US" sz="1600" dirty="0" err="1">
-                <a:latin typeface="Arial"/>
-                <a:cs typeface="Arial"/>
-              </a:rPr>
-              <a:t>Decomp.R</a:t>
-            </a:r>
-            <a:endParaRPr lang="en-US" sz="1600" dirty="0">
-              <a:latin typeface="Arial"/>
-              <a:cs typeface="Arial"/>
-            </a:endParaRPr>
-          </a:p>
-          <a:p>
-            <a:pPr marL="742950" lvl="1" indent="-285750">
-              <a:lnSpc>
-                <a:spcPts val="2200"/>
-              </a:lnSpc>
-              <a:spcBef>
-                <a:spcPts val="1100"/>
-              </a:spcBef>
-              <a:buClr>
-                <a:schemeClr val="tx2"/>
-              </a:buClr>
-              <a:buFont typeface="Arial" panose="020B0604020202020204" pitchFamily="34" charset="0"/>
-              <a:buChar char="•"/>
-            </a:pPr>
-            <a:r>
-              <a:rPr lang="en-US" sz="1600" dirty="0">
-                <a:latin typeface="Arial"/>
-                <a:cs typeface="Arial"/>
-              </a:rPr>
-              <a:t>Unnestr.2.0.R</a:t>
-            </a:r>
-          </a:p>
-          <a:p>
-            <a:pPr marL="742950" lvl="1" indent="-285750">
-              <a:lnSpc>
-                <a:spcPts val="2200"/>
-              </a:lnSpc>
-              <a:spcBef>
-                <a:spcPts val="1100"/>
-              </a:spcBef>
-              <a:buClr>
-                <a:schemeClr val="tx2"/>
-              </a:buClr>
-              <a:buFont typeface="Arial" panose="020B0604020202020204" pitchFamily="34" charset="0"/>
-              <a:buChar char="•"/>
-            </a:pPr>
-            <a:r>
-              <a:rPr lang="en-US" sz="1600" dirty="0" err="1">
-                <a:latin typeface="Arial"/>
-                <a:cs typeface="Arial"/>
-              </a:rPr>
-              <a:t>ResponseCurve.R</a:t>
-            </a:r>
-            <a:endParaRPr lang="en-US" sz="1600" dirty="0">
-              <a:latin typeface="Arial"/>
-              <a:cs typeface="Arial"/>
-            </a:endParaRPr>
-          </a:p>
-          <a:p>
-            <a:pPr marL="742950" lvl="1" indent="-285750">
-              <a:lnSpc>
-                <a:spcPts val="2200"/>
-              </a:lnSpc>
-              <a:spcBef>
-                <a:spcPts val="1100"/>
-              </a:spcBef>
-              <a:buClr>
-                <a:schemeClr val="tx2"/>
-              </a:buClr>
-              <a:buFont typeface="Arial" panose="020B0604020202020204" pitchFamily="34" charset="0"/>
-              <a:buChar char="•"/>
-            </a:pPr>
-            <a:r>
-              <a:rPr lang="en-US" sz="1600" dirty="0">
-                <a:latin typeface="Arial"/>
-                <a:cs typeface="Arial"/>
-              </a:rPr>
-              <a:t>Etc.</a:t>
-            </a:r>
-          </a:p>
-          <a:p>
-            <a:pPr marL="285750" indent="-285750">
-              <a:lnSpc>
-                <a:spcPts val="2200"/>
-              </a:lnSpc>
-              <a:spcBef>
-                <a:spcPts val="1100"/>
-              </a:spcBef>
-              <a:buClr>
-                <a:schemeClr val="tx2"/>
-              </a:buClr>
-              <a:buFont typeface="Arial" panose="020B0604020202020204" pitchFamily="34" charset="0"/>
-              <a:buChar char="•"/>
-            </a:pPr>
-            <a:r>
-              <a:rPr lang="en-US" dirty="0">
-                <a:latin typeface="Arial"/>
-                <a:cs typeface="Arial"/>
-              </a:rPr>
-              <a:t>Each function takes in a model object, picks what it needs, performs its functionality, updates and returns the object -&gt; flexible and modular</a:t>
-            </a:r>
-          </a:p>
-        </p:txBody>
-      </p:sp>
-    </p:spTree>
-    <p:extLst>
-      <p:ext uri="{BB962C8B-B14F-4D97-AF65-F5344CB8AC3E}">
-        <p14:creationId xmlns:p14="http://schemas.microsoft.com/office/powerpoint/2010/main" val="2126890699"/>
-      </p:ext>
-    </p:extLst>
-  </p:cSld>
-  <p:clrMapOvr>
-    <a:masterClrMapping/>
-  </p:clrMapOvr>
-  <mc:AlternateContent xmlns:mc="http://schemas.openxmlformats.org/markup-compatibility/2006" xmlns:p14="http://schemas.microsoft.com/office/powerpoint/2010/main">
-    <mc:Choice Requires="p14">
-      <p:transition spd="med" p14:dur="700">
-        <p:fade/>
-      </p:transition>
-    </mc:Choice>
-    <mc:Fallback xmlns="">
-      <p:transition xmlns:p14="http://schemas.microsoft.com/office/powerpoint/2010/main" spd="med">
-        <p:fade/>
-      </p:transition>
-    </mc:Fallback>
-  </mc:AlternateContent>
-</p:sld>
-</file>
-
-<file path=ppt/slides/slide13.xml><?xml version="1.0" encoding="utf-8"?>
-<p:sld xmlns:a="http://schemas.openxmlformats.org/drawingml/2006/main" xmlns:r="http://schemas.openxmlformats.org/officeDocument/2006/relationships" xmlns:p="http://schemas.openxmlformats.org/presentationml/2006/main">
-  <p:cSld>
-    <p:spTree>
-      <p:nvGrpSpPr>
-        <p:cNvPr id="1" name=""/>
-        <p:cNvGrpSpPr/>
-        <p:nvPr/>
-      </p:nvGrpSpPr>
-      <p:grpSpPr>
-        <a:xfrm>
-          <a:off x="0" y="0"/>
-          <a:ext cx="0" cy="0"/>
-          <a:chOff x="0" y="0"/>
-          <a:chExt cx="0" cy="0"/>
-        </a:xfrm>
-      </p:grpSpPr>
-      <p:sp>
-        <p:nvSpPr>
-          <p:cNvPr id="2" name="Footer Placeholder 1">
-            <a:extLst>
-              <a:ext uri="{FF2B5EF4-FFF2-40B4-BE49-F238E27FC236}">
-                <a16:creationId xmlns:a16="http://schemas.microsoft.com/office/drawing/2014/main" id="{E51AE601-7D9A-4641-9257-1B349CF73D1E}"/>
-              </a:ext>
-            </a:extLst>
-          </p:cNvPr>
-          <p:cNvSpPr>
-            <a:spLocks noGrp="1"/>
-          </p:cNvSpPr>
-          <p:nvPr>
-            <p:ph type="ftr" sz="quarter" idx="11"/>
-          </p:nvPr>
-        </p:nvSpPr>
-        <p:spPr/>
-        <p:txBody>
-          <a:bodyPr/>
-          <a:lstStyle/>
-          <a:p>
-            <a:r>
-              <a:rPr lang="en-US"/>
-              <a:t>annalect.com</a:t>
-            </a:r>
-            <a:endParaRPr lang="en-US" dirty="0"/>
-          </a:p>
-        </p:txBody>
-      </p:sp>
-      <p:sp>
-        <p:nvSpPr>
-          <p:cNvPr id="3" name="Title 2">
-            <a:extLst>
-              <a:ext uri="{FF2B5EF4-FFF2-40B4-BE49-F238E27FC236}">
-                <a16:creationId xmlns:a16="http://schemas.microsoft.com/office/drawing/2014/main" id="{F5E2D3C1-FFF9-44D5-8597-E7C7AA7B4CA8}"/>
-              </a:ext>
-            </a:extLst>
-          </p:cNvPr>
-          <p:cNvSpPr>
-            <a:spLocks noGrp="1"/>
-          </p:cNvSpPr>
-          <p:nvPr>
-            <p:ph type="title"/>
-          </p:nvPr>
-        </p:nvSpPr>
-        <p:spPr>
-          <a:xfrm>
-            <a:off x="1342571" y="274638"/>
-            <a:ext cx="10164242" cy="1143000"/>
-          </a:xfrm>
-        </p:spPr>
-        <p:txBody>
-          <a:bodyPr/>
-          <a:lstStyle/>
-          <a:p>
-            <a:r>
-              <a:rPr lang="en-US" dirty="0"/>
-              <a:t>MMM project (data and code) organization and workflow</a:t>
-            </a:r>
-          </a:p>
-        </p:txBody>
-      </p:sp>
-      <p:sp>
-        <p:nvSpPr>
-          <p:cNvPr id="4" name="Slide Number Placeholder 3">
-            <a:extLst>
-              <a:ext uri="{FF2B5EF4-FFF2-40B4-BE49-F238E27FC236}">
-                <a16:creationId xmlns:a16="http://schemas.microsoft.com/office/drawing/2014/main" id="{146746EF-A016-4768-ABEB-2221C0F6D1FC}"/>
-              </a:ext>
-            </a:extLst>
-          </p:cNvPr>
-          <p:cNvSpPr>
-            <a:spLocks noGrp="1"/>
-          </p:cNvSpPr>
-          <p:nvPr>
-            <p:ph type="sldNum" sz="quarter" idx="4"/>
-          </p:nvPr>
-        </p:nvSpPr>
-        <p:spPr/>
-        <p:txBody>
-          <a:bodyPr/>
-          <a:lstStyle/>
-          <a:p>
-            <a:fld id="{A732B65F-C469-8E45-BF68-68AA1785A236}" type="slidenum">
-              <a:rPr lang="en-US" smtClean="0"/>
-              <a:pPr/>
-              <a:t>13</a:t>
-            </a:fld>
-            <a:endParaRPr lang="en-US" dirty="0"/>
-          </a:p>
-        </p:txBody>
-      </p:sp>
-      <p:sp>
-        <p:nvSpPr>
-          <p:cNvPr id="5" name="TextBox 4">
-            <a:extLst>
-              <a:ext uri="{FF2B5EF4-FFF2-40B4-BE49-F238E27FC236}">
-                <a16:creationId xmlns:a16="http://schemas.microsoft.com/office/drawing/2014/main" id="{D4D01A3B-92D7-4AA6-8655-30B4EAD69FC0}"/>
-              </a:ext>
-            </a:extLst>
-          </p:cNvPr>
-          <p:cNvSpPr txBox="1"/>
-          <p:nvPr/>
-        </p:nvSpPr>
-        <p:spPr>
-          <a:xfrm>
-            <a:off x="5638800" y="2971800"/>
-            <a:ext cx="914400" cy="914400"/>
-          </a:xfrm>
-          <a:prstGeom prst="rect">
-            <a:avLst/>
-          </a:prstGeom>
-        </p:spPr>
-        <p:txBody>
-          <a:bodyPr vert="horz" wrap="square" lIns="0" tIns="0" rIns="0" bIns="0" numCol="1" rtlCol="0">
-            <a:normAutofit/>
-          </a:bodyPr>
-          <a:lstStyle/>
-          <a:p>
-            <a:pPr marL="0">
-              <a:lnSpc>
-                <a:spcPts val="2200"/>
-              </a:lnSpc>
-              <a:spcBef>
-                <a:spcPts val="1100"/>
-              </a:spcBef>
-              <a:buClr>
-                <a:schemeClr val="tx2"/>
-              </a:buClr>
-            </a:pPr>
-            <a:endParaRPr lang="en-US" sz="1600" dirty="0">
-              <a:latin typeface="Arial"/>
-              <a:cs typeface="Arial"/>
-            </a:endParaRPr>
-          </a:p>
-        </p:txBody>
-      </p:sp>
-      <p:sp>
-        <p:nvSpPr>
-          <p:cNvPr id="6" name="TextBox 5">
-            <a:extLst>
-              <a:ext uri="{FF2B5EF4-FFF2-40B4-BE49-F238E27FC236}">
-                <a16:creationId xmlns:a16="http://schemas.microsoft.com/office/drawing/2014/main" id="{0DFC729A-8506-4E18-A808-1C9D0B6E63F7}"/>
-              </a:ext>
-            </a:extLst>
-          </p:cNvPr>
-          <p:cNvSpPr txBox="1"/>
-          <p:nvPr/>
-        </p:nvSpPr>
-        <p:spPr>
-          <a:xfrm>
-            <a:off x="878113" y="1625601"/>
-            <a:ext cx="7852229" cy="3171371"/>
-          </a:xfrm>
-          <a:prstGeom prst="rect">
-            <a:avLst/>
-          </a:prstGeom>
-        </p:spPr>
-        <p:txBody>
-          <a:bodyPr vert="horz" wrap="square" lIns="0" tIns="0" rIns="0" bIns="0" numCol="1" rtlCol="0">
-            <a:normAutofit/>
-          </a:bodyPr>
-          <a:lstStyle/>
-          <a:p>
-            <a:pPr marL="0">
-              <a:lnSpc>
-                <a:spcPts val="2200"/>
-              </a:lnSpc>
-              <a:spcBef>
-                <a:spcPts val="1100"/>
-              </a:spcBef>
-              <a:buClr>
-                <a:schemeClr val="tx2"/>
-              </a:buClr>
-            </a:pPr>
-            <a:endParaRPr lang="en-US" sz="1600" dirty="0">
-              <a:latin typeface="Arial"/>
-              <a:cs typeface="Arial"/>
-            </a:endParaRPr>
-          </a:p>
-        </p:txBody>
-      </p:sp>
-      <p:sp>
-        <p:nvSpPr>
-          <p:cNvPr id="7" name="TextBox 6">
-            <a:extLst>
-              <a:ext uri="{FF2B5EF4-FFF2-40B4-BE49-F238E27FC236}">
-                <a16:creationId xmlns:a16="http://schemas.microsoft.com/office/drawing/2014/main" id="{03C07F30-2843-4324-A787-55ACA29F30F0}"/>
-              </a:ext>
-            </a:extLst>
-          </p:cNvPr>
-          <p:cNvSpPr txBox="1"/>
-          <p:nvPr/>
-        </p:nvSpPr>
-        <p:spPr>
-          <a:xfrm>
-            <a:off x="1342571" y="1417638"/>
-            <a:ext cx="9354458" cy="3568019"/>
-          </a:xfrm>
-          <a:prstGeom prst="rect">
-            <a:avLst/>
-          </a:prstGeom>
-        </p:spPr>
-        <p:txBody>
-          <a:bodyPr vert="horz" wrap="square" lIns="0" tIns="0" rIns="0" bIns="0" numCol="1" rtlCol="0">
-            <a:normAutofit/>
-          </a:bodyPr>
-          <a:lstStyle/>
-          <a:p>
-            <a:pPr marL="285750" indent="-285750">
-              <a:lnSpc>
-                <a:spcPts val="2200"/>
-              </a:lnSpc>
-              <a:spcBef>
-                <a:spcPts val="1100"/>
-              </a:spcBef>
-              <a:buClr>
-                <a:schemeClr val="tx2"/>
-              </a:buClr>
-              <a:buFont typeface="Arial" panose="020B0604020202020204" pitchFamily="34" charset="0"/>
-              <a:buChar char="•"/>
-            </a:pPr>
-            <a:endParaRPr lang="en-US" sz="1600" dirty="0">
-              <a:latin typeface="Arial"/>
-              <a:cs typeface="Arial"/>
-            </a:endParaRPr>
-          </a:p>
-        </p:txBody>
-      </p:sp>
-      <p:sp>
-        <p:nvSpPr>
-          <p:cNvPr id="8" name="TextBox 7">
-            <a:extLst>
-              <a:ext uri="{FF2B5EF4-FFF2-40B4-BE49-F238E27FC236}">
-                <a16:creationId xmlns:a16="http://schemas.microsoft.com/office/drawing/2014/main" id="{607142B7-4997-4985-B17A-46E71058E288}"/>
-              </a:ext>
-            </a:extLst>
-          </p:cNvPr>
-          <p:cNvSpPr txBox="1"/>
-          <p:nvPr/>
-        </p:nvSpPr>
-        <p:spPr>
-          <a:xfrm>
-            <a:off x="913528" y="1663295"/>
-            <a:ext cx="8664605" cy="4672444"/>
-          </a:xfrm>
-          <a:prstGeom prst="rect">
-            <a:avLst/>
-          </a:prstGeom>
-        </p:spPr>
-        <p:txBody>
-          <a:bodyPr vert="horz" wrap="square" lIns="0" tIns="0" rIns="0" bIns="0" numCol="1" rtlCol="0">
-            <a:normAutofit/>
-          </a:bodyPr>
-          <a:lstStyle/>
-          <a:p>
-            <a:pPr marL="285750" indent="-285750">
-              <a:lnSpc>
-                <a:spcPts val="2200"/>
-              </a:lnSpc>
-              <a:spcBef>
-                <a:spcPts val="1100"/>
-              </a:spcBef>
-              <a:buClr>
-                <a:schemeClr val="tx2"/>
-              </a:buClr>
-              <a:buFont typeface="Arial" panose="020B0604020202020204" pitchFamily="34" charset="0"/>
-              <a:buChar char="•"/>
-            </a:pPr>
-            <a:r>
-              <a:rPr lang="en-US" sz="2000" dirty="0">
-                <a:latin typeface="Arial"/>
-                <a:cs typeface="Arial"/>
-              </a:rPr>
-              <a:t>Each model resides in a model folder. It contains</a:t>
-            </a:r>
-          </a:p>
-          <a:p>
-            <a:pPr marL="742950" lvl="1" indent="-285750">
-              <a:lnSpc>
-                <a:spcPts val="2200"/>
-              </a:lnSpc>
-              <a:spcBef>
-                <a:spcPts val="1100"/>
-              </a:spcBef>
-              <a:buClr>
-                <a:schemeClr val="tx2"/>
-              </a:buClr>
-              <a:buFont typeface="Arial" panose="020B0604020202020204" pitchFamily="34" charset="0"/>
-              <a:buChar char="•"/>
-            </a:pPr>
-            <a:r>
-              <a:rPr lang="en-US" sz="1600" dirty="0">
-                <a:latin typeface="Arial"/>
-                <a:cs typeface="Arial"/>
-              </a:rPr>
-              <a:t>_ModelData.csv : model ready data file. The file should contain all the raw variables (</a:t>
-            </a:r>
-            <a:r>
-              <a:rPr lang="en-US" sz="1600" dirty="0" err="1">
-                <a:latin typeface="Arial"/>
-                <a:cs typeface="Arial"/>
-              </a:rPr>
-              <a:t>depvar</a:t>
-            </a:r>
-            <a:r>
-              <a:rPr lang="en-US" sz="1600" dirty="0">
-                <a:latin typeface="Arial"/>
-                <a:cs typeface="Arial"/>
-              </a:rPr>
-              <a:t>, potential independent variables, and time variables).  </a:t>
-            </a:r>
-          </a:p>
-          <a:p>
-            <a:pPr marL="742950" lvl="1" indent="-285750">
-              <a:lnSpc>
-                <a:spcPts val="2200"/>
-              </a:lnSpc>
-              <a:spcBef>
-                <a:spcPts val="1100"/>
-              </a:spcBef>
-              <a:buClr>
-                <a:schemeClr val="tx2"/>
-              </a:buClr>
-              <a:buFont typeface="Arial" panose="020B0604020202020204" pitchFamily="34" charset="0"/>
-              <a:buChar char="•"/>
-            </a:pPr>
-            <a:r>
-              <a:rPr lang="en-US" sz="1600" dirty="0">
-                <a:latin typeface="Arial"/>
-                <a:cs typeface="Arial"/>
-              </a:rPr>
-              <a:t>_ModelSetup.csv : model-level parameters. For example, log-log model, </a:t>
-            </a:r>
-            <a:r>
-              <a:rPr lang="en-US" sz="1600" dirty="0" err="1">
-                <a:latin typeface="Arial"/>
-                <a:cs typeface="Arial"/>
-              </a:rPr>
-              <a:t>BeginDate</a:t>
-            </a:r>
-            <a:r>
-              <a:rPr lang="en-US" sz="1600" dirty="0">
-                <a:latin typeface="Arial"/>
-                <a:cs typeface="Arial"/>
-              </a:rPr>
-              <a:t>, </a:t>
-            </a:r>
-            <a:r>
-              <a:rPr lang="en-US" sz="1600" dirty="0" err="1">
-                <a:latin typeface="Arial"/>
-                <a:cs typeface="Arial"/>
-              </a:rPr>
-              <a:t>EndDate</a:t>
-            </a:r>
-            <a:r>
-              <a:rPr lang="en-US" sz="1600" dirty="0">
-                <a:latin typeface="Arial"/>
-                <a:cs typeface="Arial"/>
-              </a:rPr>
-              <a:t>, etc.</a:t>
-            </a:r>
-          </a:p>
-          <a:p>
-            <a:pPr marL="742950" lvl="1" indent="-285750">
-              <a:lnSpc>
-                <a:spcPts val="2200"/>
-              </a:lnSpc>
-              <a:spcBef>
-                <a:spcPts val="1100"/>
-              </a:spcBef>
-              <a:buClr>
-                <a:schemeClr val="tx2"/>
-              </a:buClr>
-              <a:buFont typeface="Arial" panose="020B0604020202020204" pitchFamily="34" charset="0"/>
-              <a:buChar char="•"/>
-            </a:pPr>
-            <a:r>
-              <a:rPr lang="en-US" sz="1600" dirty="0">
-                <a:latin typeface="Arial"/>
-                <a:cs typeface="Arial"/>
-              </a:rPr>
-              <a:t>_Variable.csv : model specification at variable level. List of variables in the model, how to transform them, etc.</a:t>
-            </a:r>
-          </a:p>
-          <a:p>
-            <a:pPr marL="742950" lvl="1" indent="-285750">
-              <a:lnSpc>
-                <a:spcPts val="2200"/>
-              </a:lnSpc>
-              <a:spcBef>
-                <a:spcPts val="1100"/>
-              </a:spcBef>
-              <a:buClr>
-                <a:schemeClr val="tx2"/>
-              </a:buClr>
-              <a:buFont typeface="Arial" panose="020B0604020202020204" pitchFamily="34" charset="0"/>
-              <a:buChar char="•"/>
-            </a:pPr>
-            <a:r>
-              <a:rPr lang="en-US" sz="1600" dirty="0">
-                <a:latin typeface="Arial"/>
-                <a:cs typeface="Arial"/>
-              </a:rPr>
-              <a:t>_FitCurves.csv (optional) : reach curve data</a:t>
-            </a:r>
-          </a:p>
-          <a:p>
-            <a:pPr marL="285750" indent="-285750">
-              <a:lnSpc>
-                <a:spcPts val="2200"/>
-              </a:lnSpc>
-              <a:spcBef>
-                <a:spcPts val="1100"/>
-              </a:spcBef>
-              <a:buClr>
-                <a:schemeClr val="tx2"/>
-              </a:buClr>
-              <a:buFont typeface="Arial" panose="020B0604020202020204" pitchFamily="34" charset="0"/>
-              <a:buChar char="•"/>
-            </a:pPr>
-            <a:r>
-              <a:rPr lang="en-US" sz="1600" dirty="0">
-                <a:latin typeface="Arial"/>
-                <a:cs typeface="Arial"/>
-              </a:rPr>
-              <a:t>A R code that sources all the common functions, reads in the input files, run the MMM model process and write out the results (</a:t>
-            </a:r>
-            <a:r>
-              <a:rPr lang="en-US" sz="1600" dirty="0" err="1">
-                <a:latin typeface="Arial"/>
-                <a:cs typeface="Arial"/>
-              </a:rPr>
-              <a:t>coef</a:t>
-            </a:r>
-            <a:r>
-              <a:rPr lang="en-US" sz="1600" dirty="0">
-                <a:latin typeface="Arial"/>
-                <a:cs typeface="Arial"/>
-              </a:rPr>
-              <a:t>, decomp, model object etc.)</a:t>
-            </a:r>
-          </a:p>
-          <a:p>
-            <a:pPr marL="285750" indent="-285750">
-              <a:lnSpc>
-                <a:spcPts val="2200"/>
-              </a:lnSpc>
-              <a:spcBef>
-                <a:spcPts val="1100"/>
-              </a:spcBef>
-              <a:buClr>
-                <a:schemeClr val="tx2"/>
-              </a:buClr>
-              <a:buFont typeface="Arial" panose="020B0604020202020204" pitchFamily="34" charset="0"/>
-              <a:buChar char="•"/>
-            </a:pPr>
-            <a:r>
-              <a:rPr lang="en-US" dirty="0">
-                <a:solidFill>
-                  <a:srgbClr val="FF0000"/>
-                </a:solidFill>
-                <a:latin typeface="Arial"/>
-                <a:cs typeface="Arial"/>
-              </a:rPr>
-              <a:t>This framework ensures model result reproducibility and documentation. </a:t>
-            </a:r>
-          </a:p>
-        </p:txBody>
-      </p:sp>
-    </p:spTree>
-    <p:extLst>
-      <p:ext uri="{BB962C8B-B14F-4D97-AF65-F5344CB8AC3E}">
-        <p14:creationId xmlns:p14="http://schemas.microsoft.com/office/powerpoint/2010/main" val="4269503472"/>
-      </p:ext>
-    </p:extLst>
-  </p:cSld>
-  <p:clrMapOvr>
-    <a:masterClrMapping/>
-  </p:clrMapOvr>
-  <mc:AlternateContent xmlns:mc="http://schemas.openxmlformats.org/markup-compatibility/2006" xmlns:p14="http://schemas.microsoft.com/office/powerpoint/2010/main">
-    <mc:Choice Requires="p14">
-      <p:transition spd="med" p14:dur="700">
-        <p:fade/>
-      </p:transition>
-    </mc:Choice>
-    <mc:Fallback xmlns="">
-      <p:transition xmlns:p14="http://schemas.microsoft.com/office/powerpoint/2010/main" spd="med">
-        <p:fade/>
-      </p:transition>
-    </mc:Fallback>
-  </mc:AlternateContent>
-</p:sld>
-</file>
-
-<file path=ppt/slides/slide14.xml><?xml version="1.0" encoding="utf-8"?>
-<p:sld xmlns:a="http://schemas.openxmlformats.org/drawingml/2006/main" xmlns:r="http://schemas.openxmlformats.org/officeDocument/2006/relationships" xmlns:p="http://schemas.openxmlformats.org/presentationml/2006/main">
-  <p:cSld>
-    <p:spTree>
-      <p:nvGrpSpPr>
-        <p:cNvPr id="1" name=""/>
-        <p:cNvGrpSpPr/>
-        <p:nvPr/>
-      </p:nvGrpSpPr>
-      <p:grpSpPr>
-        <a:xfrm>
-          <a:off x="0" y="0"/>
-          <a:ext cx="0" cy="0"/>
-          <a:chOff x="0" y="0"/>
-          <a:chExt cx="0" cy="0"/>
-        </a:xfrm>
-      </p:grpSpPr>
-      <p:sp>
-        <p:nvSpPr>
-          <p:cNvPr id="2" name="Footer Placeholder 1"/>
-          <p:cNvSpPr>
-            <a:spLocks noGrp="1"/>
-          </p:cNvSpPr>
-          <p:nvPr>
-            <p:ph type="ftr" sz="quarter" idx="11"/>
-          </p:nvPr>
-        </p:nvSpPr>
-        <p:spPr/>
-        <p:txBody>
-          <a:bodyPr/>
-          <a:lstStyle/>
-          <a:p>
-            <a:r>
-              <a:rPr lang="en-US"/>
-              <a:t>annalect.com</a:t>
-            </a:r>
-            <a:endParaRPr lang="en-US" dirty="0"/>
-          </a:p>
-        </p:txBody>
-      </p:sp>
-      <p:sp>
-        <p:nvSpPr>
-          <p:cNvPr id="4" name="Slide Number Placeholder 3"/>
-          <p:cNvSpPr>
-            <a:spLocks noGrp="1"/>
-          </p:cNvSpPr>
-          <p:nvPr>
-            <p:ph type="sldNum" sz="quarter" idx="4"/>
-          </p:nvPr>
-        </p:nvSpPr>
-        <p:spPr/>
-        <p:txBody>
-          <a:bodyPr/>
-          <a:lstStyle/>
-          <a:p>
-            <a:fld id="{A732B65F-C469-8E45-BF68-68AA1785A236}" type="slidenum">
-              <a:rPr lang="en-US" smtClean="0"/>
-              <a:pPr/>
-              <a:t>14</a:t>
-            </a:fld>
-            <a:endParaRPr lang="en-US" dirty="0"/>
-          </a:p>
-        </p:txBody>
-      </p:sp>
-      <p:sp>
-        <p:nvSpPr>
-          <p:cNvPr id="5" name="Rectangle 4"/>
-          <p:cNvSpPr/>
-          <p:nvPr/>
-        </p:nvSpPr>
-        <p:spPr>
-          <a:xfrm>
-            <a:off x="0" y="2619807"/>
-            <a:ext cx="9078686" cy="1589235"/>
-          </a:xfrm>
-          <a:prstGeom prst="rect">
-            <a:avLst/>
-          </a:prstGeom>
-          <a:solidFill>
-            <a:schemeClr val="accent1"/>
-          </a:solidFill>
-          <a:ln w="6350" cmpd="sng">
-            <a:solidFill>
-              <a:schemeClr val="bg1">
-                <a:lumMod val="85000"/>
-              </a:schemeClr>
-            </a:solidFill>
-            <a:miter lim="800000"/>
-          </a:ln>
-        </p:spPr>
-        <p:style>
-          <a:lnRef idx="2">
-            <a:schemeClr val="accent1">
-              <a:shade val="50000"/>
-            </a:schemeClr>
-          </a:lnRef>
-          <a:fillRef idx="1">
-            <a:schemeClr val="accent1"/>
-          </a:fillRef>
-          <a:effectRef idx="0">
-            <a:schemeClr val="accent1"/>
-          </a:effectRef>
-          <a:fontRef idx="minor">
-            <a:schemeClr val="lt1"/>
-          </a:fontRef>
-        </p:style>
-        <p:txBody>
-          <a:bodyPr rot="0" spcFirstLastPara="0" vertOverflow="overflow" horzOverflow="overflow" vert="horz" wrap="square" lIns="91416" tIns="45708" rIns="91416" bIns="45708" numCol="1" spcCol="0" rtlCol="0" fromWordArt="0" anchor="ctr" anchorCtr="0" forceAA="0" compatLnSpc="1">
-            <a:prstTxWarp prst="textNoShape">
-              <a:avLst/>
-            </a:prstTxWarp>
-            <a:noAutofit/>
-          </a:bodyPr>
-          <a:lstStyle/>
-          <a:p>
-            <a:pPr algn="ctr"/>
-            <a:r>
-              <a:rPr lang="en-US" sz="5398" dirty="0"/>
-              <a:t>An example</a:t>
-            </a:r>
-          </a:p>
-        </p:txBody>
-      </p:sp>
-    </p:spTree>
-    <p:extLst>
-      <p:ext uri="{BB962C8B-B14F-4D97-AF65-F5344CB8AC3E}">
-        <p14:creationId xmlns:p14="http://schemas.microsoft.com/office/powerpoint/2010/main" val="3103477445"/>
-      </p:ext>
-    </p:extLst>
-  </p:cSld>
-  <p:clrMapOvr>
-    <a:masterClrMapping/>
-  </p:clrMapOvr>
-  <mc:AlternateContent xmlns:mc="http://schemas.openxmlformats.org/markup-compatibility/2006" xmlns:p14="http://schemas.microsoft.com/office/powerpoint/2010/main">
-    <mc:Choice Requires="p14">
-      <p:transition spd="med" p14:dur="700">
-        <p:fade/>
-      </p:transition>
-    </mc:Choice>
-    <mc:Fallback xmlns="">
-      <p:transition xmlns:p14="http://schemas.microsoft.com/office/powerpoint/2010/main" spd="med">
-        <p:fade/>
-      </p:transition>
-    </mc:Fallback>
-  </mc:AlternateContent>
-</p:sld>
-</file>
-
-<file path=ppt/slides/slide15.xml><?xml version="1.0" encoding="utf-8"?>
-<p:sld xmlns:a="http://schemas.openxmlformats.org/drawingml/2006/main" xmlns:r="http://schemas.openxmlformats.org/officeDocument/2006/relationships" xmlns:p="http://schemas.openxmlformats.org/presentationml/2006/main">
-  <p:cSld>
-    <p:spTree>
-      <p:nvGrpSpPr>
-        <p:cNvPr id="1" name=""/>
-        <p:cNvGrpSpPr/>
-        <p:nvPr/>
-      </p:nvGrpSpPr>
-      <p:grpSpPr>
-        <a:xfrm>
-          <a:off x="0" y="0"/>
-          <a:ext cx="0" cy="0"/>
-          <a:chOff x="0" y="0"/>
-          <a:chExt cx="0" cy="0"/>
-        </a:xfrm>
-      </p:grpSpPr>
-      <p:sp>
-        <p:nvSpPr>
-          <p:cNvPr id="2" name="Footer Placeholder 1"/>
-          <p:cNvSpPr>
-            <a:spLocks noGrp="1"/>
-          </p:cNvSpPr>
-          <p:nvPr>
-            <p:ph type="ftr" sz="quarter" idx="11"/>
-          </p:nvPr>
-        </p:nvSpPr>
-        <p:spPr/>
-        <p:txBody>
-          <a:bodyPr/>
-          <a:lstStyle/>
-          <a:p>
-            <a:r>
-              <a:rPr lang="en-US"/>
-              <a:t>annalect.com</a:t>
-            </a:r>
-            <a:endParaRPr lang="en-US" dirty="0"/>
-          </a:p>
-        </p:txBody>
-      </p:sp>
-      <p:sp>
-        <p:nvSpPr>
-          <p:cNvPr id="4" name="Slide Number Placeholder 3"/>
-          <p:cNvSpPr>
-            <a:spLocks noGrp="1"/>
-          </p:cNvSpPr>
-          <p:nvPr>
-            <p:ph type="sldNum" sz="quarter" idx="4"/>
-          </p:nvPr>
-        </p:nvSpPr>
-        <p:spPr/>
-        <p:txBody>
-          <a:bodyPr/>
-          <a:lstStyle/>
-          <a:p>
-            <a:fld id="{A732B65F-C469-8E45-BF68-68AA1785A236}" type="slidenum">
-              <a:rPr lang="en-US" smtClean="0"/>
-              <a:pPr/>
-              <a:t>15</a:t>
-            </a:fld>
-            <a:endParaRPr lang="en-US" dirty="0"/>
-          </a:p>
-        </p:txBody>
-      </p:sp>
-      <p:sp>
-        <p:nvSpPr>
-          <p:cNvPr id="5" name="Rectangle 4"/>
-          <p:cNvSpPr/>
-          <p:nvPr/>
-        </p:nvSpPr>
-        <p:spPr>
-          <a:xfrm>
-            <a:off x="0" y="2619807"/>
-            <a:ext cx="9078686" cy="1589235"/>
-          </a:xfrm>
-          <a:prstGeom prst="rect">
-            <a:avLst/>
-          </a:prstGeom>
-          <a:solidFill>
-            <a:schemeClr val="accent1"/>
-          </a:solidFill>
-          <a:ln w="6350" cmpd="sng">
-            <a:solidFill>
-              <a:schemeClr val="bg1">
-                <a:lumMod val="85000"/>
-              </a:schemeClr>
-            </a:solidFill>
-            <a:miter lim="800000"/>
-          </a:ln>
-        </p:spPr>
-        <p:style>
-          <a:lnRef idx="2">
-            <a:schemeClr val="accent1">
-              <a:shade val="50000"/>
-            </a:schemeClr>
-          </a:lnRef>
-          <a:fillRef idx="1">
-            <a:schemeClr val="accent1"/>
-          </a:fillRef>
-          <a:effectRef idx="0">
-            <a:schemeClr val="accent1"/>
-          </a:effectRef>
-          <a:fontRef idx="minor">
-            <a:schemeClr val="lt1"/>
-          </a:fontRef>
-        </p:style>
-        <p:txBody>
-          <a:bodyPr rot="0" spcFirstLastPara="0" vertOverflow="overflow" horzOverflow="overflow" vert="horz" wrap="square" lIns="91416" tIns="45708" rIns="91416" bIns="45708" numCol="1" spcCol="0" rtlCol="0" fromWordArt="0" anchor="ctr" anchorCtr="0" forceAA="0" compatLnSpc="1">
-            <a:prstTxWarp prst="textNoShape">
-              <a:avLst/>
-            </a:prstTxWarp>
-            <a:noAutofit/>
-          </a:bodyPr>
-          <a:lstStyle/>
-          <a:p>
-            <a:pPr algn="ctr"/>
-            <a:r>
-              <a:rPr lang="en-US" sz="5398" dirty="0"/>
               <a:t>Bayes Theorem 101</a:t>
             </a:r>
           </a:p>
@@ -28176,7 +29670,377 @@
 </p:sld>
 </file>
 
-<file path=ppt/slides/slide16.xml><?xml version="1.0" encoding="utf-8"?>
+<file path=ppt/slides/slide2.xml><?xml version="1.0" encoding="utf-8"?>
+<p:sld xmlns:a="http://schemas.openxmlformats.org/drawingml/2006/main" xmlns:r="http://schemas.openxmlformats.org/officeDocument/2006/relationships" xmlns:p="http://schemas.openxmlformats.org/presentationml/2006/main">
+  <p:cSld>
+    <p:spTree>
+      <p:nvGrpSpPr>
+        <p:cNvPr id="1" name=""/>
+        <p:cNvGrpSpPr/>
+        <p:nvPr/>
+      </p:nvGrpSpPr>
+      <p:grpSpPr>
+        <a:xfrm>
+          <a:off x="0" y="0"/>
+          <a:ext cx="0" cy="0"/>
+          <a:chOff x="0" y="0"/>
+          <a:chExt cx="0" cy="0"/>
+        </a:xfrm>
+      </p:grpSpPr>
+      <p:sp>
+        <p:nvSpPr>
+          <p:cNvPr id="3" name="Footer Placeholder 2"/>
+          <p:cNvSpPr>
+            <a:spLocks noGrp="1"/>
+          </p:cNvSpPr>
+          <p:nvPr>
+            <p:ph type="ftr" sz="quarter" idx="11"/>
+          </p:nvPr>
+        </p:nvSpPr>
+        <p:spPr/>
+        <p:txBody>
+          <a:bodyPr/>
+          <a:lstStyle/>
+          <a:p>
+            <a:r>
+              <a:rPr lang="en-US" dirty="0"/>
+              <a:t>annalect.com</a:t>
+            </a:r>
+          </a:p>
+        </p:txBody>
+      </p:sp>
+      <p:sp>
+        <p:nvSpPr>
+          <p:cNvPr id="4" name="Title 3"/>
+          <p:cNvSpPr>
+            <a:spLocks noGrp="1"/>
+          </p:cNvSpPr>
+          <p:nvPr>
+            <p:ph type="title"/>
+          </p:nvPr>
+        </p:nvSpPr>
+        <p:spPr>
+          <a:xfrm>
+            <a:off x="609441" y="274638"/>
+            <a:ext cx="10969943" cy="897214"/>
+          </a:xfrm>
+        </p:spPr>
+        <p:txBody>
+          <a:bodyPr/>
+          <a:lstStyle/>
+          <a:p>
+            <a:r>
+              <a:rPr lang="en-US" dirty="0"/>
+              <a:t>Wish list of the model platform</a:t>
+            </a:r>
+          </a:p>
+        </p:txBody>
+      </p:sp>
+      <p:sp>
+        <p:nvSpPr>
+          <p:cNvPr id="5" name="Slide Number Placeholder 4"/>
+          <p:cNvSpPr>
+            <a:spLocks noGrp="1"/>
+          </p:cNvSpPr>
+          <p:nvPr>
+            <p:ph type="sldNum" sz="quarter" idx="4"/>
+          </p:nvPr>
+        </p:nvSpPr>
+        <p:spPr/>
+        <p:txBody>
+          <a:bodyPr/>
+          <a:lstStyle/>
+          <a:p>
+            <a:fld id="{A732B65F-C469-8E45-BF68-68AA1785A236}" type="slidenum">
+              <a:rPr lang="en-US" smtClean="0"/>
+              <a:pPr/>
+              <a:t>2</a:t>
+            </a:fld>
+            <a:endParaRPr lang="en-US" dirty="0"/>
+          </a:p>
+        </p:txBody>
+      </p:sp>
+      <p:sp>
+        <p:nvSpPr>
+          <p:cNvPr id="8" name="Content Placeholder 1">
+            <a:extLst>
+              <a:ext uri="{FF2B5EF4-FFF2-40B4-BE49-F238E27FC236}">
+                <a16:creationId xmlns:a16="http://schemas.microsoft.com/office/drawing/2014/main" id="{580CAEA2-04A4-4A3A-A040-BC8F2F435A64}"/>
+              </a:ext>
+            </a:extLst>
+          </p:cNvPr>
+          <p:cNvSpPr>
+            <a:spLocks noGrp="1"/>
+          </p:cNvSpPr>
+          <p:nvPr>
+            <p:ph idx="1"/>
+          </p:nvPr>
+        </p:nvSpPr>
+        <p:spPr>
+          <a:xfrm>
+            <a:off x="609600" y="1171852"/>
+            <a:ext cx="10972801" cy="5184501"/>
+          </a:xfrm>
+        </p:spPr>
+        <p:txBody>
+          <a:bodyPr>
+            <a:normAutofit lnSpcReduction="10000"/>
+          </a:bodyPr>
+          <a:lstStyle/>
+          <a:p>
+            <a:pPr marL="0" indent="0">
+              <a:spcBef>
+                <a:spcPts val="600"/>
+              </a:spcBef>
+              <a:buNone/>
+            </a:pPr>
+            <a:endParaRPr lang="en-US" sz="1600" dirty="0"/>
+          </a:p>
+          <a:p>
+            <a:pPr marL="285750" indent="-285750">
+              <a:spcBef>
+                <a:spcPts val="600"/>
+              </a:spcBef>
+              <a:buFont typeface="Arial" panose="020B0604020202020204" pitchFamily="34" charset="0"/>
+              <a:buChar char="•"/>
+            </a:pPr>
+            <a:r>
+              <a:rPr lang="en-US" sz="1800" dirty="0"/>
+              <a:t>The design should be Intuitive and straightforward.</a:t>
+            </a:r>
+          </a:p>
+          <a:p>
+            <a:pPr marL="285750" indent="-285750">
+              <a:spcBef>
+                <a:spcPts val="600"/>
+              </a:spcBef>
+              <a:buFont typeface="Arial" panose="020B0604020202020204" pitchFamily="34" charset="0"/>
+              <a:buChar char="•"/>
+            </a:pPr>
+            <a:r>
+              <a:rPr lang="en-US" sz="1800" dirty="0"/>
+              <a:t>Reproducible : (past) model results (</a:t>
+            </a:r>
+            <a:r>
+              <a:rPr lang="en-US" sz="1800" dirty="0" err="1"/>
+              <a:t>coefs</a:t>
+            </a:r>
+            <a:r>
+              <a:rPr lang="en-US" sz="1800" dirty="0"/>
+              <a:t>, decomp, response curves, and ROI) can be easily reproduced. </a:t>
+            </a:r>
+          </a:p>
+          <a:p>
+            <a:pPr marL="285750" indent="-285750">
+              <a:spcBef>
+                <a:spcPts val="600"/>
+              </a:spcBef>
+              <a:buFont typeface="Arial" panose="020B0604020202020204" pitchFamily="34" charset="0"/>
+              <a:buChar char="•"/>
+            </a:pPr>
+            <a:r>
+              <a:rPr lang="en-US" sz="1800" dirty="0"/>
+              <a:t>Model/analysis can be easily communicated among team members -&gt; improve collaborations and sharing of knowledge</a:t>
+            </a:r>
+          </a:p>
+          <a:p>
+            <a:pPr marL="285750" indent="-285750">
+              <a:spcBef>
+                <a:spcPts val="600"/>
+              </a:spcBef>
+              <a:buFont typeface="Arial" panose="020B0604020202020204" pitchFamily="34" charset="0"/>
+              <a:buChar char="•"/>
+            </a:pPr>
+            <a:r>
+              <a:rPr lang="en-US" sz="1800" dirty="0"/>
+              <a:t>Flexible : </a:t>
+            </a:r>
+          </a:p>
+          <a:p>
+            <a:pPr marL="742950" lvl="1" indent="-285750">
+              <a:lnSpc>
+                <a:spcPct val="100000"/>
+              </a:lnSpc>
+              <a:spcBef>
+                <a:spcPts val="600"/>
+              </a:spcBef>
+              <a:buFont typeface="Arial" panose="020B0604020202020204" pitchFamily="34" charset="0"/>
+              <a:buChar char="•"/>
+            </a:pPr>
+            <a:r>
+              <a:rPr lang="en-US" sz="1600" dirty="0">
+                <a:latin typeface="Arial" panose="020B0604020202020204" pitchFamily="34" charset="0"/>
+                <a:cs typeface="Arial" panose="020B0604020202020204" pitchFamily="34" charset="0"/>
+              </a:rPr>
+              <a:t>Can be used across different clients and countries. </a:t>
+            </a:r>
+          </a:p>
+          <a:p>
+            <a:pPr marL="742950" lvl="1" indent="-285750">
+              <a:lnSpc>
+                <a:spcPct val="100000"/>
+              </a:lnSpc>
+              <a:spcBef>
+                <a:spcPts val="600"/>
+              </a:spcBef>
+              <a:buFont typeface="Arial" panose="020B0604020202020204" pitchFamily="34" charset="0"/>
+              <a:buChar char="•"/>
+            </a:pPr>
+            <a:r>
+              <a:rPr lang="en-US" sz="1600" dirty="0">
+                <a:latin typeface="Arial" panose="020B0604020202020204" pitchFamily="34" charset="0"/>
+                <a:cs typeface="Arial" panose="020B0604020202020204" pitchFamily="34" charset="0"/>
+              </a:rPr>
+              <a:t>Model refresh with new data can be easily done with minor setups. </a:t>
+            </a:r>
+          </a:p>
+          <a:p>
+            <a:pPr marL="742950" lvl="1" indent="-285750">
+              <a:lnSpc>
+                <a:spcPct val="100000"/>
+              </a:lnSpc>
+              <a:spcBef>
+                <a:spcPts val="600"/>
+              </a:spcBef>
+              <a:buFont typeface="Arial" panose="020B0604020202020204" pitchFamily="34" charset="0"/>
+              <a:buChar char="•"/>
+            </a:pPr>
+            <a:r>
+              <a:rPr lang="en-US" sz="1600" dirty="0">
+                <a:latin typeface="Arial" panose="020B0604020202020204" pitchFamily="34" charset="0"/>
+                <a:cs typeface="Arial" panose="020B0604020202020204" pitchFamily="34" charset="0"/>
+              </a:rPr>
+              <a:t>New functionality can be easily added into the existing structure of the platform.</a:t>
+            </a:r>
+          </a:p>
+          <a:p>
+            <a:pPr marL="742950" lvl="1" indent="-285750">
+              <a:lnSpc>
+                <a:spcPct val="100000"/>
+              </a:lnSpc>
+              <a:spcBef>
+                <a:spcPts val="600"/>
+              </a:spcBef>
+              <a:buFont typeface="Arial" panose="020B0604020202020204" pitchFamily="34" charset="0"/>
+              <a:buChar char="•"/>
+            </a:pPr>
+            <a:r>
+              <a:rPr lang="en-US" sz="1600" dirty="0">
+                <a:latin typeface="Arial" panose="020B0604020202020204" pitchFamily="34" charset="0"/>
+                <a:cs typeface="Arial" panose="020B0604020202020204" pitchFamily="34" charset="0"/>
+              </a:rPr>
+              <a:t>Backward compatible</a:t>
+            </a:r>
+          </a:p>
+          <a:p>
+            <a:pPr marL="742950" lvl="1" indent="-285750">
+              <a:lnSpc>
+                <a:spcPct val="100000"/>
+              </a:lnSpc>
+              <a:spcBef>
+                <a:spcPts val="600"/>
+              </a:spcBef>
+              <a:buFont typeface="Arial" panose="020B0604020202020204" pitchFamily="34" charset="0"/>
+              <a:buChar char="•"/>
+            </a:pPr>
+            <a:r>
+              <a:rPr lang="en-US" sz="1600" dirty="0"/>
+              <a:t>A frontend UI can be added easily if needed.  </a:t>
+            </a:r>
+          </a:p>
+          <a:p>
+            <a:pPr marL="285750" indent="-285750">
+              <a:spcBef>
+                <a:spcPts val="1200"/>
+              </a:spcBef>
+              <a:buFont typeface="Arial" panose="020B0604020202020204" pitchFamily="34" charset="0"/>
+              <a:buChar char="•"/>
+            </a:pPr>
+            <a:r>
+              <a:rPr lang="en-US" sz="1800" dirty="0"/>
+              <a:t>Modular:</a:t>
+            </a:r>
+          </a:p>
+          <a:p>
+            <a:pPr marL="742950" lvl="1" indent="-285750">
+              <a:lnSpc>
+                <a:spcPct val="100000"/>
+              </a:lnSpc>
+              <a:spcBef>
+                <a:spcPts val="600"/>
+              </a:spcBef>
+              <a:buFont typeface="Arial" panose="020B0604020202020204" pitchFamily="34" charset="0"/>
+              <a:buChar char="•"/>
+            </a:pPr>
+            <a:r>
+              <a:rPr lang="en-US" sz="1600" dirty="0"/>
+              <a:t>The code should be written in an object-oriented way.</a:t>
+            </a:r>
+          </a:p>
+          <a:p>
+            <a:pPr marL="742950" lvl="1" indent="-285750">
+              <a:lnSpc>
+                <a:spcPct val="100000"/>
+              </a:lnSpc>
+              <a:spcBef>
+                <a:spcPts val="600"/>
+              </a:spcBef>
+              <a:buFont typeface="Arial" panose="020B0604020202020204" pitchFamily="34" charset="0"/>
+              <a:buChar char="•"/>
+            </a:pPr>
+            <a:r>
+              <a:rPr lang="en-US" sz="1600" dirty="0"/>
+              <a:t>Each R function/module does one specific task. It should be written as generic as possible so that it can be easily used across different projects, and at different part of the model stage. For example, </a:t>
+            </a:r>
+            <a:r>
+              <a:rPr lang="en-US" sz="1600" dirty="0" err="1"/>
+              <a:t>transform.R</a:t>
+            </a:r>
+            <a:r>
+              <a:rPr lang="en-US" sz="1600" dirty="0"/>
+              <a:t> can be called pre-model stage and at the simulation stage. </a:t>
+            </a:r>
+            <a:endParaRPr lang="en-US" sz="2200" dirty="0"/>
+          </a:p>
+          <a:p>
+            <a:pPr marL="457200" lvl="1">
+              <a:lnSpc>
+                <a:spcPct val="100000"/>
+              </a:lnSpc>
+              <a:spcBef>
+                <a:spcPts val="600"/>
+              </a:spcBef>
+            </a:pPr>
+            <a:endParaRPr lang="en-US" sz="1400" b="0" dirty="0"/>
+          </a:p>
+        </p:txBody>
+      </p:sp>
+    </p:spTree>
+    <p:extLst>
+      <p:ext uri="{BB962C8B-B14F-4D97-AF65-F5344CB8AC3E}">
+        <p14:creationId xmlns:p14="http://schemas.microsoft.com/office/powerpoint/2010/main" val="3610829459"/>
+      </p:ext>
+    </p:extLst>
+  </p:cSld>
+  <p:clrMapOvr>
+    <a:masterClrMapping/>
+  </p:clrMapOvr>
+  <mc:AlternateContent xmlns:mc="http://schemas.openxmlformats.org/markup-compatibility/2006" xmlns:p14="http://schemas.microsoft.com/office/powerpoint/2010/main">
+    <mc:Choice Requires="p14">
+      <p:transition spd="med" p14:dur="700">
+        <p:fade/>
+      </p:transition>
+    </mc:Choice>
+    <mc:Fallback xmlns="">
+      <p:transition xmlns:p14="http://schemas.microsoft.com/office/powerpoint/2010/main" spd="med">
+        <p:fade/>
+      </p:transition>
+    </mc:Fallback>
+  </mc:AlternateContent>
+</p:sld>
+</file>
+
+<file path=ppt/slides/slide20.xml><?xml version="1.0" encoding="utf-8"?>
 <p:sld xmlns:a="http://schemas.openxmlformats.org/drawingml/2006/main" xmlns:r="http://schemas.openxmlformats.org/officeDocument/2006/relationships" xmlns:p="http://schemas.openxmlformats.org/presentationml/2006/main">
   <p:cSld>
     <p:spTree>
@@ -28318,7 +30182,7 @@
             <a:fld id="{A732B65F-C469-8E45-BF68-68AA1785A236}" type="slidenum">
               <a:rPr lang="en-US" smtClean="0"/>
               <a:pPr/>
-              <a:t>16</a:t>
+              <a:t>20</a:t>
             </a:fld>
             <a:endParaRPr lang="en-US" dirty="0"/>
           </a:p>
@@ -29090,1302 +30954,6 @@
 </p:sld>
 </file>
 
-<file path=ppt/slides/slide17.xml><?xml version="1.0" encoding="utf-8"?>
-<p:sld xmlns:a="http://schemas.openxmlformats.org/drawingml/2006/main" xmlns:r="http://schemas.openxmlformats.org/officeDocument/2006/relationships" xmlns:p="http://schemas.openxmlformats.org/presentationml/2006/main">
-  <p:cSld>
-    <p:spTree>
-      <p:nvGrpSpPr>
-        <p:cNvPr id="1" name=""/>
-        <p:cNvGrpSpPr/>
-        <p:nvPr/>
-      </p:nvGrpSpPr>
-      <p:grpSpPr>
-        <a:xfrm>
-          <a:off x="0" y="0"/>
-          <a:ext cx="0" cy="0"/>
-          <a:chOff x="0" y="0"/>
-          <a:chExt cx="0" cy="0"/>
-        </a:xfrm>
-      </p:grpSpPr>
-      <p:sp>
-        <p:nvSpPr>
-          <p:cNvPr id="2" name="Footer Placeholder 1"/>
-          <p:cNvSpPr>
-            <a:spLocks noGrp="1"/>
-          </p:cNvSpPr>
-          <p:nvPr>
-            <p:ph type="ftr" sz="quarter" idx="11"/>
-          </p:nvPr>
-        </p:nvSpPr>
-        <p:spPr/>
-        <p:txBody>
-          <a:bodyPr/>
-          <a:lstStyle/>
-          <a:p>
-            <a:r>
-              <a:rPr lang="en-US"/>
-              <a:t>annalect.com</a:t>
-            </a:r>
-            <a:endParaRPr lang="en-US" dirty="0"/>
-          </a:p>
-        </p:txBody>
-      </p:sp>
-      <p:sp>
-        <p:nvSpPr>
-          <p:cNvPr id="4" name="Slide Number Placeholder 3"/>
-          <p:cNvSpPr>
-            <a:spLocks noGrp="1"/>
-          </p:cNvSpPr>
-          <p:nvPr>
-            <p:ph type="sldNum" sz="quarter" idx="4"/>
-          </p:nvPr>
-        </p:nvSpPr>
-        <p:spPr/>
-        <p:txBody>
-          <a:bodyPr/>
-          <a:lstStyle/>
-          <a:p>
-            <a:fld id="{A732B65F-C469-8E45-BF68-68AA1785A236}" type="slidenum">
-              <a:rPr lang="en-US" smtClean="0"/>
-              <a:pPr/>
-              <a:t>17</a:t>
-            </a:fld>
-            <a:endParaRPr lang="en-US" dirty="0"/>
-          </a:p>
-        </p:txBody>
-      </p:sp>
-      <p:sp>
-        <p:nvSpPr>
-          <p:cNvPr id="5" name="Rectangle 4"/>
-          <p:cNvSpPr/>
-          <p:nvPr/>
-        </p:nvSpPr>
-        <p:spPr>
-          <a:xfrm>
-            <a:off x="0" y="2619807"/>
-            <a:ext cx="9078686" cy="1589235"/>
-          </a:xfrm>
-          <a:prstGeom prst="rect">
-            <a:avLst/>
-          </a:prstGeom>
-          <a:solidFill>
-            <a:schemeClr val="accent1"/>
-          </a:solidFill>
-          <a:ln w="6350" cmpd="sng">
-            <a:solidFill>
-              <a:schemeClr val="bg1">
-                <a:lumMod val="85000"/>
-              </a:schemeClr>
-            </a:solidFill>
-            <a:miter lim="800000"/>
-          </a:ln>
-        </p:spPr>
-        <p:style>
-          <a:lnRef idx="2">
-            <a:schemeClr val="accent1">
-              <a:shade val="50000"/>
-            </a:schemeClr>
-          </a:lnRef>
-          <a:fillRef idx="1">
-            <a:schemeClr val="accent1"/>
-          </a:fillRef>
-          <a:effectRef idx="0">
-            <a:schemeClr val="accent1"/>
-          </a:effectRef>
-          <a:fontRef idx="minor">
-            <a:schemeClr val="lt1"/>
-          </a:fontRef>
-        </p:style>
-        <p:txBody>
-          <a:bodyPr rot="0" spcFirstLastPara="0" vertOverflow="overflow" horzOverflow="overflow" vert="horz" wrap="square" lIns="91416" tIns="45708" rIns="91416" bIns="45708" numCol="1" spcCol="0" rtlCol="0" fromWordArt="0" anchor="ctr" anchorCtr="0" forceAA="0" compatLnSpc="1">
-            <a:prstTxWarp prst="textNoShape">
-              <a:avLst/>
-            </a:prstTxWarp>
-            <a:noAutofit/>
-          </a:bodyPr>
-          <a:lstStyle/>
-          <a:p>
-            <a:pPr algn="ctr"/>
-            <a:r>
-              <a:rPr lang="en-US" sz="5398" dirty="0"/>
-              <a:t>Why Bayes?</a:t>
-            </a:r>
-          </a:p>
-        </p:txBody>
-      </p:sp>
-    </p:spTree>
-    <p:extLst>
-      <p:ext uri="{BB962C8B-B14F-4D97-AF65-F5344CB8AC3E}">
-        <p14:creationId xmlns:p14="http://schemas.microsoft.com/office/powerpoint/2010/main" val="3403237460"/>
-      </p:ext>
-    </p:extLst>
-  </p:cSld>
-  <p:clrMapOvr>
-    <a:masterClrMapping/>
-  </p:clrMapOvr>
-  <mc:AlternateContent xmlns:mc="http://schemas.openxmlformats.org/markup-compatibility/2006" xmlns:p14="http://schemas.microsoft.com/office/powerpoint/2010/main">
-    <mc:Choice Requires="p14">
-      <p:transition spd="med" p14:dur="700">
-        <p:fade/>
-      </p:transition>
-    </mc:Choice>
-    <mc:Fallback xmlns="">
-      <p:transition xmlns:p14="http://schemas.microsoft.com/office/powerpoint/2010/main" spd="med">
-        <p:fade/>
-      </p:transition>
-    </mc:Fallback>
-  </mc:AlternateContent>
-</p:sld>
-</file>
-
-<file path=ppt/slides/slide18.xml><?xml version="1.0" encoding="utf-8"?>
-<p:sld xmlns:a="http://schemas.openxmlformats.org/drawingml/2006/main" xmlns:r="http://schemas.openxmlformats.org/officeDocument/2006/relationships" xmlns:p="http://schemas.openxmlformats.org/presentationml/2006/main">
-  <p:cSld>
-    <p:spTree>
-      <p:nvGrpSpPr>
-        <p:cNvPr id="1" name=""/>
-        <p:cNvGrpSpPr/>
-        <p:nvPr/>
-      </p:nvGrpSpPr>
-      <p:grpSpPr>
-        <a:xfrm>
-          <a:off x="0" y="0"/>
-          <a:ext cx="0" cy="0"/>
-          <a:chOff x="0" y="0"/>
-          <a:chExt cx="0" cy="0"/>
-        </a:xfrm>
-      </p:grpSpPr>
-      <p:sp>
-        <p:nvSpPr>
-          <p:cNvPr id="10" name="Content Placeholder 9"/>
-          <p:cNvSpPr>
-            <a:spLocks noGrp="1"/>
-          </p:cNvSpPr>
-          <p:nvPr>
-            <p:ph idx="1"/>
-          </p:nvPr>
-        </p:nvSpPr>
-        <p:spPr/>
-        <p:txBody>
-          <a:bodyPr>
-            <a:normAutofit fontScale="92500" lnSpcReduction="10000"/>
-          </a:bodyPr>
-          <a:lstStyle/>
-          <a:p>
-            <a:pPr marL="342900" indent="-342900">
-              <a:buFont typeface="Arial" panose="020B0604020202020204" pitchFamily="34" charset="0"/>
-              <a:buChar char="•"/>
-            </a:pPr>
-            <a:r>
-              <a:rPr lang="en-US" dirty="0"/>
-              <a:t>Classical regression works great with</a:t>
-            </a:r>
-          </a:p>
-          <a:p>
-            <a:pPr lvl="2" indent="-457200">
-              <a:buFont typeface="Arial" panose="020B0604020202020204" pitchFamily="34" charset="0"/>
-              <a:buChar char="•"/>
-            </a:pPr>
-            <a:r>
-              <a:rPr lang="en-US" sz="1900" dirty="0"/>
-              <a:t>Aggregated data</a:t>
-            </a:r>
-          </a:p>
-          <a:p>
-            <a:pPr lvl="2" indent="-457200">
-              <a:buFont typeface="Arial" panose="020B0604020202020204" pitchFamily="34" charset="0"/>
-              <a:buChar char="•"/>
-            </a:pPr>
-            <a:r>
-              <a:rPr lang="en-US" sz="1900" b="0" dirty="0"/>
-              <a:t>Data that has </a:t>
-            </a:r>
-            <a:r>
-              <a:rPr lang="en-US" sz="1900" dirty="0"/>
-              <a:t>no serious</a:t>
-            </a:r>
-            <a:r>
-              <a:rPr lang="en-US" sz="1900" b="0" dirty="0"/>
-              <a:t> multi-collinearity </a:t>
-            </a:r>
-          </a:p>
-          <a:p>
-            <a:pPr marL="342900" indent="-342900">
-              <a:buFont typeface="Arial" panose="020B0604020202020204" pitchFamily="34" charset="0"/>
-              <a:buChar char="•"/>
-            </a:pPr>
-            <a:r>
-              <a:rPr lang="en-US" dirty="0"/>
-              <a:t>The realities:</a:t>
-            </a:r>
-          </a:p>
-          <a:p>
-            <a:pPr lvl="1" indent="-457200">
-              <a:buFont typeface="Wingdings" panose="05000000000000000000" pitchFamily="2" charset="2"/>
-              <a:buChar char="Ø"/>
-            </a:pPr>
-            <a:r>
-              <a:rPr lang="en-US" b="0" dirty="0">
-                <a:solidFill>
-                  <a:schemeClr val="tx1"/>
-                </a:solidFill>
-              </a:rPr>
-              <a:t>Multi-collinearity : TV and digital are </a:t>
-            </a:r>
-            <a:r>
-              <a:rPr lang="en-US" b="0" dirty="0" err="1">
-                <a:solidFill>
-                  <a:schemeClr val="tx1"/>
-                </a:solidFill>
-              </a:rPr>
-              <a:t>excuted</a:t>
-            </a:r>
-            <a:r>
-              <a:rPr lang="en-US" b="0" dirty="0">
-                <a:solidFill>
-                  <a:schemeClr val="tx1"/>
-                </a:solidFill>
-              </a:rPr>
-              <a:t> the same time -&gt; unreliable and unstable estimates. </a:t>
-            </a:r>
-          </a:p>
-          <a:p>
-            <a:pPr lvl="1" indent="-457200">
-              <a:buFont typeface="Wingdings" panose="05000000000000000000" pitchFamily="2" charset="2"/>
-              <a:buChar char="Ø"/>
-            </a:pPr>
-            <a:r>
-              <a:rPr lang="en-US" sz="1600" b="0" dirty="0">
-                <a:solidFill>
-                  <a:schemeClr val="tx1"/>
-                </a:solidFill>
-              </a:rPr>
-              <a:t>More granular estimates of marketing channels -&gt; Degree of freedom -&gt; too many predictors -&gt; over-fitting and poor predictions</a:t>
-            </a:r>
-          </a:p>
-          <a:p>
-            <a:pPr lvl="1" indent="-457200">
-              <a:buFont typeface="Wingdings" panose="05000000000000000000" pitchFamily="2" charset="2"/>
-              <a:buChar char="Ø"/>
-            </a:pPr>
-            <a:r>
-              <a:rPr lang="en-US" sz="1600" b="0" dirty="0">
-                <a:solidFill>
-                  <a:schemeClr val="tx1"/>
-                </a:solidFill>
-              </a:rPr>
-              <a:t>More granular estimates at regional level -&gt; sparse data -&gt; unreliable estimates</a:t>
-            </a:r>
-          </a:p>
-          <a:p>
-            <a:pPr lvl="1" indent="-457200">
-              <a:buFont typeface="Wingdings" panose="05000000000000000000" pitchFamily="2" charset="2"/>
-              <a:buChar char="Ø"/>
-            </a:pPr>
-            <a:r>
-              <a:rPr lang="en-US" sz="1600" b="0" dirty="0">
-                <a:solidFill>
-                  <a:schemeClr val="tx1"/>
-                </a:solidFill>
-              </a:rPr>
-              <a:t>Model with short time period</a:t>
-            </a:r>
-          </a:p>
-          <a:p>
-            <a:pPr lvl="1" indent="-457200">
-              <a:buFont typeface="Wingdings" panose="05000000000000000000" pitchFamily="2" charset="2"/>
-              <a:buChar char="Ø"/>
-            </a:pPr>
-            <a:r>
-              <a:rPr lang="en-US" sz="1600" b="0" dirty="0">
-                <a:solidFill>
-                  <a:schemeClr val="tx1"/>
-                </a:solidFill>
-              </a:rPr>
-              <a:t>Missing variable biases</a:t>
-            </a:r>
-          </a:p>
-        </p:txBody>
-      </p:sp>
-      <p:sp>
-        <p:nvSpPr>
-          <p:cNvPr id="3" name="Footer Placeholder 2"/>
-          <p:cNvSpPr>
-            <a:spLocks noGrp="1"/>
-          </p:cNvSpPr>
-          <p:nvPr>
-            <p:ph type="ftr" sz="quarter" idx="11"/>
-          </p:nvPr>
-        </p:nvSpPr>
-        <p:spPr/>
-        <p:txBody>
-          <a:bodyPr/>
-          <a:lstStyle/>
-          <a:p>
-            <a:r>
-              <a:rPr lang="en-US"/>
-              <a:t>annalect.com</a:t>
-            </a:r>
-            <a:endParaRPr lang="en-US" dirty="0"/>
-          </a:p>
-        </p:txBody>
-      </p:sp>
-      <p:sp>
-        <p:nvSpPr>
-          <p:cNvPr id="9" name="Title 8"/>
-          <p:cNvSpPr>
-            <a:spLocks noGrp="1"/>
-          </p:cNvSpPr>
-          <p:nvPr>
-            <p:ph type="title"/>
-          </p:nvPr>
-        </p:nvSpPr>
-        <p:spPr/>
-        <p:txBody>
-          <a:bodyPr/>
-          <a:lstStyle/>
-          <a:p>
-            <a:r>
-              <a:rPr lang="en-US" dirty="0"/>
-              <a:t>Challenges in MMM</a:t>
-            </a:r>
-          </a:p>
-        </p:txBody>
-      </p:sp>
-      <p:sp>
-        <p:nvSpPr>
-          <p:cNvPr id="5" name="Slide Number Placeholder 4"/>
-          <p:cNvSpPr>
-            <a:spLocks noGrp="1"/>
-          </p:cNvSpPr>
-          <p:nvPr>
-            <p:ph type="sldNum" sz="quarter" idx="4"/>
-          </p:nvPr>
-        </p:nvSpPr>
-        <p:spPr/>
-        <p:txBody>
-          <a:bodyPr/>
-          <a:lstStyle/>
-          <a:p>
-            <a:fld id="{A732B65F-C469-8E45-BF68-68AA1785A236}" type="slidenum">
-              <a:rPr lang="en-US" smtClean="0"/>
-              <a:pPr/>
-              <a:t>18</a:t>
-            </a:fld>
-            <a:endParaRPr lang="en-US" dirty="0"/>
-          </a:p>
-        </p:txBody>
-      </p:sp>
-    </p:spTree>
-    <p:extLst>
-      <p:ext uri="{BB962C8B-B14F-4D97-AF65-F5344CB8AC3E}">
-        <p14:creationId xmlns:p14="http://schemas.microsoft.com/office/powerpoint/2010/main" val="762852636"/>
-      </p:ext>
-    </p:extLst>
-  </p:cSld>
-  <p:clrMapOvr>
-    <a:masterClrMapping/>
-  </p:clrMapOvr>
-  <mc:AlternateContent xmlns:mc="http://schemas.openxmlformats.org/markup-compatibility/2006" xmlns:p14="http://schemas.microsoft.com/office/powerpoint/2010/main">
-    <mc:Choice Requires="p14">
-      <p:transition spd="med" p14:dur="700">
-        <p:fade/>
-      </p:transition>
-    </mc:Choice>
-    <mc:Fallback xmlns="">
-      <p:transition spd="med">
-        <p:fade/>
-      </p:transition>
-    </mc:Fallback>
-  </mc:AlternateContent>
-</p:sld>
-</file>
-
-<file path=ppt/slides/slide19.xml><?xml version="1.0" encoding="utf-8"?>
-<p:sld xmlns:a="http://schemas.openxmlformats.org/drawingml/2006/main" xmlns:r="http://schemas.openxmlformats.org/officeDocument/2006/relationships" xmlns:p="http://schemas.openxmlformats.org/presentationml/2006/main">
-  <p:cSld>
-    <p:spTree>
-      <p:nvGrpSpPr>
-        <p:cNvPr id="1" name=""/>
-        <p:cNvGrpSpPr/>
-        <p:nvPr/>
-      </p:nvGrpSpPr>
-      <p:grpSpPr>
-        <a:xfrm>
-          <a:off x="0" y="0"/>
-          <a:ext cx="0" cy="0"/>
-          <a:chOff x="0" y="0"/>
-          <a:chExt cx="0" cy="0"/>
-        </a:xfrm>
-      </p:grpSpPr>
-      <p:sp>
-        <p:nvSpPr>
-          <p:cNvPr id="10" name="Content Placeholder 9"/>
-          <p:cNvSpPr>
-            <a:spLocks noGrp="1"/>
-          </p:cNvSpPr>
-          <p:nvPr>
-            <p:ph idx="1"/>
-          </p:nvPr>
-        </p:nvSpPr>
-        <p:spPr>
-          <a:xfrm>
-            <a:off x="609441" y="1417639"/>
-            <a:ext cx="10969943" cy="4756152"/>
-          </a:xfrm>
-        </p:spPr>
-        <p:txBody>
-          <a:bodyPr>
-            <a:normAutofit fontScale="85000" lnSpcReduction="20000"/>
-          </a:bodyPr>
-          <a:lstStyle/>
-          <a:p>
-            <a:pPr marL="342900" indent="-342900">
-              <a:buFont typeface="Arial" panose="020B0604020202020204" pitchFamily="34" charset="0"/>
-              <a:buChar char="•"/>
-            </a:pPr>
-            <a:r>
-              <a:rPr lang="en-US" b="0" dirty="0"/>
-              <a:t>Bayesian framework allows incorporation of prior knowledge (from previous models, matched market test, domain experts knowledge, etc.). </a:t>
-            </a:r>
-          </a:p>
-          <a:p>
-            <a:pPr marL="342900" indent="-342900">
-              <a:buFont typeface="Arial" panose="020B0604020202020204" pitchFamily="34" charset="0"/>
-              <a:buChar char="•"/>
-            </a:pPr>
-            <a:r>
-              <a:rPr lang="en-US" b="0" dirty="0"/>
-              <a:t>We are allowed to incorporate prior information about the parameter, which is then updated by collected data… the posterior distribution (the result) from the previous model can then become prior for the next model… this process is just like human learning process -&gt; far more intuitive.</a:t>
-            </a:r>
-          </a:p>
-          <a:p>
-            <a:pPr marL="342900" indent="-342900">
-              <a:buFont typeface="Arial" panose="020B0604020202020204" pitchFamily="34" charset="0"/>
-              <a:buChar char="•"/>
-            </a:pPr>
-            <a:r>
-              <a:rPr lang="en-US" b="0" dirty="0"/>
-              <a:t>The Bayesian framework fits marketing analytics much better :</a:t>
-            </a:r>
-          </a:p>
-          <a:p>
-            <a:pPr lvl="1" indent="-457200">
-              <a:buFont typeface="Arial" panose="020B0604020202020204" pitchFamily="34" charset="0"/>
-              <a:buChar char="•"/>
-            </a:pPr>
-            <a:r>
-              <a:rPr lang="en-US" b="0" dirty="0">
-                <a:solidFill>
-                  <a:schemeClr val="tx1"/>
-                </a:solidFill>
-              </a:rPr>
-              <a:t>Marketing managers (subject experts) usually have a sense of how marketing response are. This knowledge can be expressed in math form and incorporated into the model. If no prior information, the prior distribution can be expressed as a uniform distribution or a normal distribution with a huge variance.</a:t>
-            </a:r>
-          </a:p>
-          <a:p>
-            <a:pPr lvl="1" indent="-457200">
-              <a:buFont typeface="Arial" panose="020B0604020202020204" pitchFamily="34" charset="0"/>
-              <a:buChar char="•"/>
-            </a:pPr>
-            <a:r>
-              <a:rPr lang="en-US" b="0" dirty="0">
-                <a:solidFill>
-                  <a:schemeClr val="tx1"/>
-                </a:solidFill>
-              </a:rPr>
-              <a:t>Models are usually done semi-annually or annually, no need to start from scratch.</a:t>
-            </a:r>
-          </a:p>
-          <a:p>
-            <a:pPr marL="342900" indent="-342900">
-              <a:buFont typeface="Arial" panose="020B0604020202020204" pitchFamily="34" charset="0"/>
-              <a:buChar char="•"/>
-            </a:pPr>
-            <a:r>
-              <a:rPr lang="en-US" b="0" dirty="0"/>
-              <a:t>The essence of Bayesian statistics is the combination of information from multiple sources and fully accounting uncertainty using probability distributions and regularize estimations proportionally according to group-level and individual-level information – hierarchical Bayesian model. </a:t>
-            </a:r>
-          </a:p>
-          <a:p>
-            <a:pPr marL="342900" indent="-342900">
-              <a:buFont typeface="Arial" panose="020B0604020202020204" pitchFamily="34" charset="0"/>
-              <a:buChar char="•"/>
-            </a:pPr>
-            <a:endParaRPr lang="en-US" b="0" dirty="0"/>
-          </a:p>
-        </p:txBody>
-      </p:sp>
-      <p:sp>
-        <p:nvSpPr>
-          <p:cNvPr id="3" name="Footer Placeholder 2"/>
-          <p:cNvSpPr>
-            <a:spLocks noGrp="1"/>
-          </p:cNvSpPr>
-          <p:nvPr>
-            <p:ph type="ftr" sz="quarter" idx="11"/>
-          </p:nvPr>
-        </p:nvSpPr>
-        <p:spPr/>
-        <p:txBody>
-          <a:bodyPr/>
-          <a:lstStyle/>
-          <a:p>
-            <a:r>
-              <a:rPr lang="en-US"/>
-              <a:t>annalect.com</a:t>
-            </a:r>
-            <a:endParaRPr lang="en-US" dirty="0"/>
-          </a:p>
-        </p:txBody>
-      </p:sp>
-      <p:sp>
-        <p:nvSpPr>
-          <p:cNvPr id="9" name="Title 8"/>
-          <p:cNvSpPr>
-            <a:spLocks noGrp="1"/>
-          </p:cNvSpPr>
-          <p:nvPr>
-            <p:ph type="title"/>
-          </p:nvPr>
-        </p:nvSpPr>
-        <p:spPr/>
-        <p:txBody>
-          <a:bodyPr/>
-          <a:lstStyle/>
-          <a:p>
-            <a:r>
-              <a:rPr lang="en-US" dirty="0"/>
-              <a:t>How can we use Bayesian?</a:t>
-            </a:r>
-          </a:p>
-        </p:txBody>
-      </p:sp>
-      <p:sp>
-        <p:nvSpPr>
-          <p:cNvPr id="5" name="Slide Number Placeholder 4"/>
-          <p:cNvSpPr>
-            <a:spLocks noGrp="1"/>
-          </p:cNvSpPr>
-          <p:nvPr>
-            <p:ph type="sldNum" sz="quarter" idx="4"/>
-          </p:nvPr>
-        </p:nvSpPr>
-        <p:spPr/>
-        <p:txBody>
-          <a:bodyPr/>
-          <a:lstStyle/>
-          <a:p>
-            <a:fld id="{A732B65F-C469-8E45-BF68-68AA1785A236}" type="slidenum">
-              <a:rPr lang="en-US" smtClean="0"/>
-              <a:pPr/>
-              <a:t>19</a:t>
-            </a:fld>
-            <a:endParaRPr lang="en-US" dirty="0"/>
-          </a:p>
-        </p:txBody>
-      </p:sp>
-    </p:spTree>
-    <p:extLst>
-      <p:ext uri="{BB962C8B-B14F-4D97-AF65-F5344CB8AC3E}">
-        <p14:creationId xmlns:p14="http://schemas.microsoft.com/office/powerpoint/2010/main" val="1835332936"/>
-      </p:ext>
-    </p:extLst>
-  </p:cSld>
-  <p:clrMapOvr>
-    <a:masterClrMapping/>
-  </p:clrMapOvr>
-  <mc:AlternateContent xmlns:mc="http://schemas.openxmlformats.org/markup-compatibility/2006" xmlns:p14="http://schemas.microsoft.com/office/powerpoint/2010/main">
-    <mc:Choice Requires="p14">
-      <p:transition spd="med" p14:dur="700">
-        <p:fade/>
-      </p:transition>
-    </mc:Choice>
-    <mc:Fallback xmlns="">
-      <p:transition spd="med">
-        <p:fade/>
-      </p:transition>
-    </mc:Fallback>
-  </mc:AlternateContent>
-</p:sld>
-</file>
-
-<file path=ppt/slides/slide2.xml><?xml version="1.0" encoding="utf-8"?>
-<p:sld xmlns:a="http://schemas.openxmlformats.org/drawingml/2006/main" xmlns:r="http://schemas.openxmlformats.org/officeDocument/2006/relationships" xmlns:p="http://schemas.openxmlformats.org/presentationml/2006/main">
-  <p:cSld>
-    <p:spTree>
-      <p:nvGrpSpPr>
-        <p:cNvPr id="1" name=""/>
-        <p:cNvGrpSpPr/>
-        <p:nvPr/>
-      </p:nvGrpSpPr>
-      <p:grpSpPr>
-        <a:xfrm>
-          <a:off x="0" y="0"/>
-          <a:ext cx="0" cy="0"/>
-          <a:chOff x="0" y="0"/>
-          <a:chExt cx="0" cy="0"/>
-        </a:xfrm>
-      </p:grpSpPr>
-      <p:sp>
-        <p:nvSpPr>
-          <p:cNvPr id="3" name="Footer Placeholder 2"/>
-          <p:cNvSpPr>
-            <a:spLocks noGrp="1"/>
-          </p:cNvSpPr>
-          <p:nvPr>
-            <p:ph type="ftr" sz="quarter" idx="11"/>
-          </p:nvPr>
-        </p:nvSpPr>
-        <p:spPr/>
-        <p:txBody>
-          <a:bodyPr/>
-          <a:lstStyle/>
-          <a:p>
-            <a:r>
-              <a:rPr lang="en-US" dirty="0"/>
-              <a:t>annalect.com</a:t>
-            </a:r>
-          </a:p>
-        </p:txBody>
-      </p:sp>
-      <p:sp>
-        <p:nvSpPr>
-          <p:cNvPr id="4" name="Title 3"/>
-          <p:cNvSpPr>
-            <a:spLocks noGrp="1"/>
-          </p:cNvSpPr>
-          <p:nvPr>
-            <p:ph type="title"/>
-          </p:nvPr>
-        </p:nvSpPr>
-        <p:spPr>
-          <a:xfrm>
-            <a:off x="609441" y="274638"/>
-            <a:ext cx="10969943" cy="897214"/>
-          </a:xfrm>
-        </p:spPr>
-        <p:txBody>
-          <a:bodyPr/>
-          <a:lstStyle/>
-          <a:p>
-            <a:r>
-              <a:rPr lang="en-US" dirty="0"/>
-              <a:t>Wish list of the model platform</a:t>
-            </a:r>
-          </a:p>
-        </p:txBody>
-      </p:sp>
-      <p:sp>
-        <p:nvSpPr>
-          <p:cNvPr id="5" name="Slide Number Placeholder 4"/>
-          <p:cNvSpPr>
-            <a:spLocks noGrp="1"/>
-          </p:cNvSpPr>
-          <p:nvPr>
-            <p:ph type="sldNum" sz="quarter" idx="4"/>
-          </p:nvPr>
-        </p:nvSpPr>
-        <p:spPr/>
-        <p:txBody>
-          <a:bodyPr/>
-          <a:lstStyle/>
-          <a:p>
-            <a:fld id="{A732B65F-C469-8E45-BF68-68AA1785A236}" type="slidenum">
-              <a:rPr lang="en-US" smtClean="0"/>
-              <a:pPr/>
-              <a:t>2</a:t>
-            </a:fld>
-            <a:endParaRPr lang="en-US" dirty="0"/>
-          </a:p>
-        </p:txBody>
-      </p:sp>
-      <p:sp>
-        <p:nvSpPr>
-          <p:cNvPr id="8" name="Content Placeholder 1">
-            <a:extLst>
-              <a:ext uri="{FF2B5EF4-FFF2-40B4-BE49-F238E27FC236}">
-                <a16:creationId xmlns:a16="http://schemas.microsoft.com/office/drawing/2014/main" id="{580CAEA2-04A4-4A3A-A040-BC8F2F435A64}"/>
-              </a:ext>
-            </a:extLst>
-          </p:cNvPr>
-          <p:cNvSpPr>
-            <a:spLocks noGrp="1"/>
-          </p:cNvSpPr>
-          <p:nvPr>
-            <p:ph idx="1"/>
-          </p:nvPr>
-        </p:nvSpPr>
-        <p:spPr>
-          <a:xfrm>
-            <a:off x="609600" y="1171852"/>
-            <a:ext cx="10972801" cy="5184501"/>
-          </a:xfrm>
-        </p:spPr>
-        <p:txBody>
-          <a:bodyPr>
-            <a:normAutofit lnSpcReduction="10000"/>
-          </a:bodyPr>
-          <a:lstStyle/>
-          <a:p>
-            <a:pPr marL="0" indent="0">
-              <a:spcBef>
-                <a:spcPts val="600"/>
-              </a:spcBef>
-              <a:buNone/>
-            </a:pPr>
-            <a:endParaRPr lang="en-US" sz="1600" dirty="0"/>
-          </a:p>
-          <a:p>
-            <a:pPr marL="285750" indent="-285750">
-              <a:spcBef>
-                <a:spcPts val="600"/>
-              </a:spcBef>
-              <a:buFont typeface="Arial" panose="020B0604020202020204" pitchFamily="34" charset="0"/>
-              <a:buChar char="•"/>
-            </a:pPr>
-            <a:r>
-              <a:rPr lang="en-US" sz="1800" dirty="0"/>
-              <a:t>The design should be Intuitive and straightforward.</a:t>
-            </a:r>
-          </a:p>
-          <a:p>
-            <a:pPr marL="285750" indent="-285750">
-              <a:spcBef>
-                <a:spcPts val="600"/>
-              </a:spcBef>
-              <a:buFont typeface="Arial" panose="020B0604020202020204" pitchFamily="34" charset="0"/>
-              <a:buChar char="•"/>
-            </a:pPr>
-            <a:endParaRPr lang="en-US" sz="1800" dirty="0"/>
-          </a:p>
-          <a:p>
-            <a:pPr marL="285750" indent="-285750">
-              <a:spcBef>
-                <a:spcPts val="600"/>
-              </a:spcBef>
-              <a:buFont typeface="Arial" panose="020B0604020202020204" pitchFamily="34" charset="0"/>
-              <a:buChar char="•"/>
-            </a:pPr>
-            <a:r>
-              <a:rPr lang="en-US" sz="1800" dirty="0"/>
-              <a:t>Reproducible : (past) model results (</a:t>
-            </a:r>
-            <a:r>
-              <a:rPr lang="en-US" sz="1800" dirty="0" err="1"/>
-              <a:t>coefs</a:t>
-            </a:r>
-            <a:r>
-              <a:rPr lang="en-US" sz="1800" dirty="0"/>
-              <a:t>, decomp, response curves, and ROI) can be easily reproduced. </a:t>
-            </a:r>
-          </a:p>
-          <a:p>
-            <a:pPr marL="285750" indent="-285750">
-              <a:spcBef>
-                <a:spcPts val="600"/>
-              </a:spcBef>
-              <a:buFont typeface="Arial" panose="020B0604020202020204" pitchFamily="34" charset="0"/>
-              <a:buChar char="•"/>
-            </a:pPr>
-            <a:endParaRPr lang="en-US" sz="1600" dirty="0"/>
-          </a:p>
-          <a:p>
-            <a:pPr marL="285750" indent="-285750">
-              <a:spcBef>
-                <a:spcPts val="600"/>
-              </a:spcBef>
-              <a:buFont typeface="Arial" panose="020B0604020202020204" pitchFamily="34" charset="0"/>
-              <a:buChar char="•"/>
-            </a:pPr>
-            <a:r>
-              <a:rPr lang="en-US" sz="1800" dirty="0"/>
-              <a:t>Flexible : </a:t>
-            </a:r>
-          </a:p>
-          <a:p>
-            <a:pPr marL="742950" lvl="1" indent="-285750">
-              <a:lnSpc>
-                <a:spcPct val="100000"/>
-              </a:lnSpc>
-              <a:spcBef>
-                <a:spcPts val="600"/>
-              </a:spcBef>
-              <a:buFont typeface="Arial" panose="020B0604020202020204" pitchFamily="34" charset="0"/>
-              <a:buChar char="•"/>
-            </a:pPr>
-            <a:r>
-              <a:rPr lang="en-US" sz="1600" dirty="0">
-                <a:latin typeface="Arial" panose="020B0604020202020204" pitchFamily="34" charset="0"/>
-                <a:cs typeface="Arial" panose="020B0604020202020204" pitchFamily="34" charset="0"/>
-              </a:rPr>
-              <a:t>Can be used across different clients and countries. </a:t>
-            </a:r>
-          </a:p>
-          <a:p>
-            <a:pPr marL="742950" lvl="1" indent="-285750">
-              <a:lnSpc>
-                <a:spcPct val="100000"/>
-              </a:lnSpc>
-              <a:spcBef>
-                <a:spcPts val="600"/>
-              </a:spcBef>
-              <a:buFont typeface="Arial" panose="020B0604020202020204" pitchFamily="34" charset="0"/>
-              <a:buChar char="•"/>
-            </a:pPr>
-            <a:r>
-              <a:rPr lang="en-US" sz="1600" dirty="0">
-                <a:latin typeface="Arial" panose="020B0604020202020204" pitchFamily="34" charset="0"/>
-                <a:cs typeface="Arial" panose="020B0604020202020204" pitchFamily="34" charset="0"/>
-              </a:rPr>
-              <a:t>Model refresh with new data can be easily done with minor setups. </a:t>
-            </a:r>
-          </a:p>
-          <a:p>
-            <a:pPr marL="742950" lvl="1" indent="-285750">
-              <a:lnSpc>
-                <a:spcPct val="100000"/>
-              </a:lnSpc>
-              <a:spcBef>
-                <a:spcPts val="600"/>
-              </a:spcBef>
-              <a:buFont typeface="Arial" panose="020B0604020202020204" pitchFamily="34" charset="0"/>
-              <a:buChar char="•"/>
-            </a:pPr>
-            <a:r>
-              <a:rPr lang="en-US" sz="1600" dirty="0">
-                <a:latin typeface="Arial" panose="020B0604020202020204" pitchFamily="34" charset="0"/>
-                <a:cs typeface="Arial" panose="020B0604020202020204" pitchFamily="34" charset="0"/>
-              </a:rPr>
-              <a:t>New functionality can be easily added into the existing structure of the platform.</a:t>
-            </a:r>
-          </a:p>
-          <a:p>
-            <a:pPr marL="742950" lvl="1" indent="-285750">
-              <a:lnSpc>
-                <a:spcPct val="100000"/>
-              </a:lnSpc>
-              <a:spcBef>
-                <a:spcPts val="600"/>
-              </a:spcBef>
-              <a:buFont typeface="Arial" panose="020B0604020202020204" pitchFamily="34" charset="0"/>
-              <a:buChar char="•"/>
-            </a:pPr>
-            <a:r>
-              <a:rPr lang="en-US" sz="1600" dirty="0">
-                <a:latin typeface="Arial" panose="020B0604020202020204" pitchFamily="34" charset="0"/>
-                <a:cs typeface="Arial" panose="020B0604020202020204" pitchFamily="34" charset="0"/>
-              </a:rPr>
-              <a:t>Backward compatible</a:t>
-            </a:r>
-          </a:p>
-          <a:p>
-            <a:pPr marL="742950" lvl="1" indent="-285750">
-              <a:lnSpc>
-                <a:spcPct val="100000"/>
-              </a:lnSpc>
-              <a:spcBef>
-                <a:spcPts val="600"/>
-              </a:spcBef>
-              <a:buFont typeface="Arial" panose="020B0604020202020204" pitchFamily="34" charset="0"/>
-              <a:buChar char="•"/>
-            </a:pPr>
-            <a:endParaRPr lang="en-US" sz="1400" b="0" dirty="0"/>
-          </a:p>
-          <a:p>
-            <a:pPr marL="285750" indent="-285750">
-              <a:spcBef>
-                <a:spcPts val="1200"/>
-              </a:spcBef>
-              <a:buFont typeface="Arial" panose="020B0604020202020204" pitchFamily="34" charset="0"/>
-              <a:buChar char="•"/>
-            </a:pPr>
-            <a:r>
-              <a:rPr lang="en-US" sz="1800" dirty="0"/>
-              <a:t>Modular:</a:t>
-            </a:r>
-          </a:p>
-          <a:p>
-            <a:pPr marL="742950" lvl="1" indent="-285750">
-              <a:lnSpc>
-                <a:spcPct val="100000"/>
-              </a:lnSpc>
-              <a:spcBef>
-                <a:spcPts val="600"/>
-              </a:spcBef>
-              <a:buFont typeface="Arial" panose="020B0604020202020204" pitchFamily="34" charset="0"/>
-              <a:buChar char="•"/>
-            </a:pPr>
-            <a:r>
-              <a:rPr lang="en-US" sz="1600" dirty="0"/>
-              <a:t>The code should be written in a object-oriented way.</a:t>
-            </a:r>
-          </a:p>
-          <a:p>
-            <a:pPr marL="742950" lvl="1" indent="-285750">
-              <a:lnSpc>
-                <a:spcPct val="100000"/>
-              </a:lnSpc>
-              <a:spcBef>
-                <a:spcPts val="600"/>
-              </a:spcBef>
-              <a:buFont typeface="Arial" panose="020B0604020202020204" pitchFamily="34" charset="0"/>
-              <a:buChar char="•"/>
-            </a:pPr>
-            <a:r>
-              <a:rPr lang="en-US" sz="1600" dirty="0"/>
-              <a:t>Each R function/module does one specific task. It should be written as generic as possible so that it can be easily used across different projects, and at different part of the model stage. For example, </a:t>
-            </a:r>
-            <a:r>
-              <a:rPr lang="en-US" sz="1600" dirty="0" err="1"/>
-              <a:t>transform.R</a:t>
-            </a:r>
-            <a:r>
-              <a:rPr lang="en-US" sz="1600" dirty="0"/>
-              <a:t> can be called pre-model stage and at the simulation stage. </a:t>
-            </a:r>
-          </a:p>
-          <a:p>
-            <a:pPr marL="457200" lvl="1">
-              <a:lnSpc>
-                <a:spcPct val="100000"/>
-              </a:lnSpc>
-              <a:spcBef>
-                <a:spcPts val="600"/>
-              </a:spcBef>
-            </a:pPr>
-            <a:endParaRPr lang="en-US" sz="1400" b="0" dirty="0"/>
-          </a:p>
-        </p:txBody>
-      </p:sp>
-    </p:spTree>
-    <p:extLst>
-      <p:ext uri="{BB962C8B-B14F-4D97-AF65-F5344CB8AC3E}">
-        <p14:creationId xmlns:p14="http://schemas.microsoft.com/office/powerpoint/2010/main" val="3610829459"/>
-      </p:ext>
-    </p:extLst>
-  </p:cSld>
-  <p:clrMapOvr>
-    <a:masterClrMapping/>
-  </p:clrMapOvr>
-  <mc:AlternateContent xmlns:mc="http://schemas.openxmlformats.org/markup-compatibility/2006" xmlns:p14="http://schemas.microsoft.com/office/powerpoint/2010/main">
-    <mc:Choice Requires="p14">
-      <p:transition spd="med" p14:dur="700">
-        <p:fade/>
-      </p:transition>
-    </mc:Choice>
-    <mc:Fallback xmlns="">
-      <p:transition xmlns:p14="http://schemas.microsoft.com/office/powerpoint/2010/main" spd="med">
-        <p:fade/>
-      </p:transition>
-    </mc:Fallback>
-  </mc:AlternateContent>
-</p:sld>
-</file>
-
-<file path=ppt/slides/slide20.xml><?xml version="1.0" encoding="utf-8"?>
-<p:sld xmlns:a="http://schemas.openxmlformats.org/drawingml/2006/main" xmlns:r="http://schemas.openxmlformats.org/officeDocument/2006/relationships" xmlns:p="http://schemas.openxmlformats.org/presentationml/2006/main">
-  <p:cSld>
-    <p:spTree>
-      <p:nvGrpSpPr>
-        <p:cNvPr id="1" name=""/>
-        <p:cNvGrpSpPr/>
-        <p:nvPr/>
-      </p:nvGrpSpPr>
-      <p:grpSpPr>
-        <a:xfrm>
-          <a:off x="0" y="0"/>
-          <a:ext cx="0" cy="0"/>
-          <a:chOff x="0" y="0"/>
-          <a:chExt cx="0" cy="0"/>
-        </a:xfrm>
-      </p:grpSpPr>
-      <p:sp>
-        <p:nvSpPr>
-          <p:cNvPr id="2" name="Footer Placeholder 1">
-            <a:extLst>
-              <a:ext uri="{FF2B5EF4-FFF2-40B4-BE49-F238E27FC236}">
-                <a16:creationId xmlns:a16="http://schemas.microsoft.com/office/drawing/2014/main" id="{616C50F9-0B62-44DE-A6C3-1FBEF075D3A6}"/>
-              </a:ext>
-            </a:extLst>
-          </p:cNvPr>
-          <p:cNvSpPr>
-            <a:spLocks noGrp="1"/>
-          </p:cNvSpPr>
-          <p:nvPr>
-            <p:ph type="ftr" sz="quarter" idx="11"/>
-          </p:nvPr>
-        </p:nvSpPr>
-        <p:spPr/>
-        <p:txBody>
-          <a:bodyPr/>
-          <a:lstStyle/>
-          <a:p>
-            <a:r>
-              <a:rPr lang="en-US"/>
-              <a:t>annalect.com</a:t>
-            </a:r>
-            <a:endParaRPr lang="en-US" dirty="0"/>
-          </a:p>
-        </p:txBody>
-      </p:sp>
-      <p:sp>
-        <p:nvSpPr>
-          <p:cNvPr id="3" name="Title 2">
-            <a:extLst>
-              <a:ext uri="{FF2B5EF4-FFF2-40B4-BE49-F238E27FC236}">
-                <a16:creationId xmlns:a16="http://schemas.microsoft.com/office/drawing/2014/main" id="{6194579F-F606-4B2A-8714-D2739A7A7EF5}"/>
-              </a:ext>
-            </a:extLst>
-          </p:cNvPr>
-          <p:cNvSpPr>
-            <a:spLocks noGrp="1"/>
-          </p:cNvSpPr>
-          <p:nvPr>
-            <p:ph type="title"/>
-          </p:nvPr>
-        </p:nvSpPr>
-        <p:spPr/>
-        <p:txBody>
-          <a:bodyPr/>
-          <a:lstStyle/>
-          <a:p>
-            <a:r>
-              <a:rPr lang="en-US" dirty="0"/>
-              <a:t>FAQ : choice of prior</a:t>
-            </a:r>
-          </a:p>
-        </p:txBody>
-      </p:sp>
-      <p:sp>
-        <p:nvSpPr>
-          <p:cNvPr id="4" name="Slide Number Placeholder 3">
-            <a:extLst>
-              <a:ext uri="{FF2B5EF4-FFF2-40B4-BE49-F238E27FC236}">
-                <a16:creationId xmlns:a16="http://schemas.microsoft.com/office/drawing/2014/main" id="{E024E2C4-AC1B-44CA-901B-B54E09941F4A}"/>
-              </a:ext>
-            </a:extLst>
-          </p:cNvPr>
-          <p:cNvSpPr>
-            <a:spLocks noGrp="1"/>
-          </p:cNvSpPr>
-          <p:nvPr>
-            <p:ph type="sldNum" sz="quarter" idx="4"/>
-          </p:nvPr>
-        </p:nvSpPr>
-        <p:spPr/>
-        <p:txBody>
-          <a:bodyPr/>
-          <a:lstStyle/>
-          <a:p>
-            <a:fld id="{A732B65F-C469-8E45-BF68-68AA1785A236}" type="slidenum">
-              <a:rPr lang="en-US" smtClean="0"/>
-              <a:pPr/>
-              <a:t>20</a:t>
-            </a:fld>
-            <a:endParaRPr lang="en-US" dirty="0"/>
-          </a:p>
-        </p:txBody>
-      </p:sp>
-      <p:sp>
-        <p:nvSpPr>
-          <p:cNvPr id="5" name="TextBox 4">
-            <a:extLst>
-              <a:ext uri="{FF2B5EF4-FFF2-40B4-BE49-F238E27FC236}">
-                <a16:creationId xmlns:a16="http://schemas.microsoft.com/office/drawing/2014/main" id="{E33A46DE-2BE9-4B89-8563-949CCD5A213F}"/>
-              </a:ext>
-            </a:extLst>
-          </p:cNvPr>
-          <p:cNvSpPr txBox="1"/>
-          <p:nvPr/>
-        </p:nvSpPr>
-        <p:spPr>
-          <a:xfrm>
-            <a:off x="896645" y="1767451"/>
-            <a:ext cx="10147177" cy="4239088"/>
-          </a:xfrm>
-          <a:prstGeom prst="rect">
-            <a:avLst/>
-          </a:prstGeom>
-        </p:spPr>
-        <p:txBody>
-          <a:bodyPr vert="horz" wrap="square" lIns="0" tIns="0" rIns="0" bIns="0" numCol="1" rtlCol="0">
-            <a:normAutofit fontScale="85000" lnSpcReduction="10000"/>
-          </a:bodyPr>
-          <a:lstStyle/>
-          <a:p>
-            <a:pPr marL="285750" indent="-285750">
-              <a:lnSpc>
-                <a:spcPts val="2200"/>
-              </a:lnSpc>
-              <a:spcBef>
-                <a:spcPts val="1100"/>
-              </a:spcBef>
-              <a:buClr>
-                <a:schemeClr val="tx2"/>
-              </a:buClr>
-              <a:buFont typeface="Arial" panose="020B0604020202020204" pitchFamily="34" charset="0"/>
-              <a:buChar char="•"/>
-            </a:pPr>
-            <a:r>
-              <a:rPr lang="en-US" sz="2400" dirty="0">
-                <a:latin typeface="Arial"/>
-                <a:cs typeface="Arial"/>
-              </a:rPr>
-              <a:t>In the </a:t>
-            </a:r>
-            <a:r>
-              <a:rPr lang="en-US" sz="2400" dirty="0" err="1">
-                <a:latin typeface="Arial"/>
-                <a:cs typeface="Arial"/>
-              </a:rPr>
-              <a:t>msmp</a:t>
-            </a:r>
-            <a:r>
-              <a:rPr lang="en-US" sz="2400" dirty="0">
-                <a:latin typeface="Arial"/>
-                <a:cs typeface="Arial"/>
-              </a:rPr>
-              <a:t> framework, the prior of the model parameters are assumed to have gaussian distribution -&gt; conjugate prior, Markov Chain Monte Carlo is not needed. </a:t>
-            </a:r>
-          </a:p>
-          <a:p>
-            <a:pPr marL="285750" indent="-285750">
-              <a:lnSpc>
-                <a:spcPts val="2200"/>
-              </a:lnSpc>
-              <a:spcBef>
-                <a:spcPts val="1100"/>
-              </a:spcBef>
-              <a:buClr>
-                <a:schemeClr val="tx2"/>
-              </a:buClr>
-              <a:buFont typeface="Arial" panose="020B0604020202020204" pitchFamily="34" charset="0"/>
-              <a:buChar char="•"/>
-            </a:pPr>
-            <a:r>
-              <a:rPr lang="en-US" sz="2400" dirty="0">
-                <a:latin typeface="Arial"/>
-                <a:cs typeface="Arial"/>
-              </a:rPr>
-              <a:t>the default priors are diffuse/flat. In other words, normal distribution with mean of zero and standard deviation of 1 billion. The Bayesian regression result defaults to OLS result with such priors. </a:t>
-            </a:r>
-          </a:p>
-          <a:p>
-            <a:pPr marL="285750" indent="-285750">
-              <a:lnSpc>
-                <a:spcPts val="2200"/>
-              </a:lnSpc>
-              <a:spcBef>
-                <a:spcPts val="1100"/>
-              </a:spcBef>
-              <a:buClr>
-                <a:schemeClr val="tx2"/>
-              </a:buClr>
-              <a:buFont typeface="Arial" panose="020B0604020202020204" pitchFamily="34" charset="0"/>
-              <a:buChar char="•"/>
-            </a:pPr>
-            <a:r>
-              <a:rPr lang="en-US" sz="2400" dirty="0">
-                <a:latin typeface="Arial"/>
-                <a:cs typeface="Arial"/>
-              </a:rPr>
-              <a:t>I recommend start with diffuse priors if you are building a model for a client/category for the first time.</a:t>
-            </a:r>
-          </a:p>
-          <a:p>
-            <a:pPr marL="285750" indent="-285750">
-              <a:lnSpc>
-                <a:spcPts val="2200"/>
-              </a:lnSpc>
-              <a:spcBef>
-                <a:spcPts val="1100"/>
-              </a:spcBef>
-              <a:buClr>
-                <a:schemeClr val="tx2"/>
-              </a:buClr>
-              <a:buFont typeface="Arial" panose="020B0604020202020204" pitchFamily="34" charset="0"/>
-              <a:buChar char="•"/>
-            </a:pPr>
-            <a:r>
-              <a:rPr lang="en-US" sz="2400" dirty="0">
-                <a:latin typeface="Arial"/>
-                <a:cs typeface="Arial"/>
-              </a:rPr>
-              <a:t>Use informative priors (based on previous model results) during a model refresh.</a:t>
-            </a:r>
-          </a:p>
-          <a:p>
-            <a:pPr marL="285750" indent="-285750">
-              <a:lnSpc>
-                <a:spcPts val="2200"/>
-              </a:lnSpc>
-              <a:spcBef>
-                <a:spcPts val="1100"/>
-              </a:spcBef>
-              <a:buClr>
-                <a:schemeClr val="tx2"/>
-              </a:buClr>
-              <a:buFont typeface="Arial" panose="020B0604020202020204" pitchFamily="34" charset="0"/>
-              <a:buChar char="•"/>
-            </a:pPr>
-            <a:r>
-              <a:rPr lang="en-US" sz="2400" dirty="0">
-                <a:latin typeface="Arial"/>
-                <a:cs typeface="Arial"/>
-              </a:rPr>
-              <a:t>If the data is panel style, geo or categories, hierarchical Bayesian model (partial pooling) can be built to account for </a:t>
-            </a:r>
-          </a:p>
-          <a:p>
-            <a:pPr marL="285750" indent="-285750">
-              <a:lnSpc>
-                <a:spcPts val="2200"/>
-              </a:lnSpc>
-              <a:spcBef>
-                <a:spcPts val="1100"/>
-              </a:spcBef>
-              <a:buClr>
-                <a:schemeClr val="tx2"/>
-              </a:buClr>
-              <a:buFont typeface="Arial" panose="020B0604020202020204" pitchFamily="34" charset="0"/>
-              <a:buChar char="•"/>
-            </a:pPr>
-            <a:r>
-              <a:rPr lang="en-US" sz="2400" dirty="0">
-                <a:latin typeface="Arial"/>
-                <a:cs typeface="Arial"/>
-              </a:rPr>
-              <a:t>We have also split the variable (say total TV) to </a:t>
-            </a:r>
-          </a:p>
-        </p:txBody>
-      </p:sp>
-    </p:spTree>
-    <p:extLst>
-      <p:ext uri="{BB962C8B-B14F-4D97-AF65-F5344CB8AC3E}">
-        <p14:creationId xmlns:p14="http://schemas.microsoft.com/office/powerpoint/2010/main" val="3193580960"/>
-      </p:ext>
-    </p:extLst>
-  </p:cSld>
-  <p:clrMapOvr>
-    <a:masterClrMapping/>
-  </p:clrMapOvr>
-  <mc:AlternateContent xmlns:mc="http://schemas.openxmlformats.org/markup-compatibility/2006" xmlns:p14="http://schemas.microsoft.com/office/powerpoint/2010/main">
-    <mc:Choice Requires="p14">
-      <p:transition spd="med" p14:dur="700">
-        <p:fade/>
-      </p:transition>
-    </mc:Choice>
-    <mc:Fallback xmlns="">
-      <p:transition xmlns:p14="http://schemas.microsoft.com/office/powerpoint/2010/main" spd="med">
-        <p:fade/>
-      </p:transition>
-    </mc:Fallback>
-  </mc:AlternateContent>
-</p:sld>
-</file>
-
 <file path=ppt/slides/slide21.xml><?xml version="1.0" encoding="utf-8"?>
 <p:sld xmlns:a="http://schemas.openxmlformats.org/drawingml/2006/main" xmlns:r="http://schemas.openxmlformats.org/officeDocument/2006/relationships" xmlns:p="http://schemas.openxmlformats.org/presentationml/2006/main">
   <p:cSld>
@@ -32711,7 +33279,7 @@
         </p:nvSpPr>
         <p:spPr>
           <a:xfrm>
-            <a:off x="1053346" y="3900266"/>
+            <a:off x="1114249" y="3826634"/>
             <a:ext cx="1266337" cy="367943"/>
           </a:xfrm>
           <a:prstGeom prst="rect">
@@ -33289,7 +33857,7 @@
         </p:nvSpPr>
         <p:spPr>
           <a:xfrm>
-            <a:off x="9414540" y="4162395"/>
+            <a:off x="9414540" y="4370080"/>
             <a:ext cx="1597780" cy="467401"/>
           </a:xfrm>
           <a:prstGeom prst="rect">
@@ -33626,7 +34194,7 @@
         </p:nvSpPr>
         <p:spPr>
           <a:xfrm>
-            <a:off x="992441" y="4874193"/>
+            <a:off x="887686" y="5056000"/>
             <a:ext cx="7592467" cy="1472124"/>
           </a:xfrm>
           <a:prstGeom prst="rect">
@@ -33716,6 +34284,154 @@
                 <a:cs typeface="Arial"/>
               </a:rPr>
               <a:t>. </a:t>
+            </a:r>
+          </a:p>
+        </p:txBody>
+      </p:sp>
+      <p:sp>
+        <p:nvSpPr>
+          <p:cNvPr id="2" name="Arrow: Right 1">
+            <a:extLst>
+              <a:ext uri="{FF2B5EF4-FFF2-40B4-BE49-F238E27FC236}">
+                <a16:creationId xmlns:a16="http://schemas.microsoft.com/office/drawing/2014/main" id="{34AC661A-4438-462E-9A34-AC8F6A51EBEA}"/>
+              </a:ext>
+            </a:extLst>
+          </p:cNvPr>
+          <p:cNvSpPr/>
+          <p:nvPr/>
+        </p:nvSpPr>
+        <p:spPr>
+          <a:xfrm>
+            <a:off x="3203469" y="4690127"/>
+            <a:ext cx="5608692" cy="132493"/>
+          </a:xfrm>
+          <a:prstGeom prst="rightArrow">
+            <a:avLst/>
+          </a:prstGeom>
+          <a:ln>
+            <a:noFill/>
+          </a:ln>
+        </p:spPr>
+        <p:style>
+          <a:lnRef idx="2">
+            <a:schemeClr val="accent1">
+              <a:shade val="50000"/>
+            </a:schemeClr>
+          </a:lnRef>
+          <a:fillRef idx="1">
+            <a:schemeClr val="accent1"/>
+          </a:fillRef>
+          <a:effectRef idx="0">
+            <a:schemeClr val="accent1"/>
+          </a:effectRef>
+          <a:fontRef idx="minor">
+            <a:schemeClr val="lt1"/>
+          </a:fontRef>
+        </p:style>
+        <p:txBody>
+          <a:bodyPr rot="0" spcFirstLastPara="0" vertOverflow="overflow" horzOverflow="overflow" vert="horz" wrap="square" lIns="91440" tIns="45720" rIns="91440" bIns="91440" numCol="1" spcCol="0" rtlCol="0" fromWordArt="0" anchor="ctr" anchorCtr="0" forceAA="0" compatLnSpc="1">
+            <a:prstTxWarp prst="textNoShape">
+              <a:avLst/>
+            </a:prstTxWarp>
+            <a:noAutofit/>
+          </a:bodyPr>
+          <a:lstStyle/>
+          <a:p>
+            <a:pPr algn="ctr">
+              <a:lnSpc>
+                <a:spcPct val="112000"/>
+              </a:lnSpc>
+              <a:spcBef>
+                <a:spcPts val="1500"/>
+              </a:spcBef>
+            </a:pPr>
+            <a:endParaRPr lang="en-US" sz="1600" dirty="0">
+              <a:solidFill>
+                <a:schemeClr val="bg1"/>
+              </a:solidFill>
+              <a:latin typeface="Arial"/>
+              <a:cs typeface="Arial"/>
+            </a:endParaRPr>
+          </a:p>
+        </p:txBody>
+      </p:sp>
+      <p:sp>
+        <p:nvSpPr>
+          <p:cNvPr id="24" name="Rectangle 23">
+            <a:extLst>
+              <a:ext uri="{FF2B5EF4-FFF2-40B4-BE49-F238E27FC236}">
+                <a16:creationId xmlns:a16="http://schemas.microsoft.com/office/drawing/2014/main" id="{4A2FB73B-9EE7-4543-8259-027127B20399}"/>
+              </a:ext>
+            </a:extLst>
+          </p:cNvPr>
+          <p:cNvSpPr/>
+          <p:nvPr/>
+        </p:nvSpPr>
+        <p:spPr>
+          <a:xfrm>
+            <a:off x="1114248" y="4506155"/>
+            <a:ext cx="1266337" cy="367943"/>
+          </a:xfrm>
+          <a:prstGeom prst="rect">
+            <a:avLst/>
+          </a:prstGeom>
+          <a:solidFill>
+            <a:srgbClr val="2FC5C5"/>
+          </a:solidFill>
+          <a:ln>
+            <a:noFill/>
+          </a:ln>
+        </p:spPr>
+        <p:style>
+          <a:lnRef idx="1">
+            <a:schemeClr val="accent1"/>
+          </a:lnRef>
+          <a:fillRef idx="3">
+            <a:schemeClr val="accent1"/>
+          </a:fillRef>
+          <a:effectRef idx="2">
+            <a:schemeClr val="accent1"/>
+          </a:effectRef>
+          <a:fontRef idx="minor">
+            <a:schemeClr val="lt1"/>
+          </a:fontRef>
+        </p:style>
+        <p:txBody>
+          <a:bodyPr rtlCol="0" anchor="ctr"/>
+          <a:lstStyle/>
+          <a:p>
+            <a:pPr algn="ctr"/>
+            <a:r>
+              <a:rPr lang="en-US" sz="1600" b="1" dirty="0">
+                <a:solidFill>
+                  <a:srgbClr val="FF0000"/>
+                </a:solidFill>
+              </a:rPr>
+              <a:t> </a:t>
+            </a:r>
+            <a:r>
+              <a:rPr lang="en-US" sz="1200" b="1" dirty="0">
+                <a:solidFill>
+                  <a:schemeClr val="tx1"/>
+                </a:solidFill>
+              </a:rPr>
+              <a:t>new planned</a:t>
+            </a:r>
+            <a:r>
+              <a:rPr lang="en-US" sz="1200" b="1" dirty="0">
+                <a:solidFill>
+                  <a:srgbClr val="FF0000"/>
+                </a:solidFill>
+              </a:rPr>
+              <a:t> </a:t>
+            </a:r>
+            <a:r>
+              <a:rPr lang="en-US" sz="1200" b="1" dirty="0">
+                <a:solidFill>
+                  <a:schemeClr val="tx1"/>
+                </a:solidFill>
+              </a:rPr>
+              <a:t>data</a:t>
             </a:r>
           </a:p>
         </p:txBody>
@@ -33863,7 +34579,7 @@
             <a:pPr algn="ctr"/>
             <a:r>
               <a:rPr lang="en-US" sz="5398" dirty="0"/>
-              <a:t>Bayesian Regression Model</a:t>
+              <a:t>Why Bayes?</a:t>
             </a:r>
           </a:p>
         </p:txBody>
@@ -33871,7 +34587,7 @@
     </p:spTree>
     <p:extLst>
       <p:ext uri="{BB962C8B-B14F-4D97-AF65-F5344CB8AC3E}">
-        <p14:creationId xmlns:p14="http://schemas.microsoft.com/office/powerpoint/2010/main" val="3001379411"/>
+        <p14:creationId xmlns:p14="http://schemas.microsoft.com/office/powerpoint/2010/main" val="24012493"/>
       </p:ext>
     </p:extLst>
   </p:cSld>
@@ -33912,6 +34628,158 @@
       </p:grpSpPr>
       <p:sp>
         <p:nvSpPr>
+          <p:cNvPr id="10" name="Content Placeholder 9"/>
+          <p:cNvSpPr>
+            <a:spLocks noGrp="1"/>
+          </p:cNvSpPr>
+          <p:nvPr>
+            <p:ph idx="1"/>
+          </p:nvPr>
+        </p:nvSpPr>
+        <p:spPr/>
+        <p:txBody>
+          <a:bodyPr>
+            <a:normAutofit fontScale="92500" lnSpcReduction="10000"/>
+          </a:bodyPr>
+          <a:lstStyle/>
+          <a:p>
+            <a:pPr marL="342900" indent="-342900">
+              <a:buFont typeface="Arial" panose="020B0604020202020204" pitchFamily="34" charset="0"/>
+              <a:buChar char="•"/>
+            </a:pPr>
+            <a:r>
+              <a:rPr lang="en-US" dirty="0"/>
+              <a:t>Classical regression works great with</a:t>
+            </a:r>
+          </a:p>
+          <a:p>
+            <a:pPr lvl="2" indent="-457200">
+              <a:buFont typeface="Arial" panose="020B0604020202020204" pitchFamily="34" charset="0"/>
+              <a:buChar char="•"/>
+            </a:pPr>
+            <a:r>
+              <a:rPr lang="en-US" sz="1900" dirty="0"/>
+              <a:t>Aggregated data</a:t>
+            </a:r>
+          </a:p>
+          <a:p>
+            <a:pPr lvl="2" indent="-457200">
+              <a:buFont typeface="Arial" panose="020B0604020202020204" pitchFamily="34" charset="0"/>
+              <a:buChar char="•"/>
+            </a:pPr>
+            <a:r>
+              <a:rPr lang="en-US" sz="1900" b="0" dirty="0"/>
+              <a:t>Data that has </a:t>
+            </a:r>
+            <a:r>
+              <a:rPr lang="en-US" sz="1900" dirty="0"/>
+              <a:t>no serious</a:t>
+            </a:r>
+            <a:r>
+              <a:rPr lang="en-US" sz="1900" b="0" dirty="0"/>
+              <a:t> multi-collinearity </a:t>
+            </a:r>
+          </a:p>
+          <a:p>
+            <a:pPr marL="342900" indent="-342900">
+              <a:buFont typeface="Arial" panose="020B0604020202020204" pitchFamily="34" charset="0"/>
+              <a:buChar char="•"/>
+            </a:pPr>
+            <a:r>
+              <a:rPr lang="en-US" dirty="0"/>
+              <a:t>The realities:</a:t>
+            </a:r>
+          </a:p>
+          <a:p>
+            <a:pPr lvl="1" indent="-457200">
+              <a:buFont typeface="Wingdings" panose="05000000000000000000" pitchFamily="2" charset="2"/>
+              <a:buChar char="Ø"/>
+            </a:pPr>
+            <a:r>
+              <a:rPr lang="en-US" b="0" dirty="0">
+                <a:solidFill>
+                  <a:schemeClr val="tx1"/>
+                </a:solidFill>
+              </a:rPr>
+              <a:t>Multi-collinearity : TV and digital are </a:t>
+            </a:r>
+            <a:r>
+              <a:rPr lang="en-US" b="0" dirty="0" err="1">
+                <a:solidFill>
+                  <a:schemeClr val="tx1"/>
+                </a:solidFill>
+              </a:rPr>
+              <a:t>excuted</a:t>
+            </a:r>
+            <a:r>
+              <a:rPr lang="en-US" b="0" dirty="0">
+                <a:solidFill>
+                  <a:schemeClr val="tx1"/>
+                </a:solidFill>
+              </a:rPr>
+              <a:t> the same time -&gt; unreliable and unstable estimates. </a:t>
+            </a:r>
+          </a:p>
+          <a:p>
+            <a:pPr lvl="1" indent="-457200">
+              <a:buFont typeface="Wingdings" panose="05000000000000000000" pitchFamily="2" charset="2"/>
+              <a:buChar char="Ø"/>
+            </a:pPr>
+            <a:r>
+              <a:rPr lang="en-US" sz="1600" b="0" dirty="0">
+                <a:solidFill>
+                  <a:schemeClr val="tx1"/>
+                </a:solidFill>
+              </a:rPr>
+              <a:t>More granular estimates of marketing channels -&gt; Degree of freedom -&gt; too many predictors -&gt; over-fitting and poor predictions</a:t>
+            </a:r>
+          </a:p>
+          <a:p>
+            <a:pPr lvl="1" indent="-457200">
+              <a:buFont typeface="Wingdings" panose="05000000000000000000" pitchFamily="2" charset="2"/>
+              <a:buChar char="Ø"/>
+            </a:pPr>
+            <a:r>
+              <a:rPr lang="en-US" sz="1600" b="0" dirty="0">
+                <a:solidFill>
+                  <a:schemeClr val="tx1"/>
+                </a:solidFill>
+              </a:rPr>
+              <a:t>More granular estimates at regional level -&gt; sparse data -&gt; unreliable estimates</a:t>
+            </a:r>
+          </a:p>
+          <a:p>
+            <a:pPr lvl="1" indent="-457200">
+              <a:buFont typeface="Wingdings" panose="05000000000000000000" pitchFamily="2" charset="2"/>
+              <a:buChar char="Ø"/>
+            </a:pPr>
+            <a:r>
+              <a:rPr lang="en-US" sz="1600" b="0" dirty="0">
+                <a:solidFill>
+                  <a:schemeClr val="tx1"/>
+                </a:solidFill>
+              </a:rPr>
+              <a:t>Model with short time period</a:t>
+            </a:r>
+          </a:p>
+          <a:p>
+            <a:pPr lvl="1" indent="-457200">
+              <a:buFont typeface="Wingdings" panose="05000000000000000000" pitchFamily="2" charset="2"/>
+              <a:buChar char="Ø"/>
+            </a:pPr>
+            <a:r>
+              <a:rPr lang="en-US" sz="1600" b="0" dirty="0">
+                <a:solidFill>
+                  <a:schemeClr val="tx1"/>
+                </a:solidFill>
+              </a:rPr>
+              <a:t>Missing variable biases</a:t>
+            </a:r>
+          </a:p>
+        </p:txBody>
+      </p:sp>
+      <p:sp>
+        <p:nvSpPr>
           <p:cNvPr id="3" name="Footer Placeholder 2"/>
           <p:cNvSpPr>
             <a:spLocks noGrp="1"/>
@@ -33926,15 +34794,16 @@
           <a:lstStyle/>
           <a:p>
             <a:r>
-              <a:rPr lang="en-US" dirty="0"/>
+              <a:rPr lang="en-US"/>
               <a:t>annalect.com</a:t>
             </a:r>
+            <a:endParaRPr lang="en-US" dirty="0"/>
           </a:p>
         </p:txBody>
       </p:sp>
       <p:sp>
         <p:nvSpPr>
-          <p:cNvPr id="4" name="Title 3"/>
+          <p:cNvPr id="9" name="Title 8"/>
           <p:cNvSpPr>
             <a:spLocks noGrp="1"/>
           </p:cNvSpPr>
@@ -33947,10 +34816,9 @@
           <a:bodyPr/>
           <a:lstStyle/>
           <a:p>
-            <a:pPr algn="ctr"/>
             <a:r>
               <a:rPr lang="en-US" dirty="0"/>
-              <a:t>Bayesian regression</a:t>
+              <a:t>Challenges in MMM</a:t>
             </a:r>
           </a:p>
         </p:txBody>
@@ -33979,281 +34847,10 @@
           </a:p>
         </p:txBody>
       </p:sp>
-      <p:graphicFrame>
-        <p:nvGraphicFramePr>
-          <p:cNvPr id="15" name="Object 14"/>
-          <p:cNvGraphicFramePr>
-            <a:graphicFrameLocks noChangeAspect="1"/>
-          </p:cNvGraphicFramePr>
-          <p:nvPr/>
-        </p:nvGraphicFramePr>
-        <p:xfrm>
-          <a:off x="3979411" y="1436688"/>
-          <a:ext cx="3111500" cy="758825"/>
-        </p:xfrm>
-        <a:graphic>
-          <a:graphicData uri="http://schemas.openxmlformats.org/presentationml/2006/ole">
-            <mc:AlternateContent xmlns:mc="http://schemas.openxmlformats.org/markup-compatibility/2006">
-              <mc:Choice xmlns:v="urn:schemas-microsoft-com:vml" Requires="v">
-                <p:oleObj name="Equation" r:id="rId3" imgW="863280" imgH="228600" progId="Equation.3">
-                  <p:embed/>
-                </p:oleObj>
-              </mc:Choice>
-              <mc:Fallback>
-                <p:oleObj name="Equation" r:id="rId3" imgW="863280" imgH="228600" progId="Equation.3">
-                  <p:embed/>
-                  <p:pic>
-                    <p:nvPicPr>
-                      <p:cNvPr id="15" name="Object 14"/>
-                      <p:cNvPicPr>
-                        <a:picLocks noChangeAspect="1" noChangeArrowheads="1"/>
-                      </p:cNvPicPr>
-                      <p:nvPr/>
-                    </p:nvPicPr>
-                    <p:blipFill>
-                      <a:blip r:embed="rId4"/>
-                      <a:srcRect/>
-                      <a:stretch>
-                        <a:fillRect/>
-                      </a:stretch>
-                    </p:blipFill>
-                    <p:spPr bwMode="auto">
-                      <a:xfrm>
-                        <a:off x="3979411" y="1436688"/>
-                        <a:ext cx="3111500" cy="758825"/>
-                      </a:xfrm>
-                      <a:prstGeom prst="rect">
-                        <a:avLst/>
-                      </a:prstGeom>
-                      <a:noFill/>
-                      <a:ln>
-                        <a:noFill/>
-                      </a:ln>
-                      <a:effectLst/>
-                    </p:spPr>
-                  </p:pic>
-                </p:oleObj>
-              </mc:Fallback>
-            </mc:AlternateContent>
-          </a:graphicData>
-        </a:graphic>
-      </p:graphicFrame>
-      <p:sp>
-        <p:nvSpPr>
-          <p:cNvPr id="20" name="TextBox 19"/>
-          <p:cNvSpPr txBox="1"/>
-          <p:nvPr/>
-        </p:nvSpPr>
-        <p:spPr>
-          <a:xfrm>
-            <a:off x="1121729" y="1697932"/>
-            <a:ext cx="1639660" cy="399663"/>
-          </a:xfrm>
-          <a:prstGeom prst="rect">
-            <a:avLst/>
-          </a:prstGeom>
-          <a:solidFill>
-            <a:schemeClr val="bg1"/>
-          </a:solidFill>
-        </p:spPr>
-        <p:txBody>
-          <a:bodyPr vert="horz" wrap="square" lIns="0" tIns="0" rIns="0" bIns="0" numCol="1" rtlCol="0">
-            <a:normAutofit/>
-          </a:bodyPr>
-          <a:lstStyle/>
-          <a:p>
-            <a:pPr marL="0">
-              <a:lnSpc>
-                <a:spcPts val="2200"/>
-              </a:lnSpc>
-              <a:spcBef>
-                <a:spcPts val="1100"/>
-              </a:spcBef>
-              <a:buClr>
-                <a:schemeClr val="tx2"/>
-              </a:buClr>
-            </a:pPr>
-            <a:r>
-              <a:rPr lang="en-US" sz="2000" dirty="0">
-                <a:latin typeface="Arial"/>
-                <a:cs typeface="Arial"/>
-              </a:rPr>
-              <a:t> </a:t>
-            </a:r>
-            <a:r>
-              <a:rPr lang="en-US" sz="2400" b="1" u="sng" dirty="0">
-                <a:latin typeface="Arial"/>
-                <a:cs typeface="Arial"/>
-              </a:rPr>
-              <a:t>The Model </a:t>
-            </a:r>
-          </a:p>
-        </p:txBody>
-      </p:sp>
-      <p:graphicFrame>
-        <p:nvGraphicFramePr>
-          <p:cNvPr id="25" name="Object 24"/>
-          <p:cNvGraphicFramePr>
-            <a:graphicFrameLocks noChangeAspect="1"/>
-          </p:cNvGraphicFramePr>
-          <p:nvPr/>
-        </p:nvGraphicFramePr>
-        <p:xfrm>
-          <a:off x="3979411" y="2245499"/>
-          <a:ext cx="3065463" cy="800100"/>
-        </p:xfrm>
-        <a:graphic>
-          <a:graphicData uri="http://schemas.openxmlformats.org/presentationml/2006/ole">
-            <mc:AlternateContent xmlns:mc="http://schemas.openxmlformats.org/markup-compatibility/2006">
-              <mc:Choice xmlns:v="urn:schemas-microsoft-com:vml" Requires="v">
-                <p:oleObj name="Equation" r:id="rId5" imgW="850680" imgH="241200" progId="Equation.3">
-                  <p:embed/>
-                </p:oleObj>
-              </mc:Choice>
-              <mc:Fallback>
-                <p:oleObj name="Equation" r:id="rId5" imgW="850680" imgH="241200" progId="Equation.3">
-                  <p:embed/>
-                  <p:pic>
-                    <p:nvPicPr>
-                      <p:cNvPr id="25" name="Object 24"/>
-                      <p:cNvPicPr>
-                        <a:picLocks noChangeAspect="1" noChangeArrowheads="1"/>
-                      </p:cNvPicPr>
-                      <p:nvPr/>
-                    </p:nvPicPr>
-                    <p:blipFill>
-                      <a:blip r:embed="rId6"/>
-                      <a:srcRect/>
-                      <a:stretch>
-                        <a:fillRect/>
-                      </a:stretch>
-                    </p:blipFill>
-                    <p:spPr bwMode="auto">
-                      <a:xfrm>
-                        <a:off x="3979411" y="2245499"/>
-                        <a:ext cx="3065463" cy="800100"/>
-                      </a:xfrm>
-                      <a:prstGeom prst="rect">
-                        <a:avLst/>
-                      </a:prstGeom>
-                      <a:noFill/>
-                      <a:ln>
-                        <a:noFill/>
-                      </a:ln>
-                      <a:effectLst/>
-                    </p:spPr>
-                  </p:pic>
-                </p:oleObj>
-              </mc:Fallback>
-            </mc:AlternateContent>
-          </a:graphicData>
-        </a:graphic>
-      </p:graphicFrame>
-      <p:graphicFrame>
-        <p:nvGraphicFramePr>
-          <p:cNvPr id="26" name="Object 25"/>
-          <p:cNvGraphicFramePr>
-            <a:graphicFrameLocks noChangeAspect="1"/>
-          </p:cNvGraphicFramePr>
-          <p:nvPr/>
-        </p:nvGraphicFramePr>
-        <p:xfrm>
-          <a:off x="3763101" y="4072731"/>
-          <a:ext cx="3708400" cy="758825"/>
-        </p:xfrm>
-        <a:graphic>
-          <a:graphicData uri="http://schemas.openxmlformats.org/presentationml/2006/ole">
-            <mc:AlternateContent xmlns:mc="http://schemas.openxmlformats.org/markup-compatibility/2006">
-              <mc:Choice xmlns:v="urn:schemas-microsoft-com:vml" Requires="v">
-                <p:oleObj name="Equation" r:id="rId7" imgW="1028520" imgH="228600" progId="Equation.3">
-                  <p:embed/>
-                </p:oleObj>
-              </mc:Choice>
-              <mc:Fallback>
-                <p:oleObj name="Equation" r:id="rId7" imgW="1028520" imgH="228600" progId="Equation.3">
-                  <p:embed/>
-                  <p:pic>
-                    <p:nvPicPr>
-                      <p:cNvPr id="26" name="Object 25"/>
-                      <p:cNvPicPr>
-                        <a:picLocks noChangeAspect="1" noChangeArrowheads="1"/>
-                      </p:cNvPicPr>
-                      <p:nvPr/>
-                    </p:nvPicPr>
-                    <p:blipFill>
-                      <a:blip r:embed="rId8"/>
-                      <a:srcRect/>
-                      <a:stretch>
-                        <a:fillRect/>
-                      </a:stretch>
-                    </p:blipFill>
-                    <p:spPr bwMode="auto">
-                      <a:xfrm>
-                        <a:off x="3763101" y="4072731"/>
-                        <a:ext cx="3708400" cy="758825"/>
-                      </a:xfrm>
-                      <a:prstGeom prst="rect">
-                        <a:avLst/>
-                      </a:prstGeom>
-                      <a:noFill/>
-                      <a:ln>
-                        <a:noFill/>
-                      </a:ln>
-                      <a:effectLst/>
-                    </p:spPr>
-                  </p:pic>
-                </p:oleObj>
-              </mc:Fallback>
-            </mc:AlternateContent>
-          </a:graphicData>
-        </a:graphic>
-      </p:graphicFrame>
-      <p:sp>
-        <p:nvSpPr>
-          <p:cNvPr id="27" name="TextBox 26"/>
-          <p:cNvSpPr txBox="1"/>
-          <p:nvPr/>
-        </p:nvSpPr>
-        <p:spPr>
-          <a:xfrm>
-            <a:off x="5027064" y="3437792"/>
-            <a:ext cx="970156" cy="423747"/>
-          </a:xfrm>
-          <a:prstGeom prst="rect">
-            <a:avLst/>
-          </a:prstGeom>
-        </p:spPr>
-        <p:txBody>
-          <a:bodyPr vert="horz" wrap="square" lIns="0" tIns="0" rIns="0" bIns="0" numCol="1" rtlCol="0">
-            <a:normAutofit/>
-          </a:bodyPr>
-          <a:lstStyle/>
-          <a:p>
-            <a:pPr marL="0">
-              <a:lnSpc>
-                <a:spcPts val="2200"/>
-              </a:lnSpc>
-              <a:spcBef>
-                <a:spcPts val="1100"/>
-              </a:spcBef>
-              <a:buClr>
-                <a:schemeClr val="tx2"/>
-              </a:buClr>
-            </a:pPr>
-            <a:r>
-              <a:rPr lang="en-US" sz="2000" dirty="0">
-                <a:latin typeface="Arial"/>
-                <a:cs typeface="Arial"/>
-              </a:rPr>
-              <a:t>or</a:t>
-            </a:r>
-          </a:p>
-        </p:txBody>
-      </p:sp>
     </p:spTree>
     <p:extLst>
       <p:ext uri="{BB962C8B-B14F-4D97-AF65-F5344CB8AC3E}">
-        <p14:creationId xmlns:p14="http://schemas.microsoft.com/office/powerpoint/2010/main" val="3120283105"/>
+        <p14:creationId xmlns:p14="http://schemas.microsoft.com/office/powerpoint/2010/main" val="3000367780"/>
       </p:ext>
     </p:extLst>
   </p:cSld>
@@ -34294,6 +34891,104 @@
       </p:grpSpPr>
       <p:sp>
         <p:nvSpPr>
+          <p:cNvPr id="10" name="Content Placeholder 9"/>
+          <p:cNvSpPr>
+            <a:spLocks noGrp="1"/>
+          </p:cNvSpPr>
+          <p:nvPr>
+            <p:ph idx="1"/>
+          </p:nvPr>
+        </p:nvSpPr>
+        <p:spPr>
+          <a:xfrm>
+            <a:off x="609441" y="1417639"/>
+            <a:ext cx="10969943" cy="4756152"/>
+          </a:xfrm>
+        </p:spPr>
+        <p:txBody>
+          <a:bodyPr>
+            <a:normAutofit fontScale="85000" lnSpcReduction="20000"/>
+          </a:bodyPr>
+          <a:lstStyle/>
+          <a:p>
+            <a:pPr marL="342900" indent="-342900">
+              <a:buFont typeface="Arial" panose="020B0604020202020204" pitchFamily="34" charset="0"/>
+              <a:buChar char="•"/>
+            </a:pPr>
+            <a:r>
+              <a:rPr lang="en-US" b="0" dirty="0"/>
+              <a:t>Bayesian framework allows incorporation of prior knowledge (from previous models, matched market test, domain experts knowledge, etc.). </a:t>
+            </a:r>
+          </a:p>
+          <a:p>
+            <a:pPr marL="342900" indent="-342900">
+              <a:buFont typeface="Arial" panose="020B0604020202020204" pitchFamily="34" charset="0"/>
+              <a:buChar char="•"/>
+            </a:pPr>
+            <a:r>
+              <a:rPr lang="en-US" b="0" dirty="0"/>
+              <a:t>We are allowed to incorporate prior information about the parameter, which is then updated by collected data… the posterior distribution (the result) from the previous model can then become prior for the next model… this process is just like human learning process -&gt; far more intuitive.</a:t>
+            </a:r>
+          </a:p>
+          <a:p>
+            <a:pPr marL="342900" indent="-342900">
+              <a:buFont typeface="Arial" panose="020B0604020202020204" pitchFamily="34" charset="0"/>
+              <a:buChar char="•"/>
+            </a:pPr>
+            <a:r>
+              <a:rPr lang="en-US" b="0" dirty="0"/>
+              <a:t>The Bayesian framework fits marketing analytics much better :</a:t>
+            </a:r>
+          </a:p>
+          <a:p>
+            <a:pPr lvl="1" indent="-457200">
+              <a:buFont typeface="Arial" panose="020B0604020202020204" pitchFamily="34" charset="0"/>
+              <a:buChar char="•"/>
+            </a:pPr>
+            <a:r>
+              <a:rPr lang="en-US" b="0" dirty="0">
+                <a:solidFill>
+                  <a:schemeClr val="tx1"/>
+                </a:solidFill>
+              </a:rPr>
+              <a:t>Marketing managers (subject experts) usually have a sense of how marketing response are. This knowledge can be expressed in math form and incorporated into the model. If no prior information, the prior distribution can be expressed as a uniform distribution or a normal distribution with a huge variance.</a:t>
+            </a:r>
+          </a:p>
+          <a:p>
+            <a:pPr lvl="1" indent="-457200">
+              <a:buFont typeface="Arial" panose="020B0604020202020204" pitchFamily="34" charset="0"/>
+              <a:buChar char="•"/>
+            </a:pPr>
+            <a:r>
+              <a:rPr lang="en-US" b="0" dirty="0">
+                <a:solidFill>
+                  <a:schemeClr val="tx1"/>
+                </a:solidFill>
+              </a:rPr>
+              <a:t>Models are usually done semi-annually or annually, no need to start from scratch.</a:t>
+            </a:r>
+          </a:p>
+          <a:p>
+            <a:pPr marL="342900" indent="-342900">
+              <a:buFont typeface="Arial" panose="020B0604020202020204" pitchFamily="34" charset="0"/>
+              <a:buChar char="•"/>
+            </a:pPr>
+            <a:r>
+              <a:rPr lang="en-US" b="0" dirty="0"/>
+              <a:t>The essence of Bayesian statistics is the combination of information from multiple sources and fully accounting uncertainty using probability distributions and regularize estimations proportionally according to group-level and individual-level information – hierarchical Bayesian model. </a:t>
+            </a:r>
+          </a:p>
+          <a:p>
+            <a:pPr marL="342900" indent="-342900">
+              <a:buFont typeface="Arial" panose="020B0604020202020204" pitchFamily="34" charset="0"/>
+              <a:buChar char="•"/>
+            </a:pPr>
+            <a:endParaRPr lang="en-US" b="0" dirty="0"/>
+          </a:p>
+        </p:txBody>
+      </p:sp>
+      <p:sp>
+        <p:nvSpPr>
           <p:cNvPr id="3" name="Footer Placeholder 2"/>
           <p:cNvSpPr>
             <a:spLocks noGrp="1"/>
@@ -34308,15 +35003,16 @@
           <a:lstStyle/>
           <a:p>
             <a:r>
-              <a:rPr lang="en-US" dirty="0"/>
+              <a:rPr lang="en-US"/>
               <a:t>annalect.com</a:t>
             </a:r>
+            <a:endParaRPr lang="en-US" dirty="0"/>
           </a:p>
         </p:txBody>
       </p:sp>
       <p:sp>
         <p:nvSpPr>
-          <p:cNvPr id="4" name="Title 3"/>
+          <p:cNvPr id="9" name="Title 8"/>
           <p:cNvSpPr>
             <a:spLocks noGrp="1"/>
           </p:cNvSpPr>
@@ -34329,18 +35025,9 @@
           <a:bodyPr/>
           <a:lstStyle/>
           <a:p>
-            <a:pPr algn="ctr"/>
             <a:r>
               <a:rPr lang="en-US" dirty="0"/>
-              <a:t>Bayesian inference (1</a:t>
-            </a:r>
-            <a:r>
-              <a:rPr lang="en-US" baseline="30000" dirty="0"/>
-              <a:t>st</a:t>
-            </a:r>
-            <a:r>
-              <a:rPr lang="en-US" dirty="0"/>
-              <a:t> step)</a:t>
+              <a:t>How can we use Bayesian?</a:t>
             </a:r>
           </a:p>
         </p:txBody>
@@ -34369,214 +35056,10 @@
           </a:p>
         </p:txBody>
       </p:sp>
-      <p:graphicFrame>
-        <p:nvGraphicFramePr>
-          <p:cNvPr id="17" name="Object 3"/>
-          <p:cNvGraphicFramePr>
-            <a:graphicFrameLocks noChangeAspect="1"/>
-          </p:cNvGraphicFramePr>
-          <p:nvPr/>
-        </p:nvGraphicFramePr>
-        <p:xfrm>
-          <a:off x="3202097" y="3685561"/>
-          <a:ext cx="5784629" cy="878200"/>
-        </p:xfrm>
-        <a:graphic>
-          <a:graphicData uri="http://schemas.openxmlformats.org/presentationml/2006/ole">
-            <mc:AlternateContent xmlns:mc="http://schemas.openxmlformats.org/markup-compatibility/2006">
-              <mc:Choice xmlns:v="urn:schemas-microsoft-com:vml" Requires="v">
-                <p:oleObj name="Equation" r:id="rId3" imgW="2844720" imgH="431640" progId="Equation.DSMT4">
-                  <p:embed/>
-                </p:oleObj>
-              </mc:Choice>
-              <mc:Fallback>
-                <p:oleObj name="Equation" r:id="rId3" imgW="2844720" imgH="431640" progId="Equation.DSMT4">
-                  <p:embed/>
-                  <p:pic>
-                    <p:nvPicPr>
-                      <p:cNvPr id="17" name="Object 3"/>
-                      <p:cNvPicPr>
-                        <a:picLocks noChangeAspect="1" noChangeArrowheads="1"/>
-                      </p:cNvPicPr>
-                      <p:nvPr/>
-                    </p:nvPicPr>
-                    <p:blipFill>
-                      <a:blip r:embed="rId4">
-                        <a:extLst>
-                          <a:ext uri="{28A0092B-C50C-407E-A947-70E740481C1C}">
-                            <a14:useLocalDpi xmlns:a14="http://schemas.microsoft.com/office/drawing/2010/main" val="0"/>
-                          </a:ext>
-                        </a:extLst>
-                      </a:blip>
-                      <a:srcRect/>
-                      <a:stretch>
-                        <a:fillRect/>
-                      </a:stretch>
-                    </p:blipFill>
-                    <p:spPr bwMode="auto">
-                      <a:xfrm>
-                        <a:off x="3202097" y="3685561"/>
-                        <a:ext cx="5784629" cy="878200"/>
-                      </a:xfrm>
-                      <a:prstGeom prst="rect">
-                        <a:avLst/>
-                      </a:prstGeom>
-                      <a:noFill/>
-                      <a:ln>
-                        <a:noFill/>
-                      </a:ln>
-                      <a:effectLst/>
-                    </p:spPr>
-                  </p:pic>
-                </p:oleObj>
-              </mc:Fallback>
-            </mc:AlternateContent>
-          </a:graphicData>
-        </a:graphic>
-      </p:graphicFrame>
-      <p:sp>
-        <p:nvSpPr>
-          <p:cNvPr id="23" name="TextBox 22"/>
-          <p:cNvSpPr txBox="1"/>
-          <p:nvPr/>
-        </p:nvSpPr>
-        <p:spPr>
-          <a:xfrm>
-            <a:off x="840617" y="1794966"/>
-            <a:ext cx="1947187" cy="976202"/>
-          </a:xfrm>
-          <a:prstGeom prst="rect">
-            <a:avLst/>
-          </a:prstGeom>
-        </p:spPr>
-        <p:txBody>
-          <a:bodyPr vert="horz" wrap="square" lIns="0" tIns="0" rIns="0" bIns="0" numCol="1" rtlCol="0">
-            <a:normAutofit/>
-          </a:bodyPr>
-          <a:lstStyle/>
-          <a:p>
-            <a:pPr marL="0">
-              <a:lnSpc>
-                <a:spcPts val="2200"/>
-              </a:lnSpc>
-              <a:spcBef>
-                <a:spcPts val="1100"/>
-              </a:spcBef>
-              <a:buClr>
-                <a:schemeClr val="tx2"/>
-              </a:buClr>
-            </a:pPr>
-            <a:r>
-              <a:rPr lang="en-US" sz="2400" b="1" u="sng" dirty="0">
-                <a:latin typeface="Arial"/>
-                <a:cs typeface="Arial"/>
-              </a:rPr>
-              <a:t>Priors</a:t>
-            </a:r>
-            <a:endParaRPr lang="en-US" sz="2400" b="1" dirty="0">
-              <a:latin typeface="Arial"/>
-              <a:cs typeface="Arial"/>
-            </a:endParaRPr>
-          </a:p>
-          <a:p>
-            <a:pPr marL="0">
-              <a:lnSpc>
-                <a:spcPts val="2200"/>
-              </a:lnSpc>
-              <a:spcBef>
-                <a:spcPts val="1100"/>
-              </a:spcBef>
-              <a:buClr>
-                <a:schemeClr val="tx2"/>
-              </a:buClr>
-            </a:pPr>
-            <a:r>
-              <a:rPr lang="en-US" sz="2400" b="1" u="sng" dirty="0">
-                <a:latin typeface="Arial"/>
-                <a:cs typeface="Arial"/>
-              </a:rPr>
-              <a:t>(</a:t>
-            </a:r>
-            <a:r>
-              <a:rPr lang="en-US" sz="2400" b="1" dirty="0">
-                <a:latin typeface="Arial"/>
-                <a:cs typeface="Arial"/>
-              </a:rPr>
-              <a:t>assumption)</a:t>
-            </a:r>
-            <a:r>
-              <a:rPr lang="en-US" sz="2400" b="1" u="sng" dirty="0">
-                <a:latin typeface="Arial"/>
-                <a:cs typeface="Arial"/>
-              </a:rPr>
-              <a:t> </a:t>
-            </a:r>
-          </a:p>
-        </p:txBody>
-      </p:sp>
-      <p:graphicFrame>
-        <p:nvGraphicFramePr>
-          <p:cNvPr id="13" name="Object 6"/>
-          <p:cNvGraphicFramePr>
-            <a:graphicFrameLocks noChangeAspect="1"/>
-          </p:cNvGraphicFramePr>
-          <p:nvPr/>
-        </p:nvGraphicFramePr>
-        <p:xfrm>
-          <a:off x="3210733" y="1885235"/>
-          <a:ext cx="4716462" cy="1436688"/>
-        </p:xfrm>
-        <a:graphic>
-          <a:graphicData uri="http://schemas.openxmlformats.org/presentationml/2006/ole">
-            <mc:AlternateContent xmlns:mc="http://schemas.openxmlformats.org/markup-compatibility/2006">
-              <mc:Choice xmlns:v="urn:schemas-microsoft-com:vml" Requires="v">
-                <p:oleObj name="Equation" r:id="rId5" imgW="2171520" imgH="660240" progId="Equation.3">
-                  <p:embed/>
-                </p:oleObj>
-              </mc:Choice>
-              <mc:Fallback>
-                <p:oleObj name="Equation" r:id="rId5" imgW="2171520" imgH="660240" progId="Equation.3">
-                  <p:embed/>
-                  <p:pic>
-                    <p:nvPicPr>
-                      <p:cNvPr id="13" name="Object 6"/>
-                      <p:cNvPicPr>
-                        <a:picLocks noChangeAspect="1" noChangeArrowheads="1"/>
-                      </p:cNvPicPr>
-                      <p:nvPr/>
-                    </p:nvPicPr>
-                    <p:blipFill>
-                      <a:blip r:embed="rId6"/>
-                      <a:srcRect/>
-                      <a:stretch>
-                        <a:fillRect/>
-                      </a:stretch>
-                    </p:blipFill>
-                    <p:spPr bwMode="auto">
-                      <a:xfrm>
-                        <a:off x="3210733" y="1885235"/>
-                        <a:ext cx="4716462" cy="1436688"/>
-                      </a:xfrm>
-                      <a:prstGeom prst="rect">
-                        <a:avLst/>
-                      </a:prstGeom>
-                      <a:noFill/>
-                      <a:ln>
-                        <a:noFill/>
-                      </a:ln>
-                      <a:effectLst/>
-                    </p:spPr>
-                  </p:pic>
-                </p:oleObj>
-              </mc:Fallback>
-            </mc:AlternateContent>
-          </a:graphicData>
-        </a:graphic>
-      </p:graphicFrame>
     </p:spTree>
     <p:extLst>
       <p:ext uri="{BB962C8B-B14F-4D97-AF65-F5344CB8AC3E}">
-        <p14:creationId xmlns:p14="http://schemas.microsoft.com/office/powerpoint/2010/main" val="1837067860"/>
+        <p14:creationId xmlns:p14="http://schemas.microsoft.com/office/powerpoint/2010/main" val="852015859"/>
       </p:ext>
     </p:extLst>
   </p:cSld>
@@ -34617,7 +35100,13 @@
       </p:grpSpPr>
       <p:sp>
         <p:nvSpPr>
-          <p:cNvPr id="3" name="Footer Placeholder 2"/>
+          <p:cNvPr id="2" name="Footer Placeholder 1">
+            <a:extLst>
+              <a:ext uri="{FF2B5EF4-FFF2-40B4-BE49-F238E27FC236}">
+                <a16:creationId xmlns:a16="http://schemas.microsoft.com/office/drawing/2014/main" id="{616C50F9-0B62-44DE-A6C3-1FBEF075D3A6}"/>
+              </a:ext>
+            </a:extLst>
+          </p:cNvPr>
           <p:cNvSpPr>
             <a:spLocks noGrp="1"/>
           </p:cNvSpPr>
@@ -34631,15 +35120,22 @@
           <a:lstStyle/>
           <a:p>
             <a:r>
-              <a:rPr lang="en-US" dirty="0"/>
+              <a:rPr lang="en-US"/>
               <a:t>annalect.com</a:t>
             </a:r>
+            <a:endParaRPr lang="en-US" dirty="0"/>
           </a:p>
         </p:txBody>
       </p:sp>
       <p:sp>
         <p:nvSpPr>
-          <p:cNvPr id="4" name="Title 3"/>
+          <p:cNvPr id="3" name="Title 2">
+            <a:extLst>
+              <a:ext uri="{FF2B5EF4-FFF2-40B4-BE49-F238E27FC236}">
+                <a16:creationId xmlns:a16="http://schemas.microsoft.com/office/drawing/2014/main" id="{6194579F-F606-4B2A-8714-D2739A7A7EF5}"/>
+              </a:ext>
+            </a:extLst>
+          </p:cNvPr>
           <p:cNvSpPr>
             <a:spLocks noGrp="1"/>
           </p:cNvSpPr>
@@ -34652,25 +35148,22 @@
           <a:bodyPr/>
           <a:lstStyle/>
           <a:p>
-            <a:pPr algn="ctr"/>
             <a:r>
               <a:rPr lang="en-US" dirty="0"/>
-              <a:t>Bayesian inference (2</a:t>
-            </a:r>
-            <a:r>
-              <a:rPr lang="en-US" baseline="30000" dirty="0"/>
-              <a:t>nd</a:t>
-            </a:r>
-            <a:r>
-              <a:rPr lang="en-US" dirty="0"/>
-              <a:t> step)</a:t>
+              <a:t>FAQ : choice of prior</a:t>
             </a:r>
           </a:p>
         </p:txBody>
       </p:sp>
       <p:sp>
         <p:nvSpPr>
-          <p:cNvPr id="5" name="Slide Number Placeholder 4"/>
+          <p:cNvPr id="4" name="Slide Number Placeholder 3">
+            <a:extLst>
+              <a:ext uri="{FF2B5EF4-FFF2-40B4-BE49-F238E27FC236}">
+                <a16:creationId xmlns:a16="http://schemas.microsoft.com/office/drawing/2014/main" id="{E024E2C4-AC1B-44CA-901B-B54E09941F4A}"/>
+              </a:ext>
+            </a:extLst>
+          </p:cNvPr>
           <p:cNvSpPr>
             <a:spLocks noGrp="1"/>
           </p:cNvSpPr>
@@ -34692,81 +35185,22 @@
           </a:p>
         </p:txBody>
       </p:sp>
-      <p:graphicFrame>
-        <p:nvGraphicFramePr>
-          <p:cNvPr id="16" name="Object 6"/>
-          <p:cNvGraphicFramePr>
-            <a:graphicFrameLocks noChangeAspect="1"/>
-          </p:cNvGraphicFramePr>
-          <p:nvPr/>
-        </p:nvGraphicFramePr>
-        <p:xfrm>
-          <a:off x="1320121" y="3762490"/>
-          <a:ext cx="6732285" cy="967407"/>
-        </p:xfrm>
-        <a:graphic>
-          <a:graphicData uri="http://schemas.openxmlformats.org/presentationml/2006/ole">
-            <mc:AlternateContent xmlns:mc="http://schemas.openxmlformats.org/markup-compatibility/2006">
-              <mc:Choice xmlns:v="urn:schemas-microsoft-com:vml" Requires="v">
-                <p:oleObj name="Equation" r:id="rId3" imgW="3098520" imgH="444240" progId="Equation.3">
-                  <p:embed/>
-                </p:oleObj>
-              </mc:Choice>
-              <mc:Fallback>
-                <p:oleObj name="Equation" r:id="rId3" imgW="3098520" imgH="444240" progId="Equation.3">
-                  <p:embed/>
-                  <p:pic>
-                    <p:nvPicPr>
-                      <p:cNvPr id="16" name="Object 6"/>
-                      <p:cNvPicPr>
-                        <a:picLocks noChangeAspect="1" noChangeArrowheads="1"/>
-                      </p:cNvPicPr>
-                      <p:nvPr/>
-                    </p:nvPicPr>
-                    <p:blipFill>
-                      <a:blip r:embed="rId4">
-                        <a:extLst>
-                          <a:ext uri="{28A0092B-C50C-407E-A947-70E740481C1C}">
-                            <a14:useLocalDpi xmlns:a14="http://schemas.microsoft.com/office/drawing/2010/main" val="0"/>
-                          </a:ext>
-                        </a:extLst>
-                      </a:blip>
-                      <a:srcRect/>
-                      <a:stretch>
-                        <a:fillRect/>
-                      </a:stretch>
-                    </p:blipFill>
-                    <p:spPr bwMode="auto">
-                      <a:xfrm>
-                        <a:off x="1320121" y="3762490"/>
-                        <a:ext cx="6732285" cy="967407"/>
-                      </a:xfrm>
-                      <a:prstGeom prst="rect">
-                        <a:avLst/>
-                      </a:prstGeom>
-                      <a:noFill/>
-                      <a:ln>
-                        <a:noFill/>
-                      </a:ln>
-                      <a:effectLst/>
-                    </p:spPr>
-                  </p:pic>
-                </p:oleObj>
-              </mc:Fallback>
-            </mc:AlternateContent>
-          </a:graphicData>
-        </a:graphic>
-      </p:graphicFrame>
       <p:sp>
         <p:nvSpPr>
-          <p:cNvPr id="22" name="TextBox 21"/>
+          <p:cNvPr id="5" name="TextBox 4">
+            <a:extLst>
+              <a:ext uri="{FF2B5EF4-FFF2-40B4-BE49-F238E27FC236}">
+                <a16:creationId xmlns:a16="http://schemas.microsoft.com/office/drawing/2014/main" id="{E33A46DE-2BE9-4B89-8563-949CCD5A213F}"/>
+              </a:ext>
+            </a:extLst>
+          </p:cNvPr>
           <p:cNvSpPr txBox="1"/>
           <p:nvPr/>
         </p:nvSpPr>
         <p:spPr>
           <a:xfrm>
-            <a:off x="1230911" y="2525479"/>
-            <a:ext cx="8704826" cy="518615"/>
+            <a:off x="896645" y="1767451"/>
+            <a:ext cx="10147177" cy="4239088"/>
           </a:xfrm>
           <a:prstGeom prst="rect">
             <a:avLst/>
@@ -34774,11 +35208,11 @@
         </p:spPr>
         <p:txBody>
           <a:bodyPr vert="horz" wrap="square" lIns="0" tIns="0" rIns="0" bIns="0" numCol="1" rtlCol="0">
-            <a:normAutofit/>
+            <a:normAutofit fontScale="85000" lnSpcReduction="10000"/>
           </a:bodyPr>
           <a:lstStyle/>
           <a:p>
-            <a:pPr marL="0">
+            <a:pPr marL="285750" indent="-285750">
               <a:lnSpc>
                 <a:spcPts val="2200"/>
               </a:lnSpc>
@@ -34788,20 +35222,139 @@
               <a:buClr>
                 <a:schemeClr val="tx2"/>
               </a:buClr>
+              <a:buFont typeface="Arial" panose="020B0604020202020204" pitchFamily="34" charset="0"/>
+              <a:buChar char="•"/>
             </a:pPr>
-            <a:r>
-              <a:rPr lang="en-US" sz="2400" b="1" u="sng" dirty="0">
-                <a:latin typeface="Arial"/>
-                <a:cs typeface="Arial"/>
-              </a:rPr>
-              <a:t>Likelihood : </a:t>
-            </a:r>
             <a:r>
               <a:rPr lang="en-US" sz="2400" dirty="0">
                 <a:latin typeface="Arial"/>
                 <a:cs typeface="Arial"/>
               </a:rPr>
-              <a:t>a frequentist takes this step only </a:t>
+              <a:t>In the </a:t>
+            </a:r>
+            <a:r>
+              <a:rPr lang="en-US" sz="2400" dirty="0" err="1">
+                <a:latin typeface="Arial"/>
+                <a:cs typeface="Arial"/>
+              </a:rPr>
+              <a:t>msmp</a:t>
+            </a:r>
+            <a:r>
+              <a:rPr lang="en-US" sz="2400" dirty="0">
+                <a:latin typeface="Arial"/>
+                <a:cs typeface="Arial"/>
+              </a:rPr>
+              <a:t> framework, the prior of the model parameters are assumed to have gaussian distribution -&gt; conjugate prior, Markov Chain Monte Carlo is not needed. </a:t>
+            </a:r>
+          </a:p>
+          <a:p>
+            <a:pPr marL="285750" indent="-285750">
+              <a:lnSpc>
+                <a:spcPts val="2200"/>
+              </a:lnSpc>
+              <a:spcBef>
+                <a:spcPts val="1100"/>
+              </a:spcBef>
+              <a:buClr>
+                <a:schemeClr val="tx2"/>
+              </a:buClr>
+              <a:buFont typeface="Arial" panose="020B0604020202020204" pitchFamily="34" charset="0"/>
+              <a:buChar char="•"/>
+            </a:pPr>
+            <a:r>
+              <a:rPr lang="en-US" sz="2400" dirty="0">
+                <a:latin typeface="Arial"/>
+                <a:cs typeface="Arial"/>
+              </a:rPr>
+              <a:t>the default priors are diffuse/flat. In other words, normal distribution with mean of zero and standard deviation of 1 billion. The Bayesian regression result defaults to OLS result with such priors. </a:t>
+            </a:r>
+          </a:p>
+          <a:p>
+            <a:pPr marL="285750" indent="-285750">
+              <a:lnSpc>
+                <a:spcPts val="2200"/>
+              </a:lnSpc>
+              <a:spcBef>
+                <a:spcPts val="1100"/>
+              </a:spcBef>
+              <a:buClr>
+                <a:schemeClr val="tx2"/>
+              </a:buClr>
+              <a:buFont typeface="Arial" panose="020B0604020202020204" pitchFamily="34" charset="0"/>
+              <a:buChar char="•"/>
+            </a:pPr>
+            <a:r>
+              <a:rPr lang="en-US" sz="2400" dirty="0">
+                <a:latin typeface="Arial"/>
+                <a:cs typeface="Arial"/>
+              </a:rPr>
+              <a:t>I recommend start with diffuse priors if you are building a model for a client/category for the first time.</a:t>
+            </a:r>
+          </a:p>
+          <a:p>
+            <a:pPr marL="285750" indent="-285750">
+              <a:lnSpc>
+                <a:spcPts val="2200"/>
+              </a:lnSpc>
+              <a:spcBef>
+                <a:spcPts val="1100"/>
+              </a:spcBef>
+              <a:buClr>
+                <a:schemeClr val="tx2"/>
+              </a:buClr>
+              <a:buFont typeface="Arial" panose="020B0604020202020204" pitchFamily="34" charset="0"/>
+              <a:buChar char="•"/>
+            </a:pPr>
+            <a:r>
+              <a:rPr lang="en-US" sz="2400" dirty="0">
+                <a:latin typeface="Arial"/>
+                <a:cs typeface="Arial"/>
+              </a:rPr>
+              <a:t>Use informative priors (based on previous model results) during a model refresh.</a:t>
+            </a:r>
+          </a:p>
+          <a:p>
+            <a:pPr marL="285750" indent="-285750">
+              <a:lnSpc>
+                <a:spcPts val="2200"/>
+              </a:lnSpc>
+              <a:spcBef>
+                <a:spcPts val="1100"/>
+              </a:spcBef>
+              <a:buClr>
+                <a:schemeClr val="tx2"/>
+              </a:buClr>
+              <a:buFont typeface="Arial" panose="020B0604020202020204" pitchFamily="34" charset="0"/>
+              <a:buChar char="•"/>
+            </a:pPr>
+            <a:r>
+              <a:rPr lang="en-US" sz="2400" dirty="0">
+                <a:latin typeface="Arial"/>
+                <a:cs typeface="Arial"/>
+              </a:rPr>
+              <a:t>If the data is panel style, geo or categories, hierarchical Bayesian model (partial pooling) can be built to account for </a:t>
+            </a:r>
+          </a:p>
+          <a:p>
+            <a:pPr marL="285750" indent="-285750">
+              <a:lnSpc>
+                <a:spcPts val="2200"/>
+              </a:lnSpc>
+              <a:spcBef>
+                <a:spcPts val="1100"/>
+              </a:spcBef>
+              <a:buClr>
+                <a:schemeClr val="tx2"/>
+              </a:buClr>
+              <a:buFont typeface="Arial" panose="020B0604020202020204" pitchFamily="34" charset="0"/>
+              <a:buChar char="•"/>
+            </a:pPr>
+            <a:r>
+              <a:rPr lang="en-US" sz="2400" dirty="0">
+                <a:latin typeface="Arial"/>
+                <a:cs typeface="Arial"/>
+              </a:rPr>
+              <a:t>We have also split the variable (say total TV) to </a:t>
             </a:r>
           </a:p>
         </p:txBody>
@@ -34809,7 +35362,7 @@
     </p:spTree>
     <p:extLst>
       <p:ext uri="{BB962C8B-B14F-4D97-AF65-F5344CB8AC3E}">
-        <p14:creationId xmlns:p14="http://schemas.microsoft.com/office/powerpoint/2010/main" val="2606938740"/>
+        <p14:creationId xmlns:p14="http://schemas.microsoft.com/office/powerpoint/2010/main" val="2333416825"/>
       </p:ext>
     </p:extLst>
   </p:cSld>
@@ -34823,7 +35376,7 @@
       </p:transition>
     </mc:Choice>
     <mc:Fallback xmlns="">
-      <p:transition spd="med">
+      <p:transition xmlns:p14="http://schemas.microsoft.com/office/powerpoint/2010/main" spd="med">
         <p:fade/>
       </p:transition>
     </mc:Fallback>
@@ -34873,39 +35426,6 @@
       </p:sp>
       <p:sp>
         <p:nvSpPr>
-          <p:cNvPr id="3" name="Title 2"/>
-          <p:cNvSpPr>
-            <a:spLocks noGrp="1"/>
-          </p:cNvSpPr>
-          <p:nvPr>
-            <p:ph type="title"/>
-          </p:nvPr>
-        </p:nvSpPr>
-        <p:spPr/>
-        <p:txBody>
-          <a:bodyPr>
-            <a:normAutofit/>
-          </a:bodyPr>
-          <a:lstStyle/>
-          <a:p>
-            <a:pPr algn="ctr"/>
-            <a:r>
-              <a:rPr lang="en-US" sz="3600" dirty="0"/>
-              <a:t>Bayesian inference (the 3</a:t>
-            </a:r>
-            <a:r>
-              <a:rPr lang="en-US" sz="3600" baseline="30000" dirty="0"/>
-              <a:t>rd</a:t>
-            </a:r>
-            <a:r>
-              <a:rPr lang="en-US" sz="3600" dirty="0"/>
-              <a:t> step)</a:t>
-            </a:r>
-          </a:p>
-        </p:txBody>
-      </p:sp>
-      <p:sp>
-        <p:nvSpPr>
           <p:cNvPr id="4" name="Slide Number Placeholder 3"/>
           <p:cNvSpPr>
             <a:spLocks noGrp="1"/>
@@ -34928,286 +35448,84 @@
           </a:p>
         </p:txBody>
       </p:sp>
-      <p:graphicFrame>
-        <p:nvGraphicFramePr>
-          <p:cNvPr id="7" name="Object 8"/>
-          <p:cNvGraphicFramePr>
-            <a:graphicFrameLocks noChangeAspect="1"/>
-          </p:cNvGraphicFramePr>
+      <p:sp>
+        <p:nvSpPr>
+          <p:cNvPr id="5" name="Rectangle 4"/>
+          <p:cNvSpPr/>
           <p:nvPr/>
-        </p:nvGraphicFramePr>
-        <p:xfrm>
-          <a:off x="1292225" y="1771650"/>
-          <a:ext cx="7796213" cy="463550"/>
-        </p:xfrm>
-        <a:graphic>
-          <a:graphicData uri="http://schemas.openxmlformats.org/presentationml/2006/ole">
-            <mc:AlternateContent xmlns:mc="http://schemas.openxmlformats.org/markup-compatibility/2006">
-              <mc:Choice xmlns:v="urn:schemas-microsoft-com:vml" Requires="v">
-                <p:oleObj name="Equation" r:id="rId2" imgW="3835080" imgH="228600" progId="Equation.3">
-                  <p:embed/>
-                </p:oleObj>
-              </mc:Choice>
-              <mc:Fallback>
-                <p:oleObj name="Equation" r:id="rId2" imgW="3835080" imgH="228600" progId="Equation.3">
-                  <p:embed/>
-                  <p:pic>
-                    <p:nvPicPr>
-                      <p:cNvPr id="7" name="Object 8"/>
-                      <p:cNvPicPr>
-                        <a:picLocks noChangeAspect="1" noChangeArrowheads="1"/>
-                      </p:cNvPicPr>
-                      <p:nvPr/>
-                    </p:nvPicPr>
-                    <p:blipFill>
-                      <a:blip r:embed="rId3"/>
-                      <a:srcRect/>
-                      <a:stretch>
-                        <a:fillRect/>
-                      </a:stretch>
-                    </p:blipFill>
-                    <p:spPr bwMode="auto">
-                      <a:xfrm>
-                        <a:off x="1292225" y="1771650"/>
-                        <a:ext cx="7796213" cy="463550"/>
-                      </a:xfrm>
-                      <a:prstGeom prst="rect">
-                        <a:avLst/>
-                      </a:prstGeom>
-                      <a:noFill/>
-                      <a:ln>
-                        <a:noFill/>
-                      </a:ln>
-                      <a:effectLst/>
-                      <a:extLst>
-                        <a:ext uri="{909E8E84-426E-40DD-AFC4-6F175D3DCCD1}">
-                          <a14:hiddenFill xmlns:a14="http://schemas.microsoft.com/office/drawing/2010/main">
-                            <a:solidFill>
-                              <a:srgbClr val="FFFFFF"/>
-                            </a:solidFill>
-                          </a14:hiddenFill>
-                        </a:ext>
-                        <a:ext uri="{91240B29-F687-4F45-9708-019B960494DF}">
-                          <a14:hiddenLine xmlns:a14="http://schemas.microsoft.com/office/drawing/2010/main" w="9525">
-                            <a:solidFill>
-                              <a:srgbClr val="000000"/>
-                            </a:solidFill>
-                            <a:miter lim="800000"/>
-                            <a:headEnd/>
-                            <a:tailEnd/>
-                          </a14:hiddenLine>
-                        </a:ext>
-                        <a:ext uri="{AF507438-7753-43E0-B8FC-AC1667EBCBE1}">
-                          <a14:hiddenEffects xmlns:a14="http://schemas.microsoft.com/office/drawing/2010/main">
-                            <a:effectLst>
-                              <a:outerShdw dist="35921" dir="2700000" algn="ctr" rotWithShape="0">
-                                <a:srgbClr val="808080"/>
-                              </a:outerShdw>
-                            </a:effectLst>
-                          </a14:hiddenEffects>
-                        </a:ext>
-                      </a:extLst>
-                    </p:spPr>
-                  </p:pic>
-                </p:oleObj>
-              </mc:Fallback>
-            </mc:AlternateContent>
-          </a:graphicData>
-        </a:graphic>
-      </p:graphicFrame>
-      <p:graphicFrame>
-        <p:nvGraphicFramePr>
-          <p:cNvPr id="9" name="Object 8"/>
-          <p:cNvGraphicFramePr>
-            <a:graphicFrameLocks noChangeAspect="1"/>
-          </p:cNvGraphicFramePr>
-          <p:nvPr/>
-        </p:nvGraphicFramePr>
-        <p:xfrm>
-          <a:off x="2519713" y="2552498"/>
-          <a:ext cx="5964237" cy="798513"/>
-        </p:xfrm>
-        <a:graphic>
-          <a:graphicData uri="http://schemas.openxmlformats.org/presentationml/2006/ole">
-            <mc:AlternateContent xmlns:mc="http://schemas.openxmlformats.org/markup-compatibility/2006">
-              <mc:Choice xmlns:v="urn:schemas-microsoft-com:vml" Requires="v">
-                <p:oleObj name="Equation" r:id="rId4" imgW="2933640" imgH="393480" progId="Equation.3">
-                  <p:embed/>
-                </p:oleObj>
-              </mc:Choice>
-              <mc:Fallback>
-                <p:oleObj name="Equation" r:id="rId4" imgW="2933640" imgH="393480" progId="Equation.3">
-                  <p:embed/>
-                  <p:pic>
-                    <p:nvPicPr>
-                      <p:cNvPr id="9" name="Object 8"/>
-                      <p:cNvPicPr>
-                        <a:picLocks noChangeAspect="1" noChangeArrowheads="1"/>
-                      </p:cNvPicPr>
-                      <p:nvPr/>
-                    </p:nvPicPr>
-                    <p:blipFill>
-                      <a:blip r:embed="rId5"/>
-                      <a:srcRect/>
-                      <a:stretch>
-                        <a:fillRect/>
-                      </a:stretch>
-                    </p:blipFill>
-                    <p:spPr bwMode="auto">
-                      <a:xfrm>
-                        <a:off x="2519713" y="2552498"/>
-                        <a:ext cx="5964237" cy="798513"/>
-                      </a:xfrm>
-                      <a:prstGeom prst="rect">
-                        <a:avLst/>
-                      </a:prstGeom>
-                      <a:solidFill>
-                        <a:schemeClr val="accent6"/>
-                      </a:solidFill>
-                      <a:ln>
-                        <a:noFill/>
-                      </a:ln>
-                      <a:effectLst/>
-                    </p:spPr>
-                  </p:pic>
-                </p:oleObj>
-              </mc:Fallback>
-            </mc:AlternateContent>
-          </a:graphicData>
-        </a:graphic>
-      </p:graphicFrame>
-      <p:graphicFrame>
-        <p:nvGraphicFramePr>
-          <p:cNvPr id="10" name="Object 6"/>
-          <p:cNvGraphicFramePr>
-            <a:graphicFrameLocks noChangeAspect="1"/>
-          </p:cNvGraphicFramePr>
-          <p:nvPr/>
-        </p:nvGraphicFramePr>
-        <p:xfrm>
-          <a:off x="3620747" y="3372031"/>
-          <a:ext cx="4772025" cy="911225"/>
-        </p:xfrm>
-        <a:graphic>
-          <a:graphicData uri="http://schemas.openxmlformats.org/presentationml/2006/ole">
-            <mc:AlternateContent xmlns:mc="http://schemas.openxmlformats.org/markup-compatibility/2006">
-              <mc:Choice xmlns:v="urn:schemas-microsoft-com:vml" Requires="v">
-                <p:oleObj name="Equation" r:id="rId6" imgW="2197080" imgH="419040" progId="Equation.3">
-                  <p:embed/>
-                </p:oleObj>
-              </mc:Choice>
-              <mc:Fallback>
-                <p:oleObj name="Equation" r:id="rId6" imgW="2197080" imgH="419040" progId="Equation.3">
-                  <p:embed/>
-                  <p:pic>
-                    <p:nvPicPr>
-                      <p:cNvPr id="10" name="Object 6"/>
-                      <p:cNvPicPr>
-                        <a:picLocks noChangeAspect="1" noChangeArrowheads="1"/>
-                      </p:cNvPicPr>
-                      <p:nvPr/>
-                    </p:nvPicPr>
-                    <p:blipFill>
-                      <a:blip r:embed="rId7"/>
-                      <a:srcRect/>
-                      <a:stretch>
-                        <a:fillRect/>
-                      </a:stretch>
-                    </p:blipFill>
-                    <p:spPr bwMode="auto">
-                      <a:xfrm>
-                        <a:off x="3620747" y="3372031"/>
-                        <a:ext cx="4772025" cy="911225"/>
-                      </a:xfrm>
-                      <a:prstGeom prst="rect">
-                        <a:avLst/>
-                      </a:prstGeom>
-                      <a:solidFill>
-                        <a:schemeClr val="tx2"/>
-                      </a:solidFill>
-                      <a:ln>
-                        <a:noFill/>
-                      </a:ln>
-                      <a:effectLst/>
-                    </p:spPr>
-                  </p:pic>
-                </p:oleObj>
-              </mc:Fallback>
-            </mc:AlternateContent>
-          </a:graphicData>
-        </a:graphic>
-      </p:graphicFrame>
-      <p:graphicFrame>
-        <p:nvGraphicFramePr>
-          <p:cNvPr id="14" name="Object 13"/>
-          <p:cNvGraphicFramePr>
-            <a:graphicFrameLocks noChangeAspect="1"/>
-          </p:cNvGraphicFramePr>
-          <p:nvPr>
-            <p:extLst>
-              <p:ext uri="{D42A27DB-BD31-4B8C-83A1-F6EECF244321}">
-                <p14:modId xmlns:p14="http://schemas.microsoft.com/office/powerpoint/2010/main" val="190538130"/>
-              </p:ext>
-            </p:extLst>
-          </p:nvPr>
-        </p:nvGraphicFramePr>
-        <p:xfrm>
-          <a:off x="3455325" y="5123145"/>
-          <a:ext cx="4284662" cy="488950"/>
-        </p:xfrm>
-        <a:graphic>
-          <a:graphicData uri="http://schemas.openxmlformats.org/presentationml/2006/ole">
-            <mc:AlternateContent xmlns:mc="http://schemas.openxmlformats.org/markup-compatibility/2006">
-              <mc:Choice xmlns:v="urn:schemas-microsoft-com:vml" Requires="v">
-                <p:oleObj name="Equation" r:id="rId8" imgW="2108160" imgH="241200" progId="Equation.3">
-                  <p:embed/>
-                </p:oleObj>
-              </mc:Choice>
-              <mc:Fallback>
-                <p:oleObj name="Equation" r:id="rId8" imgW="2108160" imgH="241200" progId="Equation.3">
-                  <p:embed/>
-                  <p:pic>
-                    <p:nvPicPr>
-                      <p:cNvPr id="14" name="Object 13"/>
-                      <p:cNvPicPr>
-                        <a:picLocks noChangeAspect="1" noChangeArrowheads="1"/>
-                      </p:cNvPicPr>
-                      <p:nvPr/>
-                    </p:nvPicPr>
-                    <p:blipFill>
-                      <a:blip r:embed="rId9"/>
-                      <a:srcRect/>
-                      <a:stretch>
-                        <a:fillRect/>
-                      </a:stretch>
-                    </p:blipFill>
-                    <p:spPr bwMode="auto">
-                      <a:xfrm>
-                        <a:off x="3455325" y="5123145"/>
-                        <a:ext cx="4284662" cy="488950"/>
-                      </a:xfrm>
-                      <a:prstGeom prst="rect">
-                        <a:avLst/>
-                      </a:prstGeom>
-                      <a:solidFill>
-                        <a:schemeClr val="accent6"/>
-                      </a:solidFill>
-                      <a:ln>
-                        <a:noFill/>
-                      </a:ln>
-                      <a:effectLst/>
-                    </p:spPr>
-                  </p:pic>
-                </p:oleObj>
-              </mc:Fallback>
-            </mc:AlternateContent>
-          </a:graphicData>
-        </a:graphic>
-      </p:graphicFrame>
+        </p:nvSpPr>
+        <p:spPr>
+          <a:xfrm>
+            <a:off x="0" y="2619807"/>
+            <a:ext cx="9078686" cy="1589235"/>
+          </a:xfrm>
+          <a:prstGeom prst="rect">
+            <a:avLst/>
+          </a:prstGeom>
+          <a:solidFill>
+            <a:schemeClr val="accent1"/>
+          </a:solidFill>
+          <a:ln w="6350" cmpd="sng">
+            <a:solidFill>
+              <a:schemeClr val="bg1">
+                <a:lumMod val="85000"/>
+              </a:schemeClr>
+            </a:solidFill>
+            <a:miter lim="800000"/>
+          </a:ln>
+        </p:spPr>
+        <p:style>
+          <a:lnRef idx="2">
+            <a:schemeClr val="accent1">
+              <a:shade val="50000"/>
+            </a:schemeClr>
+          </a:lnRef>
+          <a:fillRef idx="1">
+            <a:schemeClr val="accent1"/>
+          </a:fillRef>
+          <a:effectRef idx="0">
+            <a:schemeClr val="accent1"/>
+          </a:effectRef>
+          <a:fontRef idx="minor">
+            <a:schemeClr val="lt1"/>
+          </a:fontRef>
+        </p:style>
+        <p:txBody>
+          <a:bodyPr rot="0" spcFirstLastPara="0" vertOverflow="overflow" horzOverflow="overflow" vert="horz" wrap="square" lIns="91416" tIns="45708" rIns="91416" bIns="45708" numCol="1" spcCol="0" rtlCol="0" fromWordArt="0" anchor="ctr" anchorCtr="0" forceAA="0" compatLnSpc="1">
+            <a:prstTxWarp prst="textNoShape">
+              <a:avLst/>
+            </a:prstTxWarp>
+            <a:noAutofit/>
+          </a:bodyPr>
+          <a:lstStyle/>
+          <a:p>
+            <a:pPr algn="ctr"/>
+            <a:r>
+              <a:rPr lang="en-US" sz="5398" dirty="0"/>
+              <a:t>The MMM R code framework</a:t>
+            </a:r>
+          </a:p>
+          <a:p>
+            <a:pPr algn="ctr"/>
+            <a:r>
+              <a:rPr lang="en-US" sz="2800" dirty="0"/>
+              <a:t>(</a:t>
+            </a:r>
+            <a:r>
+              <a:rPr lang="en-US" sz="2800" dirty="0" err="1"/>
+              <a:t>msmp</a:t>
+            </a:r>
+            <a:r>
+              <a:rPr lang="en-US" sz="2800" dirty="0"/>
+              <a:t> – marketing science model platform)</a:t>
+            </a:r>
+          </a:p>
+        </p:txBody>
+      </p:sp>
     </p:spTree>
     <p:extLst>
       <p:ext uri="{BB962C8B-B14F-4D97-AF65-F5344CB8AC3E}">
-        <p14:creationId xmlns:p14="http://schemas.microsoft.com/office/powerpoint/2010/main" val="2090314473"/>
+        <p14:creationId xmlns:p14="http://schemas.microsoft.com/office/powerpoint/2010/main" val="3731947504"/>
       </p:ext>
     </p:extLst>
   </p:cSld>
@@ -35248,7 +35566,13 @@
       </p:grpSpPr>
       <p:sp>
         <p:nvSpPr>
-          <p:cNvPr id="3" name="Footer Placeholder 2"/>
+          <p:cNvPr id="2" name="Footer Placeholder 1">
+            <a:extLst>
+              <a:ext uri="{FF2B5EF4-FFF2-40B4-BE49-F238E27FC236}">
+                <a16:creationId xmlns:a16="http://schemas.microsoft.com/office/drawing/2014/main" id="{E51AE601-7D9A-4641-9257-1B349CF73D1E}"/>
+              </a:ext>
+            </a:extLst>
+          </p:cNvPr>
           <p:cNvSpPr>
             <a:spLocks noGrp="1"/>
           </p:cNvSpPr>
@@ -35262,15 +35586,22 @@
           <a:lstStyle/>
           <a:p>
             <a:r>
-              <a:rPr lang="en-US" dirty="0"/>
+              <a:rPr lang="en-US"/>
               <a:t>annalect.com</a:t>
             </a:r>
+            <a:endParaRPr lang="en-US" dirty="0"/>
           </a:p>
         </p:txBody>
       </p:sp>
       <p:sp>
         <p:nvSpPr>
-          <p:cNvPr id="4" name="Title 3"/>
+          <p:cNvPr id="3" name="Title 2">
+            <a:extLst>
+              <a:ext uri="{FF2B5EF4-FFF2-40B4-BE49-F238E27FC236}">
+                <a16:creationId xmlns:a16="http://schemas.microsoft.com/office/drawing/2014/main" id="{F5E2D3C1-FFF9-44D5-8597-E7C7AA7B4CA8}"/>
+              </a:ext>
+            </a:extLst>
+          </p:cNvPr>
           <p:cNvSpPr>
             <a:spLocks noGrp="1"/>
           </p:cNvSpPr>
@@ -35280,26 +35611,34 @@
         </p:nvSpPr>
         <p:spPr>
           <a:xfrm>
-            <a:off x="609441" y="274638"/>
-            <a:ext cx="10969943" cy="963147"/>
+            <a:off x="1342571" y="274638"/>
+            <a:ext cx="10164242" cy="1143000"/>
           </a:xfrm>
         </p:spPr>
         <p:txBody>
-          <a:bodyPr>
-            <a:normAutofit/>
-          </a:bodyPr>
+          <a:bodyPr/>
           <a:lstStyle/>
           <a:p>
             <a:r>
+              <a:rPr lang="en-US" dirty="0" err="1"/>
+              <a:t>msmp</a:t>
+            </a:r>
+            <a:r>
               <a:rPr lang="en-US" dirty="0"/>
-              <a:t>Calculate posterior without using MCMC </a:t>
+              <a:t> R functions</a:t>
             </a:r>
           </a:p>
         </p:txBody>
       </p:sp>
       <p:sp>
         <p:nvSpPr>
-          <p:cNvPr id="5" name="Slide Number Placeholder 4"/>
+          <p:cNvPr id="4" name="Slide Number Placeholder 3">
+            <a:extLst>
+              <a:ext uri="{FF2B5EF4-FFF2-40B4-BE49-F238E27FC236}">
+                <a16:creationId xmlns:a16="http://schemas.microsoft.com/office/drawing/2014/main" id="{146746EF-A016-4768-ABEB-2221C0F6D1FC}"/>
+              </a:ext>
+            </a:extLst>
+          </p:cNvPr>
           <p:cNvSpPr>
             <a:spLocks noGrp="1"/>
           </p:cNvSpPr>
@@ -35321,126 +35660,22 @@
           </a:p>
         </p:txBody>
       </p:sp>
-      <p:graphicFrame>
-        <p:nvGraphicFramePr>
-          <p:cNvPr id="8" name="Object 5"/>
-          <p:cNvGraphicFramePr>
-            <a:graphicFrameLocks noChangeAspect="1"/>
-          </p:cNvGraphicFramePr>
-          <p:nvPr/>
-        </p:nvGraphicFramePr>
-        <p:xfrm>
-          <a:off x="1129456" y="3999766"/>
-          <a:ext cx="4513262" cy="631825"/>
-        </p:xfrm>
-        <a:graphic>
-          <a:graphicData uri="http://schemas.openxmlformats.org/presentationml/2006/ole">
-            <mc:AlternateContent xmlns:mc="http://schemas.openxmlformats.org/markup-compatibility/2006">
-              <mc:Choice xmlns:v="urn:schemas-microsoft-com:vml" Requires="v">
-                <p:oleObj name="Equation" r:id="rId3" imgW="1473120" imgH="215640" progId="Equation.3">
-                  <p:embed/>
-                </p:oleObj>
-              </mc:Choice>
-              <mc:Fallback>
-                <p:oleObj name="Equation" r:id="rId3" imgW="1473120" imgH="215640" progId="Equation.3">
-                  <p:embed/>
-                  <p:pic>
-                    <p:nvPicPr>
-                      <p:cNvPr id="8" name="Object 5"/>
-                      <p:cNvPicPr>
-                        <a:picLocks noChangeAspect="1" noChangeArrowheads="1"/>
-                      </p:cNvPicPr>
-                      <p:nvPr/>
-                    </p:nvPicPr>
-                    <p:blipFill>
-                      <a:blip r:embed="rId4"/>
-                      <a:srcRect/>
-                      <a:stretch>
-                        <a:fillRect/>
-                      </a:stretch>
-                    </p:blipFill>
-                    <p:spPr bwMode="auto">
-                      <a:xfrm>
-                        <a:off x="1129456" y="3999766"/>
-                        <a:ext cx="4513262" cy="631825"/>
-                      </a:xfrm>
-                      <a:prstGeom prst="rect">
-                        <a:avLst/>
-                      </a:prstGeom>
-                      <a:noFill/>
-                    </p:spPr>
-                  </p:pic>
-                </p:oleObj>
-              </mc:Fallback>
-            </mc:AlternateContent>
-          </a:graphicData>
-        </a:graphic>
-      </p:graphicFrame>
-      <p:graphicFrame>
-        <p:nvGraphicFramePr>
-          <p:cNvPr id="9" name="Object 7"/>
-          <p:cNvGraphicFramePr>
-            <a:graphicFrameLocks noChangeAspect="1"/>
-          </p:cNvGraphicFramePr>
-          <p:nvPr/>
-        </p:nvGraphicFramePr>
-        <p:xfrm>
-          <a:off x="966788" y="4929188"/>
-          <a:ext cx="5175250" cy="941387"/>
-        </p:xfrm>
-        <a:graphic>
-          <a:graphicData uri="http://schemas.openxmlformats.org/presentationml/2006/ole">
-            <mc:AlternateContent xmlns:mc="http://schemas.openxmlformats.org/markup-compatibility/2006">
-              <mc:Choice xmlns:v="urn:schemas-microsoft-com:vml" Requires="v">
-                <p:oleObj name="Equation" r:id="rId5" imgW="2755800" imgH="457200" progId="Equation.3">
-                  <p:embed/>
-                </p:oleObj>
-              </mc:Choice>
-              <mc:Fallback>
-                <p:oleObj name="Equation" r:id="rId5" imgW="2755800" imgH="457200" progId="Equation.3">
-                  <p:embed/>
-                  <p:pic>
-                    <p:nvPicPr>
-                      <p:cNvPr id="9" name="Object 7"/>
-                      <p:cNvPicPr>
-                        <a:picLocks noChangeAspect="1" noChangeArrowheads="1"/>
-                      </p:cNvPicPr>
-                      <p:nvPr/>
-                    </p:nvPicPr>
-                    <p:blipFill>
-                      <a:blip r:embed="rId6"/>
-                      <a:srcRect/>
-                      <a:stretch>
-                        <a:fillRect/>
-                      </a:stretch>
-                    </p:blipFill>
-                    <p:spPr bwMode="auto">
-                      <a:xfrm>
-                        <a:off x="966788" y="4929188"/>
-                        <a:ext cx="5175250" cy="941387"/>
-                      </a:xfrm>
-                      <a:prstGeom prst="rect">
-                        <a:avLst/>
-                      </a:prstGeom>
-                      <a:noFill/>
-                    </p:spPr>
-                  </p:pic>
-                </p:oleObj>
-              </mc:Fallback>
-            </mc:AlternateContent>
-          </a:graphicData>
-        </a:graphic>
-      </p:graphicFrame>
       <p:sp>
         <p:nvSpPr>
-          <p:cNvPr id="2" name="TextBox 1"/>
+          <p:cNvPr id="5" name="TextBox 4">
+            <a:extLst>
+              <a:ext uri="{FF2B5EF4-FFF2-40B4-BE49-F238E27FC236}">
+                <a16:creationId xmlns:a16="http://schemas.microsoft.com/office/drawing/2014/main" id="{D4D01A3B-92D7-4AA6-8655-30B4EAD69FC0}"/>
+              </a:ext>
+            </a:extLst>
+          </p:cNvPr>
           <p:cNvSpPr txBox="1"/>
           <p:nvPr/>
         </p:nvSpPr>
         <p:spPr>
           <a:xfrm>
-            <a:off x="892098" y="1121513"/>
-            <a:ext cx="10350525" cy="2391988"/>
+            <a:off x="5638800" y="2971800"/>
+            <a:ext cx="914400" cy="914400"/>
           </a:xfrm>
           <a:prstGeom prst="rect">
             <a:avLst/>
@@ -35448,148 +35683,11 @@
         </p:spPr>
         <p:txBody>
           <a:bodyPr vert="horz" wrap="square" lIns="0" tIns="0" rIns="0" bIns="0" numCol="1" rtlCol="0">
-            <a:normAutofit fontScale="85000" lnSpcReduction="10000"/>
+            <a:normAutofit/>
           </a:bodyPr>
           <a:lstStyle/>
           <a:p>
-            <a:pPr marL="285750" indent="-285750">
-              <a:lnSpc>
-                <a:spcPts val="2200"/>
-              </a:lnSpc>
-              <a:spcBef>
-                <a:spcPts val="1100"/>
-              </a:spcBef>
-              <a:buClr>
-                <a:schemeClr val="tx2"/>
-              </a:buClr>
-              <a:buFont typeface="Arial" panose="020B0604020202020204" pitchFamily="34" charset="0"/>
-              <a:buChar char="•"/>
-            </a:pPr>
-            <a:r>
-              <a:rPr lang="en-US" sz="2000" dirty="0">
-                <a:latin typeface="Arial"/>
-                <a:cs typeface="Arial"/>
-              </a:rPr>
-              <a:t>First estimate model error </a:t>
-            </a:r>
-            <a:r>
-              <a:rPr lang="el-GR" sz="2000" dirty="0">
-                <a:latin typeface="Arial"/>
-                <a:cs typeface="Arial"/>
-              </a:rPr>
-              <a:t>σ</a:t>
-            </a:r>
-            <a:r>
-              <a:rPr lang="en-US" sz="2000" dirty="0">
-                <a:latin typeface="Arial"/>
-                <a:cs typeface="Arial"/>
-              </a:rPr>
-              <a:t> from data.</a:t>
-            </a:r>
-          </a:p>
-          <a:p>
-            <a:pPr marL="285750" indent="-285750">
-              <a:lnSpc>
-                <a:spcPts val="2200"/>
-              </a:lnSpc>
-              <a:spcBef>
-                <a:spcPts val="1100"/>
-              </a:spcBef>
-              <a:buClr>
-                <a:schemeClr val="tx2"/>
-              </a:buClr>
-              <a:buFont typeface="Arial" panose="020B0604020202020204" pitchFamily="34" charset="0"/>
-              <a:buChar char="•"/>
-            </a:pPr>
-            <a:r>
-              <a:rPr lang="en-US" sz="2000" dirty="0">
-                <a:latin typeface="Arial"/>
-                <a:cs typeface="Arial"/>
-              </a:rPr>
-              <a:t>Then given the estimated </a:t>
-            </a:r>
-            <a:r>
-              <a:rPr lang="el-GR" sz="2000" dirty="0">
-                <a:cs typeface="Arial"/>
-              </a:rPr>
-              <a:t>σ</a:t>
-            </a:r>
-            <a:r>
-              <a:rPr lang="en-US" sz="2000" dirty="0">
-                <a:latin typeface="Arial"/>
-                <a:cs typeface="Arial"/>
-              </a:rPr>
-              <a:t>, β can be calculated by augmenting data with prior, then estimating just like OLS.</a:t>
-            </a:r>
-          </a:p>
-          <a:p>
-            <a:pPr marL="285750" indent="-285750">
-              <a:lnSpc>
-                <a:spcPts val="2200"/>
-              </a:lnSpc>
-              <a:spcBef>
-                <a:spcPts val="1100"/>
-              </a:spcBef>
-              <a:buClr>
-                <a:schemeClr val="tx2"/>
-              </a:buClr>
-              <a:buFont typeface="Arial" panose="020B0604020202020204" pitchFamily="34" charset="0"/>
-              <a:buChar char="•"/>
-            </a:pPr>
-            <a:r>
-              <a:rPr lang="en-US" sz="2000" dirty="0">
-                <a:latin typeface="Arial"/>
-                <a:cs typeface="Arial"/>
-              </a:rPr>
-              <a:t>It is much more robust, scalable, and fast. </a:t>
-            </a:r>
-          </a:p>
-          <a:p>
-            <a:pPr marL="285750" indent="-285750">
-              <a:lnSpc>
-                <a:spcPts val="2200"/>
-              </a:lnSpc>
-              <a:spcBef>
-                <a:spcPts val="1100"/>
-              </a:spcBef>
-              <a:buClr>
-                <a:schemeClr val="tx2"/>
-              </a:buClr>
-              <a:buFont typeface="Arial" panose="020B0604020202020204" pitchFamily="34" charset="0"/>
-              <a:buChar char="•"/>
-            </a:pPr>
-            <a:r>
-              <a:rPr lang="en-US" sz="2000" dirty="0">
-                <a:latin typeface="Arial"/>
-                <a:cs typeface="Arial"/>
-              </a:rPr>
-              <a:t>Suitable for model with aggregated data, where model error can be assumed normally distributed. </a:t>
-            </a:r>
-          </a:p>
-          <a:p>
-            <a:pPr marL="285750" indent="-285750">
-              <a:lnSpc>
-                <a:spcPts val="2200"/>
-              </a:lnSpc>
-              <a:spcBef>
-                <a:spcPts val="1100"/>
-              </a:spcBef>
-              <a:buClr>
-                <a:schemeClr val="tx2"/>
-              </a:buClr>
-              <a:buFont typeface="Arial" panose="020B0604020202020204" pitchFamily="34" charset="0"/>
-              <a:buChar char="•"/>
-            </a:pPr>
-            <a:r>
-              <a:rPr lang="en-US" sz="2000" dirty="0">
-                <a:latin typeface="Arial"/>
-                <a:cs typeface="Arial"/>
-              </a:rPr>
-              <a:t>Not suitable for individual-level data.</a:t>
-            </a:r>
-          </a:p>
-          <a:p>
-            <a:pPr>
+            <a:pPr marL="0">
               <a:lnSpc>
                 <a:spcPts val="2200"/>
               </a:lnSpc>
@@ -35605,8 +35703,36 @@
               <a:cs typeface="Arial"/>
             </a:endParaRPr>
           </a:p>
-          <a:p>
-            <a:pPr>
+        </p:txBody>
+      </p:sp>
+      <p:sp>
+        <p:nvSpPr>
+          <p:cNvPr id="6" name="TextBox 5">
+            <a:extLst>
+              <a:ext uri="{FF2B5EF4-FFF2-40B4-BE49-F238E27FC236}">
+                <a16:creationId xmlns:a16="http://schemas.microsoft.com/office/drawing/2014/main" id="{0DFC729A-8506-4E18-A808-1C9D0B6E63F7}"/>
+              </a:ext>
+            </a:extLst>
+          </p:cNvPr>
+          <p:cNvSpPr txBox="1"/>
+          <p:nvPr/>
+        </p:nvSpPr>
+        <p:spPr>
+          <a:xfrm>
+            <a:off x="878113" y="1625601"/>
+            <a:ext cx="7852229" cy="3171371"/>
+          </a:xfrm>
+          <a:prstGeom prst="rect">
+            <a:avLst/>
+          </a:prstGeom>
+        </p:spPr>
+        <p:txBody>
+          <a:bodyPr vert="horz" wrap="square" lIns="0" tIns="0" rIns="0" bIns="0" numCol="1" rtlCol="0">
+            <a:normAutofit/>
+          </a:bodyPr>
+          <a:lstStyle/>
+          <a:p>
+            <a:pPr marL="0">
               <a:lnSpc>
                 <a:spcPts val="2200"/>
               </a:lnSpc>
@@ -35624,34 +35750,327 @@
           </a:p>
         </p:txBody>
       </p:sp>
-      <p:pic>
-        <p:nvPicPr>
-          <p:cNvPr id="10" name="Picture 9"/>
-          <p:cNvPicPr>
-            <a:picLocks noChangeAspect="1"/>
-          </p:cNvPicPr>
+      <p:sp>
+        <p:nvSpPr>
+          <p:cNvPr id="7" name="TextBox 6">
+            <a:extLst>
+              <a:ext uri="{FF2B5EF4-FFF2-40B4-BE49-F238E27FC236}">
+                <a16:creationId xmlns:a16="http://schemas.microsoft.com/office/drawing/2014/main" id="{03C07F30-2843-4324-A787-55ACA29F30F0}"/>
+              </a:ext>
+            </a:extLst>
+          </p:cNvPr>
+          <p:cNvSpPr txBox="1"/>
           <p:nvPr/>
-        </p:nvPicPr>
-        <p:blipFill>
-          <a:blip r:embed="rId7"/>
-          <a:stretch>
-            <a:fillRect/>
-          </a:stretch>
-        </p:blipFill>
+        </p:nvSpPr>
         <p:spPr>
           <a:xfrm>
-            <a:off x="6162732" y="3248025"/>
-            <a:ext cx="5514975" cy="3609975"/>
+            <a:off x="1342571" y="1417638"/>
+            <a:ext cx="9354458" cy="3568019"/>
           </a:xfrm>
           <a:prstGeom prst="rect">
             <a:avLst/>
           </a:prstGeom>
         </p:spPr>
-      </p:pic>
+        <p:txBody>
+          <a:bodyPr vert="horz" wrap="square" lIns="0" tIns="0" rIns="0" bIns="0" numCol="1" rtlCol="0">
+            <a:normAutofit/>
+          </a:bodyPr>
+          <a:lstStyle/>
+          <a:p>
+            <a:pPr marL="285750" indent="-285750">
+              <a:lnSpc>
+                <a:spcPts val="2200"/>
+              </a:lnSpc>
+              <a:spcBef>
+                <a:spcPts val="1100"/>
+              </a:spcBef>
+              <a:buClr>
+                <a:schemeClr val="tx2"/>
+              </a:buClr>
+              <a:buFont typeface="Arial" panose="020B0604020202020204" pitchFamily="34" charset="0"/>
+              <a:buChar char="•"/>
+            </a:pPr>
+            <a:endParaRPr lang="en-US" sz="1600" dirty="0">
+              <a:latin typeface="Arial"/>
+              <a:cs typeface="Arial"/>
+            </a:endParaRPr>
+          </a:p>
+        </p:txBody>
+      </p:sp>
+      <p:sp>
+        <p:nvSpPr>
+          <p:cNvPr id="8" name="TextBox 7">
+            <a:extLst>
+              <a:ext uri="{FF2B5EF4-FFF2-40B4-BE49-F238E27FC236}">
+                <a16:creationId xmlns:a16="http://schemas.microsoft.com/office/drawing/2014/main" id="{607142B7-4997-4985-B17A-46E71058E288}"/>
+              </a:ext>
+            </a:extLst>
+          </p:cNvPr>
+          <p:cNvSpPr txBox="1"/>
+          <p:nvPr/>
+        </p:nvSpPr>
+        <p:spPr>
+          <a:xfrm>
+            <a:off x="1284514" y="1625601"/>
+            <a:ext cx="9412515" cy="3911600"/>
+          </a:xfrm>
+          <a:prstGeom prst="rect">
+            <a:avLst/>
+          </a:prstGeom>
+        </p:spPr>
+        <p:txBody>
+          <a:bodyPr vert="horz" wrap="square" lIns="0" tIns="0" rIns="0" bIns="0" numCol="1" rtlCol="0">
+            <a:normAutofit/>
+          </a:bodyPr>
+          <a:lstStyle/>
+          <a:p>
+            <a:pPr marL="285750" indent="-285750">
+              <a:lnSpc>
+                <a:spcPts val="2200"/>
+              </a:lnSpc>
+              <a:spcBef>
+                <a:spcPts val="1100"/>
+              </a:spcBef>
+              <a:buClr>
+                <a:schemeClr val="tx2"/>
+              </a:buClr>
+              <a:buFont typeface="Arial" panose="020B0604020202020204" pitchFamily="34" charset="0"/>
+              <a:buChar char="•"/>
+            </a:pPr>
+            <a:r>
+              <a:rPr lang="en-US" sz="2000" dirty="0">
+                <a:latin typeface="Arial"/>
+                <a:cs typeface="Arial"/>
+              </a:rPr>
+              <a:t>The common R functions that can be used across clients/projects</a:t>
+            </a:r>
+          </a:p>
+          <a:p>
+            <a:pPr marL="742950" lvl="1" indent="-285750">
+              <a:lnSpc>
+                <a:spcPts val="2200"/>
+              </a:lnSpc>
+              <a:spcBef>
+                <a:spcPts val="1100"/>
+              </a:spcBef>
+              <a:buClr>
+                <a:schemeClr val="tx2"/>
+              </a:buClr>
+              <a:buFont typeface="Arial" panose="020B0604020202020204" pitchFamily="34" charset="0"/>
+              <a:buChar char="•"/>
+            </a:pPr>
+            <a:r>
+              <a:rPr lang="en-US" sz="1600" dirty="0" err="1">
+                <a:latin typeface="Arial"/>
+                <a:cs typeface="Arial"/>
+              </a:rPr>
+              <a:t>Transform.R</a:t>
+            </a:r>
+            <a:endParaRPr lang="en-US" sz="1600" dirty="0">
+              <a:latin typeface="Arial"/>
+              <a:cs typeface="Arial"/>
+            </a:endParaRPr>
+          </a:p>
+          <a:p>
+            <a:pPr marL="742950" lvl="1" indent="-285750">
+              <a:lnSpc>
+                <a:spcPts val="2200"/>
+              </a:lnSpc>
+              <a:spcBef>
+                <a:spcPts val="1100"/>
+              </a:spcBef>
+              <a:buClr>
+                <a:schemeClr val="tx2"/>
+              </a:buClr>
+              <a:buFont typeface="Arial" panose="020B0604020202020204" pitchFamily="34" charset="0"/>
+              <a:buChar char="•"/>
+            </a:pPr>
+            <a:r>
+              <a:rPr lang="en-US" sz="1600" dirty="0" err="1">
+                <a:latin typeface="Arial"/>
+                <a:cs typeface="Arial"/>
+              </a:rPr>
+              <a:t>Run_Model.R</a:t>
+            </a:r>
+            <a:r>
+              <a:rPr lang="en-US" sz="1600" dirty="0">
+                <a:latin typeface="Arial"/>
+                <a:cs typeface="Arial"/>
+              </a:rPr>
+              <a:t> (runs </a:t>
+            </a:r>
+            <a:r>
+              <a:rPr lang="en-US" sz="1600" dirty="0" err="1">
+                <a:latin typeface="Arial"/>
+                <a:cs typeface="Arial"/>
+              </a:rPr>
+              <a:t>myBayes.R</a:t>
+            </a:r>
+            <a:r>
+              <a:rPr lang="en-US" sz="1600" dirty="0">
+                <a:latin typeface="Arial"/>
+                <a:cs typeface="Arial"/>
+              </a:rPr>
+              <a:t> – the Bayesian regression function)</a:t>
+            </a:r>
+          </a:p>
+          <a:p>
+            <a:pPr marL="742950" lvl="1" indent="-285750">
+              <a:lnSpc>
+                <a:spcPts val="2200"/>
+              </a:lnSpc>
+              <a:spcBef>
+                <a:spcPts val="1100"/>
+              </a:spcBef>
+              <a:buClr>
+                <a:schemeClr val="tx2"/>
+              </a:buClr>
+              <a:buFont typeface="Arial" panose="020B0604020202020204" pitchFamily="34" charset="0"/>
+              <a:buChar char="•"/>
+            </a:pPr>
+            <a:r>
+              <a:rPr lang="en-US" sz="1600" dirty="0" err="1">
+                <a:latin typeface="Arial"/>
+                <a:cs typeface="Arial"/>
+              </a:rPr>
+              <a:t>Run_Model_Panel.R</a:t>
+            </a:r>
+            <a:r>
+              <a:rPr lang="en-US" sz="1600" dirty="0">
+                <a:latin typeface="Arial"/>
+                <a:cs typeface="Arial"/>
+              </a:rPr>
+              <a:t>  ( used for hierarchical Bayesian model)</a:t>
+            </a:r>
+          </a:p>
+          <a:p>
+            <a:pPr marL="742950" lvl="1" indent="-285750">
+              <a:lnSpc>
+                <a:spcPts val="2200"/>
+              </a:lnSpc>
+              <a:spcBef>
+                <a:spcPts val="1100"/>
+              </a:spcBef>
+              <a:buClr>
+                <a:schemeClr val="tx2"/>
+              </a:buClr>
+              <a:buFont typeface="Arial" panose="020B0604020202020204" pitchFamily="34" charset="0"/>
+              <a:buChar char="•"/>
+            </a:pPr>
+            <a:r>
+              <a:rPr lang="en-US" sz="1600" dirty="0" err="1">
+                <a:latin typeface="Arial"/>
+                <a:cs typeface="Arial"/>
+              </a:rPr>
+              <a:t>Decomp.R</a:t>
+            </a:r>
+            <a:endParaRPr lang="en-US" sz="1600" dirty="0">
+              <a:latin typeface="Arial"/>
+              <a:cs typeface="Arial"/>
+            </a:endParaRPr>
+          </a:p>
+          <a:p>
+            <a:pPr marL="742950" lvl="1" indent="-285750">
+              <a:lnSpc>
+                <a:spcPts val="2200"/>
+              </a:lnSpc>
+              <a:spcBef>
+                <a:spcPts val="1100"/>
+              </a:spcBef>
+              <a:buClr>
+                <a:schemeClr val="tx2"/>
+              </a:buClr>
+              <a:buFont typeface="Arial" panose="020B0604020202020204" pitchFamily="34" charset="0"/>
+              <a:buChar char="•"/>
+            </a:pPr>
+            <a:r>
+              <a:rPr lang="en-US" sz="1600" dirty="0" err="1">
+                <a:latin typeface="Arial"/>
+                <a:cs typeface="Arial"/>
+              </a:rPr>
+              <a:t>Unnestr.R</a:t>
+            </a:r>
+            <a:endParaRPr lang="en-US" sz="1600" dirty="0">
+              <a:latin typeface="Arial"/>
+              <a:cs typeface="Arial"/>
+            </a:endParaRPr>
+          </a:p>
+          <a:p>
+            <a:pPr marL="742950" lvl="1" indent="-285750">
+              <a:lnSpc>
+                <a:spcPts val="2200"/>
+              </a:lnSpc>
+              <a:spcBef>
+                <a:spcPts val="1100"/>
+              </a:spcBef>
+              <a:buClr>
+                <a:schemeClr val="tx2"/>
+              </a:buClr>
+              <a:buFont typeface="Arial" panose="020B0604020202020204" pitchFamily="34" charset="0"/>
+              <a:buChar char="•"/>
+            </a:pPr>
+            <a:r>
+              <a:rPr lang="en-US" sz="1600" dirty="0" err="1">
+                <a:latin typeface="Arial"/>
+                <a:cs typeface="Arial"/>
+              </a:rPr>
+              <a:t>ResponseCurve.R</a:t>
+            </a:r>
+            <a:endParaRPr lang="en-US" sz="1600" dirty="0">
+              <a:latin typeface="Arial"/>
+              <a:cs typeface="Arial"/>
+            </a:endParaRPr>
+          </a:p>
+          <a:p>
+            <a:pPr marL="742950" lvl="1" indent="-285750">
+              <a:lnSpc>
+                <a:spcPts val="2200"/>
+              </a:lnSpc>
+              <a:spcBef>
+                <a:spcPts val="1100"/>
+              </a:spcBef>
+              <a:buClr>
+                <a:schemeClr val="tx2"/>
+              </a:buClr>
+              <a:buFont typeface="Arial" panose="020B0604020202020204" pitchFamily="34" charset="0"/>
+              <a:buChar char="•"/>
+            </a:pPr>
+            <a:r>
+              <a:rPr lang="en-US" sz="1600" dirty="0">
+                <a:latin typeface="Arial"/>
+                <a:cs typeface="Arial"/>
+              </a:rPr>
+              <a:t>Etc.</a:t>
+            </a:r>
+          </a:p>
+          <a:p>
+            <a:pPr marL="285750" indent="-285750">
+              <a:lnSpc>
+                <a:spcPts val="2200"/>
+              </a:lnSpc>
+              <a:spcBef>
+                <a:spcPts val="1100"/>
+              </a:spcBef>
+              <a:buClr>
+                <a:schemeClr val="tx2"/>
+              </a:buClr>
+              <a:buFont typeface="Arial" panose="020B0604020202020204" pitchFamily="34" charset="0"/>
+              <a:buChar char="•"/>
+            </a:pPr>
+            <a:r>
+              <a:rPr lang="en-US" dirty="0">
+                <a:latin typeface="Arial"/>
+                <a:cs typeface="Arial"/>
+              </a:rPr>
+              <a:t>Each function takes in a model object, picks what it needs, performs its functionality, updates and returns the object -&gt; flexible and modular</a:t>
+            </a:r>
+          </a:p>
+        </p:txBody>
+      </p:sp>
     </p:spTree>
     <p:extLst>
       <p:ext uri="{BB962C8B-B14F-4D97-AF65-F5344CB8AC3E}">
-        <p14:creationId xmlns:p14="http://schemas.microsoft.com/office/powerpoint/2010/main" val="3377241249"/>
+        <p14:creationId xmlns:p14="http://schemas.microsoft.com/office/powerpoint/2010/main" val="1708713060"/>
       </p:ext>
     </p:extLst>
   </p:cSld>
